--- a/QHack-SunnyDelft.pptx
+++ b/QHack-SunnyDelft.pptx
@@ -1,41 +1,50 @@
 
 <file path=ppt/presentation.xml><?xml version="1.0" encoding="utf-8"?>
-<p:presentation xmlns:a="http://schemas.openxmlformats.org/drawingml/2006/main" xmlns:r="http://schemas.openxmlformats.org/officeDocument/2006/relationships" xmlns:mc="http://schemas.openxmlformats.org/markup-compatibility/2006" xmlns:mv="urn:schemas-microsoft-com:mac:vml" xmlns:p="http://schemas.openxmlformats.org/presentationml/2006/main" xmlns:c="http://schemas.openxmlformats.org/drawingml/2006/chart" xmlns:dgm="http://schemas.openxmlformats.org/drawingml/2006/diagram" xmlns:o="urn:schemas-microsoft-com:office:office" xmlns:v="urn:schemas-microsoft-com:vml" xmlns:pvml="urn:schemas-microsoft-com:office:powerpoint" xmlns:com="http://schemas.openxmlformats.org/drawingml/2006/compatibility" xmlns:p14="http://schemas.microsoft.com/office/powerpoint/2010/main" xmlns:p15="http://schemas.microsoft.com/office/powerpoint/2012/main" xmlns:ahyp="http://schemas.microsoft.com/office/drawing/2018/hyperlinkcolor" autoCompressPictures="0" embedTrueTypeFonts="1" strictFirstAndLastChars="0" saveSubsetFonts="1">
+<p:presentation xmlns:a="http://schemas.openxmlformats.org/drawingml/2006/main" xmlns:r="http://schemas.openxmlformats.org/officeDocument/2006/relationships" xmlns:p="http://schemas.openxmlformats.org/presentationml/2006/main" strictFirstAndLastChars="0" embedTrueTypeFonts="1" saveSubsetFonts="1" autoCompressPictures="0">
   <p:sldMasterIdLst>
-    <p:sldMasterId id="2147483659" r:id="rId4"/>
+    <p:sldMasterId id="2147483659" r:id="rId1"/>
   </p:sldMasterIdLst>
   <p:notesMasterIdLst>
-    <p:notesMasterId r:id="rId5"/>
+    <p:notesMasterId r:id="rId14"/>
   </p:notesMasterIdLst>
   <p:sldIdLst>
-    <p:sldId id="256" r:id="rId6"/>
-    <p:sldId id="257" r:id="rId7"/>
-    <p:sldId id="258" r:id="rId8"/>
-    <p:sldId id="259" r:id="rId9"/>
-    <p:sldId id="260" r:id="rId10"/>
-    <p:sldId id="261" r:id="rId11"/>
-    <p:sldId id="262" r:id="rId12"/>
+    <p:sldId id="256" r:id="rId2"/>
+    <p:sldId id="257" r:id="rId3"/>
+    <p:sldId id="258" r:id="rId4"/>
+    <p:sldId id="263" r:id="rId5"/>
+    <p:sldId id="264" r:id="rId6"/>
+    <p:sldId id="269" r:id="rId7"/>
+    <p:sldId id="265" r:id="rId8"/>
+    <p:sldId id="266" r:id="rId9"/>
+    <p:sldId id="267" r:id="rId10"/>
+    <p:sldId id="268" r:id="rId11"/>
+    <p:sldId id="261" r:id="rId12"/>
+    <p:sldId id="262" r:id="rId13"/>
   </p:sldIdLst>
-  <p:sldSz cy="5143500" cx="9144000"/>
+  <p:sldSz cx="9144000" cy="5143500" type="screen16x9"/>
   <p:notesSz cx="6858000" cy="9144000"/>
   <p:embeddedFontLst>
     <p:embeddedFont>
-      <p:font typeface="Raleway"/>
-      <p:regular r:id="rId13"/>
-      <p:bold r:id="rId14"/>
-      <p:italic r:id="rId15"/>
-      <p:boldItalic r:id="rId16"/>
+      <p:font typeface="Cambria Math" panose="02040503050406030204" pitchFamily="18" charset="0"/>
+      <p:regular r:id="rId15"/>
     </p:embeddedFont>
     <p:embeddedFont>
-      <p:font typeface="Lato"/>
-      <p:regular r:id="rId17"/>
-      <p:bold r:id="rId18"/>
-      <p:italic r:id="rId19"/>
-      <p:boldItalic r:id="rId20"/>
+      <p:font typeface="Lato" panose="020F0502020204030203" pitchFamily="34" charset="0"/>
+      <p:regular r:id="rId16"/>
+      <p:bold r:id="rId17"/>
+      <p:italic r:id="rId18"/>
+      <p:boldItalic r:id="rId19"/>
+    </p:embeddedFont>
+    <p:embeddedFont>
+      <p:font typeface="Raleway" pitchFamily="2" charset="77"/>
+      <p:regular r:id="rId20"/>
+      <p:bold r:id="rId21"/>
+      <p:italic r:id="rId22"/>
+      <p:boldItalic r:id="rId23"/>
     </p:embeddedFont>
   </p:embeddedFontLst>
   <p:defaultTextStyle>
-    <a:defPPr lvl="0" marR="0" rtl="0" algn="l">
+    <a:defPPr marR="0" lvl="0" algn="l" rtl="0">
       <a:lnSpc>
         <a:spcPct val="100000"/>
       </a:lnSpc>
@@ -46,7 +55,7 @@
         <a:spcPts val="0"/>
       </a:spcAft>
     </a:defPPr>
-    <a:lvl1pPr lvl="0" marR="0" rtl="0" algn="l">
+    <a:lvl1pPr marR="0" lvl="0" algn="l" rtl="0">
       <a:lnSpc>
         <a:spcPct val="100000"/>
       </a:lnSpc>
@@ -60,7 +69,7 @@
         <a:srgbClr val="000000"/>
       </a:buClr>
       <a:buFont typeface="Arial"/>
-      <a:defRPr b="0" i="0" sz="1400" u="none" cap="none" strike="noStrike">
+      <a:defRPr sz="1400" b="0" i="0" u="none" strike="noStrike" cap="none">
         <a:solidFill>
           <a:srgbClr val="000000"/>
         </a:solidFill>
@@ -70,7 +79,7 @@
         <a:sym typeface="Arial"/>
       </a:defRPr>
     </a:lvl1pPr>
-    <a:lvl2pPr lvl="1" marR="0" rtl="0" algn="l">
+    <a:lvl2pPr marR="0" lvl="1" algn="l" rtl="0">
       <a:lnSpc>
         <a:spcPct val="100000"/>
       </a:lnSpc>
@@ -84,7 +93,7 @@
         <a:srgbClr val="000000"/>
       </a:buClr>
       <a:buFont typeface="Arial"/>
-      <a:defRPr b="0" i="0" sz="1400" u="none" cap="none" strike="noStrike">
+      <a:defRPr sz="1400" b="0" i="0" u="none" strike="noStrike" cap="none">
         <a:solidFill>
           <a:srgbClr val="000000"/>
         </a:solidFill>
@@ -94,7 +103,7 @@
         <a:sym typeface="Arial"/>
       </a:defRPr>
     </a:lvl2pPr>
-    <a:lvl3pPr lvl="2" marR="0" rtl="0" algn="l">
+    <a:lvl3pPr marR="0" lvl="2" algn="l" rtl="0">
       <a:lnSpc>
         <a:spcPct val="100000"/>
       </a:lnSpc>
@@ -108,7 +117,7 @@
         <a:srgbClr val="000000"/>
       </a:buClr>
       <a:buFont typeface="Arial"/>
-      <a:defRPr b="0" i="0" sz="1400" u="none" cap="none" strike="noStrike">
+      <a:defRPr sz="1400" b="0" i="0" u="none" strike="noStrike" cap="none">
         <a:solidFill>
           <a:srgbClr val="000000"/>
         </a:solidFill>
@@ -118,7 +127,7 @@
         <a:sym typeface="Arial"/>
       </a:defRPr>
     </a:lvl3pPr>
-    <a:lvl4pPr lvl="3" marR="0" rtl="0" algn="l">
+    <a:lvl4pPr marR="0" lvl="3" algn="l" rtl="0">
       <a:lnSpc>
         <a:spcPct val="100000"/>
       </a:lnSpc>
@@ -132,7 +141,7 @@
         <a:srgbClr val="000000"/>
       </a:buClr>
       <a:buFont typeface="Arial"/>
-      <a:defRPr b="0" i="0" sz="1400" u="none" cap="none" strike="noStrike">
+      <a:defRPr sz="1400" b="0" i="0" u="none" strike="noStrike" cap="none">
         <a:solidFill>
           <a:srgbClr val="000000"/>
         </a:solidFill>
@@ -142,7 +151,7 @@
         <a:sym typeface="Arial"/>
       </a:defRPr>
     </a:lvl4pPr>
-    <a:lvl5pPr lvl="4" marR="0" rtl="0" algn="l">
+    <a:lvl5pPr marR="0" lvl="4" algn="l" rtl="0">
       <a:lnSpc>
         <a:spcPct val="100000"/>
       </a:lnSpc>
@@ -156,7 +165,7 @@
         <a:srgbClr val="000000"/>
       </a:buClr>
       <a:buFont typeface="Arial"/>
-      <a:defRPr b="0" i="0" sz="1400" u="none" cap="none" strike="noStrike">
+      <a:defRPr sz="1400" b="0" i="0" u="none" strike="noStrike" cap="none">
         <a:solidFill>
           <a:srgbClr val="000000"/>
         </a:solidFill>
@@ -166,7 +175,7 @@
         <a:sym typeface="Arial"/>
       </a:defRPr>
     </a:lvl5pPr>
-    <a:lvl6pPr lvl="5" marR="0" rtl="0" algn="l">
+    <a:lvl6pPr marR="0" lvl="5" algn="l" rtl="0">
       <a:lnSpc>
         <a:spcPct val="100000"/>
       </a:lnSpc>
@@ -180,7 +189,7 @@
         <a:srgbClr val="000000"/>
       </a:buClr>
       <a:buFont typeface="Arial"/>
-      <a:defRPr b="0" i="0" sz="1400" u="none" cap="none" strike="noStrike">
+      <a:defRPr sz="1400" b="0" i="0" u="none" strike="noStrike" cap="none">
         <a:solidFill>
           <a:srgbClr val="000000"/>
         </a:solidFill>
@@ -190,7 +199,7 @@
         <a:sym typeface="Arial"/>
       </a:defRPr>
     </a:lvl6pPr>
-    <a:lvl7pPr lvl="6" marR="0" rtl="0" algn="l">
+    <a:lvl7pPr marR="0" lvl="6" algn="l" rtl="0">
       <a:lnSpc>
         <a:spcPct val="100000"/>
       </a:lnSpc>
@@ -204,7 +213,7 @@
         <a:srgbClr val="000000"/>
       </a:buClr>
       <a:buFont typeface="Arial"/>
-      <a:defRPr b="0" i="0" sz="1400" u="none" cap="none" strike="noStrike">
+      <a:defRPr sz="1400" b="0" i="0" u="none" strike="noStrike" cap="none">
         <a:solidFill>
           <a:srgbClr val="000000"/>
         </a:solidFill>
@@ -214,7 +223,7 @@
         <a:sym typeface="Arial"/>
       </a:defRPr>
     </a:lvl7pPr>
-    <a:lvl8pPr lvl="7" marR="0" rtl="0" algn="l">
+    <a:lvl8pPr marR="0" lvl="7" algn="l" rtl="0">
       <a:lnSpc>
         <a:spcPct val="100000"/>
       </a:lnSpc>
@@ -228,7 +237,7 @@
         <a:srgbClr val="000000"/>
       </a:buClr>
       <a:buFont typeface="Arial"/>
-      <a:defRPr b="0" i="0" sz="1400" u="none" cap="none" strike="noStrike">
+      <a:defRPr sz="1400" b="0" i="0" u="none" strike="noStrike" cap="none">
         <a:solidFill>
           <a:srgbClr val="000000"/>
         </a:solidFill>
@@ -238,7 +247,7 @@
         <a:sym typeface="Arial"/>
       </a:defRPr>
     </a:lvl8pPr>
-    <a:lvl9pPr lvl="8" marR="0" rtl="0" algn="l">
+    <a:lvl9pPr marR="0" lvl="8" algn="l" rtl="0">
       <a:lnSpc>
         <a:spcPct val="100000"/>
       </a:lnSpc>
@@ -252,7 +261,7 @@
         <a:srgbClr val="000000"/>
       </a:buClr>
       <a:buFont typeface="Arial"/>
-      <a:defRPr b="0" i="0" sz="1400" u="none" cap="none" strike="noStrike">
+      <a:defRPr sz="1400" b="0" i="0" u="none" strike="noStrike" cap="none">
         <a:solidFill>
           <a:srgbClr val="000000"/>
         </a:solidFill>
@@ -265,7 +274,7 @@
   </p:defaultTextStyle>
   <p:extLst>
     <p:ext uri="{EFAFB233-063F-42B5-8137-9DF3F51BA10A}">
-      <p15:sldGuideLst>
+      <p15:sldGuideLst xmlns:p15="http://schemas.microsoft.com/office/powerpoint/2012/main">
         <p15:guide id="1" orient="horz" pos="1620">
           <p15:clr>
             <a:srgbClr val="A4A3A4"/>
@@ -283,11 +292,16 @@
 </file>
 
 <file path=ppt/notesMasters/notesMaster1.xml><?xml version="1.0" encoding="utf-8"?>
-<p:notesMaster xmlns:a="http://schemas.openxmlformats.org/drawingml/2006/main" xmlns:r="http://schemas.openxmlformats.org/officeDocument/2006/relationships" xmlns:mc="http://schemas.openxmlformats.org/markup-compatibility/2006" xmlns:mv="urn:schemas-microsoft-com:mac:vml" xmlns:p="http://schemas.openxmlformats.org/presentationml/2006/main" xmlns:c="http://schemas.openxmlformats.org/drawingml/2006/chart" xmlns:dgm="http://schemas.openxmlformats.org/drawingml/2006/diagram" xmlns:o="urn:schemas-microsoft-com:office:office" xmlns:v="urn:schemas-microsoft-com:vml" xmlns:pvml="urn:schemas-microsoft-com:office:powerpoint" xmlns:com="http://schemas.openxmlformats.org/drawingml/2006/compatibility" xmlns:p14="http://schemas.microsoft.com/office/powerpoint/2010/main" xmlns:p15="http://schemas.microsoft.com/office/powerpoint/2012/main" xmlns:ahyp="http://schemas.microsoft.com/office/drawing/2018/hyperlinkcolor">
+<p:notesMaster xmlns:a="http://schemas.openxmlformats.org/drawingml/2006/main" xmlns:r="http://schemas.openxmlformats.org/officeDocument/2006/relationships" xmlns:p="http://schemas.openxmlformats.org/presentationml/2006/main">
   <p:cSld>
+    <p:bg>
+      <p:bgRef idx="1001">
+        <a:schemeClr val="bg1"/>
+      </p:bgRef>
+    </p:bg>
     <p:spTree>
       <p:nvGrpSpPr>
-        <p:cNvPr id="2" name="Shape 2"/>
+        <p:cNvPr id="1" name="Shape 2"/>
         <p:cNvGrpSpPr/>
         <p:nvPr/>
       </p:nvGrpSpPr>
@@ -302,9 +316,11 @@
       <p:sp>
         <p:nvSpPr>
           <p:cNvPr id="3" name="Google Shape;3;n"/>
-          <p:cNvSpPr/>
+          <p:cNvSpPr>
+            <a:spLocks noGrp="1" noRot="1" noChangeAspect="1"/>
+          </p:cNvSpPr>
           <p:nvPr>
-            <p:ph idx="2" type="sldImg"/>
+            <p:ph type="sldImg" idx="2"/>
           </p:nvPr>
         </p:nvSpPr>
         <p:spPr>
@@ -313,9 +329,13 @@
             <a:ext cx="6096075" cy="3429000"/>
           </a:xfrm>
           <a:custGeom>
-            <a:rect b="b" l="l" r="r" t="t"/>
+            <a:avLst/>
+            <a:gdLst/>
+            <a:ahLst/>
+            <a:cxnLst/>
+            <a:rect l="l" t="t" r="r" b="b"/>
             <a:pathLst>
-              <a:path extrusionOk="0" h="120000" w="120000">
+              <a:path w="120000" h="120000" extrusionOk="0">
                 <a:moveTo>
                   <a:pt x="0" y="0"/>
                 </a:moveTo>
@@ -333,23 +353,25 @@
             </a:pathLst>
           </a:custGeom>
           <a:noFill/>
-          <a:ln cap="flat" cmpd="sng" w="9525">
+          <a:ln w="9525" cap="flat" cmpd="sng">
             <a:solidFill>
               <a:srgbClr val="000000"/>
             </a:solidFill>
             <a:prstDash val="solid"/>
             <a:round/>
-            <a:headEnd len="sm" w="sm" type="none"/>
-            <a:tailEnd len="sm" w="sm" type="none"/>
+            <a:headEnd type="none" w="sm" len="sm"/>
+            <a:tailEnd type="none" w="sm" len="sm"/>
           </a:ln>
         </p:spPr>
       </p:sp>
       <p:sp>
         <p:nvSpPr>
           <p:cNvPr id="4" name="Google Shape;4;n"/>
-          <p:cNvSpPr txBox="1"/>
+          <p:cNvSpPr txBox="1">
+            <a:spLocks noGrp="1"/>
+          </p:cNvSpPr>
           <p:nvPr>
-            <p:ph idx="1" type="body"/>
+            <p:ph type="body" idx="1"/>
           </p:nvPr>
         </p:nvSpPr>
         <p:spPr>
@@ -366,11 +388,11 @@
           </a:ln>
         </p:spPr>
         <p:txBody>
-          <a:bodyPr anchorCtr="0" anchor="t" bIns="91425" lIns="91425" spcFirstLastPara="1" rIns="91425" wrap="square" tIns="91425">
+          <a:bodyPr spcFirstLastPara="1" wrap="square" lIns="91425" tIns="91425" rIns="91425" bIns="91425" anchor="t" anchorCtr="0">
             <a:noAutofit/>
           </a:bodyPr>
           <a:lstStyle>
-            <a:lvl1pPr indent="-298450" lvl="0" marL="457200">
+            <a:lvl1pPr marL="457200" lvl="0" indent="-298450">
               <a:spcBef>
                 <a:spcPts val="0"/>
               </a:spcBef>
@@ -381,7 +403,7 @@
               <a:buChar char="●"/>
               <a:defRPr sz="1100"/>
             </a:lvl1pPr>
-            <a:lvl2pPr indent="-298450" lvl="1" marL="914400">
+            <a:lvl2pPr marL="914400" lvl="1" indent="-298450">
               <a:spcBef>
                 <a:spcPts val="0"/>
               </a:spcBef>
@@ -392,7 +414,7 @@
               <a:buChar char="○"/>
               <a:defRPr sz="1100"/>
             </a:lvl2pPr>
-            <a:lvl3pPr indent="-298450" lvl="2" marL="1371600">
+            <a:lvl3pPr marL="1371600" lvl="2" indent="-298450">
               <a:spcBef>
                 <a:spcPts val="0"/>
               </a:spcBef>
@@ -403,7 +425,7 @@
               <a:buChar char="■"/>
               <a:defRPr sz="1100"/>
             </a:lvl3pPr>
-            <a:lvl4pPr indent="-298450" lvl="3" marL="1828800">
+            <a:lvl4pPr marL="1828800" lvl="3" indent="-298450">
               <a:spcBef>
                 <a:spcPts val="0"/>
               </a:spcBef>
@@ -414,7 +436,7 @@
               <a:buChar char="●"/>
               <a:defRPr sz="1100"/>
             </a:lvl4pPr>
-            <a:lvl5pPr indent="-298450" lvl="4" marL="2286000">
+            <a:lvl5pPr marL="2286000" lvl="4" indent="-298450">
               <a:spcBef>
                 <a:spcPts val="0"/>
               </a:spcBef>
@@ -425,7 +447,7 @@
               <a:buChar char="○"/>
               <a:defRPr sz="1100"/>
             </a:lvl5pPr>
-            <a:lvl6pPr indent="-298450" lvl="5" marL="2743200">
+            <a:lvl6pPr marL="2743200" lvl="5" indent="-298450">
               <a:spcBef>
                 <a:spcPts val="0"/>
               </a:spcBef>
@@ -436,7 +458,7 @@
               <a:buChar char="■"/>
               <a:defRPr sz="1100"/>
             </a:lvl6pPr>
-            <a:lvl7pPr indent="-298450" lvl="6" marL="3200400">
+            <a:lvl7pPr marL="3200400" lvl="6" indent="-298450">
               <a:spcBef>
                 <a:spcPts val="0"/>
               </a:spcBef>
@@ -447,7 +469,7 @@
               <a:buChar char="●"/>
               <a:defRPr sz="1100"/>
             </a:lvl7pPr>
-            <a:lvl8pPr indent="-298450" lvl="7" marL="3657600">
+            <a:lvl8pPr marL="3657600" lvl="7" indent="-298450">
               <a:spcBef>
                 <a:spcPts val="0"/>
               </a:spcBef>
@@ -458,7 +480,7 @@
               <a:buChar char="○"/>
               <a:defRPr sz="1100"/>
             </a:lvl8pPr>
-            <a:lvl9pPr indent="-298450" lvl="8" marL="4114800">
+            <a:lvl9pPr marL="4114800" lvl="8" indent="-298450">
               <a:spcBef>
                 <a:spcPts val="0"/>
               </a:spcBef>
@@ -470,14 +492,16 @@
               <a:defRPr sz="1100"/>
             </a:lvl9pPr>
           </a:lstStyle>
-          <a:p/>
+          <a:p>
+            <a:endParaRPr/>
+          </a:p>
         </p:txBody>
       </p:sp>
     </p:spTree>
   </p:cSld>
-  <p:clrMap accent1="accent1" accent2="accent2" accent3="accent3" accent4="accent4" accent5="accent5" accent6="accent6" bg1="lt1" bg2="dk2" tx1="dk1" tx2="lt2" folHlink="folHlink" hlink="hlink"/>
+  <p:clrMap bg1="lt1" tx1="dk1" bg2="dk2" tx2="lt2" accent1="accent1" accent2="accent2" accent3="accent3" accent4="accent4" accent5="accent5" accent6="accent6" hlink="hlink" folHlink="folHlink"/>
   <p:notesStyle>
-    <a:defPPr lvl="0" marR="0" rtl="0" algn="l">
+    <a:defPPr marR="0" lvl="0" algn="l" rtl="0">
       <a:lnSpc>
         <a:spcPct val="100000"/>
       </a:lnSpc>
@@ -488,7 +512,7 @@
         <a:spcPts val="0"/>
       </a:spcAft>
     </a:defPPr>
-    <a:lvl1pPr lvl="0" marR="0" rtl="0" algn="l">
+    <a:lvl1pPr marR="0" lvl="0" algn="l" rtl="0">
       <a:lnSpc>
         <a:spcPct val="100000"/>
       </a:lnSpc>
@@ -502,7 +526,7 @@
         <a:srgbClr val="000000"/>
       </a:buClr>
       <a:buFont typeface="Arial"/>
-      <a:defRPr b="0" i="0" sz="1400" u="none" cap="none" strike="noStrike">
+      <a:defRPr sz="1400" b="0" i="0" u="none" strike="noStrike" cap="none">
         <a:solidFill>
           <a:srgbClr val="000000"/>
         </a:solidFill>
@@ -512,7 +536,7 @@
         <a:sym typeface="Arial"/>
       </a:defRPr>
     </a:lvl1pPr>
-    <a:lvl2pPr lvl="1" marR="0" rtl="0" algn="l">
+    <a:lvl2pPr marR="0" lvl="1" algn="l" rtl="0">
       <a:lnSpc>
         <a:spcPct val="100000"/>
       </a:lnSpc>
@@ -526,7 +550,7 @@
         <a:srgbClr val="000000"/>
       </a:buClr>
       <a:buFont typeface="Arial"/>
-      <a:defRPr b="0" i="0" sz="1400" u="none" cap="none" strike="noStrike">
+      <a:defRPr sz="1400" b="0" i="0" u="none" strike="noStrike" cap="none">
         <a:solidFill>
           <a:srgbClr val="000000"/>
         </a:solidFill>
@@ -536,7 +560,7 @@
         <a:sym typeface="Arial"/>
       </a:defRPr>
     </a:lvl2pPr>
-    <a:lvl3pPr lvl="2" marR="0" rtl="0" algn="l">
+    <a:lvl3pPr marR="0" lvl="2" algn="l" rtl="0">
       <a:lnSpc>
         <a:spcPct val="100000"/>
       </a:lnSpc>
@@ -550,7 +574,7 @@
         <a:srgbClr val="000000"/>
       </a:buClr>
       <a:buFont typeface="Arial"/>
-      <a:defRPr b="0" i="0" sz="1400" u="none" cap="none" strike="noStrike">
+      <a:defRPr sz="1400" b="0" i="0" u="none" strike="noStrike" cap="none">
         <a:solidFill>
           <a:srgbClr val="000000"/>
         </a:solidFill>
@@ -560,7 +584,7 @@
         <a:sym typeface="Arial"/>
       </a:defRPr>
     </a:lvl3pPr>
-    <a:lvl4pPr lvl="3" marR="0" rtl="0" algn="l">
+    <a:lvl4pPr marR="0" lvl="3" algn="l" rtl="0">
       <a:lnSpc>
         <a:spcPct val="100000"/>
       </a:lnSpc>
@@ -574,7 +598,7 @@
         <a:srgbClr val="000000"/>
       </a:buClr>
       <a:buFont typeface="Arial"/>
-      <a:defRPr b="0" i="0" sz="1400" u="none" cap="none" strike="noStrike">
+      <a:defRPr sz="1400" b="0" i="0" u="none" strike="noStrike" cap="none">
         <a:solidFill>
           <a:srgbClr val="000000"/>
         </a:solidFill>
@@ -584,7 +608,7 @@
         <a:sym typeface="Arial"/>
       </a:defRPr>
     </a:lvl4pPr>
-    <a:lvl5pPr lvl="4" marR="0" rtl="0" algn="l">
+    <a:lvl5pPr marR="0" lvl="4" algn="l" rtl="0">
       <a:lnSpc>
         <a:spcPct val="100000"/>
       </a:lnSpc>
@@ -598,7 +622,7 @@
         <a:srgbClr val="000000"/>
       </a:buClr>
       <a:buFont typeface="Arial"/>
-      <a:defRPr b="0" i="0" sz="1400" u="none" cap="none" strike="noStrike">
+      <a:defRPr sz="1400" b="0" i="0" u="none" strike="noStrike" cap="none">
         <a:solidFill>
           <a:srgbClr val="000000"/>
         </a:solidFill>
@@ -608,7 +632,7 @@
         <a:sym typeface="Arial"/>
       </a:defRPr>
     </a:lvl5pPr>
-    <a:lvl6pPr lvl="5" marR="0" rtl="0" algn="l">
+    <a:lvl6pPr marR="0" lvl="5" algn="l" rtl="0">
       <a:lnSpc>
         <a:spcPct val="100000"/>
       </a:lnSpc>
@@ -622,7 +646,7 @@
         <a:srgbClr val="000000"/>
       </a:buClr>
       <a:buFont typeface="Arial"/>
-      <a:defRPr b="0" i="0" sz="1400" u="none" cap="none" strike="noStrike">
+      <a:defRPr sz="1400" b="0" i="0" u="none" strike="noStrike" cap="none">
         <a:solidFill>
           <a:srgbClr val="000000"/>
         </a:solidFill>
@@ -632,7 +656,7 @@
         <a:sym typeface="Arial"/>
       </a:defRPr>
     </a:lvl6pPr>
-    <a:lvl7pPr lvl="6" marR="0" rtl="0" algn="l">
+    <a:lvl7pPr marR="0" lvl="6" algn="l" rtl="0">
       <a:lnSpc>
         <a:spcPct val="100000"/>
       </a:lnSpc>
@@ -646,7 +670,7 @@
         <a:srgbClr val="000000"/>
       </a:buClr>
       <a:buFont typeface="Arial"/>
-      <a:defRPr b="0" i="0" sz="1400" u="none" cap="none" strike="noStrike">
+      <a:defRPr sz="1400" b="0" i="0" u="none" strike="noStrike" cap="none">
         <a:solidFill>
           <a:srgbClr val="000000"/>
         </a:solidFill>
@@ -656,7 +680,7 @@
         <a:sym typeface="Arial"/>
       </a:defRPr>
     </a:lvl7pPr>
-    <a:lvl8pPr lvl="7" marR="0" rtl="0" algn="l">
+    <a:lvl8pPr marR="0" lvl="7" algn="l" rtl="0">
       <a:lnSpc>
         <a:spcPct val="100000"/>
       </a:lnSpc>
@@ -670,7 +694,7 @@
         <a:srgbClr val="000000"/>
       </a:buClr>
       <a:buFont typeface="Arial"/>
-      <a:defRPr b="0" i="0" sz="1400" u="none" cap="none" strike="noStrike">
+      <a:defRPr sz="1400" b="0" i="0" u="none" strike="noStrike" cap="none">
         <a:solidFill>
           <a:srgbClr val="000000"/>
         </a:solidFill>
@@ -680,7 +704,7 @@
         <a:sym typeface="Arial"/>
       </a:defRPr>
     </a:lvl8pPr>
-    <a:lvl9pPr lvl="8" marR="0" rtl="0" algn="l">
+    <a:lvl9pPr marR="0" lvl="8" algn="l" rtl="0">
       <a:lnSpc>
         <a:spcPct val="100000"/>
       </a:lnSpc>
@@ -694,7 +718,7 @@
         <a:srgbClr val="000000"/>
       </a:buClr>
       <a:buFont typeface="Arial"/>
-      <a:defRPr b="0" i="0" sz="1400" u="none" cap="none" strike="noStrike">
+      <a:defRPr sz="1400" b="0" i="0" u="none" strike="noStrike" cap="none">
         <a:solidFill>
           <a:srgbClr val="000000"/>
         </a:solidFill>
@@ -709,11 +733,11 @@
 </file>
 
 <file path=ppt/notesSlides/notesSlide1.xml><?xml version="1.0" encoding="utf-8"?>
-<p:notes xmlns:a="http://schemas.openxmlformats.org/drawingml/2006/main" xmlns:r="http://schemas.openxmlformats.org/officeDocument/2006/relationships" xmlns:mc="http://schemas.openxmlformats.org/markup-compatibility/2006" xmlns:mv="urn:schemas-microsoft-com:mac:vml" xmlns:p="http://schemas.openxmlformats.org/presentationml/2006/main" xmlns:c="http://schemas.openxmlformats.org/drawingml/2006/chart" xmlns:dgm="http://schemas.openxmlformats.org/drawingml/2006/diagram" xmlns:o="urn:schemas-microsoft-com:office:office" xmlns:v="urn:schemas-microsoft-com:vml" xmlns:pvml="urn:schemas-microsoft-com:office:powerpoint" xmlns:com="http://schemas.openxmlformats.org/drawingml/2006/compatibility" xmlns:p14="http://schemas.microsoft.com/office/powerpoint/2010/main" xmlns:p15="http://schemas.microsoft.com/office/powerpoint/2012/main" xmlns:ahyp="http://schemas.microsoft.com/office/drawing/2018/hyperlinkcolor" showMasterPhAnim="0" showMasterSp="0">
+<p:notes xmlns:a="http://schemas.openxmlformats.org/drawingml/2006/main" xmlns:r="http://schemas.openxmlformats.org/officeDocument/2006/relationships" xmlns:p="http://schemas.openxmlformats.org/presentationml/2006/main" showMasterSp="0" showMasterPhAnim="0">
   <p:cSld>
     <p:spTree>
       <p:nvGrpSpPr>
-        <p:cNvPr id="82" name="Shape 82"/>
+        <p:cNvPr id="1" name="Shape 82"/>
         <p:cNvGrpSpPr/>
         <p:nvPr/>
       </p:nvGrpSpPr>
@@ -728,20 +752,26 @@
       <p:sp>
         <p:nvSpPr>
           <p:cNvPr id="83" name="Google Shape;83;p:notes"/>
-          <p:cNvSpPr/>
+          <p:cNvSpPr>
+            <a:spLocks noGrp="1" noRot="1" noChangeAspect="1"/>
+          </p:cNvSpPr>
           <p:nvPr>
-            <p:ph idx="2" type="sldImg"/>
+            <p:ph type="sldImg" idx="2"/>
           </p:nvPr>
         </p:nvSpPr>
         <p:spPr>
           <a:xfrm>
-            <a:off x="381300" y="685800"/>
-            <a:ext cx="6096075" cy="3429000"/>
+            <a:off x="381000" y="685800"/>
+            <a:ext cx="6096000" cy="3429000"/>
           </a:xfrm>
           <a:custGeom>
-            <a:rect b="b" l="l" r="r" t="t"/>
+            <a:avLst/>
+            <a:gdLst/>
+            <a:ahLst/>
+            <a:cxnLst/>
+            <a:rect l="l" t="t" r="r" b="b"/>
             <a:pathLst>
-              <a:path extrusionOk="0" h="120000" w="120000">
+              <a:path w="120000" h="120000" extrusionOk="0">
                 <a:moveTo>
                   <a:pt x="0" y="0"/>
                 </a:moveTo>
@@ -763,9 +793,11 @@
       <p:sp>
         <p:nvSpPr>
           <p:cNvPr id="84" name="Google Shape;84;p:notes"/>
-          <p:cNvSpPr txBox="1"/>
+          <p:cNvSpPr txBox="1">
+            <a:spLocks noGrp="1"/>
+          </p:cNvSpPr>
           <p:nvPr>
-            <p:ph idx="1" type="body"/>
+            <p:ph type="body" idx="1"/>
           </p:nvPr>
         </p:nvSpPr>
         <p:spPr>
@@ -778,12 +810,12 @@
           </a:prstGeom>
         </p:spPr>
         <p:txBody>
-          <a:bodyPr anchorCtr="0" anchor="t" bIns="91425" lIns="91425" spcFirstLastPara="1" rIns="91425" wrap="square" tIns="91425">
+          <a:bodyPr spcFirstLastPara="1" wrap="square" lIns="91425" tIns="91425" rIns="91425" bIns="91425" anchor="t" anchorCtr="0">
             <a:noAutofit/>
           </a:bodyPr>
           <a:lstStyle/>
           <a:p>
-            <a:pPr indent="0" lvl="0" marL="0" rtl="0" algn="l">
+            <a:pPr marL="0" lvl="0" indent="0" algn="l" rtl="0">
               <a:spcBef>
                 <a:spcPts val="0"/>
               </a:spcBef>
@@ -792,9 +824,6 @@
               </a:spcAft>
               <a:buNone/>
             </a:pPr>
-            <a:r>
-              <a:t/>
-            </a:r>
             <a:endParaRPr/>
           </a:p>
         </p:txBody>
@@ -808,11 +837,11 @@
 </file>
 
 <file path=ppt/notesSlides/notesSlide2.xml><?xml version="1.0" encoding="utf-8"?>
-<p:notes xmlns:a="http://schemas.openxmlformats.org/drawingml/2006/main" xmlns:r="http://schemas.openxmlformats.org/officeDocument/2006/relationships" xmlns:mc="http://schemas.openxmlformats.org/markup-compatibility/2006" xmlns:mv="urn:schemas-microsoft-com:mac:vml" xmlns:p="http://schemas.openxmlformats.org/presentationml/2006/main" xmlns:c="http://schemas.openxmlformats.org/drawingml/2006/chart" xmlns:dgm="http://schemas.openxmlformats.org/drawingml/2006/diagram" xmlns:o="urn:schemas-microsoft-com:office:office" xmlns:v="urn:schemas-microsoft-com:vml" xmlns:pvml="urn:schemas-microsoft-com:office:powerpoint" xmlns:com="http://schemas.openxmlformats.org/drawingml/2006/compatibility" xmlns:p14="http://schemas.microsoft.com/office/powerpoint/2010/main" xmlns:p15="http://schemas.microsoft.com/office/powerpoint/2012/main" xmlns:ahyp="http://schemas.microsoft.com/office/drawing/2018/hyperlinkcolor" showMasterPhAnim="0" showMasterSp="0">
+<p:notes xmlns:a="http://schemas.openxmlformats.org/drawingml/2006/main" xmlns:r="http://schemas.openxmlformats.org/officeDocument/2006/relationships" xmlns:p="http://schemas.openxmlformats.org/presentationml/2006/main" showMasterSp="0" showMasterPhAnim="0">
   <p:cSld>
     <p:spTree>
       <p:nvGrpSpPr>
-        <p:cNvPr id="88" name="Shape 88"/>
+        <p:cNvPr id="1" name="Shape 88"/>
         <p:cNvGrpSpPr/>
         <p:nvPr/>
       </p:nvGrpSpPr>
@@ -827,20 +856,26 @@
       <p:sp>
         <p:nvSpPr>
           <p:cNvPr id="89" name="Google Shape;89;g2100d7d433a_1_22:notes"/>
-          <p:cNvSpPr/>
+          <p:cNvSpPr>
+            <a:spLocks noGrp="1" noRot="1" noChangeAspect="1"/>
+          </p:cNvSpPr>
           <p:nvPr>
-            <p:ph idx="2" type="sldImg"/>
+            <p:ph type="sldImg" idx="2"/>
           </p:nvPr>
         </p:nvSpPr>
         <p:spPr>
           <a:xfrm>
-            <a:off x="381300" y="685800"/>
+            <a:off x="381000" y="685800"/>
             <a:ext cx="6096000" cy="3429000"/>
           </a:xfrm>
           <a:custGeom>
-            <a:rect b="b" l="l" r="r" t="t"/>
+            <a:avLst/>
+            <a:gdLst/>
+            <a:ahLst/>
+            <a:cxnLst/>
+            <a:rect l="l" t="t" r="r" b="b"/>
             <a:pathLst>
-              <a:path extrusionOk="0" h="120000" w="120000">
+              <a:path w="120000" h="120000" extrusionOk="0">
                 <a:moveTo>
                   <a:pt x="0" y="0"/>
                 </a:moveTo>
@@ -862,9 +897,11 @@
       <p:sp>
         <p:nvSpPr>
           <p:cNvPr id="90" name="Google Shape;90;g2100d7d433a_1_22:notes"/>
-          <p:cNvSpPr txBox="1"/>
+          <p:cNvSpPr txBox="1">
+            <a:spLocks noGrp="1"/>
+          </p:cNvSpPr>
           <p:nvPr>
-            <p:ph idx="1" type="body"/>
+            <p:ph type="body" idx="1"/>
           </p:nvPr>
         </p:nvSpPr>
         <p:spPr>
@@ -877,12 +914,12 @@
           </a:prstGeom>
         </p:spPr>
         <p:txBody>
-          <a:bodyPr anchorCtr="0" anchor="t" bIns="91425" lIns="91425" spcFirstLastPara="1" rIns="91425" wrap="square" tIns="91425">
+          <a:bodyPr spcFirstLastPara="1" wrap="square" lIns="91425" tIns="91425" rIns="91425" bIns="91425" anchor="t" anchorCtr="0">
             <a:noAutofit/>
           </a:bodyPr>
           <a:lstStyle/>
           <a:p>
-            <a:pPr indent="0" lvl="0" marL="0" rtl="0" algn="l">
+            <a:pPr marL="0" lvl="0" indent="0" algn="l" rtl="0">
               <a:spcBef>
                 <a:spcPts val="0"/>
               </a:spcBef>
@@ -891,9 +928,6 @@
               </a:spcAft>
               <a:buNone/>
             </a:pPr>
-            <a:r>
-              <a:t/>
-            </a:r>
             <a:endParaRPr/>
           </a:p>
         </p:txBody>
@@ -907,11 +941,11 @@
 </file>
 
 <file path=ppt/notesSlides/notesSlide3.xml><?xml version="1.0" encoding="utf-8"?>
-<p:notes xmlns:a="http://schemas.openxmlformats.org/drawingml/2006/main" xmlns:r="http://schemas.openxmlformats.org/officeDocument/2006/relationships" xmlns:mc="http://schemas.openxmlformats.org/markup-compatibility/2006" xmlns:mv="urn:schemas-microsoft-com:mac:vml" xmlns:p="http://schemas.openxmlformats.org/presentationml/2006/main" xmlns:c="http://schemas.openxmlformats.org/drawingml/2006/chart" xmlns:dgm="http://schemas.openxmlformats.org/drawingml/2006/diagram" xmlns:o="urn:schemas-microsoft-com:office:office" xmlns:v="urn:schemas-microsoft-com:vml" xmlns:pvml="urn:schemas-microsoft-com:office:powerpoint" xmlns:com="http://schemas.openxmlformats.org/drawingml/2006/compatibility" xmlns:p14="http://schemas.microsoft.com/office/powerpoint/2010/main" xmlns:p15="http://schemas.microsoft.com/office/powerpoint/2012/main" xmlns:ahyp="http://schemas.microsoft.com/office/drawing/2018/hyperlinkcolor" showMasterPhAnim="0" showMasterSp="0">
+<p:notes xmlns:a="http://schemas.openxmlformats.org/drawingml/2006/main" xmlns:r="http://schemas.openxmlformats.org/officeDocument/2006/relationships" xmlns:p="http://schemas.openxmlformats.org/presentationml/2006/main" showMasterSp="0" showMasterPhAnim="0">
   <p:cSld>
     <p:spTree>
       <p:nvGrpSpPr>
-        <p:cNvPr id="94" name="Shape 94"/>
+        <p:cNvPr id="1" name="Shape 94"/>
         <p:cNvGrpSpPr/>
         <p:nvPr/>
       </p:nvGrpSpPr>
@@ -926,20 +960,26 @@
       <p:sp>
         <p:nvSpPr>
           <p:cNvPr id="95" name="Google Shape;95;g2119a22abb9_0_5:notes"/>
-          <p:cNvSpPr/>
+          <p:cNvSpPr>
+            <a:spLocks noGrp="1" noRot="1" noChangeAspect="1"/>
+          </p:cNvSpPr>
           <p:nvPr>
-            <p:ph idx="2" type="sldImg"/>
+            <p:ph type="sldImg" idx="2"/>
           </p:nvPr>
         </p:nvSpPr>
         <p:spPr>
           <a:xfrm>
-            <a:off x="381300" y="685800"/>
+            <a:off x="381000" y="685800"/>
             <a:ext cx="6096000" cy="3429000"/>
           </a:xfrm>
           <a:custGeom>
-            <a:rect b="b" l="l" r="r" t="t"/>
+            <a:avLst/>
+            <a:gdLst/>
+            <a:ahLst/>
+            <a:cxnLst/>
+            <a:rect l="l" t="t" r="r" b="b"/>
             <a:pathLst>
-              <a:path extrusionOk="0" h="120000" w="120000">
+              <a:path w="120000" h="120000" extrusionOk="0">
                 <a:moveTo>
                   <a:pt x="0" y="0"/>
                 </a:moveTo>
@@ -961,9 +1001,11 @@
       <p:sp>
         <p:nvSpPr>
           <p:cNvPr id="96" name="Google Shape;96;g2119a22abb9_0_5:notes"/>
-          <p:cNvSpPr txBox="1"/>
+          <p:cNvSpPr txBox="1">
+            <a:spLocks noGrp="1"/>
+          </p:cNvSpPr>
           <p:nvPr>
-            <p:ph idx="1" type="body"/>
+            <p:ph type="body" idx="1"/>
           </p:nvPr>
         </p:nvSpPr>
         <p:spPr>
@@ -976,12 +1018,12 @@
           </a:prstGeom>
         </p:spPr>
         <p:txBody>
-          <a:bodyPr anchorCtr="0" anchor="t" bIns="91425" lIns="91425" spcFirstLastPara="1" rIns="91425" wrap="square" tIns="91425">
+          <a:bodyPr spcFirstLastPara="1" wrap="square" lIns="91425" tIns="91425" rIns="91425" bIns="91425" anchor="t" anchorCtr="0">
             <a:noAutofit/>
           </a:bodyPr>
           <a:lstStyle/>
           <a:p>
-            <a:pPr indent="0" lvl="0" marL="0" rtl="0" algn="l">
+            <a:pPr marL="0" lvl="0" indent="0" algn="l" rtl="0">
               <a:spcBef>
                 <a:spcPts val="0"/>
               </a:spcBef>
@@ -990,9 +1032,6 @@
               </a:spcAft>
               <a:buNone/>
             </a:pPr>
-            <a:r>
-              <a:t/>
-            </a:r>
             <a:endParaRPr/>
           </a:p>
         </p:txBody>
@@ -1006,209 +1045,11 @@
 </file>
 
 <file path=ppt/notesSlides/notesSlide4.xml><?xml version="1.0" encoding="utf-8"?>
-<p:notes xmlns:a="http://schemas.openxmlformats.org/drawingml/2006/main" xmlns:r="http://schemas.openxmlformats.org/officeDocument/2006/relationships" xmlns:mc="http://schemas.openxmlformats.org/markup-compatibility/2006" xmlns:mv="urn:schemas-microsoft-com:mac:vml" xmlns:p="http://schemas.openxmlformats.org/presentationml/2006/main" xmlns:c="http://schemas.openxmlformats.org/drawingml/2006/chart" xmlns:dgm="http://schemas.openxmlformats.org/drawingml/2006/diagram" xmlns:o="urn:schemas-microsoft-com:office:office" xmlns:v="urn:schemas-microsoft-com:vml" xmlns:pvml="urn:schemas-microsoft-com:office:powerpoint" xmlns:com="http://schemas.openxmlformats.org/drawingml/2006/compatibility" xmlns:p14="http://schemas.microsoft.com/office/powerpoint/2010/main" xmlns:p15="http://schemas.microsoft.com/office/powerpoint/2012/main" xmlns:ahyp="http://schemas.microsoft.com/office/drawing/2018/hyperlinkcolor" showMasterPhAnim="0" showMasterSp="0">
+<p:notes xmlns:a="http://schemas.openxmlformats.org/drawingml/2006/main" xmlns:r="http://schemas.openxmlformats.org/officeDocument/2006/relationships" xmlns:p="http://schemas.openxmlformats.org/presentationml/2006/main" showMasterSp="0" showMasterPhAnim="0">
   <p:cSld>
     <p:spTree>
       <p:nvGrpSpPr>
-        <p:cNvPr id="103" name="Shape 103"/>
-        <p:cNvGrpSpPr/>
-        <p:nvPr/>
-      </p:nvGrpSpPr>
-      <p:grpSpPr>
-        <a:xfrm>
-          <a:off x="0" y="0"/>
-          <a:ext cx="0" cy="0"/>
-          <a:chOff x="0" y="0"/>
-          <a:chExt cx="0" cy="0"/>
-        </a:xfrm>
-      </p:grpSpPr>
-      <p:sp>
-        <p:nvSpPr>
-          <p:cNvPr id="104" name="Google Shape;104;g2119a22abb9_0_0:notes"/>
-          <p:cNvSpPr/>
-          <p:nvPr>
-            <p:ph idx="2" type="sldImg"/>
-          </p:nvPr>
-        </p:nvSpPr>
-        <p:spPr>
-          <a:xfrm>
-            <a:off x="381300" y="685800"/>
-            <a:ext cx="6096000" cy="3429000"/>
-          </a:xfrm>
-          <a:custGeom>
-            <a:rect b="b" l="l" r="r" t="t"/>
-            <a:pathLst>
-              <a:path extrusionOk="0" h="120000" w="120000">
-                <a:moveTo>
-                  <a:pt x="0" y="0"/>
-                </a:moveTo>
-                <a:lnTo>
-                  <a:pt x="120000" y="0"/>
-                </a:lnTo>
-                <a:lnTo>
-                  <a:pt x="120000" y="120000"/>
-                </a:lnTo>
-                <a:lnTo>
-                  <a:pt x="0" y="120000"/>
-                </a:lnTo>
-                <a:close/>
-              </a:path>
-            </a:pathLst>
-          </a:custGeom>
-        </p:spPr>
-      </p:sp>
-      <p:sp>
-        <p:nvSpPr>
-          <p:cNvPr id="105" name="Google Shape;105;g2119a22abb9_0_0:notes"/>
-          <p:cNvSpPr txBox="1"/>
-          <p:nvPr>
-            <p:ph idx="1" type="body"/>
-          </p:nvPr>
-        </p:nvSpPr>
-        <p:spPr>
-          <a:xfrm>
-            <a:off x="685800" y="4343400"/>
-            <a:ext cx="5486400" cy="4114800"/>
-          </a:xfrm>
-          <a:prstGeom prst="rect">
-            <a:avLst/>
-          </a:prstGeom>
-        </p:spPr>
-        <p:txBody>
-          <a:bodyPr anchorCtr="0" anchor="t" bIns="91425" lIns="91425" spcFirstLastPara="1" rIns="91425" wrap="square" tIns="91425">
-            <a:noAutofit/>
-          </a:bodyPr>
-          <a:lstStyle/>
-          <a:p>
-            <a:pPr indent="0" lvl="0" marL="0" rtl="0" algn="l">
-              <a:spcBef>
-                <a:spcPts val="0"/>
-              </a:spcBef>
-              <a:spcAft>
-                <a:spcPts val="0"/>
-              </a:spcAft>
-              <a:buNone/>
-            </a:pPr>
-            <a:r>
-              <a:t/>
-            </a:r>
-            <a:endParaRPr/>
-          </a:p>
-        </p:txBody>
-      </p:sp>
-    </p:spTree>
-  </p:cSld>
-  <p:clrMapOvr>
-    <a:masterClrMapping/>
-  </p:clrMapOvr>
-</p:notes>
-</file>
-
-<file path=ppt/notesSlides/notesSlide5.xml><?xml version="1.0" encoding="utf-8"?>
-<p:notes xmlns:a="http://schemas.openxmlformats.org/drawingml/2006/main" xmlns:r="http://schemas.openxmlformats.org/officeDocument/2006/relationships" xmlns:mc="http://schemas.openxmlformats.org/markup-compatibility/2006" xmlns:mv="urn:schemas-microsoft-com:mac:vml" xmlns:p="http://schemas.openxmlformats.org/presentationml/2006/main" xmlns:c="http://schemas.openxmlformats.org/drawingml/2006/chart" xmlns:dgm="http://schemas.openxmlformats.org/drawingml/2006/diagram" xmlns:o="urn:schemas-microsoft-com:office:office" xmlns:v="urn:schemas-microsoft-com:vml" xmlns:pvml="urn:schemas-microsoft-com:office:powerpoint" xmlns:com="http://schemas.openxmlformats.org/drawingml/2006/compatibility" xmlns:p14="http://schemas.microsoft.com/office/powerpoint/2010/main" xmlns:p15="http://schemas.microsoft.com/office/powerpoint/2012/main" xmlns:ahyp="http://schemas.microsoft.com/office/drawing/2018/hyperlinkcolor" showMasterPhAnim="0" showMasterSp="0">
-  <p:cSld>
-    <p:spTree>
-      <p:nvGrpSpPr>
-        <p:cNvPr id="109" name="Shape 109"/>
-        <p:cNvGrpSpPr/>
-        <p:nvPr/>
-      </p:nvGrpSpPr>
-      <p:grpSpPr>
-        <a:xfrm>
-          <a:off x="0" y="0"/>
-          <a:ext cx="0" cy="0"/>
-          <a:chOff x="0" y="0"/>
-          <a:chExt cx="0" cy="0"/>
-        </a:xfrm>
-      </p:grpSpPr>
-      <p:sp>
-        <p:nvSpPr>
-          <p:cNvPr id="110" name="Google Shape;110;g2100d7d433a_1_0:notes"/>
-          <p:cNvSpPr/>
-          <p:nvPr>
-            <p:ph idx="2" type="sldImg"/>
-          </p:nvPr>
-        </p:nvSpPr>
-        <p:spPr>
-          <a:xfrm>
-            <a:off x="381300" y="685800"/>
-            <a:ext cx="6096000" cy="3429000"/>
-          </a:xfrm>
-          <a:custGeom>
-            <a:rect b="b" l="l" r="r" t="t"/>
-            <a:pathLst>
-              <a:path extrusionOk="0" h="120000" w="120000">
-                <a:moveTo>
-                  <a:pt x="0" y="0"/>
-                </a:moveTo>
-                <a:lnTo>
-                  <a:pt x="120000" y="0"/>
-                </a:lnTo>
-                <a:lnTo>
-                  <a:pt x="120000" y="120000"/>
-                </a:lnTo>
-                <a:lnTo>
-                  <a:pt x="0" y="120000"/>
-                </a:lnTo>
-                <a:close/>
-              </a:path>
-            </a:pathLst>
-          </a:custGeom>
-        </p:spPr>
-      </p:sp>
-      <p:sp>
-        <p:nvSpPr>
-          <p:cNvPr id="111" name="Google Shape;111;g2100d7d433a_1_0:notes"/>
-          <p:cNvSpPr txBox="1"/>
-          <p:nvPr>
-            <p:ph idx="1" type="body"/>
-          </p:nvPr>
-        </p:nvSpPr>
-        <p:spPr>
-          <a:xfrm>
-            <a:off x="685800" y="4343400"/>
-            <a:ext cx="5486400" cy="4114800"/>
-          </a:xfrm>
-          <a:prstGeom prst="rect">
-            <a:avLst/>
-          </a:prstGeom>
-        </p:spPr>
-        <p:txBody>
-          <a:bodyPr anchorCtr="0" anchor="t" bIns="91425" lIns="91425" spcFirstLastPara="1" rIns="91425" wrap="square" tIns="91425">
-            <a:noAutofit/>
-          </a:bodyPr>
-          <a:lstStyle/>
-          <a:p>
-            <a:pPr indent="0" lvl="0" marL="0" rtl="0" algn="l">
-              <a:spcBef>
-                <a:spcPts val="0"/>
-              </a:spcBef>
-              <a:spcAft>
-                <a:spcPts val="0"/>
-              </a:spcAft>
-              <a:buNone/>
-            </a:pPr>
-            <a:r>
-              <a:t/>
-            </a:r>
-            <a:endParaRPr/>
-          </a:p>
-        </p:txBody>
-      </p:sp>
-    </p:spTree>
-  </p:cSld>
-  <p:clrMapOvr>
-    <a:masterClrMapping/>
-  </p:clrMapOvr>
-</p:notes>
-</file>
-
-<file path=ppt/notesSlides/notesSlide6.xml><?xml version="1.0" encoding="utf-8"?>
-<p:notes xmlns:a="http://schemas.openxmlformats.org/drawingml/2006/main" xmlns:r="http://schemas.openxmlformats.org/officeDocument/2006/relationships" xmlns:mc="http://schemas.openxmlformats.org/markup-compatibility/2006" xmlns:mv="urn:schemas-microsoft-com:mac:vml" xmlns:p="http://schemas.openxmlformats.org/presentationml/2006/main" xmlns:c="http://schemas.openxmlformats.org/drawingml/2006/chart" xmlns:dgm="http://schemas.openxmlformats.org/drawingml/2006/diagram" xmlns:o="urn:schemas-microsoft-com:office:office" xmlns:v="urn:schemas-microsoft-com:vml" xmlns:pvml="urn:schemas-microsoft-com:office:powerpoint" xmlns:com="http://schemas.openxmlformats.org/drawingml/2006/compatibility" xmlns:p14="http://schemas.microsoft.com/office/powerpoint/2010/main" xmlns:p15="http://schemas.microsoft.com/office/powerpoint/2012/main" xmlns:ahyp="http://schemas.microsoft.com/office/drawing/2018/hyperlinkcolor" showMasterPhAnim="0" showMasterSp="0">
-  <p:cSld>
-    <p:spTree>
-      <p:nvGrpSpPr>
-        <p:cNvPr id="115" name="Shape 115"/>
+        <p:cNvPr id="1" name="Shape 115"/>
         <p:cNvGrpSpPr/>
         <p:nvPr/>
       </p:nvGrpSpPr>
@@ -1223,20 +1064,26 @@
       <p:sp>
         <p:nvSpPr>
           <p:cNvPr id="116" name="Google Shape;116;g2100d7d433a_1_17:notes"/>
-          <p:cNvSpPr/>
+          <p:cNvSpPr>
+            <a:spLocks noGrp="1" noRot="1" noChangeAspect="1"/>
+          </p:cNvSpPr>
           <p:nvPr>
-            <p:ph idx="2" type="sldImg"/>
+            <p:ph type="sldImg" idx="2"/>
           </p:nvPr>
         </p:nvSpPr>
         <p:spPr>
           <a:xfrm>
-            <a:off x="381300" y="685800"/>
+            <a:off x="381000" y="685800"/>
             <a:ext cx="6096000" cy="3429000"/>
           </a:xfrm>
           <a:custGeom>
-            <a:rect b="b" l="l" r="r" t="t"/>
+            <a:avLst/>
+            <a:gdLst/>
+            <a:ahLst/>
+            <a:cxnLst/>
+            <a:rect l="l" t="t" r="r" b="b"/>
             <a:pathLst>
-              <a:path extrusionOk="0" h="120000" w="120000">
+              <a:path w="120000" h="120000" extrusionOk="0">
                 <a:moveTo>
                   <a:pt x="0" y="0"/>
                 </a:moveTo>
@@ -1258,9 +1105,11 @@
       <p:sp>
         <p:nvSpPr>
           <p:cNvPr id="117" name="Google Shape;117;g2100d7d433a_1_17:notes"/>
-          <p:cNvSpPr txBox="1"/>
+          <p:cNvSpPr txBox="1">
+            <a:spLocks noGrp="1"/>
+          </p:cNvSpPr>
           <p:nvPr>
-            <p:ph idx="1" type="body"/>
+            <p:ph type="body" idx="1"/>
           </p:nvPr>
         </p:nvSpPr>
         <p:spPr>
@@ -1273,12 +1122,12 @@
           </a:prstGeom>
         </p:spPr>
         <p:txBody>
-          <a:bodyPr anchorCtr="0" anchor="t" bIns="91425" lIns="91425" spcFirstLastPara="1" rIns="91425" wrap="square" tIns="91425">
+          <a:bodyPr spcFirstLastPara="1" wrap="square" lIns="91425" tIns="91425" rIns="91425" bIns="91425" anchor="t" anchorCtr="0">
             <a:noAutofit/>
           </a:bodyPr>
           <a:lstStyle/>
           <a:p>
-            <a:pPr indent="0" lvl="0" marL="0" rtl="0" algn="l">
+            <a:pPr marL="0" lvl="0" indent="0" algn="l" rtl="0">
               <a:spcBef>
                 <a:spcPts val="0"/>
               </a:spcBef>
@@ -1287,9 +1136,6 @@
               </a:spcAft>
               <a:buNone/>
             </a:pPr>
-            <a:r>
-              <a:t/>
-            </a:r>
             <a:endParaRPr/>
           </a:p>
         </p:txBody>
@@ -1302,12 +1148,12 @@
 </p:notes>
 </file>
 
-<file path=ppt/notesSlides/notesSlide7.xml><?xml version="1.0" encoding="utf-8"?>
-<p:notes xmlns:a="http://schemas.openxmlformats.org/drawingml/2006/main" xmlns:r="http://schemas.openxmlformats.org/officeDocument/2006/relationships" xmlns:mc="http://schemas.openxmlformats.org/markup-compatibility/2006" xmlns:mv="urn:schemas-microsoft-com:mac:vml" xmlns:p="http://schemas.openxmlformats.org/presentationml/2006/main" xmlns:c="http://schemas.openxmlformats.org/drawingml/2006/chart" xmlns:dgm="http://schemas.openxmlformats.org/drawingml/2006/diagram" xmlns:o="urn:schemas-microsoft-com:office:office" xmlns:v="urn:schemas-microsoft-com:vml" xmlns:pvml="urn:schemas-microsoft-com:office:powerpoint" xmlns:com="http://schemas.openxmlformats.org/drawingml/2006/compatibility" xmlns:p14="http://schemas.microsoft.com/office/powerpoint/2010/main" xmlns:p15="http://schemas.microsoft.com/office/powerpoint/2012/main" xmlns:ahyp="http://schemas.microsoft.com/office/drawing/2018/hyperlinkcolor" showMasterPhAnim="0" showMasterSp="0">
+<file path=ppt/notesSlides/notesSlide5.xml><?xml version="1.0" encoding="utf-8"?>
+<p:notes xmlns:a="http://schemas.openxmlformats.org/drawingml/2006/main" xmlns:r="http://schemas.openxmlformats.org/officeDocument/2006/relationships" xmlns:p="http://schemas.openxmlformats.org/presentationml/2006/main" showMasterSp="0" showMasterPhAnim="0">
   <p:cSld>
     <p:spTree>
       <p:nvGrpSpPr>
-        <p:cNvPr id="121" name="Shape 121"/>
+        <p:cNvPr id="1" name="Shape 121"/>
         <p:cNvGrpSpPr/>
         <p:nvPr/>
       </p:nvGrpSpPr>
@@ -1322,20 +1168,26 @@
       <p:sp>
         <p:nvSpPr>
           <p:cNvPr id="122" name="Google Shape;122;g2100d7d433a_1_27:notes"/>
-          <p:cNvSpPr/>
+          <p:cNvSpPr>
+            <a:spLocks noGrp="1" noRot="1" noChangeAspect="1"/>
+          </p:cNvSpPr>
           <p:nvPr>
-            <p:ph idx="2" type="sldImg"/>
+            <p:ph type="sldImg" idx="2"/>
           </p:nvPr>
         </p:nvSpPr>
         <p:spPr>
           <a:xfrm>
-            <a:off x="381300" y="685800"/>
+            <a:off x="381000" y="685800"/>
             <a:ext cx="6096000" cy="3429000"/>
           </a:xfrm>
           <a:custGeom>
-            <a:rect b="b" l="l" r="r" t="t"/>
+            <a:avLst/>
+            <a:gdLst/>
+            <a:ahLst/>
+            <a:cxnLst/>
+            <a:rect l="l" t="t" r="r" b="b"/>
             <a:pathLst>
-              <a:path extrusionOk="0" h="120000" w="120000">
+              <a:path w="120000" h="120000" extrusionOk="0">
                 <a:moveTo>
                   <a:pt x="0" y="0"/>
                 </a:moveTo>
@@ -1357,9 +1209,11 @@
       <p:sp>
         <p:nvSpPr>
           <p:cNvPr id="123" name="Google Shape;123;g2100d7d433a_1_27:notes"/>
-          <p:cNvSpPr txBox="1"/>
+          <p:cNvSpPr txBox="1">
+            <a:spLocks noGrp="1"/>
+          </p:cNvSpPr>
           <p:nvPr>
-            <p:ph idx="1" type="body"/>
+            <p:ph type="body" idx="1"/>
           </p:nvPr>
         </p:nvSpPr>
         <p:spPr>
@@ -1372,12 +1226,12 @@
           </a:prstGeom>
         </p:spPr>
         <p:txBody>
-          <a:bodyPr anchorCtr="0" anchor="t" bIns="91425" lIns="91425" spcFirstLastPara="1" rIns="91425" wrap="square" tIns="91425">
+          <a:bodyPr spcFirstLastPara="1" wrap="square" lIns="91425" tIns="91425" rIns="91425" bIns="91425" anchor="t" anchorCtr="0">
             <a:noAutofit/>
           </a:bodyPr>
           <a:lstStyle/>
           <a:p>
-            <a:pPr indent="0" lvl="0" marL="0" rtl="0" algn="l">
+            <a:pPr marL="0" lvl="0" indent="0" algn="l" rtl="0">
               <a:spcBef>
                 <a:spcPts val="0"/>
               </a:spcBef>
@@ -1386,9 +1240,6 @@
               </a:spcAft>
               <a:buNone/>
             </a:pPr>
-            <a:r>
-              <a:t/>
-            </a:r>
             <a:endParaRPr/>
           </a:p>
         </p:txBody>
@@ -1402,18 +1253,19 @@
 </file>
 
 <file path=ppt/slideLayouts/slideLayout1.xml><?xml version="1.0" encoding="utf-8"?>
-<p:sldLayout xmlns:a="http://schemas.openxmlformats.org/drawingml/2006/main" xmlns:r="http://schemas.openxmlformats.org/officeDocument/2006/relationships" xmlns:mc="http://schemas.openxmlformats.org/markup-compatibility/2006" xmlns:mv="urn:schemas-microsoft-com:mac:vml" xmlns:p="http://schemas.openxmlformats.org/presentationml/2006/main" xmlns:c="http://schemas.openxmlformats.org/drawingml/2006/chart" xmlns:dgm="http://schemas.openxmlformats.org/drawingml/2006/diagram" xmlns:o="urn:schemas-microsoft-com:office:office" xmlns:v="urn:schemas-microsoft-com:vml" xmlns:pvml="urn:schemas-microsoft-com:office:powerpoint" xmlns:com="http://schemas.openxmlformats.org/drawingml/2006/compatibility" xmlns:p14="http://schemas.microsoft.com/office/powerpoint/2010/main" xmlns:p15="http://schemas.microsoft.com/office/powerpoint/2012/main" xmlns:ahyp="http://schemas.microsoft.com/office/drawing/2018/hyperlinkcolor" matchingName="Title slide" type="title">
+<p:sldLayout xmlns:a="http://schemas.openxmlformats.org/drawingml/2006/main" xmlns:r="http://schemas.openxmlformats.org/officeDocument/2006/relationships" xmlns:p="http://schemas.openxmlformats.org/presentationml/2006/main" matchingName="Title slide" type="title">
   <p:cSld name="TITLE">
     <p:bg>
       <p:bgPr>
         <a:solidFill>
           <a:schemeClr val="lt2"/>
         </a:solidFill>
+        <a:effectLst/>
       </p:bgPr>
     </p:bg>
     <p:spTree>
       <p:nvGrpSpPr>
-        <p:cNvPr id="9" name="Shape 9"/>
+        <p:cNvPr id="1" name="Shape 9"/>
         <p:cNvGrpSpPr/>
         <p:nvPr/>
       </p:nvGrpSpPr>
@@ -1447,12 +1299,12 @@
           </a:ln>
         </p:spPr>
         <p:txBody>
-          <a:bodyPr anchorCtr="0" anchor="ctr" bIns="91425" lIns="91425" spcFirstLastPara="1" rIns="91425" wrap="square" tIns="91425">
+          <a:bodyPr spcFirstLastPara="1" wrap="square" lIns="91425" tIns="91425" rIns="91425" bIns="91425" anchor="ctr" anchorCtr="0">
             <a:noAutofit/>
           </a:bodyPr>
           <a:lstStyle/>
           <a:p>
-            <a:pPr indent="0" lvl="0" marL="0" rtl="0" algn="l">
+            <a:pPr marL="0" lvl="0" indent="0" algn="l" rtl="0">
               <a:spcBef>
                 <a:spcPts val="0"/>
               </a:spcBef>
@@ -1461,9 +1313,6 @@
               </a:spcAft>
               <a:buNone/>
             </a:pPr>
-            <a:r>
-              <a:t/>
-            </a:r>
             <a:endParaRPr/>
           </a:p>
         </p:txBody>
@@ -1504,12 +1353,12 @@
             </a:ln>
           </p:spPr>
           <p:txBody>
-            <a:bodyPr anchorCtr="0" anchor="ctr" bIns="91425" lIns="91425" spcFirstLastPara="1" rIns="91425" wrap="square" tIns="91425">
+            <a:bodyPr spcFirstLastPara="1" wrap="square" lIns="91425" tIns="91425" rIns="91425" bIns="91425" anchor="ctr" anchorCtr="0">
               <a:noAutofit/>
             </a:bodyPr>
             <a:lstStyle/>
             <a:p>
-              <a:pPr indent="0" lvl="0" marL="0" rtl="0" algn="l">
+              <a:pPr marL="0" lvl="0" indent="0" algn="l" rtl="0">
                 <a:spcBef>
                   <a:spcPts val="0"/>
                 </a:spcBef>
@@ -1518,9 +1367,6 @@
                 </a:spcAft>
                 <a:buNone/>
               </a:pPr>
-              <a:r>
-                <a:t/>
-              </a:r>
               <a:endParaRPr/>
             </a:p>
           </p:txBody>
@@ -1547,12 +1393,12 @@
             </a:ln>
           </p:spPr>
           <p:txBody>
-            <a:bodyPr anchorCtr="0" anchor="ctr" bIns="91425" lIns="91425" spcFirstLastPara="1" rIns="91425" wrap="square" tIns="91425">
+            <a:bodyPr spcFirstLastPara="1" wrap="square" lIns="91425" tIns="91425" rIns="91425" bIns="91425" anchor="ctr" anchorCtr="0">
               <a:noAutofit/>
             </a:bodyPr>
             <a:lstStyle/>
             <a:p>
-              <a:pPr indent="0" lvl="0" marL="0" rtl="0" algn="l">
+              <a:pPr marL="0" lvl="0" indent="0" algn="l" rtl="0">
                 <a:spcBef>
                   <a:spcPts val="0"/>
                 </a:spcBef>
@@ -1561,9 +1407,6 @@
                 </a:spcAft>
                 <a:buNone/>
               </a:pPr>
-              <a:r>
-                <a:t/>
-              </a:r>
               <a:endParaRPr/>
             </a:p>
           </p:txBody>
@@ -1572,7 +1415,9 @@
       <p:sp>
         <p:nvSpPr>
           <p:cNvPr id="14" name="Google Shape;14;p2"/>
-          <p:cNvSpPr txBox="1"/>
+          <p:cNvSpPr txBox="1">
+            <a:spLocks noGrp="1"/>
+          </p:cNvSpPr>
           <p:nvPr>
             <p:ph type="ctrTitle"/>
           </p:nvPr>
@@ -1587,7 +1432,7 @@
           </a:prstGeom>
         </p:spPr>
         <p:txBody>
-          <a:bodyPr anchorCtr="0" anchor="t" bIns="91425" lIns="91425" spcFirstLastPara="1" rIns="91425" wrap="square" tIns="91425">
+          <a:bodyPr spcFirstLastPara="1" wrap="square" lIns="91425" tIns="91425" rIns="91425" bIns="91425" anchor="t" anchorCtr="0">
             <a:normAutofit/>
           </a:bodyPr>
           <a:lstStyle>
@@ -1691,15 +1536,19 @@
               <a:defRPr sz="4200"/>
             </a:lvl9pPr>
           </a:lstStyle>
-          <a:p/>
+          <a:p>
+            <a:endParaRPr/>
+          </a:p>
         </p:txBody>
       </p:sp>
       <p:sp>
         <p:nvSpPr>
           <p:cNvPr id="15" name="Google Shape;15;p2"/>
-          <p:cNvSpPr txBox="1"/>
+          <p:cNvSpPr txBox="1">
+            <a:spLocks noGrp="1"/>
+          </p:cNvSpPr>
           <p:nvPr>
-            <p:ph idx="1" type="subTitle"/>
+            <p:ph type="subTitle" idx="1"/>
           </p:nvPr>
         </p:nvSpPr>
         <p:spPr>
@@ -1712,7 +1561,7 @@
           </a:prstGeom>
         </p:spPr>
         <p:txBody>
-          <a:bodyPr anchorCtr="0" anchor="t" bIns="91425" lIns="91425" spcFirstLastPara="1" rIns="91425" wrap="square" tIns="91425">
+          <a:bodyPr spcFirstLastPara="1" wrap="square" lIns="91425" tIns="91425" rIns="91425" bIns="91425" anchor="t" anchorCtr="0">
             <a:normAutofit/>
           </a:bodyPr>
           <a:lstStyle>
@@ -1843,15 +1692,19 @@
               <a:defRPr sz="1600"/>
             </a:lvl9pPr>
           </a:lstStyle>
-          <a:p/>
+          <a:p>
+            <a:endParaRPr/>
+          </a:p>
         </p:txBody>
       </p:sp>
       <p:sp>
         <p:nvSpPr>
           <p:cNvPr id="16" name="Google Shape;16;p2"/>
-          <p:cNvSpPr txBox="1"/>
+          <p:cNvSpPr txBox="1">
+            <a:spLocks noGrp="1"/>
+          </p:cNvSpPr>
           <p:nvPr>
-            <p:ph idx="12" type="sldNum"/>
+            <p:ph type="sldNum" idx="12"/>
           </p:nvPr>
         </p:nvSpPr>
         <p:spPr>
@@ -1864,7 +1717,7 @@
           </a:prstGeom>
         </p:spPr>
         <p:txBody>
-          <a:bodyPr anchorCtr="0" anchor="ctr" bIns="91425" lIns="91425" spcFirstLastPara="1" rIns="91425" wrap="square" tIns="91425">
+          <a:bodyPr spcFirstLastPara="1" wrap="square" lIns="91425" tIns="91425" rIns="91425" bIns="91425" anchor="ctr" anchorCtr="0">
             <a:normAutofit/>
           </a:bodyPr>
           <a:lstStyle>
@@ -1906,7 +1759,7 @@
             </a:lvl9pPr>
           </a:lstStyle>
           <a:p>
-            <a:pPr indent="0" lvl="0" marL="0" rtl="0" algn="r">
+            <a:pPr marL="0" lvl="0" indent="0" algn="r" rtl="0">
               <a:spcBef>
                 <a:spcPts val="0"/>
               </a:spcBef>
@@ -1932,18 +1785,19 @@
 </file>
 
 <file path=ppt/slideLayouts/slideLayout10.xml><?xml version="1.0" encoding="utf-8"?>
-<p:sldLayout xmlns:a="http://schemas.openxmlformats.org/drawingml/2006/main" xmlns:r="http://schemas.openxmlformats.org/officeDocument/2006/relationships" xmlns:mc="http://schemas.openxmlformats.org/markup-compatibility/2006" xmlns:mv="urn:schemas-microsoft-com:mac:vml" xmlns:p="http://schemas.openxmlformats.org/presentationml/2006/main" xmlns:c="http://schemas.openxmlformats.org/drawingml/2006/chart" xmlns:dgm="http://schemas.openxmlformats.org/drawingml/2006/diagram" xmlns:o="urn:schemas-microsoft-com:office:office" xmlns:v="urn:schemas-microsoft-com:vml" xmlns:pvml="urn:schemas-microsoft-com:office:powerpoint" xmlns:com="http://schemas.openxmlformats.org/drawingml/2006/compatibility" xmlns:p14="http://schemas.microsoft.com/office/powerpoint/2010/main" xmlns:p15="http://schemas.microsoft.com/office/powerpoint/2012/main" xmlns:ahyp="http://schemas.microsoft.com/office/drawing/2018/hyperlinkcolor" matchingName="Big number">
+<p:sldLayout xmlns:a="http://schemas.openxmlformats.org/drawingml/2006/main" xmlns:r="http://schemas.openxmlformats.org/officeDocument/2006/relationships" xmlns:p="http://schemas.openxmlformats.org/presentationml/2006/main" matchingName="Big number">
   <p:cSld name="BIG_NUMBER">
     <p:bg>
       <p:bgPr>
         <a:solidFill>
           <a:schemeClr val="dk1"/>
         </a:solidFill>
+        <a:effectLst/>
       </p:bgPr>
     </p:bg>
     <p:spTree>
       <p:nvGrpSpPr>
-        <p:cNvPr id="73" name="Shape 73"/>
+        <p:cNvPr id="1" name="Shape 73"/>
         <p:cNvGrpSpPr/>
         <p:nvPr/>
       </p:nvGrpSpPr>
@@ -1991,12 +1845,12 @@
             </a:ln>
           </p:spPr>
           <p:txBody>
-            <a:bodyPr anchorCtr="0" anchor="ctr" bIns="91425" lIns="91425" spcFirstLastPara="1" rIns="91425" wrap="square" tIns="91425">
+            <a:bodyPr spcFirstLastPara="1" wrap="square" lIns="91425" tIns="91425" rIns="91425" bIns="91425" anchor="ctr" anchorCtr="0">
               <a:noAutofit/>
             </a:bodyPr>
             <a:lstStyle/>
             <a:p>
-              <a:pPr indent="0" lvl="0" marL="0" rtl="0" algn="l">
+              <a:pPr marL="0" lvl="0" indent="0" algn="l" rtl="0">
                 <a:spcBef>
                   <a:spcPts val="0"/>
                 </a:spcBef>
@@ -2005,9 +1859,6 @@
                 </a:spcAft>
                 <a:buNone/>
               </a:pPr>
-              <a:r>
-                <a:t/>
-              </a:r>
               <a:endParaRPr/>
             </a:p>
           </p:txBody>
@@ -2034,12 +1885,12 @@
             </a:ln>
           </p:spPr>
           <p:txBody>
-            <a:bodyPr anchorCtr="0" anchor="ctr" bIns="91425" lIns="91425" spcFirstLastPara="1" rIns="91425" wrap="square" tIns="91425">
+            <a:bodyPr spcFirstLastPara="1" wrap="square" lIns="91425" tIns="91425" rIns="91425" bIns="91425" anchor="ctr" anchorCtr="0">
               <a:noAutofit/>
             </a:bodyPr>
             <a:lstStyle/>
             <a:p>
-              <a:pPr indent="0" lvl="0" marL="0" rtl="0" algn="l">
+              <a:pPr marL="0" lvl="0" indent="0" algn="l" rtl="0">
                 <a:spcBef>
                   <a:spcPts val="0"/>
                 </a:spcBef>
@@ -2048,9 +1899,6 @@
                 </a:spcAft>
                 <a:buNone/>
               </a:pPr>
-              <a:r>
-                <a:t/>
-              </a:r>
               <a:endParaRPr/>
             </a:p>
           </p:txBody>
@@ -2059,9 +1907,11 @@
       <p:sp>
         <p:nvSpPr>
           <p:cNvPr id="77" name="Google Shape;77;p11"/>
-          <p:cNvSpPr txBox="1"/>
+          <p:cNvSpPr txBox="1">
+            <a:spLocks noGrp="1"/>
+          </p:cNvSpPr>
           <p:nvPr>
-            <p:ph hasCustomPrompt="1" type="title"/>
+            <p:ph type="title" hasCustomPrompt="1"/>
           </p:nvPr>
         </p:nvSpPr>
         <p:spPr>
@@ -2074,7 +1924,7 @@
           </a:prstGeom>
         </p:spPr>
         <p:txBody>
-          <a:bodyPr anchorCtr="0" anchor="t" bIns="91425" lIns="91425" spcFirstLastPara="1" rIns="91425" wrap="square" tIns="91425">
+          <a:bodyPr spcFirstLastPara="1" wrap="square" lIns="91425" tIns="91425" rIns="91425" bIns="91425" anchor="t" anchorCtr="0">
             <a:normAutofit/>
           </a:bodyPr>
           <a:lstStyle>
@@ -2251,9 +2101,11 @@
       <p:sp>
         <p:nvSpPr>
           <p:cNvPr id="78" name="Google Shape;78;p11"/>
-          <p:cNvSpPr txBox="1"/>
+          <p:cNvSpPr txBox="1">
+            <a:spLocks noGrp="1"/>
+          </p:cNvSpPr>
           <p:nvPr>
-            <p:ph idx="1" type="body"/>
+            <p:ph type="body" idx="1"/>
           </p:nvPr>
         </p:nvSpPr>
         <p:spPr>
@@ -2266,11 +2118,11 @@
           </a:prstGeom>
         </p:spPr>
         <p:txBody>
-          <a:bodyPr anchorCtr="0" anchor="t" bIns="91425" lIns="91425" spcFirstLastPara="1" rIns="91425" wrap="square" tIns="91425">
+          <a:bodyPr spcFirstLastPara="1" wrap="square" lIns="91425" tIns="91425" rIns="91425" bIns="91425" anchor="t" anchorCtr="0">
             <a:normAutofit/>
           </a:bodyPr>
           <a:lstStyle>
-            <a:lvl1pPr indent="-311150" lvl="0" marL="457200">
+            <a:lvl1pPr marL="457200" lvl="0" indent="-311150">
               <a:spcBef>
                 <a:spcPts val="0"/>
               </a:spcBef>
@@ -2288,7 +2140,7 @@
                 </a:solidFill>
               </a:defRPr>
             </a:lvl1pPr>
-            <a:lvl2pPr indent="-298450" lvl="1" marL="914400">
+            <a:lvl2pPr marL="914400" lvl="1" indent="-298450">
               <a:spcBef>
                 <a:spcPts val="0"/>
               </a:spcBef>
@@ -2306,7 +2158,7 @@
                 </a:solidFill>
               </a:defRPr>
             </a:lvl2pPr>
-            <a:lvl3pPr indent="-298450" lvl="2" marL="1371600">
+            <a:lvl3pPr marL="1371600" lvl="2" indent="-298450">
               <a:spcBef>
                 <a:spcPts val="0"/>
               </a:spcBef>
@@ -2324,7 +2176,7 @@
                 </a:solidFill>
               </a:defRPr>
             </a:lvl3pPr>
-            <a:lvl4pPr indent="-298450" lvl="3" marL="1828800">
+            <a:lvl4pPr marL="1828800" lvl="3" indent="-298450">
               <a:spcBef>
                 <a:spcPts val="0"/>
               </a:spcBef>
@@ -2342,7 +2194,7 @@
                 </a:solidFill>
               </a:defRPr>
             </a:lvl4pPr>
-            <a:lvl5pPr indent="-298450" lvl="4" marL="2286000">
+            <a:lvl5pPr marL="2286000" lvl="4" indent="-298450">
               <a:spcBef>
                 <a:spcPts val="0"/>
               </a:spcBef>
@@ -2360,7 +2212,7 @@
                 </a:solidFill>
               </a:defRPr>
             </a:lvl5pPr>
-            <a:lvl6pPr indent="-298450" lvl="5" marL="2743200">
+            <a:lvl6pPr marL="2743200" lvl="5" indent="-298450">
               <a:spcBef>
                 <a:spcPts val="0"/>
               </a:spcBef>
@@ -2378,7 +2230,7 @@
                 </a:solidFill>
               </a:defRPr>
             </a:lvl6pPr>
-            <a:lvl7pPr indent="-298450" lvl="6" marL="3200400">
+            <a:lvl7pPr marL="3200400" lvl="6" indent="-298450">
               <a:spcBef>
                 <a:spcPts val="0"/>
               </a:spcBef>
@@ -2396,7 +2248,7 @@
                 </a:solidFill>
               </a:defRPr>
             </a:lvl7pPr>
-            <a:lvl8pPr indent="-298450" lvl="7" marL="3657600">
+            <a:lvl8pPr marL="3657600" lvl="7" indent="-298450">
               <a:spcBef>
                 <a:spcPts val="0"/>
               </a:spcBef>
@@ -2414,7 +2266,7 @@
                 </a:solidFill>
               </a:defRPr>
             </a:lvl8pPr>
-            <a:lvl9pPr indent="-298450" lvl="8" marL="4114800">
+            <a:lvl9pPr marL="4114800" lvl="8" indent="-298450">
               <a:spcBef>
                 <a:spcPts val="0"/>
               </a:spcBef>
@@ -2433,15 +2285,19 @@
               </a:defRPr>
             </a:lvl9pPr>
           </a:lstStyle>
-          <a:p/>
+          <a:p>
+            <a:endParaRPr/>
+          </a:p>
         </p:txBody>
       </p:sp>
       <p:sp>
         <p:nvSpPr>
           <p:cNvPr id="79" name="Google Shape;79;p11"/>
-          <p:cNvSpPr txBox="1"/>
+          <p:cNvSpPr txBox="1">
+            <a:spLocks noGrp="1"/>
+          </p:cNvSpPr>
           <p:nvPr>
-            <p:ph idx="12" type="sldNum"/>
+            <p:ph type="sldNum" idx="12"/>
           </p:nvPr>
         </p:nvSpPr>
         <p:spPr>
@@ -2454,7 +2310,7 @@
           </a:prstGeom>
         </p:spPr>
         <p:txBody>
-          <a:bodyPr anchorCtr="0" anchor="ctr" bIns="91425" lIns="91425" spcFirstLastPara="1" rIns="91425" wrap="square" tIns="91425">
+          <a:bodyPr spcFirstLastPara="1" wrap="square" lIns="91425" tIns="91425" rIns="91425" bIns="91425" anchor="ctr" anchorCtr="0">
             <a:normAutofit/>
           </a:bodyPr>
           <a:lstStyle>
@@ -2532,7 +2388,7 @@
             </a:lvl9pPr>
           </a:lstStyle>
           <a:p>
-            <a:pPr indent="0" lvl="0" marL="0" rtl="0" algn="r">
+            <a:pPr marL="0" lvl="0" indent="0" algn="r" rtl="0">
               <a:spcBef>
                 <a:spcPts val="0"/>
               </a:spcBef>
@@ -2558,11 +2414,11 @@
 </file>
 
 <file path=ppt/slideLayouts/slideLayout11.xml><?xml version="1.0" encoding="utf-8"?>
-<p:sldLayout xmlns:a="http://schemas.openxmlformats.org/drawingml/2006/main" xmlns:r="http://schemas.openxmlformats.org/officeDocument/2006/relationships" xmlns:mc="http://schemas.openxmlformats.org/markup-compatibility/2006" xmlns:mv="urn:schemas-microsoft-com:mac:vml" xmlns:p="http://schemas.openxmlformats.org/presentationml/2006/main" xmlns:c="http://schemas.openxmlformats.org/drawingml/2006/chart" xmlns:dgm="http://schemas.openxmlformats.org/drawingml/2006/diagram" xmlns:o="urn:schemas-microsoft-com:office:office" xmlns:v="urn:schemas-microsoft-com:vml" xmlns:pvml="urn:schemas-microsoft-com:office:powerpoint" xmlns:com="http://schemas.openxmlformats.org/drawingml/2006/compatibility" xmlns:p14="http://schemas.microsoft.com/office/powerpoint/2010/main" xmlns:p15="http://schemas.microsoft.com/office/powerpoint/2012/main" xmlns:ahyp="http://schemas.microsoft.com/office/drawing/2018/hyperlinkcolor" matchingName="Blank" type="blank">
+<p:sldLayout xmlns:a="http://schemas.openxmlformats.org/drawingml/2006/main" xmlns:r="http://schemas.openxmlformats.org/officeDocument/2006/relationships" xmlns:p="http://schemas.openxmlformats.org/presentationml/2006/main" matchingName="Blank" type="blank">
   <p:cSld name="BLANK">
     <p:spTree>
       <p:nvGrpSpPr>
-        <p:cNvPr id="80" name="Shape 80"/>
+        <p:cNvPr id="1" name="Shape 80"/>
         <p:cNvGrpSpPr/>
         <p:nvPr/>
       </p:nvGrpSpPr>
@@ -2577,9 +2433,11 @@
       <p:sp>
         <p:nvSpPr>
           <p:cNvPr id="81" name="Google Shape;81;p12"/>
-          <p:cNvSpPr txBox="1"/>
+          <p:cNvSpPr txBox="1">
+            <a:spLocks noGrp="1"/>
+          </p:cNvSpPr>
           <p:nvPr>
-            <p:ph idx="12" type="sldNum"/>
+            <p:ph type="sldNum" idx="12"/>
           </p:nvPr>
         </p:nvSpPr>
         <p:spPr>
@@ -2592,7 +2450,7 @@
           </a:prstGeom>
         </p:spPr>
         <p:txBody>
-          <a:bodyPr anchorCtr="0" anchor="ctr" bIns="91425" lIns="91425" spcFirstLastPara="1" rIns="91425" wrap="square" tIns="91425">
+          <a:bodyPr spcFirstLastPara="1" wrap="square" lIns="91425" tIns="91425" rIns="91425" bIns="91425" anchor="ctr" anchorCtr="0">
             <a:normAutofit/>
           </a:bodyPr>
           <a:lstStyle>
@@ -2634,7 +2492,7 @@
             </a:lvl9pPr>
           </a:lstStyle>
           <a:p>
-            <a:pPr indent="0" lvl="0" marL="0" rtl="0" algn="r">
+            <a:pPr marL="0" lvl="0" indent="0" algn="r" rtl="0">
               <a:spcBef>
                 <a:spcPts val="0"/>
               </a:spcBef>
@@ -2660,18 +2518,19 @@
 </file>
 
 <file path=ppt/slideLayouts/slideLayout2.xml><?xml version="1.0" encoding="utf-8"?>
-<p:sldLayout xmlns:a="http://schemas.openxmlformats.org/drawingml/2006/main" xmlns:r="http://schemas.openxmlformats.org/officeDocument/2006/relationships" xmlns:mc="http://schemas.openxmlformats.org/markup-compatibility/2006" xmlns:mv="urn:schemas-microsoft-com:mac:vml" xmlns:p="http://schemas.openxmlformats.org/presentationml/2006/main" xmlns:c="http://schemas.openxmlformats.org/drawingml/2006/chart" xmlns:dgm="http://schemas.openxmlformats.org/drawingml/2006/diagram" xmlns:o="urn:schemas-microsoft-com:office:office" xmlns:v="urn:schemas-microsoft-com:vml" xmlns:pvml="urn:schemas-microsoft-com:office:powerpoint" xmlns:com="http://schemas.openxmlformats.org/drawingml/2006/compatibility" xmlns:p14="http://schemas.microsoft.com/office/powerpoint/2010/main" xmlns:p15="http://schemas.microsoft.com/office/powerpoint/2012/main" xmlns:ahyp="http://schemas.microsoft.com/office/drawing/2018/hyperlinkcolor" matchingName="Section header" type="secHead">
+<p:sldLayout xmlns:a="http://schemas.openxmlformats.org/drawingml/2006/main" xmlns:r="http://schemas.openxmlformats.org/officeDocument/2006/relationships" xmlns:p="http://schemas.openxmlformats.org/presentationml/2006/main" matchingName="Section header" type="secHead">
   <p:cSld name="SECTION_HEADER">
     <p:bg>
       <p:bgPr>
         <a:solidFill>
           <a:schemeClr val="dk1"/>
         </a:solidFill>
+        <a:effectLst/>
       </p:bgPr>
     </p:bg>
     <p:spTree>
       <p:nvGrpSpPr>
-        <p:cNvPr id="17" name="Shape 17"/>
+        <p:cNvPr id="1" name="Shape 17"/>
         <p:cNvGrpSpPr/>
         <p:nvPr/>
       </p:nvGrpSpPr>
@@ -2719,12 +2578,12 @@
             </a:ln>
           </p:spPr>
           <p:txBody>
-            <a:bodyPr anchorCtr="0" anchor="ctr" bIns="91425" lIns="91425" spcFirstLastPara="1" rIns="91425" wrap="square" tIns="91425">
+            <a:bodyPr spcFirstLastPara="1" wrap="square" lIns="91425" tIns="91425" rIns="91425" bIns="91425" anchor="ctr" anchorCtr="0">
               <a:noAutofit/>
             </a:bodyPr>
             <a:lstStyle/>
             <a:p>
-              <a:pPr indent="0" lvl="0" marL="0" rtl="0" algn="l">
+              <a:pPr marL="0" lvl="0" indent="0" algn="l" rtl="0">
                 <a:spcBef>
                   <a:spcPts val="0"/>
                 </a:spcBef>
@@ -2733,9 +2592,6 @@
                 </a:spcAft>
                 <a:buNone/>
               </a:pPr>
-              <a:r>
-                <a:t/>
-              </a:r>
               <a:endParaRPr/>
             </a:p>
           </p:txBody>
@@ -2762,12 +2618,12 @@
             </a:ln>
           </p:spPr>
           <p:txBody>
-            <a:bodyPr anchorCtr="0" anchor="ctr" bIns="91425" lIns="91425" spcFirstLastPara="1" rIns="91425" wrap="square" tIns="91425">
+            <a:bodyPr spcFirstLastPara="1" wrap="square" lIns="91425" tIns="91425" rIns="91425" bIns="91425" anchor="ctr" anchorCtr="0">
               <a:noAutofit/>
             </a:bodyPr>
             <a:lstStyle/>
             <a:p>
-              <a:pPr indent="0" lvl="0" marL="0" rtl="0" algn="l">
+              <a:pPr marL="0" lvl="0" indent="0" algn="l" rtl="0">
                 <a:spcBef>
                   <a:spcPts val="0"/>
                 </a:spcBef>
@@ -2776,9 +2632,6 @@
                 </a:spcAft>
                 <a:buNone/>
               </a:pPr>
-              <a:r>
-                <a:t/>
-              </a:r>
               <a:endParaRPr/>
             </a:p>
           </p:txBody>
@@ -2787,7 +2640,9 @@
       <p:sp>
         <p:nvSpPr>
           <p:cNvPr id="21" name="Google Shape;21;p3"/>
-          <p:cNvSpPr txBox="1"/>
+          <p:cNvSpPr txBox="1">
+            <a:spLocks noGrp="1"/>
+          </p:cNvSpPr>
           <p:nvPr>
             <p:ph type="title"/>
           </p:nvPr>
@@ -2802,7 +2657,7 @@
           </a:prstGeom>
         </p:spPr>
         <p:txBody>
-          <a:bodyPr anchorCtr="0" anchor="t" bIns="91425" lIns="91425" spcFirstLastPara="1" rIns="91425" wrap="square" tIns="91425">
+          <a:bodyPr spcFirstLastPara="1" wrap="square" lIns="91425" tIns="91425" rIns="91425" bIns="91425" anchor="t" anchorCtr="0">
             <a:normAutofit/>
           </a:bodyPr>
           <a:lstStyle>
@@ -2969,15 +2824,19 @@
               </a:defRPr>
             </a:lvl9pPr>
           </a:lstStyle>
-          <a:p/>
+          <a:p>
+            <a:endParaRPr/>
+          </a:p>
         </p:txBody>
       </p:sp>
       <p:sp>
         <p:nvSpPr>
           <p:cNvPr id="22" name="Google Shape;22;p3"/>
-          <p:cNvSpPr txBox="1"/>
+          <p:cNvSpPr txBox="1">
+            <a:spLocks noGrp="1"/>
+          </p:cNvSpPr>
           <p:nvPr>
-            <p:ph idx="12" type="sldNum"/>
+            <p:ph type="sldNum" idx="12"/>
           </p:nvPr>
         </p:nvSpPr>
         <p:spPr>
@@ -2990,7 +2849,7 @@
           </a:prstGeom>
         </p:spPr>
         <p:txBody>
-          <a:bodyPr anchorCtr="0" anchor="ctr" bIns="91425" lIns="91425" spcFirstLastPara="1" rIns="91425" wrap="square" tIns="91425">
+          <a:bodyPr spcFirstLastPara="1" wrap="square" lIns="91425" tIns="91425" rIns="91425" bIns="91425" anchor="ctr" anchorCtr="0">
             <a:normAutofit/>
           </a:bodyPr>
           <a:lstStyle>
@@ -3068,7 +2927,7 @@
             </a:lvl9pPr>
           </a:lstStyle>
           <a:p>
-            <a:pPr indent="0" lvl="0" marL="0" rtl="0" algn="r">
+            <a:pPr marL="0" lvl="0" indent="0" algn="r" rtl="0">
               <a:spcBef>
                 <a:spcPts val="0"/>
               </a:spcBef>
@@ -3094,11 +2953,11 @@
 </file>
 
 <file path=ppt/slideLayouts/slideLayout3.xml><?xml version="1.0" encoding="utf-8"?>
-<p:sldLayout xmlns:a="http://schemas.openxmlformats.org/drawingml/2006/main" xmlns:r="http://schemas.openxmlformats.org/officeDocument/2006/relationships" xmlns:mc="http://schemas.openxmlformats.org/markup-compatibility/2006" xmlns:mv="urn:schemas-microsoft-com:mac:vml" xmlns:p="http://schemas.openxmlformats.org/presentationml/2006/main" xmlns:c="http://schemas.openxmlformats.org/drawingml/2006/chart" xmlns:dgm="http://schemas.openxmlformats.org/drawingml/2006/diagram" xmlns:o="urn:schemas-microsoft-com:office:office" xmlns:v="urn:schemas-microsoft-com:vml" xmlns:pvml="urn:schemas-microsoft-com:office:powerpoint" xmlns:com="http://schemas.openxmlformats.org/drawingml/2006/compatibility" xmlns:p14="http://schemas.microsoft.com/office/powerpoint/2010/main" xmlns:p15="http://schemas.microsoft.com/office/powerpoint/2012/main" xmlns:ahyp="http://schemas.microsoft.com/office/drawing/2018/hyperlinkcolor" matchingName="Title and body" type="tx">
+<p:sldLayout xmlns:a="http://schemas.openxmlformats.org/drawingml/2006/main" xmlns:r="http://schemas.openxmlformats.org/officeDocument/2006/relationships" xmlns:p="http://schemas.openxmlformats.org/presentationml/2006/main" matchingName="Title and body" type="tx">
   <p:cSld name="TITLE_AND_BODY">
     <p:spTree>
       <p:nvGrpSpPr>
-        <p:cNvPr id="23" name="Shape 23"/>
+        <p:cNvPr id="1" name="Shape 23"/>
         <p:cNvGrpSpPr/>
         <p:nvPr/>
       </p:nvGrpSpPr>
@@ -3132,12 +2991,12 @@
           </a:ln>
         </p:spPr>
         <p:txBody>
-          <a:bodyPr anchorCtr="0" anchor="ctr" bIns="91425" lIns="91425" spcFirstLastPara="1" rIns="91425" wrap="square" tIns="91425">
+          <a:bodyPr spcFirstLastPara="1" wrap="square" lIns="91425" tIns="91425" rIns="91425" bIns="91425" anchor="ctr" anchorCtr="0">
             <a:noAutofit/>
           </a:bodyPr>
           <a:lstStyle/>
           <a:p>
-            <a:pPr indent="0" lvl="0" marL="0" rtl="0" algn="l">
+            <a:pPr marL="0" lvl="0" indent="0" algn="l" rtl="0">
               <a:spcBef>
                 <a:spcPts val="0"/>
               </a:spcBef>
@@ -3146,9 +3005,6 @@
               </a:spcAft>
               <a:buNone/>
             </a:pPr>
-            <a:r>
-              <a:t/>
-            </a:r>
             <a:endParaRPr/>
           </a:p>
         </p:txBody>
@@ -3189,12 +3045,12 @@
             </a:ln>
           </p:spPr>
           <p:txBody>
-            <a:bodyPr anchorCtr="0" anchor="ctr" bIns="91425" lIns="91425" spcFirstLastPara="1" rIns="91425" wrap="square" tIns="91425">
+            <a:bodyPr spcFirstLastPara="1" wrap="square" lIns="91425" tIns="91425" rIns="91425" bIns="91425" anchor="ctr" anchorCtr="0">
               <a:noAutofit/>
             </a:bodyPr>
             <a:lstStyle/>
             <a:p>
-              <a:pPr indent="0" lvl="0" marL="0" rtl="0" algn="l">
+              <a:pPr marL="0" lvl="0" indent="0" algn="l" rtl="0">
                 <a:spcBef>
                   <a:spcPts val="0"/>
                 </a:spcBef>
@@ -3203,9 +3059,6 @@
                 </a:spcAft>
                 <a:buNone/>
               </a:pPr>
-              <a:r>
-                <a:t/>
-              </a:r>
               <a:endParaRPr/>
             </a:p>
           </p:txBody>
@@ -3232,12 +3085,12 @@
             </a:ln>
           </p:spPr>
           <p:txBody>
-            <a:bodyPr anchorCtr="0" anchor="ctr" bIns="91425" lIns="91425" spcFirstLastPara="1" rIns="91425" wrap="square" tIns="91425">
+            <a:bodyPr spcFirstLastPara="1" wrap="square" lIns="91425" tIns="91425" rIns="91425" bIns="91425" anchor="ctr" anchorCtr="0">
               <a:noAutofit/>
             </a:bodyPr>
             <a:lstStyle/>
             <a:p>
-              <a:pPr indent="0" lvl="0" marL="0" rtl="0" algn="l">
+              <a:pPr marL="0" lvl="0" indent="0" algn="l" rtl="0">
                 <a:spcBef>
                   <a:spcPts val="0"/>
                 </a:spcBef>
@@ -3246,9 +3099,6 @@
                 </a:spcAft>
                 <a:buNone/>
               </a:pPr>
-              <a:r>
-                <a:t/>
-              </a:r>
               <a:endParaRPr/>
             </a:p>
           </p:txBody>
@@ -3257,14 +3107,16 @@
       <p:sp>
         <p:nvSpPr>
           <p:cNvPr id="28" name="Google Shape;28;p4"/>
-          <p:cNvSpPr txBox="1"/>
+          <p:cNvSpPr txBox="1">
+            <a:spLocks noGrp="1"/>
+          </p:cNvSpPr>
           <p:nvPr>
             <p:ph type="title"/>
           </p:nvPr>
         </p:nvSpPr>
         <p:spPr>
           <a:xfrm>
-            <a:off x="729450" y="1318650"/>
+            <a:off x="0" y="0"/>
             <a:ext cx="7688700" cy="535200"/>
           </a:xfrm>
           <a:prstGeom prst="rect">
@@ -3272,7 +3124,7 @@
           </a:prstGeom>
         </p:spPr>
         <p:txBody>
-          <a:bodyPr anchorCtr="0" anchor="t" bIns="91425" lIns="91425" spcFirstLastPara="1" rIns="91425" wrap="square" tIns="91425">
+          <a:bodyPr spcFirstLastPara="1" wrap="square" lIns="91425" tIns="91425" rIns="91425" bIns="91425" anchor="t" anchorCtr="0">
             <a:normAutofit/>
           </a:bodyPr>
           <a:lstStyle>
@@ -3376,20 +3228,24 @@
               <a:defRPr sz="2600"/>
             </a:lvl9pPr>
           </a:lstStyle>
-          <a:p/>
+          <a:p>
+            <a:endParaRPr/>
+          </a:p>
         </p:txBody>
       </p:sp>
       <p:sp>
         <p:nvSpPr>
           <p:cNvPr id="29" name="Google Shape;29;p4"/>
-          <p:cNvSpPr txBox="1"/>
+          <p:cNvSpPr txBox="1">
+            <a:spLocks noGrp="1"/>
+          </p:cNvSpPr>
           <p:nvPr>
-            <p:ph idx="1" type="body"/>
+            <p:ph type="body" idx="1"/>
           </p:nvPr>
         </p:nvSpPr>
         <p:spPr>
           <a:xfrm>
-            <a:off x="729450" y="2078875"/>
+            <a:off x="727650" y="1305669"/>
             <a:ext cx="7688700" cy="2261100"/>
           </a:xfrm>
           <a:prstGeom prst="rect">
@@ -3397,11 +3253,11 @@
           </a:prstGeom>
         </p:spPr>
         <p:txBody>
-          <a:bodyPr anchorCtr="0" anchor="t" bIns="91425" lIns="91425" spcFirstLastPara="1" rIns="91425" wrap="square" tIns="91425">
+          <a:bodyPr spcFirstLastPara="1" wrap="square" lIns="91425" tIns="91425" rIns="91425" bIns="91425" anchor="t" anchorCtr="0">
             <a:normAutofit/>
           </a:bodyPr>
           <a:lstStyle>
-            <a:lvl1pPr indent="-311150" lvl="0" marL="457200">
+            <a:lvl1pPr marL="457200" lvl="0" indent="-311150">
               <a:spcBef>
                 <a:spcPts val="0"/>
               </a:spcBef>
@@ -3412,7 +3268,7 @@
               <a:buChar char="●"/>
               <a:defRPr/>
             </a:lvl1pPr>
-            <a:lvl2pPr indent="-298450" lvl="1" marL="914400">
+            <a:lvl2pPr marL="914400" lvl="1" indent="-298450">
               <a:spcBef>
                 <a:spcPts val="0"/>
               </a:spcBef>
@@ -3423,7 +3279,7 @@
               <a:buChar char="○"/>
               <a:defRPr/>
             </a:lvl2pPr>
-            <a:lvl3pPr indent="-298450" lvl="2" marL="1371600">
+            <a:lvl3pPr marL="1371600" lvl="2" indent="-298450">
               <a:spcBef>
                 <a:spcPts val="0"/>
               </a:spcBef>
@@ -3434,7 +3290,7 @@
               <a:buChar char="■"/>
               <a:defRPr/>
             </a:lvl3pPr>
-            <a:lvl4pPr indent="-298450" lvl="3" marL="1828800">
+            <a:lvl4pPr marL="1828800" lvl="3" indent="-298450">
               <a:spcBef>
                 <a:spcPts val="0"/>
               </a:spcBef>
@@ -3445,7 +3301,7 @@
               <a:buChar char="●"/>
               <a:defRPr/>
             </a:lvl4pPr>
-            <a:lvl5pPr indent="-298450" lvl="4" marL="2286000">
+            <a:lvl5pPr marL="2286000" lvl="4" indent="-298450">
               <a:spcBef>
                 <a:spcPts val="0"/>
               </a:spcBef>
@@ -3456,7 +3312,7 @@
               <a:buChar char="○"/>
               <a:defRPr/>
             </a:lvl5pPr>
-            <a:lvl6pPr indent="-298450" lvl="5" marL="2743200">
+            <a:lvl6pPr marL="2743200" lvl="5" indent="-298450">
               <a:spcBef>
                 <a:spcPts val="0"/>
               </a:spcBef>
@@ -3467,7 +3323,7 @@
               <a:buChar char="■"/>
               <a:defRPr/>
             </a:lvl6pPr>
-            <a:lvl7pPr indent="-298450" lvl="6" marL="3200400">
+            <a:lvl7pPr marL="3200400" lvl="6" indent="-298450">
               <a:spcBef>
                 <a:spcPts val="0"/>
               </a:spcBef>
@@ -3478,7 +3334,7 @@
               <a:buChar char="●"/>
               <a:defRPr/>
             </a:lvl7pPr>
-            <a:lvl8pPr indent="-298450" lvl="7" marL="3657600">
+            <a:lvl8pPr marL="3657600" lvl="7" indent="-298450">
               <a:spcBef>
                 <a:spcPts val="0"/>
               </a:spcBef>
@@ -3489,7 +3345,7 @@
               <a:buChar char="○"/>
               <a:defRPr/>
             </a:lvl8pPr>
-            <a:lvl9pPr indent="-298450" lvl="8" marL="4114800">
+            <a:lvl9pPr marL="4114800" lvl="8" indent="-298450">
               <a:spcBef>
                 <a:spcPts val="0"/>
               </a:spcBef>
@@ -3501,15 +3357,19 @@
               <a:defRPr/>
             </a:lvl9pPr>
           </a:lstStyle>
-          <a:p/>
+          <a:p>
+            <a:endParaRPr/>
+          </a:p>
         </p:txBody>
       </p:sp>
       <p:sp>
         <p:nvSpPr>
           <p:cNvPr id="30" name="Google Shape;30;p4"/>
-          <p:cNvSpPr txBox="1"/>
+          <p:cNvSpPr txBox="1">
+            <a:spLocks noGrp="1"/>
+          </p:cNvSpPr>
           <p:nvPr>
-            <p:ph idx="12" type="sldNum"/>
+            <p:ph type="sldNum" idx="12"/>
           </p:nvPr>
         </p:nvSpPr>
         <p:spPr>
@@ -3522,7 +3382,7 @@
           </a:prstGeom>
         </p:spPr>
         <p:txBody>
-          <a:bodyPr anchorCtr="0" anchor="ctr" bIns="91425" lIns="91425" spcFirstLastPara="1" rIns="91425" wrap="square" tIns="91425">
+          <a:bodyPr spcFirstLastPara="1" wrap="square" lIns="91425" tIns="91425" rIns="91425" bIns="91425" anchor="ctr" anchorCtr="0">
             <a:normAutofit/>
           </a:bodyPr>
           <a:lstStyle>
@@ -3564,7 +3424,7 @@
             </a:lvl9pPr>
           </a:lstStyle>
           <a:p>
-            <a:pPr indent="0" lvl="0" marL="0" rtl="0" algn="r">
+            <a:pPr marL="0" lvl="0" indent="0" algn="r" rtl="0">
               <a:spcBef>
                 <a:spcPts val="0"/>
               </a:spcBef>
@@ -3590,11 +3450,11 @@
 </file>
 
 <file path=ppt/slideLayouts/slideLayout4.xml><?xml version="1.0" encoding="utf-8"?>
-<p:sldLayout xmlns:a="http://schemas.openxmlformats.org/drawingml/2006/main" xmlns:r="http://schemas.openxmlformats.org/officeDocument/2006/relationships" xmlns:mc="http://schemas.openxmlformats.org/markup-compatibility/2006" xmlns:mv="urn:schemas-microsoft-com:mac:vml" xmlns:p="http://schemas.openxmlformats.org/presentationml/2006/main" xmlns:c="http://schemas.openxmlformats.org/drawingml/2006/chart" xmlns:dgm="http://schemas.openxmlformats.org/drawingml/2006/diagram" xmlns:o="urn:schemas-microsoft-com:office:office" xmlns:v="urn:schemas-microsoft-com:vml" xmlns:pvml="urn:schemas-microsoft-com:office:powerpoint" xmlns:com="http://schemas.openxmlformats.org/drawingml/2006/compatibility" xmlns:p14="http://schemas.microsoft.com/office/powerpoint/2010/main" xmlns:p15="http://schemas.microsoft.com/office/powerpoint/2012/main" xmlns:ahyp="http://schemas.microsoft.com/office/drawing/2018/hyperlinkcolor" matchingName="Title and two columns" type="twoColTx">
+<p:sldLayout xmlns:a="http://schemas.openxmlformats.org/drawingml/2006/main" xmlns:r="http://schemas.openxmlformats.org/officeDocument/2006/relationships" xmlns:p="http://schemas.openxmlformats.org/presentationml/2006/main" matchingName="Title and two columns" type="twoColTx">
   <p:cSld name="TITLE_AND_TWO_COLUMNS">
     <p:spTree>
       <p:nvGrpSpPr>
-        <p:cNvPr id="31" name="Shape 31"/>
+        <p:cNvPr id="1" name="Shape 31"/>
         <p:cNvGrpSpPr/>
         <p:nvPr/>
       </p:nvGrpSpPr>
@@ -3628,12 +3488,12 @@
           </a:ln>
         </p:spPr>
         <p:txBody>
-          <a:bodyPr anchorCtr="0" anchor="ctr" bIns="91425" lIns="91425" spcFirstLastPara="1" rIns="91425" wrap="square" tIns="91425">
+          <a:bodyPr spcFirstLastPara="1" wrap="square" lIns="91425" tIns="91425" rIns="91425" bIns="91425" anchor="ctr" anchorCtr="0">
             <a:noAutofit/>
           </a:bodyPr>
           <a:lstStyle/>
           <a:p>
-            <a:pPr indent="0" lvl="0" marL="0" rtl="0" algn="l">
+            <a:pPr marL="0" lvl="0" indent="0" algn="l" rtl="0">
               <a:spcBef>
                 <a:spcPts val="0"/>
               </a:spcBef>
@@ -3642,9 +3502,6 @@
               </a:spcAft>
               <a:buNone/>
             </a:pPr>
-            <a:r>
-              <a:t/>
-            </a:r>
             <a:endParaRPr/>
           </a:p>
         </p:txBody>
@@ -3685,12 +3542,12 @@
             </a:ln>
           </p:spPr>
           <p:txBody>
-            <a:bodyPr anchorCtr="0" anchor="ctr" bIns="91425" lIns="91425" spcFirstLastPara="1" rIns="91425" wrap="square" tIns="91425">
+            <a:bodyPr spcFirstLastPara="1" wrap="square" lIns="91425" tIns="91425" rIns="91425" bIns="91425" anchor="ctr" anchorCtr="0">
               <a:noAutofit/>
             </a:bodyPr>
             <a:lstStyle/>
             <a:p>
-              <a:pPr indent="0" lvl="0" marL="0" rtl="0" algn="l">
+              <a:pPr marL="0" lvl="0" indent="0" algn="l" rtl="0">
                 <a:spcBef>
                   <a:spcPts val="0"/>
                 </a:spcBef>
@@ -3699,9 +3556,6 @@
                 </a:spcAft>
                 <a:buNone/>
               </a:pPr>
-              <a:r>
-                <a:t/>
-              </a:r>
               <a:endParaRPr/>
             </a:p>
           </p:txBody>
@@ -3728,12 +3582,12 @@
             </a:ln>
           </p:spPr>
           <p:txBody>
-            <a:bodyPr anchorCtr="0" anchor="ctr" bIns="91425" lIns="91425" spcFirstLastPara="1" rIns="91425" wrap="square" tIns="91425">
+            <a:bodyPr spcFirstLastPara="1" wrap="square" lIns="91425" tIns="91425" rIns="91425" bIns="91425" anchor="ctr" anchorCtr="0">
               <a:noAutofit/>
             </a:bodyPr>
             <a:lstStyle/>
             <a:p>
-              <a:pPr indent="0" lvl="0" marL="0" rtl="0" algn="l">
+              <a:pPr marL="0" lvl="0" indent="0" algn="l" rtl="0">
                 <a:spcBef>
                   <a:spcPts val="0"/>
                 </a:spcBef>
@@ -3742,9 +3596,6 @@
                 </a:spcAft>
                 <a:buNone/>
               </a:pPr>
-              <a:r>
-                <a:t/>
-              </a:r>
               <a:endParaRPr/>
             </a:p>
           </p:txBody>
@@ -3753,7 +3604,9 @@
       <p:sp>
         <p:nvSpPr>
           <p:cNvPr id="36" name="Google Shape;36;p5"/>
-          <p:cNvSpPr txBox="1"/>
+          <p:cNvSpPr txBox="1">
+            <a:spLocks noGrp="1"/>
+          </p:cNvSpPr>
           <p:nvPr>
             <p:ph type="title"/>
           </p:nvPr>
@@ -3768,7 +3621,7 @@
           </a:prstGeom>
         </p:spPr>
         <p:txBody>
-          <a:bodyPr anchorCtr="0" anchor="t" bIns="91425" lIns="91425" spcFirstLastPara="1" rIns="91425" wrap="square" tIns="91425">
+          <a:bodyPr spcFirstLastPara="1" wrap="square" lIns="91425" tIns="91425" rIns="91425" bIns="91425" anchor="t" anchorCtr="0">
             <a:normAutofit/>
           </a:bodyPr>
           <a:lstStyle>
@@ -3872,15 +3725,19 @@
               <a:defRPr sz="2600"/>
             </a:lvl9pPr>
           </a:lstStyle>
-          <a:p/>
+          <a:p>
+            <a:endParaRPr/>
+          </a:p>
         </p:txBody>
       </p:sp>
       <p:sp>
         <p:nvSpPr>
           <p:cNvPr id="37" name="Google Shape;37;p5"/>
-          <p:cNvSpPr txBox="1"/>
+          <p:cNvSpPr txBox="1">
+            <a:spLocks noGrp="1"/>
+          </p:cNvSpPr>
           <p:nvPr>
-            <p:ph idx="1" type="body"/>
+            <p:ph type="body" idx="1"/>
           </p:nvPr>
         </p:nvSpPr>
         <p:spPr>
@@ -3893,11 +3750,11 @@
           </a:prstGeom>
         </p:spPr>
         <p:txBody>
-          <a:bodyPr anchorCtr="0" anchor="t" bIns="91425" lIns="91425" spcFirstLastPara="1" rIns="91425" wrap="square" tIns="91425">
+          <a:bodyPr spcFirstLastPara="1" wrap="square" lIns="91425" tIns="91425" rIns="91425" bIns="91425" anchor="t" anchorCtr="0">
             <a:normAutofit/>
           </a:bodyPr>
           <a:lstStyle>
-            <a:lvl1pPr indent="-311150" lvl="0" marL="457200">
+            <a:lvl1pPr marL="457200" lvl="0" indent="-311150">
               <a:spcBef>
                 <a:spcPts val="0"/>
               </a:spcBef>
@@ -3908,7 +3765,7 @@
               <a:buChar char="●"/>
               <a:defRPr/>
             </a:lvl1pPr>
-            <a:lvl2pPr indent="-298450" lvl="1" marL="914400">
+            <a:lvl2pPr marL="914400" lvl="1" indent="-298450">
               <a:spcBef>
                 <a:spcPts val="0"/>
               </a:spcBef>
@@ -3919,7 +3776,7 @@
               <a:buChar char="○"/>
               <a:defRPr/>
             </a:lvl2pPr>
-            <a:lvl3pPr indent="-298450" lvl="2" marL="1371600">
+            <a:lvl3pPr marL="1371600" lvl="2" indent="-298450">
               <a:spcBef>
                 <a:spcPts val="0"/>
               </a:spcBef>
@@ -3930,7 +3787,7 @@
               <a:buChar char="■"/>
               <a:defRPr/>
             </a:lvl3pPr>
-            <a:lvl4pPr indent="-298450" lvl="3" marL="1828800">
+            <a:lvl4pPr marL="1828800" lvl="3" indent="-298450">
               <a:spcBef>
                 <a:spcPts val="0"/>
               </a:spcBef>
@@ -3941,7 +3798,7 @@
               <a:buChar char="●"/>
               <a:defRPr/>
             </a:lvl4pPr>
-            <a:lvl5pPr indent="-298450" lvl="4" marL="2286000">
+            <a:lvl5pPr marL="2286000" lvl="4" indent="-298450">
               <a:spcBef>
                 <a:spcPts val="0"/>
               </a:spcBef>
@@ -3952,7 +3809,7 @@
               <a:buChar char="○"/>
               <a:defRPr/>
             </a:lvl5pPr>
-            <a:lvl6pPr indent="-298450" lvl="5" marL="2743200">
+            <a:lvl6pPr marL="2743200" lvl="5" indent="-298450">
               <a:spcBef>
                 <a:spcPts val="0"/>
               </a:spcBef>
@@ -3963,7 +3820,7 @@
               <a:buChar char="■"/>
               <a:defRPr/>
             </a:lvl6pPr>
-            <a:lvl7pPr indent="-298450" lvl="6" marL="3200400">
+            <a:lvl7pPr marL="3200400" lvl="6" indent="-298450">
               <a:spcBef>
                 <a:spcPts val="0"/>
               </a:spcBef>
@@ -3974,7 +3831,7 @@
               <a:buChar char="●"/>
               <a:defRPr/>
             </a:lvl7pPr>
-            <a:lvl8pPr indent="-298450" lvl="7" marL="3657600">
+            <a:lvl8pPr marL="3657600" lvl="7" indent="-298450">
               <a:spcBef>
                 <a:spcPts val="0"/>
               </a:spcBef>
@@ -3985,7 +3842,7 @@
               <a:buChar char="○"/>
               <a:defRPr/>
             </a:lvl8pPr>
-            <a:lvl9pPr indent="-298450" lvl="8" marL="4114800">
+            <a:lvl9pPr marL="4114800" lvl="8" indent="-298450">
               <a:spcBef>
                 <a:spcPts val="0"/>
               </a:spcBef>
@@ -3997,15 +3854,19 @@
               <a:defRPr/>
             </a:lvl9pPr>
           </a:lstStyle>
-          <a:p/>
+          <a:p>
+            <a:endParaRPr/>
+          </a:p>
         </p:txBody>
       </p:sp>
       <p:sp>
         <p:nvSpPr>
           <p:cNvPr id="38" name="Google Shape;38;p5"/>
-          <p:cNvSpPr txBox="1"/>
+          <p:cNvSpPr txBox="1">
+            <a:spLocks noGrp="1"/>
+          </p:cNvSpPr>
           <p:nvPr>
-            <p:ph idx="2" type="body"/>
+            <p:ph type="body" idx="2"/>
           </p:nvPr>
         </p:nvSpPr>
         <p:spPr>
@@ -4018,11 +3879,11 @@
           </a:prstGeom>
         </p:spPr>
         <p:txBody>
-          <a:bodyPr anchorCtr="0" anchor="t" bIns="91425" lIns="91425" spcFirstLastPara="1" rIns="91425" wrap="square" tIns="91425">
+          <a:bodyPr spcFirstLastPara="1" wrap="square" lIns="91425" tIns="91425" rIns="91425" bIns="91425" anchor="t" anchorCtr="0">
             <a:normAutofit/>
           </a:bodyPr>
           <a:lstStyle>
-            <a:lvl1pPr indent="-311150" lvl="0" marL="457200">
+            <a:lvl1pPr marL="457200" lvl="0" indent="-311150">
               <a:spcBef>
                 <a:spcPts val="0"/>
               </a:spcBef>
@@ -4033,7 +3894,7 @@
               <a:buChar char="●"/>
               <a:defRPr/>
             </a:lvl1pPr>
-            <a:lvl2pPr indent="-298450" lvl="1" marL="914400">
+            <a:lvl2pPr marL="914400" lvl="1" indent="-298450">
               <a:spcBef>
                 <a:spcPts val="0"/>
               </a:spcBef>
@@ -4044,7 +3905,7 @@
               <a:buChar char="○"/>
               <a:defRPr/>
             </a:lvl2pPr>
-            <a:lvl3pPr indent="-298450" lvl="2" marL="1371600">
+            <a:lvl3pPr marL="1371600" lvl="2" indent="-298450">
               <a:spcBef>
                 <a:spcPts val="0"/>
               </a:spcBef>
@@ -4055,7 +3916,7 @@
               <a:buChar char="■"/>
               <a:defRPr/>
             </a:lvl3pPr>
-            <a:lvl4pPr indent="-298450" lvl="3" marL="1828800">
+            <a:lvl4pPr marL="1828800" lvl="3" indent="-298450">
               <a:spcBef>
                 <a:spcPts val="0"/>
               </a:spcBef>
@@ -4066,7 +3927,7 @@
               <a:buChar char="●"/>
               <a:defRPr/>
             </a:lvl4pPr>
-            <a:lvl5pPr indent="-298450" lvl="4" marL="2286000">
+            <a:lvl5pPr marL="2286000" lvl="4" indent="-298450">
               <a:spcBef>
                 <a:spcPts val="0"/>
               </a:spcBef>
@@ -4077,7 +3938,7 @@
               <a:buChar char="○"/>
               <a:defRPr/>
             </a:lvl5pPr>
-            <a:lvl6pPr indent="-298450" lvl="5" marL="2743200">
+            <a:lvl6pPr marL="2743200" lvl="5" indent="-298450">
               <a:spcBef>
                 <a:spcPts val="0"/>
               </a:spcBef>
@@ -4088,7 +3949,7 @@
               <a:buChar char="■"/>
               <a:defRPr/>
             </a:lvl6pPr>
-            <a:lvl7pPr indent="-298450" lvl="6" marL="3200400">
+            <a:lvl7pPr marL="3200400" lvl="6" indent="-298450">
               <a:spcBef>
                 <a:spcPts val="0"/>
               </a:spcBef>
@@ -4099,7 +3960,7 @@
               <a:buChar char="●"/>
               <a:defRPr/>
             </a:lvl7pPr>
-            <a:lvl8pPr indent="-298450" lvl="7" marL="3657600">
+            <a:lvl8pPr marL="3657600" lvl="7" indent="-298450">
               <a:spcBef>
                 <a:spcPts val="0"/>
               </a:spcBef>
@@ -4110,7 +3971,7 @@
               <a:buChar char="○"/>
               <a:defRPr/>
             </a:lvl8pPr>
-            <a:lvl9pPr indent="-298450" lvl="8" marL="4114800">
+            <a:lvl9pPr marL="4114800" lvl="8" indent="-298450">
               <a:spcBef>
                 <a:spcPts val="0"/>
               </a:spcBef>
@@ -4122,15 +3983,19 @@
               <a:defRPr/>
             </a:lvl9pPr>
           </a:lstStyle>
-          <a:p/>
+          <a:p>
+            <a:endParaRPr/>
+          </a:p>
         </p:txBody>
       </p:sp>
       <p:sp>
         <p:nvSpPr>
           <p:cNvPr id="39" name="Google Shape;39;p5"/>
-          <p:cNvSpPr txBox="1"/>
+          <p:cNvSpPr txBox="1">
+            <a:spLocks noGrp="1"/>
+          </p:cNvSpPr>
           <p:nvPr>
-            <p:ph idx="12" type="sldNum"/>
+            <p:ph type="sldNum" idx="12"/>
           </p:nvPr>
         </p:nvSpPr>
         <p:spPr>
@@ -4143,7 +4008,7 @@
           </a:prstGeom>
         </p:spPr>
         <p:txBody>
-          <a:bodyPr anchorCtr="0" anchor="ctr" bIns="91425" lIns="91425" spcFirstLastPara="1" rIns="91425" wrap="square" tIns="91425">
+          <a:bodyPr spcFirstLastPara="1" wrap="square" lIns="91425" tIns="91425" rIns="91425" bIns="91425" anchor="ctr" anchorCtr="0">
             <a:normAutofit/>
           </a:bodyPr>
           <a:lstStyle>
@@ -4185,7 +4050,7 @@
             </a:lvl9pPr>
           </a:lstStyle>
           <a:p>
-            <a:pPr indent="0" lvl="0" marL="0" rtl="0" algn="r">
+            <a:pPr marL="0" lvl="0" indent="0" algn="r" rtl="0">
               <a:spcBef>
                 <a:spcPts val="0"/>
               </a:spcBef>
@@ -4211,11 +4076,11 @@
 </file>
 
 <file path=ppt/slideLayouts/slideLayout5.xml><?xml version="1.0" encoding="utf-8"?>
-<p:sldLayout xmlns:a="http://schemas.openxmlformats.org/drawingml/2006/main" xmlns:r="http://schemas.openxmlformats.org/officeDocument/2006/relationships" xmlns:mc="http://schemas.openxmlformats.org/markup-compatibility/2006" xmlns:mv="urn:schemas-microsoft-com:mac:vml" xmlns:p="http://schemas.openxmlformats.org/presentationml/2006/main" xmlns:c="http://schemas.openxmlformats.org/drawingml/2006/chart" xmlns:dgm="http://schemas.openxmlformats.org/drawingml/2006/diagram" xmlns:o="urn:schemas-microsoft-com:office:office" xmlns:v="urn:schemas-microsoft-com:vml" xmlns:pvml="urn:schemas-microsoft-com:office:powerpoint" xmlns:com="http://schemas.openxmlformats.org/drawingml/2006/compatibility" xmlns:p14="http://schemas.microsoft.com/office/powerpoint/2010/main" xmlns:p15="http://schemas.microsoft.com/office/powerpoint/2012/main" xmlns:ahyp="http://schemas.microsoft.com/office/drawing/2018/hyperlinkcolor" matchingName="Title only" type="titleOnly">
+<p:sldLayout xmlns:a="http://schemas.openxmlformats.org/drawingml/2006/main" xmlns:r="http://schemas.openxmlformats.org/officeDocument/2006/relationships" xmlns:p="http://schemas.openxmlformats.org/presentationml/2006/main" matchingName="Title only" type="titleOnly">
   <p:cSld name="TITLE_ONLY">
     <p:spTree>
       <p:nvGrpSpPr>
-        <p:cNvPr id="40" name="Shape 40"/>
+        <p:cNvPr id="1" name="Shape 40"/>
         <p:cNvGrpSpPr/>
         <p:nvPr/>
       </p:nvGrpSpPr>
@@ -4249,12 +4114,12 @@
           </a:ln>
         </p:spPr>
         <p:txBody>
-          <a:bodyPr anchorCtr="0" anchor="ctr" bIns="91425" lIns="91425" spcFirstLastPara="1" rIns="91425" wrap="square" tIns="91425">
+          <a:bodyPr spcFirstLastPara="1" wrap="square" lIns="91425" tIns="91425" rIns="91425" bIns="91425" anchor="ctr" anchorCtr="0">
             <a:noAutofit/>
           </a:bodyPr>
           <a:lstStyle/>
           <a:p>
-            <a:pPr indent="0" lvl="0" marL="0" rtl="0" algn="l">
+            <a:pPr marL="0" lvl="0" indent="0" algn="l" rtl="0">
               <a:spcBef>
                 <a:spcPts val="0"/>
               </a:spcBef>
@@ -4263,9 +4128,6 @@
               </a:spcAft>
               <a:buNone/>
             </a:pPr>
-            <a:r>
-              <a:t/>
-            </a:r>
             <a:endParaRPr/>
           </a:p>
         </p:txBody>
@@ -4306,12 +4168,12 @@
             </a:ln>
           </p:spPr>
           <p:txBody>
-            <a:bodyPr anchorCtr="0" anchor="ctr" bIns="91425" lIns="91425" spcFirstLastPara="1" rIns="91425" wrap="square" tIns="91425">
+            <a:bodyPr spcFirstLastPara="1" wrap="square" lIns="91425" tIns="91425" rIns="91425" bIns="91425" anchor="ctr" anchorCtr="0">
               <a:noAutofit/>
             </a:bodyPr>
             <a:lstStyle/>
             <a:p>
-              <a:pPr indent="0" lvl="0" marL="0" rtl="0" algn="l">
+              <a:pPr marL="0" lvl="0" indent="0" algn="l" rtl="0">
                 <a:spcBef>
                   <a:spcPts val="0"/>
                 </a:spcBef>
@@ -4320,9 +4182,6 @@
                 </a:spcAft>
                 <a:buNone/>
               </a:pPr>
-              <a:r>
-                <a:t/>
-              </a:r>
               <a:endParaRPr/>
             </a:p>
           </p:txBody>
@@ -4349,12 +4208,12 @@
             </a:ln>
           </p:spPr>
           <p:txBody>
-            <a:bodyPr anchorCtr="0" anchor="ctr" bIns="91425" lIns="91425" spcFirstLastPara="1" rIns="91425" wrap="square" tIns="91425">
+            <a:bodyPr spcFirstLastPara="1" wrap="square" lIns="91425" tIns="91425" rIns="91425" bIns="91425" anchor="ctr" anchorCtr="0">
               <a:noAutofit/>
             </a:bodyPr>
             <a:lstStyle/>
             <a:p>
-              <a:pPr indent="0" lvl="0" marL="0" rtl="0" algn="l">
+              <a:pPr marL="0" lvl="0" indent="0" algn="l" rtl="0">
                 <a:spcBef>
                   <a:spcPts val="0"/>
                 </a:spcBef>
@@ -4363,9 +4222,6 @@
                 </a:spcAft>
                 <a:buNone/>
               </a:pPr>
-              <a:r>
-                <a:t/>
-              </a:r>
               <a:endParaRPr/>
             </a:p>
           </p:txBody>
@@ -4374,7 +4230,9 @@
       <p:sp>
         <p:nvSpPr>
           <p:cNvPr id="45" name="Google Shape;45;p6"/>
-          <p:cNvSpPr txBox="1"/>
+          <p:cNvSpPr txBox="1">
+            <a:spLocks noGrp="1"/>
+          </p:cNvSpPr>
           <p:nvPr>
             <p:ph type="title"/>
           </p:nvPr>
@@ -4389,7 +4247,7 @@
           </a:prstGeom>
         </p:spPr>
         <p:txBody>
-          <a:bodyPr anchorCtr="0" anchor="t" bIns="91425" lIns="91425" spcFirstLastPara="1" rIns="91425" wrap="square" tIns="91425">
+          <a:bodyPr spcFirstLastPara="1" wrap="square" lIns="91425" tIns="91425" rIns="91425" bIns="91425" anchor="t" anchorCtr="0">
             <a:normAutofit/>
           </a:bodyPr>
           <a:lstStyle>
@@ -4493,15 +4351,19 @@
               <a:defRPr sz="2600"/>
             </a:lvl9pPr>
           </a:lstStyle>
-          <a:p/>
+          <a:p>
+            <a:endParaRPr/>
+          </a:p>
         </p:txBody>
       </p:sp>
       <p:sp>
         <p:nvSpPr>
           <p:cNvPr id="46" name="Google Shape;46;p6"/>
-          <p:cNvSpPr txBox="1"/>
+          <p:cNvSpPr txBox="1">
+            <a:spLocks noGrp="1"/>
+          </p:cNvSpPr>
           <p:nvPr>
-            <p:ph idx="12" type="sldNum"/>
+            <p:ph type="sldNum" idx="12"/>
           </p:nvPr>
         </p:nvSpPr>
         <p:spPr>
@@ -4514,7 +4376,7 @@
           </a:prstGeom>
         </p:spPr>
         <p:txBody>
-          <a:bodyPr anchorCtr="0" anchor="ctr" bIns="91425" lIns="91425" spcFirstLastPara="1" rIns="91425" wrap="square" tIns="91425">
+          <a:bodyPr spcFirstLastPara="1" wrap="square" lIns="91425" tIns="91425" rIns="91425" bIns="91425" anchor="ctr" anchorCtr="0">
             <a:normAutofit/>
           </a:bodyPr>
           <a:lstStyle>
@@ -4556,7 +4418,7 @@
             </a:lvl9pPr>
           </a:lstStyle>
           <a:p>
-            <a:pPr indent="0" lvl="0" marL="0" rtl="0" algn="r">
+            <a:pPr marL="0" lvl="0" indent="0" algn="r" rtl="0">
               <a:spcBef>
                 <a:spcPts val="0"/>
               </a:spcBef>
@@ -4582,11 +4444,11 @@
 </file>
 
 <file path=ppt/slideLayouts/slideLayout6.xml><?xml version="1.0" encoding="utf-8"?>
-<p:sldLayout xmlns:a="http://schemas.openxmlformats.org/drawingml/2006/main" xmlns:r="http://schemas.openxmlformats.org/officeDocument/2006/relationships" xmlns:mc="http://schemas.openxmlformats.org/markup-compatibility/2006" xmlns:mv="urn:schemas-microsoft-com:mac:vml" xmlns:p="http://schemas.openxmlformats.org/presentationml/2006/main" xmlns:c="http://schemas.openxmlformats.org/drawingml/2006/chart" xmlns:dgm="http://schemas.openxmlformats.org/drawingml/2006/diagram" xmlns:o="urn:schemas-microsoft-com:office:office" xmlns:v="urn:schemas-microsoft-com:vml" xmlns:pvml="urn:schemas-microsoft-com:office:powerpoint" xmlns:com="http://schemas.openxmlformats.org/drawingml/2006/compatibility" xmlns:p14="http://schemas.microsoft.com/office/powerpoint/2010/main" xmlns:p15="http://schemas.microsoft.com/office/powerpoint/2012/main" xmlns:ahyp="http://schemas.microsoft.com/office/drawing/2018/hyperlinkcolor" matchingName="One column text">
+<p:sldLayout xmlns:a="http://schemas.openxmlformats.org/drawingml/2006/main" xmlns:r="http://schemas.openxmlformats.org/officeDocument/2006/relationships" xmlns:p="http://schemas.openxmlformats.org/presentationml/2006/main" matchingName="One column text">
   <p:cSld name="ONE_COLUMN_TEXT">
     <p:spTree>
       <p:nvGrpSpPr>
-        <p:cNvPr id="47" name="Shape 47"/>
+        <p:cNvPr id="1" name="Shape 47"/>
         <p:cNvGrpSpPr/>
         <p:nvPr/>
       </p:nvGrpSpPr>
@@ -4620,12 +4482,12 @@
           </a:ln>
         </p:spPr>
         <p:txBody>
-          <a:bodyPr anchorCtr="0" anchor="ctr" bIns="91425" lIns="91425" spcFirstLastPara="1" rIns="91425" wrap="square" tIns="91425">
+          <a:bodyPr spcFirstLastPara="1" wrap="square" lIns="91425" tIns="91425" rIns="91425" bIns="91425" anchor="ctr" anchorCtr="0">
             <a:noAutofit/>
           </a:bodyPr>
           <a:lstStyle/>
           <a:p>
-            <a:pPr indent="0" lvl="0" marL="0" rtl="0" algn="l">
+            <a:pPr marL="0" lvl="0" indent="0" algn="l" rtl="0">
               <a:spcBef>
                 <a:spcPts val="0"/>
               </a:spcBef>
@@ -4634,9 +4496,6 @@
               </a:spcAft>
               <a:buNone/>
             </a:pPr>
-            <a:r>
-              <a:t/>
-            </a:r>
             <a:endParaRPr/>
           </a:p>
         </p:txBody>
@@ -4677,12 +4536,12 @@
             </a:ln>
           </p:spPr>
           <p:txBody>
-            <a:bodyPr anchorCtr="0" anchor="ctr" bIns="91425" lIns="91425" spcFirstLastPara="1" rIns="91425" wrap="square" tIns="91425">
+            <a:bodyPr spcFirstLastPara="1" wrap="square" lIns="91425" tIns="91425" rIns="91425" bIns="91425" anchor="ctr" anchorCtr="0">
               <a:noAutofit/>
             </a:bodyPr>
             <a:lstStyle/>
             <a:p>
-              <a:pPr indent="0" lvl="0" marL="0" rtl="0" algn="l">
+              <a:pPr marL="0" lvl="0" indent="0" algn="l" rtl="0">
                 <a:spcBef>
                   <a:spcPts val="0"/>
                 </a:spcBef>
@@ -4691,9 +4550,6 @@
                 </a:spcAft>
                 <a:buNone/>
               </a:pPr>
-              <a:r>
-                <a:t/>
-              </a:r>
               <a:endParaRPr/>
             </a:p>
           </p:txBody>
@@ -4720,12 +4576,12 @@
             </a:ln>
           </p:spPr>
           <p:txBody>
-            <a:bodyPr anchorCtr="0" anchor="ctr" bIns="91425" lIns="91425" spcFirstLastPara="1" rIns="91425" wrap="square" tIns="91425">
+            <a:bodyPr spcFirstLastPara="1" wrap="square" lIns="91425" tIns="91425" rIns="91425" bIns="91425" anchor="ctr" anchorCtr="0">
               <a:noAutofit/>
             </a:bodyPr>
             <a:lstStyle/>
             <a:p>
-              <a:pPr indent="0" lvl="0" marL="0" rtl="0" algn="l">
+              <a:pPr marL="0" lvl="0" indent="0" algn="l" rtl="0">
                 <a:spcBef>
                   <a:spcPts val="0"/>
                 </a:spcBef>
@@ -4734,9 +4590,6 @@
                 </a:spcAft>
                 <a:buNone/>
               </a:pPr>
-              <a:r>
-                <a:t/>
-              </a:r>
               <a:endParaRPr/>
             </a:p>
           </p:txBody>
@@ -4745,7 +4598,9 @@
       <p:sp>
         <p:nvSpPr>
           <p:cNvPr id="52" name="Google Shape;52;p7"/>
-          <p:cNvSpPr txBox="1"/>
+          <p:cNvSpPr txBox="1">
+            <a:spLocks noGrp="1"/>
+          </p:cNvSpPr>
           <p:nvPr>
             <p:ph type="title"/>
           </p:nvPr>
@@ -4760,7 +4615,7 @@
           </a:prstGeom>
         </p:spPr>
         <p:txBody>
-          <a:bodyPr anchorCtr="0" anchor="t" bIns="91425" lIns="91425" spcFirstLastPara="1" rIns="91425" wrap="square" tIns="91425">
+          <a:bodyPr spcFirstLastPara="1" wrap="square" lIns="91425" tIns="91425" rIns="91425" bIns="91425" anchor="t" anchorCtr="0">
             <a:normAutofit/>
           </a:bodyPr>
           <a:lstStyle>
@@ -4864,15 +4719,19 @@
               <a:defRPr sz="2600"/>
             </a:lvl9pPr>
           </a:lstStyle>
-          <a:p/>
+          <a:p>
+            <a:endParaRPr/>
+          </a:p>
         </p:txBody>
       </p:sp>
       <p:sp>
         <p:nvSpPr>
           <p:cNvPr id="53" name="Google Shape;53;p7"/>
-          <p:cNvSpPr txBox="1"/>
+          <p:cNvSpPr txBox="1">
+            <a:spLocks noGrp="1"/>
+          </p:cNvSpPr>
           <p:nvPr>
-            <p:ph idx="1" type="body"/>
+            <p:ph type="body" idx="1"/>
           </p:nvPr>
         </p:nvSpPr>
         <p:spPr>
@@ -4885,11 +4744,11 @@
           </a:prstGeom>
         </p:spPr>
         <p:txBody>
-          <a:bodyPr anchorCtr="0" anchor="t" bIns="91425" lIns="91425" spcFirstLastPara="1" rIns="91425" wrap="square" tIns="91425">
+          <a:bodyPr spcFirstLastPara="1" wrap="square" lIns="91425" tIns="91425" rIns="91425" bIns="91425" anchor="t" anchorCtr="0">
             <a:normAutofit/>
           </a:bodyPr>
           <a:lstStyle>
-            <a:lvl1pPr indent="-311150" lvl="0" marL="457200">
+            <a:lvl1pPr marL="457200" lvl="0" indent="-311150">
               <a:spcBef>
                 <a:spcPts val="0"/>
               </a:spcBef>
@@ -4900,7 +4759,7 @@
               <a:buChar char="●"/>
               <a:defRPr/>
             </a:lvl1pPr>
-            <a:lvl2pPr indent="-298450" lvl="1" marL="914400">
+            <a:lvl2pPr marL="914400" lvl="1" indent="-298450">
               <a:spcBef>
                 <a:spcPts val="0"/>
               </a:spcBef>
@@ -4911,7 +4770,7 @@
               <a:buChar char="○"/>
               <a:defRPr/>
             </a:lvl2pPr>
-            <a:lvl3pPr indent="-298450" lvl="2" marL="1371600">
+            <a:lvl3pPr marL="1371600" lvl="2" indent="-298450">
               <a:spcBef>
                 <a:spcPts val="0"/>
               </a:spcBef>
@@ -4922,7 +4781,7 @@
               <a:buChar char="■"/>
               <a:defRPr/>
             </a:lvl3pPr>
-            <a:lvl4pPr indent="-298450" lvl="3" marL="1828800">
+            <a:lvl4pPr marL="1828800" lvl="3" indent="-298450">
               <a:spcBef>
                 <a:spcPts val="0"/>
               </a:spcBef>
@@ -4933,7 +4792,7 @@
               <a:buChar char="●"/>
               <a:defRPr/>
             </a:lvl4pPr>
-            <a:lvl5pPr indent="-298450" lvl="4" marL="2286000">
+            <a:lvl5pPr marL="2286000" lvl="4" indent="-298450">
               <a:spcBef>
                 <a:spcPts val="0"/>
               </a:spcBef>
@@ -4944,7 +4803,7 @@
               <a:buChar char="○"/>
               <a:defRPr/>
             </a:lvl5pPr>
-            <a:lvl6pPr indent="-298450" lvl="5" marL="2743200">
+            <a:lvl6pPr marL="2743200" lvl="5" indent="-298450">
               <a:spcBef>
                 <a:spcPts val="0"/>
               </a:spcBef>
@@ -4955,7 +4814,7 @@
               <a:buChar char="■"/>
               <a:defRPr/>
             </a:lvl6pPr>
-            <a:lvl7pPr indent="-298450" lvl="6" marL="3200400">
+            <a:lvl7pPr marL="3200400" lvl="6" indent="-298450">
               <a:spcBef>
                 <a:spcPts val="0"/>
               </a:spcBef>
@@ -4966,7 +4825,7 @@
               <a:buChar char="●"/>
               <a:defRPr/>
             </a:lvl7pPr>
-            <a:lvl8pPr indent="-298450" lvl="7" marL="3657600">
+            <a:lvl8pPr marL="3657600" lvl="7" indent="-298450">
               <a:spcBef>
                 <a:spcPts val="0"/>
               </a:spcBef>
@@ -4977,7 +4836,7 @@
               <a:buChar char="○"/>
               <a:defRPr/>
             </a:lvl8pPr>
-            <a:lvl9pPr indent="-298450" lvl="8" marL="4114800">
+            <a:lvl9pPr marL="4114800" lvl="8" indent="-298450">
               <a:spcBef>
                 <a:spcPts val="0"/>
               </a:spcBef>
@@ -4989,15 +4848,19 @@
               <a:defRPr/>
             </a:lvl9pPr>
           </a:lstStyle>
-          <a:p/>
+          <a:p>
+            <a:endParaRPr/>
+          </a:p>
         </p:txBody>
       </p:sp>
       <p:sp>
         <p:nvSpPr>
           <p:cNvPr id="54" name="Google Shape;54;p7"/>
-          <p:cNvSpPr txBox="1"/>
+          <p:cNvSpPr txBox="1">
+            <a:spLocks noGrp="1"/>
+          </p:cNvSpPr>
           <p:nvPr>
-            <p:ph idx="12" type="sldNum"/>
+            <p:ph type="sldNum" idx="12"/>
           </p:nvPr>
         </p:nvSpPr>
         <p:spPr>
@@ -5010,7 +4873,7 @@
           </a:prstGeom>
         </p:spPr>
         <p:txBody>
-          <a:bodyPr anchorCtr="0" anchor="ctr" bIns="91425" lIns="91425" spcFirstLastPara="1" rIns="91425" wrap="square" tIns="91425">
+          <a:bodyPr spcFirstLastPara="1" wrap="square" lIns="91425" tIns="91425" rIns="91425" bIns="91425" anchor="ctr" anchorCtr="0">
             <a:normAutofit/>
           </a:bodyPr>
           <a:lstStyle>
@@ -5052,7 +4915,7 @@
             </a:lvl9pPr>
           </a:lstStyle>
           <a:p>
-            <a:pPr indent="0" lvl="0" marL="0" rtl="0" algn="r">
+            <a:pPr marL="0" lvl="0" indent="0" algn="r" rtl="0">
               <a:spcBef>
                 <a:spcPts val="0"/>
               </a:spcBef>
@@ -5078,18 +4941,19 @@
 </file>
 
 <file path=ppt/slideLayouts/slideLayout7.xml><?xml version="1.0" encoding="utf-8"?>
-<p:sldLayout xmlns:a="http://schemas.openxmlformats.org/drawingml/2006/main" xmlns:r="http://schemas.openxmlformats.org/officeDocument/2006/relationships" xmlns:mc="http://schemas.openxmlformats.org/markup-compatibility/2006" xmlns:mv="urn:schemas-microsoft-com:mac:vml" xmlns:p="http://schemas.openxmlformats.org/presentationml/2006/main" xmlns:c="http://schemas.openxmlformats.org/drawingml/2006/chart" xmlns:dgm="http://schemas.openxmlformats.org/drawingml/2006/diagram" xmlns:o="urn:schemas-microsoft-com:office:office" xmlns:v="urn:schemas-microsoft-com:vml" xmlns:pvml="urn:schemas-microsoft-com:office:powerpoint" xmlns:com="http://schemas.openxmlformats.org/drawingml/2006/compatibility" xmlns:p14="http://schemas.microsoft.com/office/powerpoint/2010/main" xmlns:p15="http://schemas.microsoft.com/office/powerpoint/2012/main" xmlns:ahyp="http://schemas.microsoft.com/office/drawing/2018/hyperlinkcolor" matchingName="Main point">
+<p:sldLayout xmlns:a="http://schemas.openxmlformats.org/drawingml/2006/main" xmlns:r="http://schemas.openxmlformats.org/officeDocument/2006/relationships" xmlns:p="http://schemas.openxmlformats.org/presentationml/2006/main" matchingName="Main point">
   <p:cSld name="MAIN_POINT">
     <p:bg>
       <p:bgPr>
         <a:solidFill>
           <a:schemeClr val="accent3"/>
         </a:solidFill>
+        <a:effectLst/>
       </p:bgPr>
     </p:bg>
     <p:spTree>
       <p:nvGrpSpPr>
-        <p:cNvPr id="55" name="Shape 55"/>
+        <p:cNvPr id="1" name="Shape 55"/>
         <p:cNvGrpSpPr/>
         <p:nvPr/>
       </p:nvGrpSpPr>
@@ -5137,12 +5001,12 @@
             </a:ln>
           </p:spPr>
           <p:txBody>
-            <a:bodyPr anchorCtr="0" anchor="ctr" bIns="91425" lIns="91425" spcFirstLastPara="1" rIns="91425" wrap="square" tIns="91425">
+            <a:bodyPr spcFirstLastPara="1" wrap="square" lIns="91425" tIns="91425" rIns="91425" bIns="91425" anchor="ctr" anchorCtr="0">
               <a:noAutofit/>
             </a:bodyPr>
             <a:lstStyle/>
             <a:p>
-              <a:pPr indent="0" lvl="0" marL="0" rtl="0" algn="l">
+              <a:pPr marL="0" lvl="0" indent="0" algn="l" rtl="0">
                 <a:spcBef>
                   <a:spcPts val="0"/>
                 </a:spcBef>
@@ -5151,9 +5015,6 @@
                 </a:spcAft>
                 <a:buNone/>
               </a:pPr>
-              <a:r>
-                <a:t/>
-              </a:r>
               <a:endParaRPr/>
             </a:p>
           </p:txBody>
@@ -5180,12 +5041,12 @@
             </a:ln>
           </p:spPr>
           <p:txBody>
-            <a:bodyPr anchorCtr="0" anchor="ctr" bIns="91425" lIns="91425" spcFirstLastPara="1" rIns="91425" wrap="square" tIns="91425">
+            <a:bodyPr spcFirstLastPara="1" wrap="square" lIns="91425" tIns="91425" rIns="91425" bIns="91425" anchor="ctr" anchorCtr="0">
               <a:noAutofit/>
             </a:bodyPr>
             <a:lstStyle/>
             <a:p>
-              <a:pPr indent="0" lvl="0" marL="0" rtl="0" algn="l">
+              <a:pPr marL="0" lvl="0" indent="0" algn="l" rtl="0">
                 <a:spcBef>
                   <a:spcPts val="0"/>
                 </a:spcBef>
@@ -5194,9 +5055,6 @@
                 </a:spcAft>
                 <a:buNone/>
               </a:pPr>
-              <a:r>
-                <a:t/>
-              </a:r>
               <a:endParaRPr/>
             </a:p>
           </p:txBody>
@@ -5205,7 +5063,9 @@
       <p:sp>
         <p:nvSpPr>
           <p:cNvPr id="59" name="Google Shape;59;p8"/>
-          <p:cNvSpPr txBox="1"/>
+          <p:cNvSpPr txBox="1">
+            <a:spLocks noGrp="1"/>
+          </p:cNvSpPr>
           <p:nvPr>
             <p:ph type="title"/>
           </p:nvPr>
@@ -5220,7 +5080,7 @@
           </a:prstGeom>
         </p:spPr>
         <p:txBody>
-          <a:bodyPr anchorCtr="0" anchor="ctr" bIns="91425" lIns="91425" spcFirstLastPara="1" rIns="91425" wrap="square" tIns="91425">
+          <a:bodyPr spcFirstLastPara="1" wrap="square" lIns="91425" tIns="91425" rIns="91425" bIns="91425" anchor="ctr" anchorCtr="0">
             <a:normAutofit/>
           </a:bodyPr>
           <a:lstStyle>
@@ -5387,15 +5247,19 @@
               </a:defRPr>
             </a:lvl9pPr>
           </a:lstStyle>
-          <a:p/>
+          <a:p>
+            <a:endParaRPr/>
+          </a:p>
         </p:txBody>
       </p:sp>
       <p:sp>
         <p:nvSpPr>
           <p:cNvPr id="60" name="Google Shape;60;p8"/>
-          <p:cNvSpPr txBox="1"/>
+          <p:cNvSpPr txBox="1">
+            <a:spLocks noGrp="1"/>
+          </p:cNvSpPr>
           <p:nvPr>
-            <p:ph idx="12" type="sldNum"/>
+            <p:ph type="sldNum" idx="12"/>
           </p:nvPr>
         </p:nvSpPr>
         <p:spPr>
@@ -5408,7 +5272,7 @@
           </a:prstGeom>
         </p:spPr>
         <p:txBody>
-          <a:bodyPr anchorCtr="0" anchor="ctr" bIns="91425" lIns="91425" spcFirstLastPara="1" rIns="91425" wrap="square" tIns="91425">
+          <a:bodyPr spcFirstLastPara="1" wrap="square" lIns="91425" tIns="91425" rIns="91425" bIns="91425" anchor="ctr" anchorCtr="0">
             <a:normAutofit/>
           </a:bodyPr>
           <a:lstStyle>
@@ -5486,7 +5350,7 @@
             </a:lvl9pPr>
           </a:lstStyle>
           <a:p>
-            <a:pPr indent="0" lvl="0" marL="0" rtl="0" algn="r">
+            <a:pPr marL="0" lvl="0" indent="0" algn="r" rtl="0">
               <a:spcBef>
                 <a:spcPts val="0"/>
               </a:spcBef>
@@ -5512,11 +5376,11 @@
 </file>
 
 <file path=ppt/slideLayouts/slideLayout8.xml><?xml version="1.0" encoding="utf-8"?>
-<p:sldLayout xmlns:a="http://schemas.openxmlformats.org/drawingml/2006/main" xmlns:r="http://schemas.openxmlformats.org/officeDocument/2006/relationships" xmlns:mc="http://schemas.openxmlformats.org/markup-compatibility/2006" xmlns:mv="urn:schemas-microsoft-com:mac:vml" xmlns:p="http://schemas.openxmlformats.org/presentationml/2006/main" xmlns:c="http://schemas.openxmlformats.org/drawingml/2006/chart" xmlns:dgm="http://schemas.openxmlformats.org/drawingml/2006/diagram" xmlns:o="urn:schemas-microsoft-com:office:office" xmlns:v="urn:schemas-microsoft-com:vml" xmlns:pvml="urn:schemas-microsoft-com:office:powerpoint" xmlns:com="http://schemas.openxmlformats.org/drawingml/2006/compatibility" xmlns:p14="http://schemas.microsoft.com/office/powerpoint/2010/main" xmlns:p15="http://schemas.microsoft.com/office/powerpoint/2012/main" xmlns:ahyp="http://schemas.microsoft.com/office/drawing/2018/hyperlinkcolor" matchingName="Section title and description">
+<p:sldLayout xmlns:a="http://schemas.openxmlformats.org/drawingml/2006/main" xmlns:r="http://schemas.openxmlformats.org/officeDocument/2006/relationships" xmlns:p="http://schemas.openxmlformats.org/presentationml/2006/main" matchingName="Section title and description">
   <p:cSld name="SECTION_TITLE_AND_DESCRIPTION">
     <p:spTree>
       <p:nvGrpSpPr>
-        <p:cNvPr id="61" name="Shape 61"/>
+        <p:cNvPr id="1" name="Shape 61"/>
         <p:cNvGrpSpPr/>
         <p:nvPr/>
       </p:nvGrpSpPr>
@@ -5550,12 +5414,12 @@
           </a:ln>
         </p:spPr>
         <p:txBody>
-          <a:bodyPr anchorCtr="0" anchor="ctr" bIns="91425" lIns="91425" spcFirstLastPara="1" rIns="91425" wrap="square" tIns="91425">
+          <a:bodyPr spcFirstLastPara="1" wrap="square" lIns="91425" tIns="91425" rIns="91425" bIns="91425" anchor="ctr" anchorCtr="0">
             <a:noAutofit/>
           </a:bodyPr>
           <a:lstStyle/>
           <a:p>
-            <a:pPr indent="0" lvl="0" marL="0" rtl="0" algn="l">
+            <a:pPr marL="0" lvl="0" indent="0" algn="l" rtl="0">
               <a:spcBef>
                 <a:spcPts val="0"/>
               </a:spcBef>
@@ -5564,9 +5428,6 @@
               </a:spcAft>
               <a:buNone/>
             </a:pPr>
-            <a:r>
-              <a:t/>
-            </a:r>
             <a:endParaRPr/>
           </a:p>
         </p:txBody>
@@ -5607,12 +5468,12 @@
             </a:ln>
           </p:spPr>
           <p:txBody>
-            <a:bodyPr anchorCtr="0" anchor="ctr" bIns="91425" lIns="91425" spcFirstLastPara="1" rIns="91425" wrap="square" tIns="91425">
+            <a:bodyPr spcFirstLastPara="1" wrap="square" lIns="91425" tIns="91425" rIns="91425" bIns="91425" anchor="ctr" anchorCtr="0">
               <a:noAutofit/>
             </a:bodyPr>
             <a:lstStyle/>
             <a:p>
-              <a:pPr indent="0" lvl="0" marL="0" rtl="0" algn="l">
+              <a:pPr marL="0" lvl="0" indent="0" algn="l" rtl="0">
                 <a:spcBef>
                   <a:spcPts val="0"/>
                 </a:spcBef>
@@ -5621,9 +5482,6 @@
                 </a:spcAft>
                 <a:buNone/>
               </a:pPr>
-              <a:r>
-                <a:t/>
-              </a:r>
               <a:endParaRPr/>
             </a:p>
           </p:txBody>
@@ -5650,12 +5508,12 @@
             </a:ln>
           </p:spPr>
           <p:txBody>
-            <a:bodyPr anchorCtr="0" anchor="ctr" bIns="91425" lIns="91425" spcFirstLastPara="1" rIns="91425" wrap="square" tIns="91425">
+            <a:bodyPr spcFirstLastPara="1" wrap="square" lIns="91425" tIns="91425" rIns="91425" bIns="91425" anchor="ctr" anchorCtr="0">
               <a:noAutofit/>
             </a:bodyPr>
             <a:lstStyle/>
             <a:p>
-              <a:pPr indent="0" lvl="0" marL="0" rtl="0" algn="l">
+              <a:pPr marL="0" lvl="0" indent="0" algn="l" rtl="0">
                 <a:spcBef>
                   <a:spcPts val="0"/>
                 </a:spcBef>
@@ -5664,9 +5522,6 @@
                 </a:spcAft>
                 <a:buNone/>
               </a:pPr>
-              <a:r>
-                <a:t/>
-              </a:r>
               <a:endParaRPr/>
             </a:p>
           </p:txBody>
@@ -5675,7 +5530,9 @@
       <p:sp>
         <p:nvSpPr>
           <p:cNvPr id="66" name="Google Shape;66;p9"/>
-          <p:cNvSpPr txBox="1"/>
+          <p:cNvSpPr txBox="1">
+            <a:spLocks noGrp="1"/>
+          </p:cNvSpPr>
           <p:nvPr>
             <p:ph type="title"/>
           </p:nvPr>
@@ -5690,7 +5547,7 @@
           </a:prstGeom>
         </p:spPr>
         <p:txBody>
-          <a:bodyPr anchorCtr="0" anchor="t" bIns="91425" lIns="91425" spcFirstLastPara="1" rIns="91425" wrap="square" tIns="91425">
+          <a:bodyPr spcFirstLastPara="1" wrap="square" lIns="91425" tIns="91425" rIns="91425" bIns="91425" anchor="t" anchorCtr="0">
             <a:normAutofit/>
           </a:bodyPr>
           <a:lstStyle>
@@ -5794,15 +5651,19 @@
               <a:defRPr sz="2600"/>
             </a:lvl9pPr>
           </a:lstStyle>
-          <a:p/>
+          <a:p>
+            <a:endParaRPr/>
+          </a:p>
         </p:txBody>
       </p:sp>
       <p:sp>
         <p:nvSpPr>
           <p:cNvPr id="67" name="Google Shape;67;p9"/>
-          <p:cNvSpPr txBox="1"/>
+          <p:cNvSpPr txBox="1">
+            <a:spLocks noGrp="1"/>
+          </p:cNvSpPr>
           <p:nvPr>
-            <p:ph idx="1" type="subTitle"/>
+            <p:ph type="subTitle" idx="1"/>
           </p:nvPr>
         </p:nvSpPr>
         <p:spPr>
@@ -5815,7 +5676,7 @@
           </a:prstGeom>
         </p:spPr>
         <p:txBody>
-          <a:bodyPr anchorCtr="0" anchor="t" bIns="91425" lIns="91425" spcFirstLastPara="1" rIns="91425" wrap="square" tIns="91425">
+          <a:bodyPr spcFirstLastPara="1" wrap="square" lIns="91425" tIns="91425" rIns="91425" bIns="91425" anchor="t" anchorCtr="0">
             <a:normAutofit/>
           </a:bodyPr>
           <a:lstStyle>
@@ -5946,15 +5807,19 @@
               <a:defRPr sz="1600"/>
             </a:lvl9pPr>
           </a:lstStyle>
-          <a:p/>
+          <a:p>
+            <a:endParaRPr/>
+          </a:p>
         </p:txBody>
       </p:sp>
       <p:sp>
         <p:nvSpPr>
           <p:cNvPr id="68" name="Google Shape;68;p9"/>
-          <p:cNvSpPr txBox="1"/>
+          <p:cNvSpPr txBox="1">
+            <a:spLocks noGrp="1"/>
+          </p:cNvSpPr>
           <p:nvPr>
-            <p:ph idx="2" type="body"/>
+            <p:ph type="body" idx="2"/>
           </p:nvPr>
         </p:nvSpPr>
         <p:spPr>
@@ -5967,11 +5832,11 @@
           </a:prstGeom>
         </p:spPr>
         <p:txBody>
-          <a:bodyPr anchorCtr="0" anchor="t" bIns="91425" lIns="91425" spcFirstLastPara="1" rIns="91425" wrap="square" tIns="91425">
+          <a:bodyPr spcFirstLastPara="1" wrap="square" lIns="91425" tIns="91425" rIns="91425" bIns="91425" anchor="t" anchorCtr="0">
             <a:normAutofit/>
           </a:bodyPr>
           <a:lstStyle>
-            <a:lvl1pPr indent="-311150" lvl="0" marL="457200">
+            <a:lvl1pPr marL="457200" lvl="0" indent="-311150">
               <a:spcBef>
                 <a:spcPts val="0"/>
               </a:spcBef>
@@ -5982,7 +5847,7 @@
               <a:buChar char="●"/>
               <a:defRPr/>
             </a:lvl1pPr>
-            <a:lvl2pPr indent="-298450" lvl="1" marL="914400">
+            <a:lvl2pPr marL="914400" lvl="1" indent="-298450">
               <a:spcBef>
                 <a:spcPts val="0"/>
               </a:spcBef>
@@ -5993,7 +5858,7 @@
               <a:buChar char="○"/>
               <a:defRPr/>
             </a:lvl2pPr>
-            <a:lvl3pPr indent="-298450" lvl="2" marL="1371600">
+            <a:lvl3pPr marL="1371600" lvl="2" indent="-298450">
               <a:spcBef>
                 <a:spcPts val="0"/>
               </a:spcBef>
@@ -6004,7 +5869,7 @@
               <a:buChar char="■"/>
               <a:defRPr/>
             </a:lvl3pPr>
-            <a:lvl4pPr indent="-298450" lvl="3" marL="1828800">
+            <a:lvl4pPr marL="1828800" lvl="3" indent="-298450">
               <a:spcBef>
                 <a:spcPts val="0"/>
               </a:spcBef>
@@ -6015,7 +5880,7 @@
               <a:buChar char="●"/>
               <a:defRPr/>
             </a:lvl4pPr>
-            <a:lvl5pPr indent="-298450" lvl="4" marL="2286000">
+            <a:lvl5pPr marL="2286000" lvl="4" indent="-298450">
               <a:spcBef>
                 <a:spcPts val="0"/>
               </a:spcBef>
@@ -6026,7 +5891,7 @@
               <a:buChar char="○"/>
               <a:defRPr/>
             </a:lvl5pPr>
-            <a:lvl6pPr indent="-298450" lvl="5" marL="2743200">
+            <a:lvl6pPr marL="2743200" lvl="5" indent="-298450">
               <a:spcBef>
                 <a:spcPts val="0"/>
               </a:spcBef>
@@ -6037,7 +5902,7 @@
               <a:buChar char="■"/>
               <a:defRPr/>
             </a:lvl6pPr>
-            <a:lvl7pPr indent="-298450" lvl="6" marL="3200400">
+            <a:lvl7pPr marL="3200400" lvl="6" indent="-298450">
               <a:spcBef>
                 <a:spcPts val="0"/>
               </a:spcBef>
@@ -6048,7 +5913,7 @@
               <a:buChar char="●"/>
               <a:defRPr/>
             </a:lvl7pPr>
-            <a:lvl8pPr indent="-298450" lvl="7" marL="3657600">
+            <a:lvl8pPr marL="3657600" lvl="7" indent="-298450">
               <a:spcBef>
                 <a:spcPts val="0"/>
               </a:spcBef>
@@ -6059,7 +5924,7 @@
               <a:buChar char="○"/>
               <a:defRPr/>
             </a:lvl8pPr>
-            <a:lvl9pPr indent="-298450" lvl="8" marL="4114800">
+            <a:lvl9pPr marL="4114800" lvl="8" indent="-298450">
               <a:spcBef>
                 <a:spcPts val="0"/>
               </a:spcBef>
@@ -6071,15 +5936,19 @@
               <a:defRPr/>
             </a:lvl9pPr>
           </a:lstStyle>
-          <a:p/>
+          <a:p>
+            <a:endParaRPr/>
+          </a:p>
         </p:txBody>
       </p:sp>
       <p:sp>
         <p:nvSpPr>
           <p:cNvPr id="69" name="Google Shape;69;p9"/>
-          <p:cNvSpPr txBox="1"/>
+          <p:cNvSpPr txBox="1">
+            <a:spLocks noGrp="1"/>
+          </p:cNvSpPr>
           <p:nvPr>
-            <p:ph idx="12" type="sldNum"/>
+            <p:ph type="sldNum" idx="12"/>
           </p:nvPr>
         </p:nvSpPr>
         <p:spPr>
@@ -6092,7 +5961,7 @@
           </a:prstGeom>
         </p:spPr>
         <p:txBody>
-          <a:bodyPr anchorCtr="0" anchor="ctr" bIns="91425" lIns="91425" spcFirstLastPara="1" rIns="91425" wrap="square" tIns="91425">
+          <a:bodyPr spcFirstLastPara="1" wrap="square" lIns="91425" tIns="91425" rIns="91425" bIns="91425" anchor="ctr" anchorCtr="0">
             <a:normAutofit/>
           </a:bodyPr>
           <a:lstStyle>
@@ -6134,7 +6003,7 @@
             </a:lvl9pPr>
           </a:lstStyle>
           <a:p>
-            <a:pPr indent="0" lvl="0" marL="0" rtl="0" algn="r">
+            <a:pPr marL="0" lvl="0" indent="0" algn="r" rtl="0">
               <a:spcBef>
                 <a:spcPts val="0"/>
               </a:spcBef>
@@ -6160,11 +6029,11 @@
 </file>
 
 <file path=ppt/slideLayouts/slideLayout9.xml><?xml version="1.0" encoding="utf-8"?>
-<p:sldLayout xmlns:a="http://schemas.openxmlformats.org/drawingml/2006/main" xmlns:r="http://schemas.openxmlformats.org/officeDocument/2006/relationships" xmlns:mc="http://schemas.openxmlformats.org/markup-compatibility/2006" xmlns:mv="urn:schemas-microsoft-com:mac:vml" xmlns:p="http://schemas.openxmlformats.org/presentationml/2006/main" xmlns:c="http://schemas.openxmlformats.org/drawingml/2006/chart" xmlns:dgm="http://schemas.openxmlformats.org/drawingml/2006/diagram" xmlns:o="urn:schemas-microsoft-com:office:office" xmlns:v="urn:schemas-microsoft-com:vml" xmlns:pvml="urn:schemas-microsoft-com:office:powerpoint" xmlns:com="http://schemas.openxmlformats.org/drawingml/2006/compatibility" xmlns:p14="http://schemas.microsoft.com/office/powerpoint/2010/main" xmlns:p15="http://schemas.microsoft.com/office/powerpoint/2012/main" xmlns:ahyp="http://schemas.microsoft.com/office/drawing/2018/hyperlinkcolor" matchingName="Caption">
+<p:sldLayout xmlns:a="http://schemas.openxmlformats.org/drawingml/2006/main" xmlns:r="http://schemas.openxmlformats.org/officeDocument/2006/relationships" xmlns:p="http://schemas.openxmlformats.org/presentationml/2006/main" matchingName="Caption">
   <p:cSld name="CAPTION_ONLY">
     <p:spTree>
       <p:nvGrpSpPr>
-        <p:cNvPr id="70" name="Shape 70"/>
+        <p:cNvPr id="1" name="Shape 70"/>
         <p:cNvGrpSpPr/>
         <p:nvPr/>
       </p:nvGrpSpPr>
@@ -6179,9 +6048,11 @@
       <p:sp>
         <p:nvSpPr>
           <p:cNvPr id="71" name="Google Shape;71;p10"/>
-          <p:cNvSpPr txBox="1"/>
+          <p:cNvSpPr txBox="1">
+            <a:spLocks noGrp="1"/>
+          </p:cNvSpPr>
           <p:nvPr>
-            <p:ph idx="1" type="body"/>
+            <p:ph type="body" idx="1"/>
           </p:nvPr>
         </p:nvSpPr>
         <p:spPr>
@@ -6194,11 +6065,11 @@
           </a:prstGeom>
         </p:spPr>
         <p:txBody>
-          <a:bodyPr anchorCtr="0" anchor="ctr" bIns="91425" lIns="91425" spcFirstLastPara="1" rIns="91425" wrap="square" tIns="91425">
+          <a:bodyPr spcFirstLastPara="1" wrap="square" lIns="91425" tIns="91425" rIns="91425" bIns="91425" anchor="ctr" anchorCtr="0">
             <a:normAutofit/>
           </a:bodyPr>
           <a:lstStyle>
-            <a:lvl1pPr indent="-228600" lvl="0" marL="457200">
+            <a:lvl1pPr marL="457200" lvl="0" indent="-228600">
               <a:lnSpc>
                 <a:spcPct val="100000"/>
               </a:lnSpc>
@@ -6213,15 +6084,19 @@
               <a:defRPr/>
             </a:lvl1pPr>
           </a:lstStyle>
-          <a:p/>
+          <a:p>
+            <a:endParaRPr/>
+          </a:p>
         </p:txBody>
       </p:sp>
       <p:sp>
         <p:nvSpPr>
           <p:cNvPr id="72" name="Google Shape;72;p10"/>
-          <p:cNvSpPr txBox="1"/>
+          <p:cNvSpPr txBox="1">
+            <a:spLocks noGrp="1"/>
+          </p:cNvSpPr>
           <p:nvPr>
-            <p:ph idx="12" type="sldNum"/>
+            <p:ph type="sldNum" idx="12"/>
           </p:nvPr>
         </p:nvSpPr>
         <p:spPr>
@@ -6234,7 +6109,7 @@
           </a:prstGeom>
         </p:spPr>
         <p:txBody>
-          <a:bodyPr anchorCtr="0" anchor="ctr" bIns="91425" lIns="91425" spcFirstLastPara="1" rIns="91425" wrap="square" tIns="91425">
+          <a:bodyPr spcFirstLastPara="1" wrap="square" lIns="91425" tIns="91425" rIns="91425" bIns="91425" anchor="ctr" anchorCtr="0">
             <a:normAutofit/>
           </a:bodyPr>
           <a:lstStyle>
@@ -6276,7 +6151,7 @@
             </a:lvl9pPr>
           </a:lstStyle>
           <a:p>
-            <a:pPr indent="0" lvl="0" marL="0" rtl="0" algn="r">
+            <a:pPr marL="0" lvl="0" indent="0" algn="r" rtl="0">
               <a:spcBef>
                 <a:spcPts val="0"/>
               </a:spcBef>
@@ -6302,18 +6177,19 @@
 </file>
 
 <file path=ppt/slideMasters/slideMaster1.xml><?xml version="1.0" encoding="utf-8"?>
-<p:sldMaster xmlns:a="http://schemas.openxmlformats.org/drawingml/2006/main" xmlns:r="http://schemas.openxmlformats.org/officeDocument/2006/relationships" xmlns:mc="http://schemas.openxmlformats.org/markup-compatibility/2006" xmlns:mv="urn:schemas-microsoft-com:mac:vml" xmlns:p="http://schemas.openxmlformats.org/presentationml/2006/main" xmlns:c="http://schemas.openxmlformats.org/drawingml/2006/chart" xmlns:dgm="http://schemas.openxmlformats.org/drawingml/2006/diagram" xmlns:o="urn:schemas-microsoft-com:office:office" xmlns:v="urn:schemas-microsoft-com:vml" xmlns:pvml="urn:schemas-microsoft-com:office:powerpoint" xmlns:com="http://schemas.openxmlformats.org/drawingml/2006/compatibility" xmlns:p14="http://schemas.microsoft.com/office/powerpoint/2010/main" xmlns:p15="http://schemas.microsoft.com/office/powerpoint/2012/main" xmlns:ahyp="http://schemas.microsoft.com/office/drawing/2018/hyperlinkcolor">
+<p:sldMaster xmlns:a="http://schemas.openxmlformats.org/drawingml/2006/main" xmlns:r="http://schemas.openxmlformats.org/officeDocument/2006/relationships" xmlns:p="http://schemas.openxmlformats.org/presentationml/2006/main">
   <p:cSld name="streamline">
     <p:bg>
       <p:bgPr>
         <a:solidFill>
           <a:schemeClr val="lt1"/>
         </a:solidFill>
+        <a:effectLst/>
       </p:bgPr>
     </p:bg>
     <p:spTree>
       <p:nvGrpSpPr>
-        <p:cNvPr id="5" name="Shape 5"/>
+        <p:cNvPr id="1" name="Shape 5"/>
         <p:cNvGrpSpPr/>
         <p:nvPr/>
       </p:nvGrpSpPr>
@@ -6328,7 +6204,9 @@
       <p:sp>
         <p:nvSpPr>
           <p:cNvPr id="6" name="Google Shape;6;p1"/>
-          <p:cNvSpPr txBox="1"/>
+          <p:cNvSpPr txBox="1">
+            <a:spLocks noGrp="1"/>
+          </p:cNvSpPr>
           <p:nvPr>
             <p:ph type="title"/>
           </p:nvPr>
@@ -6347,7 +6225,7 @@
           </a:ln>
         </p:spPr>
         <p:txBody>
-          <a:bodyPr anchorCtr="0" anchor="t" bIns="91425" lIns="91425" spcFirstLastPara="1" rIns="91425" wrap="square" tIns="91425">
+          <a:bodyPr spcFirstLastPara="1" wrap="square" lIns="91425" tIns="91425" rIns="91425" bIns="91425" anchor="t" anchorCtr="0">
             <a:normAutofit/>
           </a:bodyPr>
           <a:lstStyle>
@@ -6364,7 +6242,7 @@
               <a:buSzPts val="2800"/>
               <a:buFont typeface="Raleway"/>
               <a:buNone/>
-              <a:defRPr b="1" sz="2800">
+              <a:defRPr sz="2800" b="1">
                 <a:solidFill>
                   <a:schemeClr val="dk2"/>
                 </a:solidFill>
@@ -6387,7 +6265,7 @@
               <a:buSzPts val="2800"/>
               <a:buFont typeface="Raleway"/>
               <a:buNone/>
-              <a:defRPr b="1" sz="2800">
+              <a:defRPr sz="2800" b="1">
                 <a:solidFill>
                   <a:schemeClr val="dk2"/>
                 </a:solidFill>
@@ -6410,7 +6288,7 @@
               <a:buSzPts val="2800"/>
               <a:buFont typeface="Raleway"/>
               <a:buNone/>
-              <a:defRPr b="1" sz="2800">
+              <a:defRPr sz="2800" b="1">
                 <a:solidFill>
                   <a:schemeClr val="dk2"/>
                 </a:solidFill>
@@ -6433,7 +6311,7 @@
               <a:buSzPts val="2800"/>
               <a:buFont typeface="Raleway"/>
               <a:buNone/>
-              <a:defRPr b="1" sz="2800">
+              <a:defRPr sz="2800" b="1">
                 <a:solidFill>
                   <a:schemeClr val="dk2"/>
                 </a:solidFill>
@@ -6456,7 +6334,7 @@
               <a:buSzPts val="2800"/>
               <a:buFont typeface="Raleway"/>
               <a:buNone/>
-              <a:defRPr b="1" sz="2800">
+              <a:defRPr sz="2800" b="1">
                 <a:solidFill>
                   <a:schemeClr val="dk2"/>
                 </a:solidFill>
@@ -6479,7 +6357,7 @@
               <a:buSzPts val="2800"/>
               <a:buFont typeface="Raleway"/>
               <a:buNone/>
-              <a:defRPr b="1" sz="2800">
+              <a:defRPr sz="2800" b="1">
                 <a:solidFill>
                   <a:schemeClr val="dk2"/>
                 </a:solidFill>
@@ -6502,7 +6380,7 @@
               <a:buSzPts val="2800"/>
               <a:buFont typeface="Raleway"/>
               <a:buNone/>
-              <a:defRPr b="1" sz="2800">
+              <a:defRPr sz="2800" b="1">
                 <a:solidFill>
                   <a:schemeClr val="dk2"/>
                 </a:solidFill>
@@ -6525,7 +6403,7 @@
               <a:buSzPts val="2800"/>
               <a:buFont typeface="Raleway"/>
               <a:buNone/>
-              <a:defRPr b="1" sz="2800">
+              <a:defRPr sz="2800" b="1">
                 <a:solidFill>
                   <a:schemeClr val="dk2"/>
                 </a:solidFill>
@@ -6548,7 +6426,7 @@
               <a:buSzPts val="2800"/>
               <a:buFont typeface="Raleway"/>
               <a:buNone/>
-              <a:defRPr b="1" sz="2800">
+              <a:defRPr sz="2800" b="1">
                 <a:solidFill>
                   <a:schemeClr val="dk2"/>
                 </a:solidFill>
@@ -6559,15 +6437,19 @@
               </a:defRPr>
             </a:lvl9pPr>
           </a:lstStyle>
-          <a:p/>
+          <a:p>
+            <a:endParaRPr/>
+          </a:p>
         </p:txBody>
       </p:sp>
       <p:sp>
         <p:nvSpPr>
           <p:cNvPr id="7" name="Google Shape;7;p1"/>
-          <p:cNvSpPr txBox="1"/>
+          <p:cNvSpPr txBox="1">
+            <a:spLocks noGrp="1"/>
+          </p:cNvSpPr>
           <p:nvPr>
-            <p:ph idx="1" type="body"/>
+            <p:ph type="body" idx="1"/>
           </p:nvPr>
         </p:nvSpPr>
         <p:spPr>
@@ -6584,11 +6466,11 @@
           </a:ln>
         </p:spPr>
         <p:txBody>
-          <a:bodyPr anchorCtr="0" anchor="t" bIns="91425" lIns="91425" spcFirstLastPara="1" rIns="91425" wrap="square" tIns="91425">
+          <a:bodyPr spcFirstLastPara="1" wrap="square" lIns="91425" tIns="91425" rIns="91425" bIns="91425" anchor="t" anchorCtr="0">
             <a:normAutofit/>
           </a:bodyPr>
           <a:lstStyle>
-            <a:lvl1pPr indent="-311150" lvl="0" marL="457200">
+            <a:lvl1pPr marL="457200" lvl="0" indent="-311150">
               <a:lnSpc>
                 <a:spcPct val="115000"/>
               </a:lnSpc>
@@ -6614,7 +6496,7 @@
                 <a:sym typeface="Lato"/>
               </a:defRPr>
             </a:lvl1pPr>
-            <a:lvl2pPr indent="-298450" lvl="1" marL="914400">
+            <a:lvl2pPr marL="914400" lvl="1" indent="-298450">
               <a:lnSpc>
                 <a:spcPct val="115000"/>
               </a:lnSpc>
@@ -6640,7 +6522,7 @@
                 <a:sym typeface="Lato"/>
               </a:defRPr>
             </a:lvl2pPr>
-            <a:lvl3pPr indent="-298450" lvl="2" marL="1371600">
+            <a:lvl3pPr marL="1371600" lvl="2" indent="-298450">
               <a:lnSpc>
                 <a:spcPct val="115000"/>
               </a:lnSpc>
@@ -6666,7 +6548,7 @@
                 <a:sym typeface="Lato"/>
               </a:defRPr>
             </a:lvl3pPr>
-            <a:lvl4pPr indent="-298450" lvl="3" marL="1828800">
+            <a:lvl4pPr marL="1828800" lvl="3" indent="-298450">
               <a:lnSpc>
                 <a:spcPct val="115000"/>
               </a:lnSpc>
@@ -6692,7 +6574,7 @@
                 <a:sym typeface="Lato"/>
               </a:defRPr>
             </a:lvl4pPr>
-            <a:lvl5pPr indent="-298450" lvl="4" marL="2286000">
+            <a:lvl5pPr marL="2286000" lvl="4" indent="-298450">
               <a:lnSpc>
                 <a:spcPct val="115000"/>
               </a:lnSpc>
@@ -6718,7 +6600,7 @@
                 <a:sym typeface="Lato"/>
               </a:defRPr>
             </a:lvl5pPr>
-            <a:lvl6pPr indent="-298450" lvl="5" marL="2743200">
+            <a:lvl6pPr marL="2743200" lvl="5" indent="-298450">
               <a:lnSpc>
                 <a:spcPct val="115000"/>
               </a:lnSpc>
@@ -6744,7 +6626,7 @@
                 <a:sym typeface="Lato"/>
               </a:defRPr>
             </a:lvl6pPr>
-            <a:lvl7pPr indent="-298450" lvl="6" marL="3200400">
+            <a:lvl7pPr marL="3200400" lvl="6" indent="-298450">
               <a:lnSpc>
                 <a:spcPct val="115000"/>
               </a:lnSpc>
@@ -6770,7 +6652,7 @@
                 <a:sym typeface="Lato"/>
               </a:defRPr>
             </a:lvl7pPr>
-            <a:lvl8pPr indent="-298450" lvl="7" marL="3657600">
+            <a:lvl8pPr marL="3657600" lvl="7" indent="-298450">
               <a:lnSpc>
                 <a:spcPct val="115000"/>
               </a:lnSpc>
@@ -6796,7 +6678,7 @@
                 <a:sym typeface="Lato"/>
               </a:defRPr>
             </a:lvl8pPr>
-            <a:lvl9pPr indent="-298450" lvl="8" marL="4114800">
+            <a:lvl9pPr marL="4114800" lvl="8" indent="-298450">
               <a:lnSpc>
                 <a:spcPct val="115000"/>
               </a:lnSpc>
@@ -6823,15 +6705,19 @@
               </a:defRPr>
             </a:lvl9pPr>
           </a:lstStyle>
-          <a:p/>
+          <a:p>
+            <a:endParaRPr/>
+          </a:p>
         </p:txBody>
       </p:sp>
       <p:sp>
         <p:nvSpPr>
           <p:cNvPr id="8" name="Google Shape;8;p1"/>
-          <p:cNvSpPr txBox="1"/>
+          <p:cNvSpPr txBox="1">
+            <a:spLocks noGrp="1"/>
+          </p:cNvSpPr>
           <p:nvPr>
-            <p:ph idx="12" type="sldNum"/>
+            <p:ph type="sldNum" idx="12"/>
           </p:nvPr>
         </p:nvSpPr>
         <p:spPr>
@@ -6848,7 +6734,7 @@
           </a:ln>
         </p:spPr>
         <p:txBody>
-          <a:bodyPr anchorCtr="0" anchor="ctr" bIns="91425" lIns="91425" spcFirstLastPara="1" rIns="91425" wrap="square" tIns="91425">
+          <a:bodyPr spcFirstLastPara="1" wrap="square" lIns="91425" tIns="91425" rIns="91425" bIns="91425" anchor="ctr" anchorCtr="0">
             <a:normAutofit/>
           </a:bodyPr>
           <a:lstStyle>
@@ -6962,7 +6848,7 @@
             </a:lvl9pPr>
           </a:lstStyle>
           <a:p>
-            <a:pPr indent="0" lvl="0" marL="0" rtl="0" algn="r">
+            <a:pPr marL="0" lvl="0" indent="0" algn="r" rtl="0">
               <a:spcBef>
                 <a:spcPts val="0"/>
               </a:spcBef>
@@ -6981,7 +6867,7 @@
       </p:sp>
     </p:spTree>
   </p:cSld>
-  <p:clrMap accent1="accent1" accent2="accent2" accent3="accent3" accent4="accent4" accent5="accent5" accent6="accent6" bg1="lt1" bg2="dk2" tx1="dk1" tx2="lt2" folHlink="folHlink" hlink="hlink"/>
+  <p:clrMap bg1="lt1" tx1="dk1" bg2="dk2" tx2="lt2" accent1="accent1" accent2="accent2" accent3="accent3" accent4="accent4" accent5="accent5" accent6="accent6" hlink="hlink" folHlink="folHlink"/>
   <p:sldLayoutIdLst>
     <p:sldLayoutId id="2147483648" r:id="rId1"/>
     <p:sldLayoutId id="2147483649" r:id="rId2"/>
@@ -6995,10 +6881,10 @@
     <p:sldLayoutId id="2147483657" r:id="rId10"/>
     <p:sldLayoutId id="2147483658" r:id="rId11"/>
   </p:sldLayoutIdLst>
-  <p:hf dt="0" ftr="0" hdr="0" sldNum="0"/>
+  <p:hf sldNum="0" hdr="0" ftr="0" dt="0"/>
   <p:txStyles>
     <p:titleStyle>
-      <a:defPPr lvl="0" marR="0" rtl="0" algn="l">
+      <a:defPPr marR="0" lvl="0" algn="l" rtl="0">
         <a:lnSpc>
           <a:spcPct val="100000"/>
         </a:lnSpc>
@@ -7009,7 +6895,7 @@
           <a:spcPts val="0"/>
         </a:spcAft>
       </a:defPPr>
-      <a:lvl1pPr lvl="0" marR="0" rtl="0" algn="l">
+      <a:lvl1pPr marR="0" lvl="0" algn="l" rtl="0">
         <a:lnSpc>
           <a:spcPct val="100000"/>
         </a:lnSpc>
@@ -7023,7 +6909,7 @@
           <a:srgbClr val="000000"/>
         </a:buClr>
         <a:buFont typeface="Arial"/>
-        <a:defRPr b="0" i="0" sz="1400" u="none" cap="none" strike="noStrike">
+        <a:defRPr sz="1400" b="0" i="0" u="none" strike="noStrike" cap="none">
           <a:solidFill>
             <a:srgbClr val="000000"/>
           </a:solidFill>
@@ -7033,7 +6919,7 @@
           <a:sym typeface="Arial"/>
         </a:defRPr>
       </a:lvl1pPr>
-      <a:lvl2pPr lvl="1" marR="0" rtl="0" algn="l">
+      <a:lvl2pPr marR="0" lvl="1" algn="l" rtl="0">
         <a:lnSpc>
           <a:spcPct val="100000"/>
         </a:lnSpc>
@@ -7047,7 +6933,7 @@
           <a:srgbClr val="000000"/>
         </a:buClr>
         <a:buFont typeface="Arial"/>
-        <a:defRPr b="0" i="0" sz="1400" u="none" cap="none" strike="noStrike">
+        <a:defRPr sz="1400" b="0" i="0" u="none" strike="noStrike" cap="none">
           <a:solidFill>
             <a:srgbClr val="000000"/>
           </a:solidFill>
@@ -7057,7 +6943,7 @@
           <a:sym typeface="Arial"/>
         </a:defRPr>
       </a:lvl2pPr>
-      <a:lvl3pPr lvl="2" marR="0" rtl="0" algn="l">
+      <a:lvl3pPr marR="0" lvl="2" algn="l" rtl="0">
         <a:lnSpc>
           <a:spcPct val="100000"/>
         </a:lnSpc>
@@ -7071,7 +6957,7 @@
           <a:srgbClr val="000000"/>
         </a:buClr>
         <a:buFont typeface="Arial"/>
-        <a:defRPr b="0" i="0" sz="1400" u="none" cap="none" strike="noStrike">
+        <a:defRPr sz="1400" b="0" i="0" u="none" strike="noStrike" cap="none">
           <a:solidFill>
             <a:srgbClr val="000000"/>
           </a:solidFill>
@@ -7081,7 +6967,7 @@
           <a:sym typeface="Arial"/>
         </a:defRPr>
       </a:lvl3pPr>
-      <a:lvl4pPr lvl="3" marR="0" rtl="0" algn="l">
+      <a:lvl4pPr marR="0" lvl="3" algn="l" rtl="0">
         <a:lnSpc>
           <a:spcPct val="100000"/>
         </a:lnSpc>
@@ -7095,7 +6981,7 @@
           <a:srgbClr val="000000"/>
         </a:buClr>
         <a:buFont typeface="Arial"/>
-        <a:defRPr b="0" i="0" sz="1400" u="none" cap="none" strike="noStrike">
+        <a:defRPr sz="1400" b="0" i="0" u="none" strike="noStrike" cap="none">
           <a:solidFill>
             <a:srgbClr val="000000"/>
           </a:solidFill>
@@ -7105,7 +6991,7 @@
           <a:sym typeface="Arial"/>
         </a:defRPr>
       </a:lvl4pPr>
-      <a:lvl5pPr lvl="4" marR="0" rtl="0" algn="l">
+      <a:lvl5pPr marR="0" lvl="4" algn="l" rtl="0">
         <a:lnSpc>
           <a:spcPct val="100000"/>
         </a:lnSpc>
@@ -7119,7 +7005,7 @@
           <a:srgbClr val="000000"/>
         </a:buClr>
         <a:buFont typeface="Arial"/>
-        <a:defRPr b="0" i="0" sz="1400" u="none" cap="none" strike="noStrike">
+        <a:defRPr sz="1400" b="0" i="0" u="none" strike="noStrike" cap="none">
           <a:solidFill>
             <a:srgbClr val="000000"/>
           </a:solidFill>
@@ -7129,7 +7015,7 @@
           <a:sym typeface="Arial"/>
         </a:defRPr>
       </a:lvl5pPr>
-      <a:lvl6pPr lvl="5" marR="0" rtl="0" algn="l">
+      <a:lvl6pPr marR="0" lvl="5" algn="l" rtl="0">
         <a:lnSpc>
           <a:spcPct val="100000"/>
         </a:lnSpc>
@@ -7143,7 +7029,7 @@
           <a:srgbClr val="000000"/>
         </a:buClr>
         <a:buFont typeface="Arial"/>
-        <a:defRPr b="0" i="0" sz="1400" u="none" cap="none" strike="noStrike">
+        <a:defRPr sz="1400" b="0" i="0" u="none" strike="noStrike" cap="none">
           <a:solidFill>
             <a:srgbClr val="000000"/>
           </a:solidFill>
@@ -7153,7 +7039,7 @@
           <a:sym typeface="Arial"/>
         </a:defRPr>
       </a:lvl6pPr>
-      <a:lvl7pPr lvl="6" marR="0" rtl="0" algn="l">
+      <a:lvl7pPr marR="0" lvl="6" algn="l" rtl="0">
         <a:lnSpc>
           <a:spcPct val="100000"/>
         </a:lnSpc>
@@ -7167,7 +7053,7 @@
           <a:srgbClr val="000000"/>
         </a:buClr>
         <a:buFont typeface="Arial"/>
-        <a:defRPr b="0" i="0" sz="1400" u="none" cap="none" strike="noStrike">
+        <a:defRPr sz="1400" b="0" i="0" u="none" strike="noStrike" cap="none">
           <a:solidFill>
             <a:srgbClr val="000000"/>
           </a:solidFill>
@@ -7177,7 +7063,7 @@
           <a:sym typeface="Arial"/>
         </a:defRPr>
       </a:lvl7pPr>
-      <a:lvl8pPr lvl="7" marR="0" rtl="0" algn="l">
+      <a:lvl8pPr marR="0" lvl="7" algn="l" rtl="0">
         <a:lnSpc>
           <a:spcPct val="100000"/>
         </a:lnSpc>
@@ -7191,7 +7077,7 @@
           <a:srgbClr val="000000"/>
         </a:buClr>
         <a:buFont typeface="Arial"/>
-        <a:defRPr b="0" i="0" sz="1400" u="none" cap="none" strike="noStrike">
+        <a:defRPr sz="1400" b="0" i="0" u="none" strike="noStrike" cap="none">
           <a:solidFill>
             <a:srgbClr val="000000"/>
           </a:solidFill>
@@ -7201,7 +7087,7 @@
           <a:sym typeface="Arial"/>
         </a:defRPr>
       </a:lvl8pPr>
-      <a:lvl9pPr lvl="8" marR="0" rtl="0" algn="l">
+      <a:lvl9pPr marR="0" lvl="8" algn="l" rtl="0">
         <a:lnSpc>
           <a:spcPct val="100000"/>
         </a:lnSpc>
@@ -7215,7 +7101,7 @@
           <a:srgbClr val="000000"/>
         </a:buClr>
         <a:buFont typeface="Arial"/>
-        <a:defRPr b="0" i="0" sz="1400" u="none" cap="none" strike="noStrike">
+        <a:defRPr sz="1400" b="0" i="0" u="none" strike="noStrike" cap="none">
           <a:solidFill>
             <a:srgbClr val="000000"/>
           </a:solidFill>
@@ -7227,7 +7113,7 @@
       </a:lvl9pPr>
     </p:titleStyle>
     <p:bodyStyle>
-      <a:defPPr lvl="0" marR="0" rtl="0" algn="l">
+      <a:defPPr marR="0" lvl="0" algn="l" rtl="0">
         <a:lnSpc>
           <a:spcPct val="100000"/>
         </a:lnSpc>
@@ -7238,7 +7124,7 @@
           <a:spcPts val="0"/>
         </a:spcAft>
       </a:defPPr>
-      <a:lvl1pPr lvl="0" marR="0" rtl="0" algn="l">
+      <a:lvl1pPr marR="0" lvl="0" algn="l" rtl="0">
         <a:lnSpc>
           <a:spcPct val="100000"/>
         </a:lnSpc>
@@ -7252,7 +7138,7 @@
           <a:srgbClr val="000000"/>
         </a:buClr>
         <a:buFont typeface="Arial"/>
-        <a:defRPr b="0" i="0" sz="1400" u="none" cap="none" strike="noStrike">
+        <a:defRPr sz="1400" b="0" i="0" u="none" strike="noStrike" cap="none">
           <a:solidFill>
             <a:srgbClr val="000000"/>
           </a:solidFill>
@@ -7262,7 +7148,7 @@
           <a:sym typeface="Arial"/>
         </a:defRPr>
       </a:lvl1pPr>
-      <a:lvl2pPr lvl="1" marR="0" rtl="0" algn="l">
+      <a:lvl2pPr marR="0" lvl="1" algn="l" rtl="0">
         <a:lnSpc>
           <a:spcPct val="100000"/>
         </a:lnSpc>
@@ -7276,7 +7162,7 @@
           <a:srgbClr val="000000"/>
         </a:buClr>
         <a:buFont typeface="Arial"/>
-        <a:defRPr b="0" i="0" sz="1400" u="none" cap="none" strike="noStrike">
+        <a:defRPr sz="1400" b="0" i="0" u="none" strike="noStrike" cap="none">
           <a:solidFill>
             <a:srgbClr val="000000"/>
           </a:solidFill>
@@ -7286,7 +7172,7 @@
           <a:sym typeface="Arial"/>
         </a:defRPr>
       </a:lvl2pPr>
-      <a:lvl3pPr lvl="2" marR="0" rtl="0" algn="l">
+      <a:lvl3pPr marR="0" lvl="2" algn="l" rtl="0">
         <a:lnSpc>
           <a:spcPct val="100000"/>
         </a:lnSpc>
@@ -7300,7 +7186,7 @@
           <a:srgbClr val="000000"/>
         </a:buClr>
         <a:buFont typeface="Arial"/>
-        <a:defRPr b="0" i="0" sz="1400" u="none" cap="none" strike="noStrike">
+        <a:defRPr sz="1400" b="0" i="0" u="none" strike="noStrike" cap="none">
           <a:solidFill>
             <a:srgbClr val="000000"/>
           </a:solidFill>
@@ -7310,7 +7196,7 @@
           <a:sym typeface="Arial"/>
         </a:defRPr>
       </a:lvl3pPr>
-      <a:lvl4pPr lvl="3" marR="0" rtl="0" algn="l">
+      <a:lvl4pPr marR="0" lvl="3" algn="l" rtl="0">
         <a:lnSpc>
           <a:spcPct val="100000"/>
         </a:lnSpc>
@@ -7324,7 +7210,7 @@
           <a:srgbClr val="000000"/>
         </a:buClr>
         <a:buFont typeface="Arial"/>
-        <a:defRPr b="0" i="0" sz="1400" u="none" cap="none" strike="noStrike">
+        <a:defRPr sz="1400" b="0" i="0" u="none" strike="noStrike" cap="none">
           <a:solidFill>
             <a:srgbClr val="000000"/>
           </a:solidFill>
@@ -7334,7 +7220,7 @@
           <a:sym typeface="Arial"/>
         </a:defRPr>
       </a:lvl4pPr>
-      <a:lvl5pPr lvl="4" marR="0" rtl="0" algn="l">
+      <a:lvl5pPr marR="0" lvl="4" algn="l" rtl="0">
         <a:lnSpc>
           <a:spcPct val="100000"/>
         </a:lnSpc>
@@ -7348,7 +7234,7 @@
           <a:srgbClr val="000000"/>
         </a:buClr>
         <a:buFont typeface="Arial"/>
-        <a:defRPr b="0" i="0" sz="1400" u="none" cap="none" strike="noStrike">
+        <a:defRPr sz="1400" b="0" i="0" u="none" strike="noStrike" cap="none">
           <a:solidFill>
             <a:srgbClr val="000000"/>
           </a:solidFill>
@@ -7358,7 +7244,7 @@
           <a:sym typeface="Arial"/>
         </a:defRPr>
       </a:lvl5pPr>
-      <a:lvl6pPr lvl="5" marR="0" rtl="0" algn="l">
+      <a:lvl6pPr marR="0" lvl="5" algn="l" rtl="0">
         <a:lnSpc>
           <a:spcPct val="100000"/>
         </a:lnSpc>
@@ -7372,7 +7258,7 @@
           <a:srgbClr val="000000"/>
         </a:buClr>
         <a:buFont typeface="Arial"/>
-        <a:defRPr b="0" i="0" sz="1400" u="none" cap="none" strike="noStrike">
+        <a:defRPr sz="1400" b="0" i="0" u="none" strike="noStrike" cap="none">
           <a:solidFill>
             <a:srgbClr val="000000"/>
           </a:solidFill>
@@ -7382,7 +7268,7 @@
           <a:sym typeface="Arial"/>
         </a:defRPr>
       </a:lvl6pPr>
-      <a:lvl7pPr lvl="6" marR="0" rtl="0" algn="l">
+      <a:lvl7pPr marR="0" lvl="6" algn="l" rtl="0">
         <a:lnSpc>
           <a:spcPct val="100000"/>
         </a:lnSpc>
@@ -7396,7 +7282,7 @@
           <a:srgbClr val="000000"/>
         </a:buClr>
         <a:buFont typeface="Arial"/>
-        <a:defRPr b="0" i="0" sz="1400" u="none" cap="none" strike="noStrike">
+        <a:defRPr sz="1400" b="0" i="0" u="none" strike="noStrike" cap="none">
           <a:solidFill>
             <a:srgbClr val="000000"/>
           </a:solidFill>
@@ -7406,7 +7292,7 @@
           <a:sym typeface="Arial"/>
         </a:defRPr>
       </a:lvl7pPr>
-      <a:lvl8pPr lvl="7" marR="0" rtl="0" algn="l">
+      <a:lvl8pPr marR="0" lvl="7" algn="l" rtl="0">
         <a:lnSpc>
           <a:spcPct val="100000"/>
         </a:lnSpc>
@@ -7420,7 +7306,7 @@
           <a:srgbClr val="000000"/>
         </a:buClr>
         <a:buFont typeface="Arial"/>
-        <a:defRPr b="0" i="0" sz="1400" u="none" cap="none" strike="noStrike">
+        <a:defRPr sz="1400" b="0" i="0" u="none" strike="noStrike" cap="none">
           <a:solidFill>
             <a:srgbClr val="000000"/>
           </a:solidFill>
@@ -7430,7 +7316,7 @@
           <a:sym typeface="Arial"/>
         </a:defRPr>
       </a:lvl8pPr>
-      <a:lvl9pPr lvl="8" marR="0" rtl="0" algn="l">
+      <a:lvl9pPr marR="0" lvl="8" algn="l" rtl="0">
         <a:lnSpc>
           <a:spcPct val="100000"/>
         </a:lnSpc>
@@ -7444,7 +7330,7 @@
           <a:srgbClr val="000000"/>
         </a:buClr>
         <a:buFont typeface="Arial"/>
-        <a:defRPr b="0" i="0" sz="1400" u="none" cap="none" strike="noStrike">
+        <a:defRPr sz="1400" b="0" i="0" u="none" strike="noStrike" cap="none">
           <a:solidFill>
             <a:srgbClr val="000000"/>
           </a:solidFill>
@@ -7456,7 +7342,7 @@
       </a:lvl9pPr>
     </p:bodyStyle>
     <p:otherStyle>
-      <a:defPPr lvl="0" marR="0" rtl="0" algn="l">
+      <a:defPPr marR="0" lvl="0" algn="l" rtl="0">
         <a:lnSpc>
           <a:spcPct val="100000"/>
         </a:lnSpc>
@@ -7467,7 +7353,7 @@
           <a:spcPts val="0"/>
         </a:spcAft>
       </a:defPPr>
-      <a:lvl1pPr lvl="0" marR="0" rtl="0" algn="l">
+      <a:lvl1pPr marR="0" lvl="0" algn="l" rtl="0">
         <a:lnSpc>
           <a:spcPct val="100000"/>
         </a:lnSpc>
@@ -7481,7 +7367,7 @@
           <a:srgbClr val="000000"/>
         </a:buClr>
         <a:buFont typeface="Arial"/>
-        <a:defRPr b="0" i="0" sz="1400" u="none" cap="none" strike="noStrike">
+        <a:defRPr sz="1400" b="0" i="0" u="none" strike="noStrike" cap="none">
           <a:solidFill>
             <a:srgbClr val="000000"/>
           </a:solidFill>
@@ -7491,7 +7377,7 @@
           <a:sym typeface="Arial"/>
         </a:defRPr>
       </a:lvl1pPr>
-      <a:lvl2pPr lvl="1" marR="0" rtl="0" algn="l">
+      <a:lvl2pPr marR="0" lvl="1" algn="l" rtl="0">
         <a:lnSpc>
           <a:spcPct val="100000"/>
         </a:lnSpc>
@@ -7505,7 +7391,7 @@
           <a:srgbClr val="000000"/>
         </a:buClr>
         <a:buFont typeface="Arial"/>
-        <a:defRPr b="0" i="0" sz="1400" u="none" cap="none" strike="noStrike">
+        <a:defRPr sz="1400" b="0" i="0" u="none" strike="noStrike" cap="none">
           <a:solidFill>
             <a:srgbClr val="000000"/>
           </a:solidFill>
@@ -7515,7 +7401,7 @@
           <a:sym typeface="Arial"/>
         </a:defRPr>
       </a:lvl2pPr>
-      <a:lvl3pPr lvl="2" marR="0" rtl="0" algn="l">
+      <a:lvl3pPr marR="0" lvl="2" algn="l" rtl="0">
         <a:lnSpc>
           <a:spcPct val="100000"/>
         </a:lnSpc>
@@ -7529,7 +7415,7 @@
           <a:srgbClr val="000000"/>
         </a:buClr>
         <a:buFont typeface="Arial"/>
-        <a:defRPr b="0" i="0" sz="1400" u="none" cap="none" strike="noStrike">
+        <a:defRPr sz="1400" b="0" i="0" u="none" strike="noStrike" cap="none">
           <a:solidFill>
             <a:srgbClr val="000000"/>
           </a:solidFill>
@@ -7539,7 +7425,7 @@
           <a:sym typeface="Arial"/>
         </a:defRPr>
       </a:lvl3pPr>
-      <a:lvl4pPr lvl="3" marR="0" rtl="0" algn="l">
+      <a:lvl4pPr marR="0" lvl="3" algn="l" rtl="0">
         <a:lnSpc>
           <a:spcPct val="100000"/>
         </a:lnSpc>
@@ -7553,7 +7439,7 @@
           <a:srgbClr val="000000"/>
         </a:buClr>
         <a:buFont typeface="Arial"/>
-        <a:defRPr b="0" i="0" sz="1400" u="none" cap="none" strike="noStrike">
+        <a:defRPr sz="1400" b="0" i="0" u="none" strike="noStrike" cap="none">
           <a:solidFill>
             <a:srgbClr val="000000"/>
           </a:solidFill>
@@ -7563,7 +7449,7 @@
           <a:sym typeface="Arial"/>
         </a:defRPr>
       </a:lvl4pPr>
-      <a:lvl5pPr lvl="4" marR="0" rtl="0" algn="l">
+      <a:lvl5pPr marR="0" lvl="4" algn="l" rtl="0">
         <a:lnSpc>
           <a:spcPct val="100000"/>
         </a:lnSpc>
@@ -7577,7 +7463,7 @@
           <a:srgbClr val="000000"/>
         </a:buClr>
         <a:buFont typeface="Arial"/>
-        <a:defRPr b="0" i="0" sz="1400" u="none" cap="none" strike="noStrike">
+        <a:defRPr sz="1400" b="0" i="0" u="none" strike="noStrike" cap="none">
           <a:solidFill>
             <a:srgbClr val="000000"/>
           </a:solidFill>
@@ -7587,7 +7473,7 @@
           <a:sym typeface="Arial"/>
         </a:defRPr>
       </a:lvl5pPr>
-      <a:lvl6pPr lvl="5" marR="0" rtl="0" algn="l">
+      <a:lvl6pPr marR="0" lvl="5" algn="l" rtl="0">
         <a:lnSpc>
           <a:spcPct val="100000"/>
         </a:lnSpc>
@@ -7601,7 +7487,7 @@
           <a:srgbClr val="000000"/>
         </a:buClr>
         <a:buFont typeface="Arial"/>
-        <a:defRPr b="0" i="0" sz="1400" u="none" cap="none" strike="noStrike">
+        <a:defRPr sz="1400" b="0" i="0" u="none" strike="noStrike" cap="none">
           <a:solidFill>
             <a:srgbClr val="000000"/>
           </a:solidFill>
@@ -7611,7 +7497,7 @@
           <a:sym typeface="Arial"/>
         </a:defRPr>
       </a:lvl6pPr>
-      <a:lvl7pPr lvl="6" marR="0" rtl="0" algn="l">
+      <a:lvl7pPr marR="0" lvl="6" algn="l" rtl="0">
         <a:lnSpc>
           <a:spcPct val="100000"/>
         </a:lnSpc>
@@ -7625,7 +7511,7 @@
           <a:srgbClr val="000000"/>
         </a:buClr>
         <a:buFont typeface="Arial"/>
-        <a:defRPr b="0" i="0" sz="1400" u="none" cap="none" strike="noStrike">
+        <a:defRPr sz="1400" b="0" i="0" u="none" strike="noStrike" cap="none">
           <a:solidFill>
             <a:srgbClr val="000000"/>
           </a:solidFill>
@@ -7635,7 +7521,7 @@
           <a:sym typeface="Arial"/>
         </a:defRPr>
       </a:lvl7pPr>
-      <a:lvl8pPr lvl="7" marR="0" rtl="0" algn="l">
+      <a:lvl8pPr marR="0" lvl="7" algn="l" rtl="0">
         <a:lnSpc>
           <a:spcPct val="100000"/>
         </a:lnSpc>
@@ -7649,7 +7535,7 @@
           <a:srgbClr val="000000"/>
         </a:buClr>
         <a:buFont typeface="Arial"/>
-        <a:defRPr b="0" i="0" sz="1400" u="none" cap="none" strike="noStrike">
+        <a:defRPr sz="1400" b="0" i="0" u="none" strike="noStrike" cap="none">
           <a:solidFill>
             <a:srgbClr val="000000"/>
           </a:solidFill>
@@ -7659,7 +7545,7 @@
           <a:sym typeface="Arial"/>
         </a:defRPr>
       </a:lvl8pPr>
-      <a:lvl9pPr lvl="8" marR="0" rtl="0" algn="l">
+      <a:lvl9pPr marR="0" lvl="8" algn="l" rtl="0">
         <a:lnSpc>
           <a:spcPct val="100000"/>
         </a:lnSpc>
@@ -7673,7 +7559,7 @@
           <a:srgbClr val="000000"/>
         </a:buClr>
         <a:buFont typeface="Arial"/>
-        <a:defRPr b="0" i="0" sz="1400" u="none" cap="none" strike="noStrike">
+        <a:defRPr sz="1400" b="0" i="0" u="none" strike="noStrike" cap="none">
           <a:solidFill>
             <a:srgbClr val="000000"/>
           </a:solidFill>
@@ -7689,11 +7575,11 @@
 </file>
 
 <file path=ppt/slides/slide1.xml><?xml version="1.0" encoding="utf-8"?>
-<p:sld xmlns:a="http://schemas.openxmlformats.org/drawingml/2006/main" xmlns:r="http://schemas.openxmlformats.org/officeDocument/2006/relationships" xmlns:mc="http://schemas.openxmlformats.org/markup-compatibility/2006" xmlns:mv="urn:schemas-microsoft-com:mac:vml" xmlns:p="http://schemas.openxmlformats.org/presentationml/2006/main" xmlns:c="http://schemas.openxmlformats.org/drawingml/2006/chart" xmlns:dgm="http://schemas.openxmlformats.org/drawingml/2006/diagram" xmlns:o="urn:schemas-microsoft-com:office:office" xmlns:v="urn:schemas-microsoft-com:vml" xmlns:pvml="urn:schemas-microsoft-com:office:powerpoint" xmlns:com="http://schemas.openxmlformats.org/drawingml/2006/compatibility" xmlns:p14="http://schemas.microsoft.com/office/powerpoint/2010/main" xmlns:p15="http://schemas.microsoft.com/office/powerpoint/2012/main" xmlns:ahyp="http://schemas.microsoft.com/office/drawing/2018/hyperlinkcolor">
+<p:sld xmlns:a="http://schemas.openxmlformats.org/drawingml/2006/main" xmlns:r="http://schemas.openxmlformats.org/officeDocument/2006/relationships" xmlns:p="http://schemas.openxmlformats.org/presentationml/2006/main">
   <p:cSld>
     <p:spTree>
       <p:nvGrpSpPr>
-        <p:cNvPr id="85" name="Shape 85"/>
+        <p:cNvPr id="1" name="Shape 85"/>
         <p:cNvGrpSpPr/>
         <p:nvPr/>
       </p:nvGrpSpPr>
@@ -7708,7 +7594,9 @@
       <p:sp>
         <p:nvSpPr>
           <p:cNvPr id="86" name="Google Shape;86;p13"/>
-          <p:cNvSpPr txBox="1"/>
+          <p:cNvSpPr txBox="1">
+            <a:spLocks noGrp="1"/>
+          </p:cNvSpPr>
           <p:nvPr>
             <p:ph type="ctrTitle"/>
           </p:nvPr>
@@ -7723,12 +7611,12 @@
           </a:prstGeom>
         </p:spPr>
         <p:txBody>
-          <a:bodyPr anchorCtr="0" anchor="t" bIns="91425" lIns="91425" spcFirstLastPara="1" rIns="91425" wrap="square" tIns="91425">
+          <a:bodyPr spcFirstLastPara="1" wrap="square" lIns="91425" tIns="91425" rIns="91425" bIns="91425" anchor="t" anchorCtr="0">
             <a:normAutofit/>
           </a:bodyPr>
           <a:lstStyle/>
           <a:p>
-            <a:pPr indent="0" lvl="0" marL="0" rtl="0" algn="l">
+            <a:pPr marL="0" lvl="0" indent="0" algn="l" rtl="0">
               <a:spcBef>
                 <a:spcPts val="0"/>
               </a:spcBef>
@@ -7738,19 +7626,21 @@
               <a:buNone/>
             </a:pPr>
             <a:r>
-              <a:rPr lang="en-GB" sz="3500"/>
+              <a:rPr lang="en-GB" sz="3500" dirty="0"/>
               <a:t>Searching ground state energy with Hybrid NISQ Algorithm</a:t>
             </a:r>
-            <a:endParaRPr sz="3500"/>
+            <a:endParaRPr sz="3500" dirty="0"/>
           </a:p>
         </p:txBody>
       </p:sp>
       <p:sp>
         <p:nvSpPr>
           <p:cNvPr id="87" name="Google Shape;87;p13"/>
-          <p:cNvSpPr txBox="1"/>
+          <p:cNvSpPr txBox="1">
+            <a:spLocks noGrp="1"/>
+          </p:cNvSpPr>
           <p:nvPr>
-            <p:ph idx="1" type="subTitle"/>
+            <p:ph type="subTitle" idx="1"/>
           </p:nvPr>
         </p:nvSpPr>
         <p:spPr>
@@ -7763,12 +7653,12 @@
           </a:prstGeom>
         </p:spPr>
         <p:txBody>
-          <a:bodyPr anchorCtr="0" anchor="t" bIns="91425" lIns="91425" spcFirstLastPara="1" rIns="91425" wrap="square" tIns="91425">
-            <a:normAutofit fontScale="92500" lnSpcReduction="20000"/>
+          <a:bodyPr spcFirstLastPara="1" wrap="square" lIns="91425" tIns="91425" rIns="91425" bIns="91425" anchor="t" anchorCtr="0">
+            <a:normAutofit lnSpcReduction="10000"/>
           </a:bodyPr>
           <a:lstStyle/>
           <a:p>
-            <a:pPr indent="0" lvl="0" marL="0" rtl="0" algn="l">
+            <a:pPr marL="0" lvl="0" indent="0" algn="l" rtl="0">
               <a:spcBef>
                 <a:spcPts val="0"/>
               </a:spcBef>
@@ -7778,13 +7668,13 @@
               <a:buNone/>
             </a:pPr>
             <a:r>
-              <a:rPr b="1" lang="en-GB"/>
+              <a:rPr lang="en-GB" b="1"/>
               <a:t>Team SunnyDelft</a:t>
             </a:r>
             <a:endParaRPr b="1"/>
           </a:p>
           <a:p>
-            <a:pPr indent="0" lvl="0" marL="0" rtl="0" algn="l">
+            <a:pPr marL="0" lvl="0" indent="0" algn="l" rtl="0">
               <a:spcBef>
                 <a:spcPts val="0"/>
               </a:spcBef>
@@ -7793,13 +7683,10 @@
               </a:spcAft>
               <a:buNone/>
             </a:pPr>
-            <a:r>
-              <a:t/>
-            </a:r>
             <a:endParaRPr/>
           </a:p>
           <a:p>
-            <a:pPr indent="0" lvl="0" marL="0" rtl="0" algn="l">
+            <a:pPr marL="0" lvl="0" indent="0" algn="l" rtl="0">
               <a:spcBef>
                 <a:spcPts val="0"/>
               </a:spcBef>
@@ -7809,13 +7696,13 @@
               <a:buNone/>
             </a:pPr>
             <a:r>
-              <a:rPr i="1" lang="en-GB"/>
+              <a:rPr lang="en-GB" i="1"/>
               <a:t>as a project for QHack 2023 Open Hackathon</a:t>
             </a:r>
             <a:endParaRPr i="1"/>
           </a:p>
           <a:p>
-            <a:pPr indent="0" lvl="0" marL="0" rtl="0" algn="l">
+            <a:pPr marL="0" lvl="0" indent="0" algn="l" rtl="0">
               <a:spcBef>
                 <a:spcPts val="0"/>
               </a:spcBef>
@@ -7824,9 +7711,363 @@
               </a:spcAft>
               <a:buNone/>
             </a:pPr>
-            <a:r>
-              <a:t/>
-            </a:r>
+            <a:endParaRPr/>
+          </a:p>
+        </p:txBody>
+      </p:sp>
+    </p:spTree>
+  </p:cSld>
+  <p:clrMapOvr>
+    <a:masterClrMapping/>
+  </p:clrMapOvr>
+</p:sld>
+</file>
+
+<file path=ppt/slides/slide10.xml><?xml version="1.0" encoding="utf-8"?>
+<p:sld xmlns:a="http://schemas.openxmlformats.org/drawingml/2006/main" xmlns:r="http://schemas.openxmlformats.org/officeDocument/2006/relationships" xmlns:p="http://schemas.openxmlformats.org/presentationml/2006/main">
+  <p:cSld>
+    <p:spTree>
+      <p:nvGrpSpPr>
+        <p:cNvPr id="1" name=""/>
+        <p:cNvGrpSpPr/>
+        <p:nvPr/>
+      </p:nvGrpSpPr>
+      <p:grpSpPr>
+        <a:xfrm>
+          <a:off x="0" y="0"/>
+          <a:ext cx="0" cy="0"/>
+          <a:chOff x="0" y="0"/>
+          <a:chExt cx="0" cy="0"/>
+        </a:xfrm>
+      </p:grpSpPr>
+      <p:sp>
+        <p:nvSpPr>
+          <p:cNvPr id="2" name="Title 1">
+            <a:extLst>
+              <a:ext uri="{FF2B5EF4-FFF2-40B4-BE49-F238E27FC236}">
+                <a16:creationId xmlns:a16="http://schemas.microsoft.com/office/drawing/2014/main" id="{7FA45D44-92E3-DBC5-7CD5-B5424BD4BA74}"/>
+              </a:ext>
+            </a:extLst>
+          </p:cNvPr>
+          <p:cNvSpPr>
+            <a:spLocks noGrp="1"/>
+          </p:cNvSpPr>
+          <p:nvPr>
+            <p:ph type="title"/>
+          </p:nvPr>
+        </p:nvSpPr>
+        <p:spPr/>
+        <p:txBody>
+          <a:bodyPr>
+            <a:normAutofit fontScale="90000"/>
+          </a:bodyPr>
+          <a:lstStyle/>
+          <a:p>
+            <a:endParaRPr lang="en-CN" dirty="0"/>
+          </a:p>
+        </p:txBody>
+      </p:sp>
+      <p:sp>
+        <p:nvSpPr>
+          <p:cNvPr id="3" name="Text Placeholder 2">
+            <a:extLst>
+              <a:ext uri="{FF2B5EF4-FFF2-40B4-BE49-F238E27FC236}">
+                <a16:creationId xmlns:a16="http://schemas.microsoft.com/office/drawing/2014/main" id="{07B504EE-F7E6-3F68-6215-402EB2A677D2}"/>
+              </a:ext>
+            </a:extLst>
+          </p:cNvPr>
+          <p:cNvSpPr>
+            <a:spLocks noGrp="1"/>
+          </p:cNvSpPr>
+          <p:nvPr>
+            <p:ph type="body" idx="1"/>
+          </p:nvPr>
+        </p:nvSpPr>
+        <p:spPr/>
+        <p:txBody>
+          <a:bodyPr/>
+          <a:lstStyle/>
+          <a:p>
+            <a:endParaRPr lang="en-CN"/>
+          </a:p>
+        </p:txBody>
+      </p:sp>
+    </p:spTree>
+    <p:extLst>
+      <p:ext uri="{BB962C8B-B14F-4D97-AF65-F5344CB8AC3E}">
+        <p14:creationId xmlns:p14="http://schemas.microsoft.com/office/powerpoint/2010/main" val="2223694785"/>
+      </p:ext>
+    </p:extLst>
+  </p:cSld>
+  <p:clrMapOvr>
+    <a:masterClrMapping/>
+  </p:clrMapOvr>
+</p:sld>
+</file>
+
+<file path=ppt/slides/slide11.xml><?xml version="1.0" encoding="utf-8"?>
+<p:sld xmlns:a="http://schemas.openxmlformats.org/drawingml/2006/main" xmlns:r="http://schemas.openxmlformats.org/officeDocument/2006/relationships" xmlns:p="http://schemas.openxmlformats.org/presentationml/2006/main">
+  <p:cSld>
+    <p:spTree>
+      <p:nvGrpSpPr>
+        <p:cNvPr id="1" name="Shape 118"/>
+        <p:cNvGrpSpPr/>
+        <p:nvPr/>
+      </p:nvGrpSpPr>
+      <p:grpSpPr>
+        <a:xfrm>
+          <a:off x="0" y="0"/>
+          <a:ext cx="0" cy="0"/>
+          <a:chOff x="0" y="0"/>
+          <a:chExt cx="0" cy="0"/>
+        </a:xfrm>
+      </p:grpSpPr>
+      <p:sp>
+        <p:nvSpPr>
+          <p:cNvPr id="119" name="Google Shape;119;p18"/>
+          <p:cNvSpPr txBox="1">
+            <a:spLocks noGrp="1"/>
+          </p:cNvSpPr>
+          <p:nvPr>
+            <p:ph type="title"/>
+          </p:nvPr>
+        </p:nvSpPr>
+        <p:spPr>
+          <a:xfrm>
+            <a:off x="0" y="0"/>
+            <a:ext cx="7688700" cy="535200"/>
+          </a:xfrm>
+          <a:prstGeom prst="rect">
+            <a:avLst/>
+          </a:prstGeom>
+        </p:spPr>
+        <p:txBody>
+          <a:bodyPr spcFirstLastPara="1" wrap="square" lIns="91425" tIns="91425" rIns="91425" bIns="91425" anchor="t" anchorCtr="0">
+            <a:normAutofit fontScale="90000"/>
+          </a:bodyPr>
+          <a:lstStyle/>
+          <a:p>
+            <a:pPr marL="0" lvl="0" indent="0" algn="l" rtl="0">
+              <a:spcBef>
+                <a:spcPts val="0"/>
+              </a:spcBef>
+              <a:spcAft>
+                <a:spcPts val="0"/>
+              </a:spcAft>
+              <a:buNone/>
+            </a:pPr>
+            <a:r>
+              <a:rPr lang="en-GB"/>
+              <a:t>0224	</a:t>
+            </a:r>
+            <a:endParaRPr/>
+          </a:p>
+        </p:txBody>
+      </p:sp>
+      <p:sp>
+        <p:nvSpPr>
+          <p:cNvPr id="120" name="Google Shape;120;p18"/>
+          <p:cNvSpPr txBox="1">
+            <a:spLocks noGrp="1"/>
+          </p:cNvSpPr>
+          <p:nvPr>
+            <p:ph type="body" idx="1"/>
+          </p:nvPr>
+        </p:nvSpPr>
+        <p:spPr>
+          <a:xfrm>
+            <a:off x="727650" y="1468975"/>
+            <a:ext cx="7688700" cy="2261100"/>
+          </a:xfrm>
+          <a:prstGeom prst="rect">
+            <a:avLst/>
+          </a:prstGeom>
+        </p:spPr>
+        <p:txBody>
+          <a:bodyPr spcFirstLastPara="1" wrap="square" lIns="91425" tIns="91425" rIns="91425" bIns="91425" anchor="t" anchorCtr="0">
+            <a:normAutofit/>
+          </a:bodyPr>
+          <a:lstStyle/>
+          <a:p>
+            <a:pPr marL="914400" lvl="1" indent="-298450" algn="l" rtl="0">
+              <a:spcBef>
+                <a:spcPts val="0"/>
+              </a:spcBef>
+              <a:spcAft>
+                <a:spcPts val="0"/>
+              </a:spcAft>
+              <a:buSzPts val="1100"/>
+              <a:buChar char="-"/>
+            </a:pPr>
+            <a:r>
+              <a:rPr lang="en-GB" sz="1300"/>
+              <a:t>1. Good result on simulator:</a:t>
+            </a:r>
+            <a:endParaRPr sz="1300"/>
+          </a:p>
+          <a:p>
+            <a:pPr marL="1371600" lvl="2" indent="-311150" algn="l" rtl="0">
+              <a:spcBef>
+                <a:spcPts val="0"/>
+              </a:spcBef>
+              <a:spcAft>
+                <a:spcPts val="0"/>
+              </a:spcAft>
+              <a:buSzPts val="1300"/>
+              <a:buChar char="-"/>
+            </a:pPr>
+            <a:r>
+              <a:rPr lang="en-GB" sz="1300"/>
+              <a:t>Initial state symmetric</a:t>
+            </a:r>
+            <a:endParaRPr sz="1300"/>
+          </a:p>
+          <a:p>
+            <a:pPr marL="1371600" lvl="2" indent="-298450" algn="l" rtl="0">
+              <a:spcBef>
+                <a:spcPts val="0"/>
+              </a:spcBef>
+              <a:spcAft>
+                <a:spcPts val="0"/>
+              </a:spcAft>
+              <a:buSzPts val="1100"/>
+              <a:buChar char="-"/>
+            </a:pPr>
+            <a:r>
+              <a:rPr lang="en-GB"/>
+              <a:t>Coef of step function</a:t>
+            </a:r>
+            <a:endParaRPr/>
+          </a:p>
+          <a:p>
+            <a:pPr marL="1371600" lvl="2" indent="-298450" algn="l" rtl="0">
+              <a:spcBef>
+                <a:spcPts val="0"/>
+              </a:spcBef>
+              <a:spcAft>
+                <a:spcPts val="0"/>
+              </a:spcAft>
+              <a:buSzPts val="1100"/>
+              <a:buChar char="-"/>
+            </a:pPr>
+            <a:r>
+              <a:rPr lang="en-GB"/>
+              <a:t>Trotterization/Random compiling</a:t>
+            </a:r>
+            <a:endParaRPr/>
+          </a:p>
+          <a:p>
+            <a:pPr marL="914400" lvl="1" indent="-298450" algn="l" rtl="0">
+              <a:spcBef>
+                <a:spcPts val="0"/>
+              </a:spcBef>
+              <a:spcAft>
+                <a:spcPts val="0"/>
+              </a:spcAft>
+              <a:buSzPts val="1100"/>
+              <a:buChar char="-"/>
+            </a:pPr>
+            <a:endParaRPr/>
+          </a:p>
+        </p:txBody>
+      </p:sp>
+    </p:spTree>
+  </p:cSld>
+  <p:clrMapOvr>
+    <a:masterClrMapping/>
+  </p:clrMapOvr>
+</p:sld>
+</file>
+
+<file path=ppt/slides/slide12.xml><?xml version="1.0" encoding="utf-8"?>
+<p:sld xmlns:a="http://schemas.openxmlformats.org/drawingml/2006/main" xmlns:r="http://schemas.openxmlformats.org/officeDocument/2006/relationships" xmlns:p="http://schemas.openxmlformats.org/presentationml/2006/main">
+  <p:cSld>
+    <p:spTree>
+      <p:nvGrpSpPr>
+        <p:cNvPr id="1" name="Shape 124"/>
+        <p:cNvGrpSpPr/>
+        <p:nvPr/>
+      </p:nvGrpSpPr>
+      <p:grpSpPr>
+        <a:xfrm>
+          <a:off x="0" y="0"/>
+          <a:ext cx="0" cy="0"/>
+          <a:chOff x="0" y="0"/>
+          <a:chExt cx="0" cy="0"/>
+        </a:xfrm>
+      </p:grpSpPr>
+      <p:sp>
+        <p:nvSpPr>
+          <p:cNvPr id="125" name="Google Shape;125;p19"/>
+          <p:cNvSpPr txBox="1">
+            <a:spLocks noGrp="1"/>
+          </p:cNvSpPr>
+          <p:nvPr>
+            <p:ph type="title"/>
+          </p:nvPr>
+        </p:nvSpPr>
+        <p:spPr>
+          <a:xfrm>
+            <a:off x="0" y="0"/>
+            <a:ext cx="7688700" cy="535200"/>
+          </a:xfrm>
+          <a:prstGeom prst="rect">
+            <a:avLst/>
+          </a:prstGeom>
+        </p:spPr>
+        <p:txBody>
+          <a:bodyPr spcFirstLastPara="1" wrap="square" lIns="91425" tIns="91425" rIns="91425" bIns="91425" anchor="t" anchorCtr="0">
+            <a:normAutofit fontScale="90000"/>
+          </a:bodyPr>
+          <a:lstStyle/>
+          <a:p>
+            <a:pPr marL="0" lvl="0" indent="0" algn="l" rtl="0">
+              <a:spcBef>
+                <a:spcPts val="0"/>
+              </a:spcBef>
+              <a:spcAft>
+                <a:spcPts val="0"/>
+              </a:spcAft>
+              <a:buNone/>
+            </a:pPr>
+            <a:endParaRPr/>
+          </a:p>
+        </p:txBody>
+      </p:sp>
+      <p:sp>
+        <p:nvSpPr>
+          <p:cNvPr id="126" name="Google Shape;126;p19"/>
+          <p:cNvSpPr txBox="1">
+            <a:spLocks noGrp="1"/>
+          </p:cNvSpPr>
+          <p:nvPr>
+            <p:ph type="body" idx="1"/>
+          </p:nvPr>
+        </p:nvSpPr>
+        <p:spPr>
+          <a:xfrm>
+            <a:off x="729450" y="2078875"/>
+            <a:ext cx="7688700" cy="2261100"/>
+          </a:xfrm>
+          <a:prstGeom prst="rect">
+            <a:avLst/>
+          </a:prstGeom>
+        </p:spPr>
+        <p:txBody>
+          <a:bodyPr spcFirstLastPara="1" wrap="square" lIns="91425" tIns="91425" rIns="91425" bIns="91425" anchor="t" anchorCtr="0">
+            <a:normAutofit/>
+          </a:bodyPr>
+          <a:lstStyle/>
+          <a:p>
+            <a:pPr marL="0" lvl="0" indent="0" algn="l" rtl="0">
+              <a:spcBef>
+                <a:spcPts val="0"/>
+              </a:spcBef>
+              <a:spcAft>
+                <a:spcPts val="1200"/>
+              </a:spcAft>
+              <a:buNone/>
+            </a:pPr>
             <a:endParaRPr/>
           </a:p>
         </p:txBody>
@@ -7840,11 +8081,11 @@
 </file>
 
 <file path=ppt/slides/slide2.xml><?xml version="1.0" encoding="utf-8"?>
-<p:sld xmlns:a="http://schemas.openxmlformats.org/drawingml/2006/main" xmlns:r="http://schemas.openxmlformats.org/officeDocument/2006/relationships" xmlns:mc="http://schemas.openxmlformats.org/markup-compatibility/2006" xmlns:mv="urn:schemas-microsoft-com:mac:vml" xmlns:p="http://schemas.openxmlformats.org/presentationml/2006/main" xmlns:c="http://schemas.openxmlformats.org/drawingml/2006/chart" xmlns:dgm="http://schemas.openxmlformats.org/drawingml/2006/diagram" xmlns:o="urn:schemas-microsoft-com:office:office" xmlns:v="urn:schemas-microsoft-com:vml" xmlns:pvml="urn:schemas-microsoft-com:office:powerpoint" xmlns:com="http://schemas.openxmlformats.org/drawingml/2006/compatibility" xmlns:p14="http://schemas.microsoft.com/office/powerpoint/2010/main" xmlns:p15="http://schemas.microsoft.com/office/powerpoint/2012/main" xmlns:ahyp="http://schemas.microsoft.com/office/drawing/2018/hyperlinkcolor">
+<p:sld xmlns:a="http://schemas.openxmlformats.org/drawingml/2006/main" xmlns:r="http://schemas.openxmlformats.org/officeDocument/2006/relationships" xmlns:p="http://schemas.openxmlformats.org/presentationml/2006/main">
   <p:cSld>
     <p:spTree>
       <p:nvGrpSpPr>
-        <p:cNvPr id="91" name="Shape 91"/>
+        <p:cNvPr id="1" name="Shape 91"/>
         <p:cNvGrpSpPr/>
         <p:nvPr/>
       </p:nvGrpSpPr>
@@ -7859,7 +8100,9 @@
       <p:sp>
         <p:nvSpPr>
           <p:cNvPr id="92" name="Google Shape;92;p14"/>
-          <p:cNvSpPr txBox="1"/>
+          <p:cNvSpPr txBox="1">
+            <a:spLocks noGrp="1"/>
+          </p:cNvSpPr>
           <p:nvPr>
             <p:ph type="title"/>
           </p:nvPr>
@@ -7874,12 +8117,12 @@
           </a:prstGeom>
         </p:spPr>
         <p:txBody>
-          <a:bodyPr anchorCtr="0" anchor="t" bIns="91425" lIns="91425" spcFirstLastPara="1" rIns="91425" wrap="square" tIns="91425">
+          <a:bodyPr spcFirstLastPara="1" wrap="square" lIns="91425" tIns="91425" rIns="91425" bIns="91425" anchor="t" anchorCtr="0">
             <a:normAutofit fontScale="90000"/>
           </a:bodyPr>
           <a:lstStyle/>
           <a:p>
-            <a:pPr indent="0" lvl="0" marL="0" rtl="0" algn="l">
+            <a:pPr marL="0" lvl="0" indent="0" algn="l" rtl="0">
               <a:spcBef>
                 <a:spcPts val="0"/>
               </a:spcBef>
@@ -7899,9 +8142,11 @@
       <p:sp>
         <p:nvSpPr>
           <p:cNvPr id="93" name="Google Shape;93;p14"/>
-          <p:cNvSpPr txBox="1"/>
+          <p:cNvSpPr txBox="1">
+            <a:spLocks noGrp="1"/>
+          </p:cNvSpPr>
           <p:nvPr>
-            <p:ph idx="1" type="body"/>
+            <p:ph type="body" idx="1"/>
           </p:nvPr>
         </p:nvSpPr>
         <p:spPr>
@@ -7914,12 +8159,12 @@
           </a:prstGeom>
         </p:spPr>
         <p:txBody>
-          <a:bodyPr anchorCtr="0" anchor="t" bIns="91425" lIns="91425" spcFirstLastPara="1" rIns="91425" wrap="square" tIns="91425">
-            <a:normAutofit/>
+          <a:bodyPr spcFirstLastPara="1" wrap="square" lIns="91425" tIns="91425" rIns="91425" bIns="91425" anchor="t" anchorCtr="0">
+            <a:normAutofit fontScale="92500"/>
           </a:bodyPr>
           <a:lstStyle/>
           <a:p>
-            <a:pPr indent="0" lvl="0" marL="0" rtl="0" algn="l">
+            <a:pPr marL="0" lvl="0" indent="0" algn="l" rtl="0">
               <a:spcBef>
                 <a:spcPts val="0"/>
               </a:spcBef>
@@ -7929,7 +8174,7 @@
               <a:buNone/>
             </a:pPr>
             <a:r>
-              <a:rPr b="1" i="1" lang="en-GB" sz="1400"/>
+              <a:rPr lang="en-GB" sz="1400" b="1" i="1"/>
               <a:t>Problem</a:t>
             </a:r>
             <a:r>
@@ -7939,7 +8184,7 @@
             <a:endParaRPr sz="1400"/>
           </a:p>
           <a:p>
-            <a:pPr indent="0" lvl="0" marL="0" rtl="0" algn="l">
+            <a:pPr marL="0" lvl="0" indent="0" algn="l" rtl="0">
               <a:spcBef>
                 <a:spcPts val="1200"/>
               </a:spcBef>
@@ -7949,19 +8194,15 @@
               <a:buNone/>
             </a:pPr>
             <a:r>
-              <a:rPr b="1" i="1" lang="en-GB" sz="1400"/>
+              <a:rPr lang="en-GB" sz="1400" b="1" i="1"/>
               <a:t>Classical Solution</a:t>
             </a:r>
             <a:r>
               <a:rPr lang="en-GB" sz="1400"/>
-              <a:t>: Let’s </a:t>
-            </a:r>
-            <a:r>
-              <a:rPr lang="en-GB" sz="1400"/>
-              <a:t>rely on </a:t>
-            </a:r>
-            <a:r>
-              <a:rPr i="1" lang="en-GB" sz="1400"/>
+              <a:t>: Let’s rely on </a:t>
+            </a:r>
+            <a:r>
+              <a:rPr lang="en-GB" sz="1400" i="1"/>
               <a:t>numpy.linalg.eig</a:t>
             </a:r>
             <a:r>
@@ -7983,7 +8224,7 @@
             </a:endParaRPr>
           </a:p>
           <a:p>
-            <a:pPr indent="0" lvl="0" marL="0" rtl="0" algn="l">
+            <a:pPr marL="0" lvl="0" indent="0" algn="l" rtl="0">
               <a:spcBef>
                 <a:spcPts val="1200"/>
               </a:spcBef>
@@ -7993,19 +8234,15 @@
               <a:buNone/>
             </a:pPr>
             <a:r>
-              <a:rPr b="1" i="1" lang="en-GB" sz="1400"/>
-              <a:t>Quantum</a:t>
-            </a:r>
-            <a:r>
-              <a:rPr b="1" i="1" lang="en-GB" sz="1400"/>
-              <a:t> Solution</a:t>
+              <a:rPr lang="en-GB" sz="1400" b="1" i="1"/>
+              <a:t>Quantum Solution</a:t>
             </a:r>
             <a:r>
               <a:rPr lang="en-GB" sz="1400"/>
               <a:t>: Let’s use the powerful </a:t>
             </a:r>
             <a:r>
-              <a:rPr i="1" lang="en-GB" sz="1400"/>
+              <a:rPr lang="en-GB" sz="1400" i="1"/>
               <a:t>Quantum Phase Estimation(QPE)</a:t>
             </a:r>
             <a:r>
@@ -8027,7 +8264,7 @@
             </a:endParaRPr>
           </a:p>
           <a:p>
-            <a:pPr indent="0" lvl="0" marL="0" rtl="0" algn="l">
+            <a:pPr marL="0" lvl="0" indent="0" algn="l" rtl="0">
               <a:spcBef>
                 <a:spcPts val="1200"/>
               </a:spcBef>
@@ -8037,7 +8274,7 @@
               <a:buNone/>
             </a:pPr>
             <a:r>
-              <a:rPr b="1" i="1" lang="en-GB" sz="1400"/>
+              <a:rPr lang="en-GB" sz="1400" b="1" i="1"/>
               <a:t>NISQ Solution A</a:t>
             </a:r>
             <a:r>
@@ -8059,7 +8296,7 @@
             </a:endParaRPr>
           </a:p>
           <a:p>
-            <a:pPr indent="0" lvl="0" marL="0" rtl="0" algn="l">
+            <a:pPr marL="0" lvl="0" indent="0" algn="l" rtl="0">
               <a:spcBef>
                 <a:spcPts val="1200"/>
               </a:spcBef>
@@ -8068,13 +8305,10 @@
               </a:spcAft>
               <a:buNone/>
             </a:pPr>
-            <a:r>
-              <a:t/>
-            </a:r>
             <a:endParaRPr sz="1400"/>
           </a:p>
           <a:p>
-            <a:pPr indent="0" lvl="0" marL="0" rtl="0" algn="ctr">
+            <a:pPr marL="0" lvl="0" indent="0" algn="ctr" rtl="0">
               <a:spcBef>
                 <a:spcPts val="1200"/>
               </a:spcBef>
@@ -8084,10 +8318,10 @@
               <a:buNone/>
             </a:pPr>
             <a:r>
-              <a:rPr b="1" lang="en-GB" sz="1400"/>
+              <a:rPr lang="en-GB" sz="1400" b="1"/>
               <a:t>Do we have any solution B?</a:t>
             </a:r>
-            <a:endParaRPr b="1" sz="1400"/>
+            <a:endParaRPr sz="1400" b="1"/>
           </a:p>
         </p:txBody>
       </p:sp>
@@ -8100,11 +8334,11 @@
 </file>
 
 <file path=ppt/slides/slide3.xml><?xml version="1.0" encoding="utf-8"?>
-<p:sld xmlns:a="http://schemas.openxmlformats.org/drawingml/2006/main" xmlns:r="http://schemas.openxmlformats.org/officeDocument/2006/relationships" xmlns:mc="http://schemas.openxmlformats.org/markup-compatibility/2006" xmlns:mv="urn:schemas-microsoft-com:mac:vml" xmlns:p="http://schemas.openxmlformats.org/presentationml/2006/main" xmlns:c="http://schemas.openxmlformats.org/drawingml/2006/chart" xmlns:dgm="http://schemas.openxmlformats.org/drawingml/2006/diagram" xmlns:o="urn:schemas-microsoft-com:office:office" xmlns:v="urn:schemas-microsoft-com:vml" xmlns:pvml="urn:schemas-microsoft-com:office:powerpoint" xmlns:com="http://schemas.openxmlformats.org/drawingml/2006/compatibility" xmlns:p14="http://schemas.microsoft.com/office/powerpoint/2010/main" xmlns:p15="http://schemas.microsoft.com/office/powerpoint/2012/main" xmlns:ahyp="http://schemas.microsoft.com/office/drawing/2018/hyperlinkcolor">
+<p:sld xmlns:a="http://schemas.openxmlformats.org/drawingml/2006/main" xmlns:r="http://schemas.openxmlformats.org/officeDocument/2006/relationships" xmlns:p="http://schemas.openxmlformats.org/presentationml/2006/main">
   <p:cSld>
     <p:spTree>
       <p:nvGrpSpPr>
-        <p:cNvPr id="97" name="Shape 97"/>
+        <p:cNvPr id="1" name="Shape 97"/>
         <p:cNvGrpSpPr/>
         <p:nvPr/>
       </p:nvGrpSpPr>
@@ -8132,8 +8366,8 @@
         </p:blipFill>
         <p:spPr>
           <a:xfrm>
-            <a:off x="4308600" y="494183"/>
-            <a:ext cx="4778950" cy="1010725"/>
+            <a:off x="4828973" y="598394"/>
+            <a:ext cx="4051300" cy="783495"/>
           </a:xfrm>
           <a:prstGeom prst="rect">
             <a:avLst/>
@@ -8147,7 +8381,9 @@
       <p:sp>
         <p:nvSpPr>
           <p:cNvPr id="99" name="Google Shape;99;p15"/>
-          <p:cNvSpPr txBox="1"/>
+          <p:cNvSpPr txBox="1">
+            <a:spLocks noGrp="1"/>
+          </p:cNvSpPr>
           <p:nvPr>
             <p:ph type="title"/>
           </p:nvPr>
@@ -8162,12 +8398,12 @@
           </a:prstGeom>
         </p:spPr>
         <p:txBody>
-          <a:bodyPr anchorCtr="0" anchor="t" bIns="91425" lIns="91425" spcFirstLastPara="1" rIns="91425" wrap="square" tIns="91425">
+          <a:bodyPr spcFirstLastPara="1" wrap="square" lIns="91425" tIns="91425" rIns="91425" bIns="91425" anchor="t" anchorCtr="0">
             <a:normAutofit fontScale="90000"/>
           </a:bodyPr>
           <a:lstStyle/>
           <a:p>
-            <a:pPr indent="0" lvl="0" marL="0" rtl="0" algn="l">
+            <a:pPr marL="0" lvl="0" indent="0" algn="l" rtl="0">
               <a:spcBef>
                 <a:spcPts val="0"/>
               </a:spcBef>
@@ -8184,46 +8420,955 @@
           </a:p>
         </p:txBody>
       </p:sp>
-      <p:sp>
-        <p:nvSpPr>
-          <p:cNvPr id="100" name="Google Shape;100;p15"/>
-          <p:cNvSpPr txBox="1"/>
-          <p:nvPr>
-            <p:ph idx="1" type="body"/>
-          </p:nvPr>
-        </p:nvSpPr>
-        <p:spPr>
-          <a:xfrm>
-            <a:off x="727650" y="1279225"/>
-            <a:ext cx="7688700" cy="2261100"/>
-          </a:xfrm>
-          <a:prstGeom prst="rect">
-            <a:avLst/>
-          </a:prstGeom>
-        </p:spPr>
-        <p:txBody>
-          <a:bodyPr anchorCtr="0" anchor="t" bIns="91425" lIns="91425" spcFirstLastPara="1" rIns="91425" wrap="square" tIns="91425">
-            <a:normAutofit/>
-          </a:bodyPr>
-          <a:lstStyle/>
-          <a:p>
-            <a:pPr indent="0" lvl="0" marL="0" rtl="0" algn="l">
-              <a:spcBef>
-                <a:spcPts val="0"/>
-              </a:spcBef>
-              <a:spcAft>
-                <a:spcPts val="1200"/>
-              </a:spcAft>
-              <a:buNone/>
-            </a:pPr>
-            <a:r>
-              <a:rPr lang="en-GB"/>
-              <a:t>A new</a:t>
-            </a:r>
-            <a:endParaRPr/>
-          </a:p>
-        </p:txBody>
-      </p:sp>
+      <mc:AlternateContent xmlns:mc="http://schemas.openxmlformats.org/markup-compatibility/2006">
+        <mc:Choice xmlns:a14="http://schemas.microsoft.com/office/drawing/2010/main" Requires="a14">
+          <p:sp>
+            <p:nvSpPr>
+              <p:cNvPr id="100" name="Google Shape;100;p15"/>
+              <p:cNvSpPr txBox="1">
+                <a:spLocks noGrp="1"/>
+              </p:cNvSpPr>
+              <p:nvPr>
+                <p:ph type="body" idx="1"/>
+              </p:nvPr>
+            </p:nvSpPr>
+            <p:spPr>
+              <a:xfrm>
+                <a:off x="727650" y="1279224"/>
+                <a:ext cx="7688700" cy="2953339"/>
+              </a:xfrm>
+              <a:prstGeom prst="rect">
+                <a:avLst/>
+              </a:prstGeom>
+            </p:spPr>
+            <p:txBody>
+              <a:bodyPr spcFirstLastPara="1" wrap="square" lIns="91425" tIns="91425" rIns="91425" bIns="91425" anchor="t" anchorCtr="0">
+                <a:normAutofit fontScale="92500" lnSpcReduction="10000"/>
+              </a:bodyPr>
+              <a:lstStyle/>
+              <a:p>
+                <a:pPr marL="0" lvl="0" indent="0">
+                  <a:spcAft>
+                    <a:spcPts val="1200"/>
+                  </a:spcAft>
+                  <a:buNone/>
+                </a:pPr>
+                <a:r>
+                  <a:rPr lang="en-US" altLang="zh-CN" dirty="0"/>
+                  <a:t>Hamiltonian</a:t>
+                </a:r>
+                <a:r>
+                  <a:rPr lang="zh-CN" altLang="en-US" dirty="0"/>
+                  <a:t> </a:t>
+                </a:r>
+                <a14:m>
+                  <m:oMath xmlns:m="http://schemas.openxmlformats.org/officeDocument/2006/math">
+                    <m:r>
+                      <a:rPr lang="en-US" altLang="zh-CN" b="0" i="1" smtClean="0">
+                        <a:latin typeface="Cambria Math" panose="02040503050406030204" pitchFamily="18" charset="0"/>
+                      </a:rPr>
+                      <m:t>𝐻</m:t>
+                    </m:r>
+                  </m:oMath>
+                </a14:m>
+                <a:r>
+                  <a:rPr lang="zh-CN" altLang="en-US" dirty="0"/>
+                  <a:t> </a:t>
+                </a:r>
+                <a:r>
+                  <a:rPr lang="en-US" altLang="zh-CN" dirty="0"/>
+                  <a:t>can</a:t>
+                </a:r>
+                <a:r>
+                  <a:rPr lang="zh-CN" altLang="en-US" dirty="0"/>
+                  <a:t> </a:t>
+                </a:r>
+                <a:r>
+                  <a:rPr lang="en-US" altLang="zh-CN" dirty="0"/>
+                  <a:t>be</a:t>
+                </a:r>
+                <a:r>
+                  <a:rPr lang="zh-CN" altLang="en-US" dirty="0"/>
+                  <a:t> </a:t>
+                </a:r>
+                <a:r>
+                  <a:rPr lang="en-US" altLang="zh-CN" dirty="0"/>
+                  <a:t>written</a:t>
+                </a:r>
+                <a:r>
+                  <a:rPr lang="zh-CN" altLang="en-US" dirty="0"/>
+                  <a:t> </a:t>
+                </a:r>
+                <a:r>
+                  <a:rPr lang="en-US" altLang="zh-CN" dirty="0"/>
+                  <a:t>as</a:t>
+                </a:r>
+                <a:r>
+                  <a:rPr lang="zh-CN" altLang="en-US" dirty="0"/>
+                  <a:t> </a:t>
+                </a:r>
+                <a:r>
+                  <a:rPr lang="en-US" altLang="zh-CN" dirty="0"/>
+                  <a:t>a</a:t>
+                </a:r>
+                <a:r>
+                  <a:rPr lang="zh-CN" altLang="en-US" dirty="0"/>
+                  <a:t> </a:t>
+                </a:r>
+                <a:r>
+                  <a:rPr lang="en-US" altLang="zh-CN" dirty="0"/>
+                  <a:t>sum</a:t>
+                </a:r>
+                <a:r>
+                  <a:rPr lang="zh-CN" altLang="en-US" dirty="0"/>
+                  <a:t> </a:t>
+                </a:r>
+                <a:r>
+                  <a:rPr lang="en-US" altLang="zh-CN" dirty="0"/>
+                  <a:t>of</a:t>
+                </a:r>
+                <a:r>
+                  <a:rPr lang="zh-CN" altLang="en-US" dirty="0"/>
+                  <a:t> </a:t>
+                </a:r>
+                <a:r>
+                  <a:rPr lang="en-US" altLang="zh-CN" dirty="0"/>
+                  <a:t>eigenvalues</a:t>
+                </a:r>
+                <a:r>
+                  <a:rPr lang="zh-CN" altLang="en-US" dirty="0"/>
+                  <a:t> </a:t>
+                </a:r>
+                <a14:m>
+                  <m:oMath xmlns:m="http://schemas.openxmlformats.org/officeDocument/2006/math">
+                    <m:sSub>
+                      <m:sSubPr>
+                        <m:ctrlPr>
+                          <a:rPr lang="en-US" i="1">
+                            <a:latin typeface="Cambria Math" panose="02040503050406030204" pitchFamily="18" charset="0"/>
+                          </a:rPr>
+                        </m:ctrlPr>
+                      </m:sSubPr>
+                      <m:e>
+                        <m:r>
+                          <a:rPr lang="en-US" i="1">
+                            <a:latin typeface="Cambria Math" panose="02040503050406030204" pitchFamily="18" charset="0"/>
+                          </a:rPr>
+                          <m:t>𝜆</m:t>
+                        </m:r>
+                      </m:e>
+                      <m:sub>
+                        <m:r>
+                          <a:rPr lang="en-US" i="1">
+                            <a:latin typeface="Cambria Math" panose="02040503050406030204" pitchFamily="18" charset="0"/>
+                          </a:rPr>
+                          <m:t>𝑘</m:t>
+                        </m:r>
+                      </m:sub>
+                    </m:sSub>
+                  </m:oMath>
+                </a14:m>
+                <a:r>
+                  <a:rPr lang="zh-CN" altLang="en-US" dirty="0"/>
+                  <a:t> </a:t>
+                </a:r>
+                <a:r>
+                  <a:rPr lang="en-US" altLang="zh-CN" dirty="0"/>
+                  <a:t>and</a:t>
+                </a:r>
+                <a:r>
+                  <a:rPr lang="zh-CN" altLang="en-US" dirty="0"/>
+                  <a:t> </a:t>
+                </a:r>
+                <a:r>
+                  <a:rPr lang="en-US" altLang="zh-CN" dirty="0"/>
+                  <a:t>projectors</a:t>
+                </a:r>
+                <a:r>
+                  <a:rPr lang="zh-CN" altLang="en-US" dirty="0"/>
+                  <a:t> </a:t>
+                </a:r>
+                <a14:m>
+                  <m:oMath xmlns:m="http://schemas.openxmlformats.org/officeDocument/2006/math">
+                    <m:sSub>
+                      <m:sSubPr>
+                        <m:ctrlPr>
+                          <a:rPr lang="en-US" i="1">
+                            <a:latin typeface="Cambria Math" panose="02040503050406030204" pitchFamily="18" charset="0"/>
+                          </a:rPr>
+                        </m:ctrlPr>
+                      </m:sSubPr>
+                      <m:e>
+                        <m:r>
+                          <m:rPr>
+                            <m:sty m:val="p"/>
+                          </m:rPr>
+                          <a:rPr lang="en-US">
+                            <a:latin typeface="Cambria Math" panose="02040503050406030204" pitchFamily="18" charset="0"/>
+                          </a:rPr>
+                          <m:t>Π</m:t>
+                        </m:r>
+                      </m:e>
+                      <m:sub>
+                        <m:r>
+                          <a:rPr lang="en-US" i="1">
+                            <a:latin typeface="Cambria Math" panose="02040503050406030204" pitchFamily="18" charset="0"/>
+                          </a:rPr>
+                          <m:t>𝑘</m:t>
+                        </m:r>
+                      </m:sub>
+                    </m:sSub>
+                  </m:oMath>
+                </a14:m>
+                <a:r>
+                  <a:rPr lang="zh-CN" altLang="en-US" dirty="0"/>
+                  <a:t> </a:t>
+                </a:r>
+                <a:r>
+                  <a:rPr lang="en-US" altLang="zh-CN" dirty="0"/>
+                  <a:t>on</a:t>
+                </a:r>
+                <a:r>
+                  <a:rPr lang="zh-CN" altLang="en-US" dirty="0"/>
+                  <a:t> </a:t>
+                </a:r>
+                <a:r>
+                  <a:rPr lang="en-US" altLang="zh-CN" dirty="0"/>
+                  <a:t>the</a:t>
+                </a:r>
+                <a:r>
+                  <a:rPr lang="zh-CN" altLang="en-US" dirty="0"/>
+                  <a:t> </a:t>
+                </a:r>
+                <a:r>
+                  <a:rPr lang="en-US" altLang="zh-CN" dirty="0"/>
+                  <a:t>eigenstates.</a:t>
+                </a:r>
+              </a:p>
+              <a:p>
+                <a:pPr marL="0" lvl="0" indent="0" algn="l" rtl="0">
+                  <a:spcBef>
+                    <a:spcPts val="0"/>
+                  </a:spcBef>
+                  <a:spcAft>
+                    <a:spcPts val="1200"/>
+                  </a:spcAft>
+                  <a:buNone/>
+                </a:pPr>
+                <a:endParaRPr lang="en-US" dirty="0"/>
+              </a:p>
+              <a:p>
+                <a:pPr marL="0" lvl="0" indent="0" algn="l" rtl="0">
+                  <a:spcBef>
+                    <a:spcPts val="0"/>
+                  </a:spcBef>
+                  <a:spcAft>
+                    <a:spcPts val="1200"/>
+                  </a:spcAft>
+                  <a:buNone/>
+                </a:pPr>
+                <a:r>
+                  <a:rPr lang="en-US" altLang="zh-CN" dirty="0"/>
+                  <a:t>Given</a:t>
+                </a:r>
+                <a:r>
+                  <a:rPr lang="zh-CN" altLang="en-US" dirty="0"/>
+                  <a:t> </a:t>
+                </a:r>
+                <a:r>
+                  <a:rPr lang="en-US" altLang="zh-CN" dirty="0"/>
+                  <a:t>a</a:t>
+                </a:r>
+                <a:r>
+                  <a:rPr lang="zh-CN" altLang="en-US" dirty="0"/>
+                  <a:t> </a:t>
+                </a:r>
+                <a:r>
+                  <a:rPr lang="en-US" altLang="zh-CN" dirty="0"/>
+                  <a:t>quantum</a:t>
+                </a:r>
+                <a:r>
+                  <a:rPr lang="zh-CN" altLang="en-US" dirty="0"/>
+                  <a:t> </a:t>
+                </a:r>
+                <a:r>
+                  <a:rPr lang="en-US" altLang="zh-CN" dirty="0"/>
+                  <a:t>state</a:t>
+                </a:r>
+                <a:r>
+                  <a:rPr lang="zh-CN" altLang="en-US" dirty="0"/>
+                  <a:t> </a:t>
+                </a:r>
+                <a14:m>
+                  <m:oMath xmlns:m="http://schemas.openxmlformats.org/officeDocument/2006/math">
+                    <m:r>
+                      <a:rPr lang="en-US" altLang="zh-CN" b="0" i="1" smtClean="0">
+                        <a:latin typeface="Cambria Math" panose="02040503050406030204" pitchFamily="18" charset="0"/>
+                      </a:rPr>
+                      <m:t>𝜌</m:t>
+                    </m:r>
+                  </m:oMath>
+                </a14:m>
+                <a:r>
+                  <a:rPr lang="en-US" altLang="zh-CN" dirty="0"/>
+                  <a:t>,</a:t>
+                </a:r>
+                <a:r>
+                  <a:rPr lang="zh-CN" altLang="en-US" dirty="0"/>
+                  <a:t> </a:t>
+                </a:r>
+                <a:r>
+                  <a:rPr lang="en-US" altLang="zh-CN" dirty="0"/>
+                  <a:t>We</a:t>
+                </a:r>
+                <a:r>
+                  <a:rPr lang="zh-CN" altLang="en-US" dirty="0"/>
+                  <a:t> </a:t>
+                </a:r>
+                <a:r>
+                  <a:rPr lang="en-US" altLang="zh-CN" dirty="0"/>
+                  <a:t>can</a:t>
+                </a:r>
+                <a:r>
+                  <a:rPr lang="zh-CN" altLang="en-US" dirty="0"/>
+                  <a:t> </a:t>
+                </a:r>
+                <a:r>
+                  <a:rPr lang="en-US" altLang="zh-CN" dirty="0"/>
+                  <a:t>define</a:t>
+                </a:r>
+                <a:r>
+                  <a:rPr lang="zh-CN" altLang="en-US" dirty="0"/>
+                  <a:t> </a:t>
+                </a:r>
+                <a:r>
+                  <a:rPr lang="en-US" altLang="zh-CN" dirty="0"/>
+                  <a:t>its</a:t>
+                </a:r>
+                <a:r>
+                  <a:rPr lang="zh-CN" altLang="en-US" dirty="0"/>
+                  <a:t> </a:t>
+                </a:r>
+                <a:r>
+                  <a:rPr lang="en-US" altLang="zh-CN" dirty="0"/>
+                  <a:t>spectrum</a:t>
+                </a:r>
+                <a:r>
+                  <a:rPr lang="zh-CN" altLang="en-US" dirty="0"/>
+                  <a:t> </a:t>
+                </a:r>
+                <a14:m>
+                  <m:oMath xmlns:m="http://schemas.openxmlformats.org/officeDocument/2006/math">
+                    <m:r>
+                      <a:rPr lang="en-US" altLang="zh-CN" b="0" i="1" smtClean="0">
+                        <a:latin typeface="Cambria Math" panose="02040503050406030204" pitchFamily="18" charset="0"/>
+                      </a:rPr>
+                      <m:t>𝑝</m:t>
+                    </m:r>
+                    <m:d>
+                      <m:dPr>
+                        <m:ctrlPr>
+                          <a:rPr lang="en-US" altLang="zh-CN" b="0" i="1" smtClean="0">
+                            <a:latin typeface="Cambria Math" panose="02040503050406030204" pitchFamily="18" charset="0"/>
+                          </a:rPr>
+                        </m:ctrlPr>
+                      </m:dPr>
+                      <m:e>
+                        <m:r>
+                          <a:rPr lang="en-US" altLang="zh-CN" b="0" i="1" smtClean="0">
+                            <a:latin typeface="Cambria Math" panose="02040503050406030204" pitchFamily="18" charset="0"/>
+                          </a:rPr>
+                          <m:t>𝑥</m:t>
+                        </m:r>
+                      </m:e>
+                    </m:d>
+                  </m:oMath>
+                </a14:m>
+                <a:r>
+                  <a:rPr lang="zh-CN" altLang="en-US" dirty="0"/>
+                  <a:t> </a:t>
+                </a:r>
+                <a:r>
+                  <a:rPr lang="en-US" altLang="zh-CN" dirty="0"/>
+                  <a:t>and</a:t>
+                </a:r>
+                <a:r>
+                  <a:rPr lang="zh-CN" altLang="en-US" dirty="0"/>
+                  <a:t> </a:t>
+                </a:r>
+                <a:r>
+                  <a:rPr lang="en-US" altLang="zh-CN" dirty="0"/>
+                  <a:t>cumulative</a:t>
+                </a:r>
+                <a:r>
+                  <a:rPr lang="zh-CN" altLang="en-US" dirty="0"/>
+                  <a:t> </a:t>
+                </a:r>
+                <a:r>
+                  <a:rPr lang="en-US" altLang="zh-CN" dirty="0"/>
+                  <a:t>distribution</a:t>
+                </a:r>
+                <a:r>
+                  <a:rPr lang="zh-CN" altLang="en-US" dirty="0"/>
+                  <a:t> </a:t>
+                </a:r>
+                <a:r>
+                  <a:rPr lang="en-US" altLang="zh-CN" dirty="0"/>
+                  <a:t>function</a:t>
+                </a:r>
+                <a:r>
+                  <a:rPr lang="zh-CN" altLang="en-US" dirty="0"/>
+                  <a:t> </a:t>
+                </a:r>
+                <a:r>
+                  <a:rPr lang="en-US" altLang="zh-CN" dirty="0"/>
+                  <a:t>(CDF)</a:t>
+                </a:r>
+                <a:r>
+                  <a:rPr lang="zh-CN" altLang="en-US" dirty="0"/>
+                  <a:t> </a:t>
+                </a:r>
+                <a:r>
+                  <a:rPr lang="en-US" altLang="zh-CN" dirty="0"/>
+                  <a:t>of</a:t>
+                </a:r>
+                <a:r>
+                  <a:rPr lang="zh-CN" altLang="en-US" dirty="0"/>
+                  <a:t> </a:t>
+                </a:r>
+                <a:r>
+                  <a:rPr lang="en-US" altLang="zh-CN" dirty="0"/>
+                  <a:t>the</a:t>
+                </a:r>
+                <a:r>
+                  <a:rPr lang="zh-CN" altLang="en-US" dirty="0"/>
+                  <a:t> </a:t>
+                </a:r>
+                <a:r>
+                  <a:rPr lang="en-US" altLang="zh-CN" dirty="0"/>
+                  <a:t>spectrum</a:t>
+                </a:r>
+                <a:endParaRPr lang="en-GB" dirty="0"/>
+              </a:p>
+              <a:p>
+                <a:pPr marL="0" lvl="0" indent="0" algn="l" rtl="0">
+                  <a:spcBef>
+                    <a:spcPts val="0"/>
+                  </a:spcBef>
+                  <a:spcAft>
+                    <a:spcPts val="1200"/>
+                  </a:spcAft>
+                  <a:buNone/>
+                </a:pPr>
+                <a:endParaRPr lang="en-US" dirty="0"/>
+              </a:p>
+              <a:p>
+                <a:pPr marL="0" lvl="0" indent="0" algn="l" rtl="0">
+                  <a:spcBef>
+                    <a:spcPts val="0"/>
+                  </a:spcBef>
+                  <a:spcAft>
+                    <a:spcPts val="1200"/>
+                  </a:spcAft>
+                  <a:buNone/>
+                </a:pPr>
+                <a:r>
+                  <a:rPr lang="en-US" altLang="zh-CN" dirty="0"/>
+                  <a:t>If</a:t>
+                </a:r>
+                <a:r>
+                  <a:rPr lang="zh-CN" altLang="en-US" dirty="0"/>
+                  <a:t> </a:t>
+                </a:r>
+                <a:r>
+                  <a:rPr lang="en-US" altLang="zh-CN" dirty="0"/>
+                  <a:t>we</a:t>
+                </a:r>
+                <a:r>
+                  <a:rPr lang="zh-CN" altLang="en-US" dirty="0"/>
+                  <a:t> </a:t>
+                </a:r>
+                <a:r>
+                  <a:rPr lang="en-US" altLang="zh-CN" dirty="0"/>
+                  <a:t>can</a:t>
+                </a:r>
+                <a:r>
+                  <a:rPr lang="zh-CN" altLang="en-US" dirty="0"/>
+                  <a:t> </a:t>
+                </a:r>
+                <a:r>
+                  <a:rPr lang="en-US" altLang="zh-CN" dirty="0"/>
+                  <a:t>access</a:t>
+                </a:r>
+                <a:r>
+                  <a:rPr lang="zh-CN" altLang="en-US" dirty="0"/>
+                  <a:t> </a:t>
+                </a:r>
+                <a:r>
+                  <a:rPr lang="en-US" altLang="zh-CN" dirty="0"/>
+                  <a:t>CDF,</a:t>
+                </a:r>
+                <a:r>
+                  <a:rPr lang="zh-CN" altLang="en-US" dirty="0"/>
+                  <a:t> </a:t>
+                </a:r>
+                <a:r>
+                  <a:rPr lang="en-US" altLang="zh-CN" dirty="0"/>
+                  <a:t>we</a:t>
+                </a:r>
+                <a:r>
+                  <a:rPr lang="zh-CN" altLang="en-US" dirty="0"/>
+                  <a:t> </a:t>
+                </a:r>
+                <a:r>
+                  <a:rPr lang="en-US" altLang="zh-CN" dirty="0"/>
+                  <a:t>can</a:t>
+                </a:r>
+                <a:r>
+                  <a:rPr lang="zh-CN" altLang="en-US" dirty="0"/>
+                  <a:t> </a:t>
+                </a:r>
+                <a:r>
+                  <a:rPr lang="en-US" altLang="zh-CN" dirty="0"/>
+                  <a:t>find</a:t>
+                </a:r>
+                <a:r>
+                  <a:rPr lang="zh-CN" altLang="en-US" dirty="0"/>
+                  <a:t> </a:t>
+                </a:r>
+                <a:r>
+                  <a:rPr lang="en-US" altLang="zh-CN" dirty="0"/>
+                  <a:t>the</a:t>
+                </a:r>
+                <a:r>
+                  <a:rPr lang="zh-CN" altLang="en-US" dirty="0"/>
+                  <a:t> </a:t>
+                </a:r>
+                <a:r>
+                  <a:rPr lang="en-US" altLang="zh-CN" dirty="0"/>
+                  <a:t>ground</a:t>
+                </a:r>
+                <a:r>
+                  <a:rPr lang="zh-CN" altLang="en-US" dirty="0"/>
+                  <a:t> </a:t>
+                </a:r>
+                <a:r>
+                  <a:rPr lang="en-US" altLang="zh-CN" dirty="0"/>
+                  <a:t>state</a:t>
+                </a:r>
+                <a:r>
+                  <a:rPr lang="zh-CN" altLang="en-US" dirty="0"/>
+                  <a:t> </a:t>
+                </a:r>
+                <a:r>
+                  <a:rPr lang="en-US" altLang="zh-CN" dirty="0"/>
+                  <a:t>energy:</a:t>
+                </a:r>
+                <a:r>
+                  <a:rPr lang="zh-CN" altLang="en-US" dirty="0"/>
+                  <a:t> </a:t>
+                </a:r>
+                <a:r>
+                  <a:rPr lang="en-US" altLang="zh-CN" dirty="0"/>
+                  <a:t>It’s</a:t>
+                </a:r>
+                <a:r>
+                  <a:rPr lang="zh-CN" altLang="en-US" dirty="0"/>
+                  <a:t> </a:t>
+                </a:r>
+                <a:r>
+                  <a:rPr lang="en-US" altLang="zh-CN" dirty="0"/>
+                  <a:t>where</a:t>
+                </a:r>
+                <a:r>
+                  <a:rPr lang="zh-CN" altLang="en-US" dirty="0"/>
+                  <a:t> </a:t>
+                </a:r>
+                <a:r>
+                  <a:rPr lang="en-US" altLang="zh-CN" dirty="0"/>
+                  <a:t>the</a:t>
+                </a:r>
+                <a:r>
+                  <a:rPr lang="zh-CN" altLang="en-US" dirty="0"/>
+                  <a:t> </a:t>
+                </a:r>
+                <a:r>
+                  <a:rPr lang="en-US" altLang="zh-CN" dirty="0"/>
+                  <a:t>CDF</a:t>
+                </a:r>
+                <a:r>
+                  <a:rPr lang="zh-CN" altLang="en-US" dirty="0"/>
+                  <a:t> </a:t>
+                </a:r>
+                <a:r>
+                  <a:rPr lang="en-US" altLang="zh-CN" dirty="0"/>
+                  <a:t>jump</a:t>
+                </a:r>
+                <a:r>
+                  <a:rPr lang="zh-CN" altLang="en-US" dirty="0"/>
+                  <a:t> </a:t>
+                </a:r>
+                <a:r>
+                  <a:rPr lang="en-US" altLang="zh-CN" dirty="0"/>
+                  <a:t>from</a:t>
+                </a:r>
+                <a:r>
+                  <a:rPr lang="zh-CN" altLang="en-US" dirty="0"/>
+                  <a:t> </a:t>
+                </a:r>
+                <a:r>
+                  <a:rPr lang="en-US" altLang="zh-CN" dirty="0"/>
+                  <a:t>zero</a:t>
+                </a:r>
+                <a:r>
+                  <a:rPr lang="zh-CN" altLang="en-US" dirty="0"/>
+                  <a:t> </a:t>
+                </a:r>
+                <a:r>
+                  <a:rPr lang="en-US" altLang="zh-CN" dirty="0"/>
+                  <a:t>to</a:t>
+                </a:r>
+                <a:r>
+                  <a:rPr lang="zh-CN" altLang="en-US" dirty="0"/>
+                  <a:t> </a:t>
+                </a:r>
+                <a:r>
+                  <a:rPr lang="en-US" altLang="zh-CN" dirty="0"/>
+                  <a:t>a</a:t>
+                </a:r>
+                <a:r>
+                  <a:rPr lang="zh-CN" altLang="en-US" dirty="0"/>
+                  <a:t> </a:t>
+                </a:r>
+                <a:r>
+                  <a:rPr lang="en-US" altLang="zh-CN" dirty="0"/>
+                  <a:t>non-zero</a:t>
+                </a:r>
+                <a:r>
+                  <a:rPr lang="zh-CN" altLang="en-US" dirty="0"/>
+                  <a:t> </a:t>
+                </a:r>
+                <a:r>
+                  <a:rPr lang="en-US" altLang="zh-CN" dirty="0"/>
+                  <a:t>value!</a:t>
+                </a:r>
+                <a:r>
+                  <a:rPr lang="zh-CN" altLang="en-US" dirty="0"/>
+                  <a:t> </a:t>
+                </a:r>
+                <a:r>
+                  <a:rPr lang="en-US" altLang="zh-CN" dirty="0"/>
+                  <a:t>But</a:t>
+                </a:r>
+                <a:r>
+                  <a:rPr lang="zh-CN" altLang="en-US" dirty="0"/>
+                  <a:t> </a:t>
+                </a:r>
+                <a:r>
+                  <a:rPr lang="en-US" altLang="zh-CN" dirty="0"/>
+                  <a:t>Evaluating</a:t>
+                </a:r>
+                <a:r>
+                  <a:rPr lang="zh-CN" altLang="en-US" dirty="0"/>
+                  <a:t> </a:t>
+                </a:r>
+                <a:r>
+                  <a:rPr lang="en-US" altLang="zh-CN" dirty="0"/>
+                  <a:t>CDF</a:t>
+                </a:r>
+                <a:r>
+                  <a:rPr lang="zh-CN" altLang="en-US" dirty="0"/>
+                  <a:t> </a:t>
+                </a:r>
+                <a:r>
+                  <a:rPr lang="en-US" altLang="zh-CN" dirty="0"/>
+                  <a:t>is</a:t>
+                </a:r>
+                <a:r>
+                  <a:rPr lang="zh-CN" altLang="en-US" dirty="0"/>
+                  <a:t> </a:t>
+                </a:r>
+                <a:r>
+                  <a:rPr lang="en-US" altLang="zh-CN" dirty="0"/>
+                  <a:t>not</a:t>
+                </a:r>
+                <a:r>
+                  <a:rPr lang="zh-CN" altLang="en-US" dirty="0"/>
+                  <a:t> </a:t>
+                </a:r>
+                <a:r>
+                  <a:rPr lang="en-US" altLang="zh-CN" dirty="0"/>
+                  <a:t>easier</a:t>
+                </a:r>
+                <a:r>
+                  <a:rPr lang="zh-CN" altLang="en-US" dirty="0"/>
+                  <a:t> </a:t>
+                </a:r>
+                <a:r>
+                  <a:rPr lang="en-US" altLang="zh-CN" dirty="0"/>
+                  <a:t>than</a:t>
+                </a:r>
+                <a:r>
+                  <a:rPr lang="zh-CN" altLang="en-US" dirty="0"/>
+                  <a:t> </a:t>
+                </a:r>
+                <a:r>
+                  <a:rPr lang="en-US" altLang="zh-CN" dirty="0"/>
+                  <a:t>solving</a:t>
+                </a:r>
+                <a:r>
+                  <a:rPr lang="zh-CN" altLang="en-US" dirty="0"/>
+                  <a:t> </a:t>
+                </a:r>
+                <a:r>
+                  <a:rPr lang="en-US" altLang="zh-CN" dirty="0"/>
+                  <a:t>the</a:t>
+                </a:r>
+                <a:r>
+                  <a:rPr lang="zh-CN" altLang="en-US" dirty="0"/>
+                  <a:t> </a:t>
+                </a:r>
+                <a:r>
+                  <a:rPr lang="en-US" altLang="zh-CN" dirty="0"/>
+                  <a:t>eigenvalue</a:t>
+                </a:r>
+                <a:r>
+                  <a:rPr lang="zh-CN" altLang="en-US" dirty="0"/>
+                  <a:t> </a:t>
+                </a:r>
+                <a:r>
+                  <a:rPr lang="en-US" altLang="zh-CN" dirty="0"/>
+                  <a:t>problem.</a:t>
+                </a:r>
+              </a:p>
+              <a:p>
+                <a:pPr marL="0" lvl="0" indent="0" algn="l" rtl="0">
+                  <a:spcBef>
+                    <a:spcPts val="0"/>
+                  </a:spcBef>
+                  <a:spcAft>
+                    <a:spcPts val="1200"/>
+                  </a:spcAft>
+                  <a:buNone/>
+                </a:pPr>
+                <a:r>
+                  <a:rPr lang="en-US" altLang="zh-CN" dirty="0"/>
+                  <a:t>However,</a:t>
+                </a:r>
+                <a:r>
+                  <a:rPr lang="zh-CN" altLang="en-US" dirty="0"/>
+                  <a:t> </a:t>
+                </a:r>
+                <a:r>
+                  <a:rPr lang="en-US" altLang="zh-CN" dirty="0"/>
+                  <a:t>we</a:t>
+                </a:r>
+                <a:r>
+                  <a:rPr lang="zh-CN" altLang="en-US" dirty="0"/>
+                  <a:t> </a:t>
+                </a:r>
+                <a:r>
+                  <a:rPr lang="en-US" altLang="zh-CN" dirty="0"/>
+                  <a:t>can</a:t>
+                </a:r>
+                <a:r>
+                  <a:rPr lang="zh-CN" altLang="en-US" dirty="0"/>
+                  <a:t> </a:t>
+                </a:r>
+                <a:r>
+                  <a:rPr lang="en-US" altLang="zh-CN" dirty="0"/>
+                  <a:t>access</a:t>
+                </a:r>
+                <a:r>
+                  <a:rPr lang="zh-CN" altLang="en-US" dirty="0"/>
+                  <a:t> </a:t>
+                </a:r>
+                <a:r>
+                  <a:rPr lang="en-US" altLang="zh-CN" dirty="0"/>
+                  <a:t>Approximated</a:t>
+                </a:r>
+                <a:r>
+                  <a:rPr lang="zh-CN" altLang="en-US" dirty="0"/>
+                  <a:t> </a:t>
+                </a:r>
+                <a:r>
+                  <a:rPr lang="en-US" altLang="zh-CN" dirty="0"/>
+                  <a:t>CDF(ACDF)</a:t>
+                </a:r>
+                <a:r>
+                  <a:rPr lang="zh-CN" altLang="en-US" dirty="0"/>
+                  <a:t> </a:t>
+                </a:r>
+                <a:r>
+                  <a:rPr lang="en-US" altLang="zh-CN" dirty="0"/>
+                  <a:t>with</a:t>
+                </a:r>
+                <a:r>
+                  <a:rPr lang="zh-CN" altLang="en-US" dirty="0"/>
+                  <a:t> </a:t>
+                </a:r>
+                <a:r>
+                  <a:rPr lang="en-US" altLang="zh-CN" dirty="0"/>
+                  <a:t>the</a:t>
+                </a:r>
+                <a:r>
+                  <a:rPr lang="zh-CN" altLang="en-US" dirty="0"/>
+                  <a:t> </a:t>
+                </a:r>
+                <a:r>
+                  <a:rPr lang="en-US" altLang="zh-CN" dirty="0"/>
+                  <a:t>help</a:t>
+                </a:r>
+                <a:r>
+                  <a:rPr lang="zh-CN" altLang="en-US" dirty="0"/>
+                  <a:t> </a:t>
+                </a:r>
+                <a:r>
+                  <a:rPr lang="en-US" altLang="zh-CN" dirty="0"/>
+                  <a:t>of</a:t>
+                </a:r>
+                <a:r>
+                  <a:rPr lang="zh-CN" altLang="en-US" dirty="0"/>
+                  <a:t> </a:t>
+                </a:r>
+                <a:r>
+                  <a:rPr lang="en-US" altLang="zh-CN" dirty="0"/>
+                  <a:t>quantum</a:t>
+                </a:r>
+                <a:r>
+                  <a:rPr lang="zh-CN" altLang="en-US" dirty="0"/>
+                  <a:t> </a:t>
+                </a:r>
+                <a:r>
+                  <a:rPr lang="en-US" altLang="zh-CN" dirty="0"/>
+                  <a:t>computer,</a:t>
+                </a:r>
+                <a:r>
+                  <a:rPr lang="zh-CN" altLang="en-US" dirty="0"/>
+                  <a:t> </a:t>
+                </a:r>
+                <a:r>
+                  <a:rPr lang="en-US" altLang="zh-CN" dirty="0"/>
+                  <a:t>and</a:t>
+                </a:r>
+                <a:r>
+                  <a:rPr lang="zh-CN" altLang="en-US" dirty="0"/>
+                  <a:t> </a:t>
+                </a:r>
+                <a:r>
+                  <a:rPr lang="en-US" altLang="zh-CN" dirty="0"/>
+                  <a:t>therefore</a:t>
+                </a:r>
+                <a:r>
+                  <a:rPr lang="zh-CN" altLang="en-US" dirty="0"/>
+                  <a:t> </a:t>
+                </a:r>
+                <a:r>
+                  <a:rPr lang="en-US" altLang="zh-CN" dirty="0"/>
+                  <a:t>find</a:t>
+                </a:r>
+                <a:r>
+                  <a:rPr lang="zh-CN" altLang="en-US" dirty="0"/>
+                  <a:t> </a:t>
+                </a:r>
+                <a:r>
+                  <a:rPr lang="en-US" altLang="zh-CN" dirty="0"/>
+                  <a:t>out</a:t>
+                </a:r>
+                <a:r>
+                  <a:rPr lang="zh-CN" altLang="en-US" dirty="0"/>
+                  <a:t> </a:t>
+                </a:r>
+                <a:r>
+                  <a:rPr lang="en-US" altLang="zh-CN" dirty="0"/>
+                  <a:t>the</a:t>
+                </a:r>
+                <a:r>
+                  <a:rPr lang="zh-CN" altLang="en-US" dirty="0"/>
+                  <a:t> </a:t>
+                </a:r>
+                <a:r>
+                  <a:rPr lang="en-US" altLang="zh-CN" dirty="0"/>
+                  <a:t>ground</a:t>
+                </a:r>
+                <a:r>
+                  <a:rPr lang="zh-CN" altLang="en-US" dirty="0"/>
+                  <a:t> </a:t>
+                </a:r>
+                <a:r>
+                  <a:rPr lang="en-US" altLang="zh-CN" dirty="0"/>
+                  <a:t>state</a:t>
+                </a:r>
+                <a:r>
+                  <a:rPr lang="zh-CN" altLang="en-US" dirty="0"/>
+                  <a:t> </a:t>
+                </a:r>
+                <a:r>
+                  <a:rPr lang="en-US" altLang="zh-CN" dirty="0"/>
+                  <a:t>energy</a:t>
+                </a:r>
+                <a:r>
+                  <a:rPr lang="zh-CN" altLang="en-US" dirty="0"/>
+                  <a:t> </a:t>
+                </a:r>
+                <a:r>
+                  <a:rPr lang="en-US" altLang="zh-CN" dirty="0"/>
+                  <a:t>using</a:t>
+                </a:r>
+                <a:r>
+                  <a:rPr lang="zh-CN" altLang="en-US" dirty="0"/>
+                  <a:t> </a:t>
+                </a:r>
+                <a:r>
+                  <a:rPr lang="en-US" altLang="zh-CN" dirty="0"/>
+                  <a:t>ACDF.</a:t>
+                </a:r>
+                <a:endParaRPr dirty="0"/>
+              </a:p>
+            </p:txBody>
+          </p:sp>
+        </mc:Choice>
+        <mc:Fallback>
+          <p:sp>
+            <p:nvSpPr>
+              <p:cNvPr id="100" name="Google Shape;100;p15"/>
+              <p:cNvSpPr txBox="1">
+                <a:spLocks noGrp="1" noRot="1" noChangeAspect="1" noMove="1" noResize="1" noEditPoints="1" noAdjustHandles="1" noChangeArrowheads="1" noChangeShapeType="1" noTextEdit="1"/>
+              </p:cNvSpPr>
+              <p:nvPr>
+                <p:ph type="body" idx="1"/>
+              </p:nvPr>
+            </p:nvSpPr>
+            <p:spPr>
+              <a:xfrm>
+                <a:off x="727650" y="1279224"/>
+                <a:ext cx="7688700" cy="2953339"/>
+              </a:xfrm>
+              <a:prstGeom prst="rect">
+                <a:avLst/>
+              </a:prstGeom>
+              <a:blipFill>
+                <a:blip r:embed="rId4"/>
+                <a:stretch>
+                  <a:fillRect/>
+                </a:stretch>
+              </a:blipFill>
+            </p:spPr>
+            <p:txBody>
+              <a:bodyPr/>
+              <a:lstStyle/>
+              <a:p>
+                <a:r>
+                  <a:rPr lang="en-CN">
+                    <a:noFill/>
+                  </a:rPr>
+                  <a:t> </a:t>
+                </a:r>
+              </a:p>
+            </p:txBody>
+          </p:sp>
+        </mc:Fallback>
+      </mc:AlternateContent>
       <p:sp>
         <p:nvSpPr>
           <p:cNvPr id="101" name="Google Shape;101;p15"/>
@@ -8244,12 +9389,12 @@
           </a:ln>
         </p:spPr>
         <p:txBody>
-          <a:bodyPr anchorCtr="0" anchor="t" bIns="91425" lIns="91425" spcFirstLastPara="1" rIns="91425" wrap="square" tIns="91425">
+          <a:bodyPr spcFirstLastPara="1" wrap="square" lIns="91425" tIns="91425" rIns="91425" bIns="91425" anchor="t" anchorCtr="0">
             <a:spAutoFit/>
           </a:bodyPr>
           <a:lstStyle/>
           <a:p>
-            <a:pPr indent="0" lvl="0" marL="0" rtl="0" algn="l">
+            <a:pPr marL="0" lvl="0" indent="0" algn="l" rtl="0">
               <a:spcBef>
                 <a:spcPts val="0"/>
               </a:spcBef>
@@ -8266,34 +9411,734 @@
           </a:p>
         </p:txBody>
       </p:sp>
-      <p:pic>
-        <p:nvPicPr>
-          <p:cNvPr descr="{&quot;code&quot;:&quot;$$H=\\sum_{k=0}^{K}\\lambda_{k}\\Pi_{k}$$&quot;,&quot;backgroundColor&quot;:&quot;#FFFFFF&quot;,&quot;aid&quot;:null,&quot;id&quot;:&quot;1&quot;,&quot;font&quot;:{&quot;color&quot;:&quot;#000000&quot;,&quot;family&quot;:&quot;Arial&quot;,&quot;size&quot;:12},&quot;type&quot;:&quot;$$&quot;,&quot;ts&quot;:1677443267200,&quot;cs&quot;:&quot;qEvMBuWzh/d2YrS6u6PBRA==&quot;,&quot;size&quot;:{&quot;width&quot;:111,&quot;height&quot;:51.833333333333336}}" id="102" name="Google Shape;102;p15"/>
-          <p:cNvPicPr preferRelativeResize="0"/>
-          <p:nvPr/>
-        </p:nvPicPr>
-        <p:blipFill>
-          <a:blip r:embed="rId4">
-            <a:alphaModFix/>
-          </a:blip>
-          <a:stretch>
-            <a:fillRect/>
-          </a:stretch>
-        </p:blipFill>
-        <p:spPr>
-          <a:xfrm>
-            <a:off x="1443388" y="1650125"/>
-            <a:ext cx="1057275" cy="493713"/>
-          </a:xfrm>
-          <a:prstGeom prst="rect">
-            <a:avLst/>
-          </a:prstGeom>
-          <a:noFill/>
-          <a:ln>
-            <a:noFill/>
-          </a:ln>
-        </p:spPr>
-      </p:pic>
+      <mc:AlternateContent xmlns:mc="http://schemas.openxmlformats.org/markup-compatibility/2006">
+        <mc:Choice xmlns:a14="http://schemas.microsoft.com/office/drawing/2010/main" Requires="a14">
+          <p:sp>
+            <p:nvSpPr>
+              <p:cNvPr id="3" name="TextBox 2">
+                <a:extLst>
+                  <a:ext uri="{FF2B5EF4-FFF2-40B4-BE49-F238E27FC236}">
+                    <a16:creationId xmlns:a16="http://schemas.microsoft.com/office/drawing/2014/main" id="{96B28AF1-3D25-07FD-6DC8-FC6FF375C8EA}"/>
+                  </a:ext>
+                </a:extLst>
+              </p:cNvPr>
+              <p:cNvSpPr txBox="1"/>
+              <p:nvPr/>
+            </p:nvSpPr>
+            <p:spPr>
+              <a:xfrm>
+                <a:off x="2883478" y="1658469"/>
+                <a:ext cx="4617026" cy="316562"/>
+              </a:xfrm>
+              <a:prstGeom prst="rect">
+                <a:avLst/>
+              </a:prstGeom>
+              <a:noFill/>
+            </p:spPr>
+            <p:txBody>
+              <a:bodyPr wrap="square">
+                <a:spAutoFit/>
+              </a:bodyPr>
+              <a:lstStyle/>
+              <a:p>
+                <a:pPr/>
+                <a14:m>
+                  <m:oMath xmlns:m="http://schemas.openxmlformats.org/officeDocument/2006/math">
+                    <m:r>
+                      <a:rPr lang="en-US" b="0" i="1" smtClean="0">
+                        <a:latin typeface="Cambria Math" panose="02040503050406030204" pitchFamily="18" charset="0"/>
+                      </a:rPr>
+                      <m:t>𝐻</m:t>
+                    </m:r>
+                    <m:r>
+                      <a:rPr lang="en-US" b="0" i="1" smtClean="0">
+                        <a:latin typeface="Cambria Math" panose="02040503050406030204" pitchFamily="18" charset="0"/>
+                      </a:rPr>
+                      <m:t>=</m:t>
+                    </m:r>
+                    <m:nary>
+                      <m:naryPr>
+                        <m:chr m:val="∑"/>
+                        <m:ctrlPr>
+                          <a:rPr lang="en-US" b="0" i="1" smtClean="0">
+                            <a:latin typeface="Cambria Math" panose="02040503050406030204" pitchFamily="18" charset="0"/>
+                          </a:rPr>
+                        </m:ctrlPr>
+                      </m:naryPr>
+                      <m:sub>
+                        <m:r>
+                          <a:rPr lang="en-US" b="0" i="1" smtClean="0">
+                            <a:latin typeface="Cambria Math" panose="02040503050406030204" pitchFamily="18" charset="0"/>
+                          </a:rPr>
+                          <m:t>𝑘</m:t>
+                        </m:r>
+                        <m:r>
+                          <a:rPr lang="en-US" b="0" i="1" smtClean="0">
+                            <a:latin typeface="Cambria Math" panose="02040503050406030204" pitchFamily="18" charset="0"/>
+                          </a:rPr>
+                          <m:t>=0</m:t>
+                        </m:r>
+                      </m:sub>
+                      <m:sup>
+                        <m:r>
+                          <a:rPr lang="en-US" b="0" i="1" smtClean="0">
+                            <a:latin typeface="Cambria Math" panose="02040503050406030204" pitchFamily="18" charset="0"/>
+                          </a:rPr>
+                          <m:t>𝐾</m:t>
+                        </m:r>
+                      </m:sup>
+                      <m:e>
+                        <m:sSub>
+                          <m:sSubPr>
+                            <m:ctrlPr>
+                              <a:rPr lang="en-US" b="0" i="1" smtClean="0">
+                                <a:latin typeface="Cambria Math" panose="02040503050406030204" pitchFamily="18" charset="0"/>
+                              </a:rPr>
+                            </m:ctrlPr>
+                          </m:sSubPr>
+                          <m:e>
+                            <m:r>
+                              <a:rPr lang="en-US" b="0" i="1" smtClean="0">
+                                <a:latin typeface="Cambria Math" panose="02040503050406030204" pitchFamily="18" charset="0"/>
+                              </a:rPr>
+                              <m:t>𝜆</m:t>
+                            </m:r>
+                          </m:e>
+                          <m:sub>
+                            <m:r>
+                              <a:rPr lang="en-US" b="0" i="1" smtClean="0">
+                                <a:latin typeface="Cambria Math" panose="02040503050406030204" pitchFamily="18" charset="0"/>
+                              </a:rPr>
+                              <m:t>𝑘</m:t>
+                            </m:r>
+                          </m:sub>
+                        </m:sSub>
+                        <m:sSub>
+                          <m:sSubPr>
+                            <m:ctrlPr>
+                              <a:rPr lang="en-US" b="0" i="1" smtClean="0">
+                                <a:latin typeface="Cambria Math" panose="02040503050406030204" pitchFamily="18" charset="0"/>
+                              </a:rPr>
+                            </m:ctrlPr>
+                          </m:sSubPr>
+                          <m:e>
+                            <m:r>
+                              <m:rPr>
+                                <m:sty m:val="p"/>
+                              </m:rPr>
+                              <a:rPr lang="en-US" b="0" i="0" smtClean="0">
+                                <a:latin typeface="Cambria Math" panose="02040503050406030204" pitchFamily="18" charset="0"/>
+                              </a:rPr>
+                              <m:t>Π</m:t>
+                            </m:r>
+                          </m:e>
+                          <m:sub>
+                            <m:r>
+                              <a:rPr lang="en-US" b="0" i="1" smtClean="0">
+                                <a:latin typeface="Cambria Math" panose="02040503050406030204" pitchFamily="18" charset="0"/>
+                              </a:rPr>
+                              <m:t>𝑘</m:t>
+                            </m:r>
+                          </m:sub>
+                        </m:sSub>
+                      </m:e>
+                    </m:nary>
+                  </m:oMath>
+                </a14:m>
+                <a:r>
+                  <a:rPr lang="zh-CN" altLang="en-US" dirty="0"/>
+                  <a:t> </a:t>
+                </a:r>
+                <a:endParaRPr lang="en-CN" dirty="0"/>
+              </a:p>
+            </p:txBody>
+          </p:sp>
+        </mc:Choice>
+        <mc:Fallback>
+          <p:sp>
+            <p:nvSpPr>
+              <p:cNvPr id="3" name="TextBox 2">
+                <a:extLst>
+                  <a:ext uri="{FF2B5EF4-FFF2-40B4-BE49-F238E27FC236}">
+                    <a16:creationId xmlns:a16="http://schemas.microsoft.com/office/drawing/2014/main" id="{96B28AF1-3D25-07FD-6DC8-FC6FF375C8EA}"/>
+                  </a:ext>
+                </a:extLst>
+              </p:cNvPr>
+              <p:cNvSpPr txBox="1">
+                <a:spLocks noRot="1" noChangeAspect="1" noMove="1" noResize="1" noEditPoints="1" noAdjustHandles="1" noChangeArrowheads="1" noChangeShapeType="1" noTextEdit="1"/>
+              </p:cNvSpPr>
+              <p:nvPr/>
+            </p:nvSpPr>
+            <p:spPr>
+              <a:xfrm>
+                <a:off x="2883478" y="1658469"/>
+                <a:ext cx="4617026" cy="316562"/>
+              </a:xfrm>
+              <a:prstGeom prst="rect">
+                <a:avLst/>
+              </a:prstGeom>
+              <a:blipFill>
+                <a:blip r:embed="rId5"/>
+                <a:stretch>
+                  <a:fillRect t="-96154" b="-157692"/>
+                </a:stretch>
+              </a:blipFill>
+            </p:spPr>
+            <p:txBody>
+              <a:bodyPr/>
+              <a:lstStyle/>
+              <a:p>
+                <a:r>
+                  <a:rPr lang="en-CN">
+                    <a:noFill/>
+                  </a:rPr>
+                  <a:t> </a:t>
+                </a:r>
+              </a:p>
+            </p:txBody>
+          </p:sp>
+        </mc:Fallback>
+      </mc:AlternateContent>
+      <mc:AlternateContent xmlns:mc="http://schemas.openxmlformats.org/markup-compatibility/2006">
+        <mc:Choice xmlns:a14="http://schemas.microsoft.com/office/drawing/2010/main" Requires="a14">
+          <p:sp>
+            <p:nvSpPr>
+              <p:cNvPr id="4" name="TextBox 3">
+                <a:extLst>
+                  <a:ext uri="{FF2B5EF4-FFF2-40B4-BE49-F238E27FC236}">
+                    <a16:creationId xmlns:a16="http://schemas.microsoft.com/office/drawing/2014/main" id="{12D3E1A3-3257-525E-3ABB-613446EDA65D}"/>
+                  </a:ext>
+                </a:extLst>
+              </p:cNvPr>
+              <p:cNvSpPr txBox="1"/>
+              <p:nvPr/>
+            </p:nvSpPr>
+            <p:spPr>
+              <a:xfrm>
+                <a:off x="2447060" y="2380287"/>
+                <a:ext cx="4617026" cy="343620"/>
+              </a:xfrm>
+              <a:prstGeom prst="rect">
+                <a:avLst/>
+              </a:prstGeom>
+              <a:noFill/>
+            </p:spPr>
+            <p:txBody>
+              <a:bodyPr wrap="square">
+                <a:spAutoFit/>
+              </a:bodyPr>
+              <a:lstStyle/>
+              <a:p>
+                <a:pPr/>
+                <a14:m>
+                  <m:oMath xmlns:m="http://schemas.openxmlformats.org/officeDocument/2006/math">
+                    <m:r>
+                      <a:rPr lang="en-US" b="0" i="1" smtClean="0">
+                        <a:latin typeface="Cambria Math" panose="02040503050406030204" pitchFamily="18" charset="0"/>
+                      </a:rPr>
+                      <m:t>𝑝</m:t>
+                    </m:r>
+                    <m:d>
+                      <m:dPr>
+                        <m:ctrlPr>
+                          <a:rPr lang="en-US" b="0" i="1" smtClean="0">
+                            <a:latin typeface="Cambria Math" panose="02040503050406030204" pitchFamily="18" charset="0"/>
+                          </a:rPr>
+                        </m:ctrlPr>
+                      </m:dPr>
+                      <m:e>
+                        <m:r>
+                          <a:rPr lang="en-US" b="0" i="1" smtClean="0">
+                            <a:latin typeface="Cambria Math" panose="02040503050406030204" pitchFamily="18" charset="0"/>
+                          </a:rPr>
+                          <m:t>𝑥</m:t>
+                        </m:r>
+                      </m:e>
+                    </m:d>
+                    <m:r>
+                      <a:rPr lang="en-US" altLang="zh-CN" b="0" i="1" smtClean="0">
+                        <a:latin typeface="Cambria Math" panose="02040503050406030204" pitchFamily="18" charset="0"/>
+                      </a:rPr>
+                      <m:t>=</m:t>
+                    </m:r>
+                    <m:nary>
+                      <m:naryPr>
+                        <m:chr m:val="∑"/>
+                        <m:ctrlPr>
+                          <a:rPr lang="en-US" altLang="zh-CN" b="0" i="1" smtClean="0">
+                            <a:latin typeface="Cambria Math" panose="02040503050406030204" pitchFamily="18" charset="0"/>
+                          </a:rPr>
+                        </m:ctrlPr>
+                      </m:naryPr>
+                      <m:sub>
+                        <m:r>
+                          <a:rPr lang="en-US" altLang="zh-CN" b="0" i="1" smtClean="0">
+                            <a:latin typeface="Cambria Math" panose="02040503050406030204" pitchFamily="18" charset="0"/>
+                          </a:rPr>
+                          <m:t>𝑘</m:t>
+                        </m:r>
+                        <m:r>
+                          <a:rPr lang="en-US" altLang="zh-CN" b="0" i="1" smtClean="0">
+                            <a:latin typeface="Cambria Math" panose="02040503050406030204" pitchFamily="18" charset="0"/>
+                          </a:rPr>
+                          <m:t>=0</m:t>
+                        </m:r>
+                      </m:sub>
+                      <m:sup>
+                        <m:r>
+                          <a:rPr lang="en-US" altLang="zh-CN" b="0" i="1" smtClean="0">
+                            <a:latin typeface="Cambria Math" panose="02040503050406030204" pitchFamily="18" charset="0"/>
+                          </a:rPr>
+                          <m:t>𝐾</m:t>
+                        </m:r>
+                      </m:sup>
+                      <m:e>
+                        <m:sSub>
+                          <m:sSubPr>
+                            <m:ctrlPr>
+                              <a:rPr lang="en-US" altLang="zh-CN" b="0" i="1" smtClean="0">
+                                <a:latin typeface="Cambria Math" panose="02040503050406030204" pitchFamily="18" charset="0"/>
+                              </a:rPr>
+                            </m:ctrlPr>
+                          </m:sSubPr>
+                          <m:e>
+                            <m:r>
+                              <a:rPr lang="en-US" altLang="zh-CN" b="0" i="1" smtClean="0">
+                                <a:latin typeface="Cambria Math" panose="02040503050406030204" pitchFamily="18" charset="0"/>
+                              </a:rPr>
+                              <m:t>𝑝</m:t>
+                            </m:r>
+                          </m:e>
+                          <m:sub>
+                            <m:r>
+                              <a:rPr lang="en-US" altLang="zh-CN" b="0" i="1" smtClean="0">
+                                <a:latin typeface="Cambria Math" panose="02040503050406030204" pitchFamily="18" charset="0"/>
+                              </a:rPr>
+                              <m:t>𝑘</m:t>
+                            </m:r>
+                          </m:sub>
+                        </m:sSub>
+                        <m:r>
+                          <a:rPr lang="en-US" altLang="zh-CN" b="0" i="1" smtClean="0">
+                            <a:latin typeface="Cambria Math" panose="02040503050406030204" pitchFamily="18" charset="0"/>
+                          </a:rPr>
+                          <m:t>𝛿</m:t>
+                        </m:r>
+                        <m:d>
+                          <m:dPr>
+                            <m:ctrlPr>
+                              <a:rPr lang="en-US" altLang="zh-CN" b="0" i="1" smtClean="0">
+                                <a:latin typeface="Cambria Math" panose="02040503050406030204" pitchFamily="18" charset="0"/>
+                              </a:rPr>
+                            </m:ctrlPr>
+                          </m:dPr>
+                          <m:e>
+                            <m:r>
+                              <a:rPr lang="en-US" altLang="zh-CN" b="0" i="1" smtClean="0">
+                                <a:latin typeface="Cambria Math" panose="02040503050406030204" pitchFamily="18" charset="0"/>
+                              </a:rPr>
+                              <m:t>𝑥</m:t>
+                            </m:r>
+                            <m:r>
+                              <a:rPr lang="en-US" altLang="zh-CN" b="0" i="1" smtClean="0">
+                                <a:latin typeface="Cambria Math" panose="02040503050406030204" pitchFamily="18" charset="0"/>
+                              </a:rPr>
+                              <m:t>−</m:t>
+                            </m:r>
+                            <m:sSub>
+                              <m:sSubPr>
+                                <m:ctrlPr>
+                                  <a:rPr lang="en-US" altLang="zh-CN" b="0" i="1" smtClean="0">
+                                    <a:latin typeface="Cambria Math" panose="02040503050406030204" pitchFamily="18" charset="0"/>
+                                  </a:rPr>
+                                </m:ctrlPr>
+                              </m:sSubPr>
+                              <m:e>
+                                <m:r>
+                                  <a:rPr lang="en-US" altLang="zh-CN" b="0" i="1" smtClean="0">
+                                    <a:latin typeface="Cambria Math" panose="02040503050406030204" pitchFamily="18" charset="0"/>
+                                  </a:rPr>
+                                  <m:t>𝜆</m:t>
+                                </m:r>
+                              </m:e>
+                              <m:sub>
+                                <m:r>
+                                  <a:rPr lang="en-US" altLang="zh-CN" b="0" i="1" smtClean="0">
+                                    <a:latin typeface="Cambria Math" panose="02040503050406030204" pitchFamily="18" charset="0"/>
+                                  </a:rPr>
+                                  <m:t>𝑘</m:t>
+                                </m:r>
+                              </m:sub>
+                            </m:sSub>
+                          </m:e>
+                        </m:d>
+                      </m:e>
+                    </m:nary>
+                  </m:oMath>
+                </a14:m>
+                <a:r>
+                  <a:rPr lang="en-US" altLang="zh-CN" dirty="0"/>
+                  <a:t>,</a:t>
+                </a:r>
+                <a:r>
+                  <a:rPr lang="zh-CN" altLang="en-US" dirty="0"/>
+                  <a:t> </a:t>
+                </a:r>
+                <a:r>
+                  <a:rPr lang="en-US" altLang="zh-CN" dirty="0"/>
+                  <a:t>CDF:</a:t>
+                </a:r>
+                <a:r>
+                  <a:rPr lang="zh-CN" altLang="en-US" dirty="0"/>
+                  <a:t> </a:t>
+                </a:r>
+                <a14:m>
+                  <m:oMath xmlns:m="http://schemas.openxmlformats.org/officeDocument/2006/math">
+                    <m:r>
+                      <a:rPr lang="en-US" altLang="zh-CN" b="0" i="1" smtClean="0">
+                        <a:latin typeface="Cambria Math" panose="02040503050406030204" pitchFamily="18" charset="0"/>
+                      </a:rPr>
+                      <m:t>𝐶</m:t>
+                    </m:r>
+                    <m:d>
+                      <m:dPr>
+                        <m:ctrlPr>
+                          <a:rPr lang="en-US" altLang="zh-CN" b="0" i="1" smtClean="0">
+                            <a:latin typeface="Cambria Math" panose="02040503050406030204" pitchFamily="18" charset="0"/>
+                          </a:rPr>
+                        </m:ctrlPr>
+                      </m:dPr>
+                      <m:e>
+                        <m:r>
+                          <a:rPr lang="en-US" altLang="zh-CN" b="0" i="1" smtClean="0">
+                            <a:latin typeface="Cambria Math" panose="02040503050406030204" pitchFamily="18" charset="0"/>
+                          </a:rPr>
+                          <m:t>𝑥</m:t>
+                        </m:r>
+                      </m:e>
+                    </m:d>
+                    <m:r>
+                      <a:rPr lang="en-US" altLang="zh-CN" b="0" i="1" smtClean="0">
+                        <a:latin typeface="Cambria Math" panose="02040503050406030204" pitchFamily="18" charset="0"/>
+                      </a:rPr>
+                      <m:t>=</m:t>
+                    </m:r>
+                    <m:nary>
+                      <m:naryPr>
+                        <m:chr m:val="∑"/>
+                        <m:supHide m:val="on"/>
+                        <m:ctrlPr>
+                          <a:rPr lang="en-US" altLang="zh-CN" b="0" i="1" smtClean="0">
+                            <a:latin typeface="Cambria Math" panose="02040503050406030204" pitchFamily="18" charset="0"/>
+                          </a:rPr>
+                        </m:ctrlPr>
+                      </m:naryPr>
+                      <m:sub>
+                        <m:r>
+                          <a:rPr lang="en-US" altLang="zh-CN" b="0" i="1" smtClean="0">
+                            <a:latin typeface="Cambria Math" panose="02040503050406030204" pitchFamily="18" charset="0"/>
+                          </a:rPr>
+                          <m:t>𝑘</m:t>
+                        </m:r>
+                        <m:r>
+                          <a:rPr lang="en-US" altLang="zh-CN" b="0" i="1" smtClean="0">
+                            <a:latin typeface="Cambria Math" panose="02040503050406030204" pitchFamily="18" charset="0"/>
+                          </a:rPr>
+                          <m:t>:</m:t>
+                        </m:r>
+                        <m:sSub>
+                          <m:sSubPr>
+                            <m:ctrlPr>
+                              <a:rPr lang="en-US" altLang="zh-CN" b="0" i="1" smtClean="0">
+                                <a:latin typeface="Cambria Math" panose="02040503050406030204" pitchFamily="18" charset="0"/>
+                              </a:rPr>
+                            </m:ctrlPr>
+                          </m:sSubPr>
+                          <m:e>
+                            <m:r>
+                              <a:rPr lang="en-US" altLang="zh-CN" b="0" i="1" smtClean="0">
+                                <a:latin typeface="Cambria Math" panose="02040503050406030204" pitchFamily="18" charset="0"/>
+                              </a:rPr>
+                              <m:t>𝜆</m:t>
+                            </m:r>
+                          </m:e>
+                          <m:sub>
+                            <m:r>
+                              <a:rPr lang="en-US" altLang="zh-CN" b="0" i="1" smtClean="0">
+                                <a:latin typeface="Cambria Math" panose="02040503050406030204" pitchFamily="18" charset="0"/>
+                              </a:rPr>
+                              <m:t>𝑘</m:t>
+                            </m:r>
+                          </m:sub>
+                        </m:sSub>
+                        <m:r>
+                          <a:rPr lang="en-US" altLang="zh-CN" b="0" i="1" smtClean="0">
+                            <a:latin typeface="Cambria Math" panose="02040503050406030204" pitchFamily="18" charset="0"/>
+                          </a:rPr>
+                          <m:t>&lt;</m:t>
+                        </m:r>
+                        <m:r>
+                          <a:rPr lang="en-US" altLang="zh-CN" b="0" i="1" smtClean="0">
+                            <a:latin typeface="Cambria Math" panose="02040503050406030204" pitchFamily="18" charset="0"/>
+                          </a:rPr>
+                          <m:t>𝑥</m:t>
+                        </m:r>
+                      </m:sub>
+                      <m:sup/>
+                      <m:e>
+                        <m:sSub>
+                          <m:sSubPr>
+                            <m:ctrlPr>
+                              <a:rPr lang="en-US" altLang="zh-CN" b="0" i="1" smtClean="0">
+                                <a:latin typeface="Cambria Math" panose="02040503050406030204" pitchFamily="18" charset="0"/>
+                              </a:rPr>
+                            </m:ctrlPr>
+                          </m:sSubPr>
+                          <m:e>
+                            <m:r>
+                              <a:rPr lang="en-US" altLang="zh-CN" b="0" i="1" smtClean="0">
+                                <a:latin typeface="Cambria Math" panose="02040503050406030204" pitchFamily="18" charset="0"/>
+                              </a:rPr>
+                              <m:t>𝑝</m:t>
+                            </m:r>
+                          </m:e>
+                          <m:sub>
+                            <m:r>
+                              <a:rPr lang="en-US" altLang="zh-CN" b="0" i="1" smtClean="0">
+                                <a:latin typeface="Cambria Math" panose="02040503050406030204" pitchFamily="18" charset="0"/>
+                              </a:rPr>
+                              <m:t>𝑘</m:t>
+                            </m:r>
+                          </m:sub>
+                        </m:sSub>
+                      </m:e>
+                    </m:nary>
+                  </m:oMath>
+                </a14:m>
+                <a:endParaRPr lang="en-CN" dirty="0"/>
+              </a:p>
+            </p:txBody>
+          </p:sp>
+        </mc:Choice>
+        <mc:Fallback>
+          <p:sp>
+            <p:nvSpPr>
+              <p:cNvPr id="4" name="TextBox 3">
+                <a:extLst>
+                  <a:ext uri="{FF2B5EF4-FFF2-40B4-BE49-F238E27FC236}">
+                    <a16:creationId xmlns:a16="http://schemas.microsoft.com/office/drawing/2014/main" id="{12D3E1A3-3257-525E-3ABB-613446EDA65D}"/>
+                  </a:ext>
+                </a:extLst>
+              </p:cNvPr>
+              <p:cNvSpPr txBox="1">
+                <a:spLocks noRot="1" noChangeAspect="1" noMove="1" noResize="1" noEditPoints="1" noAdjustHandles="1" noChangeArrowheads="1" noChangeShapeType="1" noTextEdit="1"/>
+              </p:cNvSpPr>
+              <p:nvPr/>
+            </p:nvSpPr>
+            <p:spPr>
+              <a:xfrm>
+                <a:off x="2447060" y="2380287"/>
+                <a:ext cx="4617026" cy="343620"/>
+              </a:xfrm>
+              <a:prstGeom prst="rect">
+                <a:avLst/>
+              </a:prstGeom>
+              <a:blipFill>
+                <a:blip r:embed="rId6"/>
+                <a:stretch>
+                  <a:fillRect t="-89286" b="-139286"/>
+                </a:stretch>
+              </a:blipFill>
+            </p:spPr>
+            <p:txBody>
+              <a:bodyPr/>
+              <a:lstStyle/>
+              <a:p>
+                <a:r>
+                  <a:rPr lang="en-CN">
+                    <a:noFill/>
+                  </a:rPr>
+                  <a:t> </a:t>
+                </a:r>
+              </a:p>
+            </p:txBody>
+          </p:sp>
+        </mc:Fallback>
+      </mc:AlternateContent>
+      <mc:AlternateContent xmlns:mc="http://schemas.openxmlformats.org/markup-compatibility/2006">
+        <mc:Choice xmlns:a14="http://schemas.microsoft.com/office/drawing/2010/main" Requires="a14">
+          <p:sp>
+            <p:nvSpPr>
+              <p:cNvPr id="7" name="TextBox 6">
+                <a:extLst>
+                  <a:ext uri="{FF2B5EF4-FFF2-40B4-BE49-F238E27FC236}">
+                    <a16:creationId xmlns:a16="http://schemas.microsoft.com/office/drawing/2014/main" id="{8380CC9A-B0B4-64D0-E18D-DA691EFB0379}"/>
+                  </a:ext>
+                </a:extLst>
+              </p:cNvPr>
+              <p:cNvSpPr txBox="1"/>
+              <p:nvPr/>
+            </p:nvSpPr>
+            <p:spPr>
+              <a:xfrm>
+                <a:off x="7012405" y="2457445"/>
+                <a:ext cx="1352590" cy="261610"/>
+              </a:xfrm>
+              <a:prstGeom prst="rect">
+                <a:avLst/>
+              </a:prstGeom>
+              <a:noFill/>
+            </p:spPr>
+            <p:txBody>
+              <a:bodyPr wrap="square">
+                <a:spAutoFit/>
+              </a:bodyPr>
+              <a:lstStyle/>
+              <a:p>
+                <a:pPr/>
+                <a14:m>
+                  <m:oMathPara xmlns:m="http://schemas.openxmlformats.org/officeDocument/2006/math">
+                    <m:oMathParaPr>
+                      <m:jc m:val="centerGroup"/>
+                    </m:oMathParaPr>
+                    <m:oMath xmlns:m="http://schemas.openxmlformats.org/officeDocument/2006/math">
+                      <m:sSub>
+                        <m:sSubPr>
+                          <m:ctrlPr>
+                            <a:rPr lang="en-US" altLang="zh-CN" sz="1050" b="0" i="1" smtClean="0">
+                              <a:latin typeface="Cambria Math" panose="02040503050406030204" pitchFamily="18" charset="0"/>
+                            </a:rPr>
+                          </m:ctrlPr>
+                        </m:sSubPr>
+                        <m:e>
+                          <m:r>
+                            <a:rPr lang="en-US" altLang="zh-CN" sz="1050" b="0" i="1" smtClean="0">
+                              <a:latin typeface="Cambria Math" panose="02040503050406030204" pitchFamily="18" charset="0"/>
+                            </a:rPr>
+                            <m:t>𝑝</m:t>
+                          </m:r>
+                        </m:e>
+                        <m:sub>
+                          <m:r>
+                            <a:rPr lang="en-US" altLang="zh-CN" sz="1050" b="0" i="1" smtClean="0">
+                              <a:latin typeface="Cambria Math" panose="02040503050406030204" pitchFamily="18" charset="0"/>
+                            </a:rPr>
+                            <m:t>𝑘</m:t>
+                          </m:r>
+                        </m:sub>
+                      </m:sSub>
+                      <m:r>
+                        <a:rPr lang="en-US" altLang="zh-CN" sz="1050" b="0" i="1" smtClean="0">
+                          <a:latin typeface="Cambria Math" panose="02040503050406030204" pitchFamily="18" charset="0"/>
+                        </a:rPr>
+                        <m:t>=</m:t>
+                      </m:r>
+                      <m:r>
+                        <a:rPr lang="en-US" altLang="zh-CN" sz="1050" b="0" i="1" smtClean="0">
+                          <a:latin typeface="Cambria Math" panose="02040503050406030204" pitchFamily="18" charset="0"/>
+                        </a:rPr>
+                        <m:t>𝑇𝑟</m:t>
+                      </m:r>
+                      <m:d>
+                        <m:dPr>
+                          <m:begChr m:val="["/>
+                          <m:endChr m:val="]"/>
+                          <m:ctrlPr>
+                            <a:rPr lang="en-US" altLang="zh-CN" sz="1050" b="0" i="1" smtClean="0">
+                              <a:latin typeface="Cambria Math" panose="02040503050406030204" pitchFamily="18" charset="0"/>
+                            </a:rPr>
+                          </m:ctrlPr>
+                        </m:dPr>
+                        <m:e>
+                          <m:r>
+                            <a:rPr lang="en-US" altLang="zh-CN" sz="1050" b="0" i="1" smtClean="0">
+                              <a:latin typeface="Cambria Math" panose="02040503050406030204" pitchFamily="18" charset="0"/>
+                            </a:rPr>
+                            <m:t>𝜌</m:t>
+                          </m:r>
+                          <m:sSub>
+                            <m:sSubPr>
+                              <m:ctrlPr>
+                                <a:rPr lang="en-US" altLang="zh-CN" sz="1050" b="0" i="1" smtClean="0">
+                                  <a:latin typeface="Cambria Math" panose="02040503050406030204" pitchFamily="18" charset="0"/>
+                                </a:rPr>
+                              </m:ctrlPr>
+                            </m:sSubPr>
+                            <m:e>
+                              <m:r>
+                                <m:rPr>
+                                  <m:sty m:val="p"/>
+                                </m:rPr>
+                                <a:rPr lang="en-US" altLang="zh-CN" sz="1050" b="0" i="0" smtClean="0">
+                                  <a:latin typeface="Cambria Math" panose="02040503050406030204" pitchFamily="18" charset="0"/>
+                                </a:rPr>
+                                <m:t>Π</m:t>
+                              </m:r>
+                            </m:e>
+                            <m:sub>
+                              <m:r>
+                                <a:rPr lang="en-US" altLang="zh-CN" sz="1050" b="0" i="1" smtClean="0">
+                                  <a:latin typeface="Cambria Math" panose="02040503050406030204" pitchFamily="18" charset="0"/>
+                                </a:rPr>
+                                <m:t>𝑘</m:t>
+                              </m:r>
+                            </m:sub>
+                          </m:sSub>
+                        </m:e>
+                      </m:d>
+                    </m:oMath>
+                  </m:oMathPara>
+                </a14:m>
+                <a:endParaRPr lang="en-CN" sz="1050" dirty="0"/>
+              </a:p>
+            </p:txBody>
+          </p:sp>
+        </mc:Choice>
+        <mc:Fallback>
+          <p:sp>
+            <p:nvSpPr>
+              <p:cNvPr id="7" name="TextBox 6">
+                <a:extLst>
+                  <a:ext uri="{FF2B5EF4-FFF2-40B4-BE49-F238E27FC236}">
+                    <a16:creationId xmlns:a16="http://schemas.microsoft.com/office/drawing/2014/main" id="{8380CC9A-B0B4-64D0-E18D-DA691EFB0379}"/>
+                  </a:ext>
+                </a:extLst>
+              </p:cNvPr>
+              <p:cNvSpPr txBox="1">
+                <a:spLocks noRot="1" noChangeAspect="1" noMove="1" noResize="1" noEditPoints="1" noAdjustHandles="1" noChangeArrowheads="1" noChangeShapeType="1" noTextEdit="1"/>
+              </p:cNvSpPr>
+              <p:nvPr/>
+            </p:nvSpPr>
+            <p:spPr>
+              <a:xfrm>
+                <a:off x="7012405" y="2457445"/>
+                <a:ext cx="1352590" cy="261610"/>
+              </a:xfrm>
+              <a:prstGeom prst="rect">
+                <a:avLst/>
+              </a:prstGeom>
+              <a:blipFill>
+                <a:blip r:embed="rId7"/>
+                <a:stretch>
+                  <a:fillRect/>
+                </a:stretch>
+              </a:blipFill>
+            </p:spPr>
+            <p:txBody>
+              <a:bodyPr/>
+              <a:lstStyle/>
+              <a:p>
+                <a:r>
+                  <a:rPr lang="en-CN">
+                    <a:noFill/>
+                  </a:rPr>
+                  <a:t> </a:t>
+                </a:r>
+              </a:p>
+            </p:txBody>
+          </p:sp>
+        </mc:Fallback>
+      </mc:AlternateContent>
     </p:spTree>
   </p:cSld>
   <p:clrMapOvr>
@@ -8303,11 +10148,11 @@
 </file>
 
 <file path=ppt/slides/slide4.xml><?xml version="1.0" encoding="utf-8"?>
-<p:sld xmlns:a="http://schemas.openxmlformats.org/drawingml/2006/main" xmlns:r="http://schemas.openxmlformats.org/officeDocument/2006/relationships" xmlns:mc="http://schemas.openxmlformats.org/markup-compatibility/2006" xmlns:mv="urn:schemas-microsoft-com:mac:vml" xmlns:p="http://schemas.openxmlformats.org/presentationml/2006/main" xmlns:c="http://schemas.openxmlformats.org/drawingml/2006/chart" xmlns:dgm="http://schemas.openxmlformats.org/drawingml/2006/diagram" xmlns:o="urn:schemas-microsoft-com:office:office" xmlns:v="urn:schemas-microsoft-com:vml" xmlns:pvml="urn:schemas-microsoft-com:office:powerpoint" xmlns:com="http://schemas.openxmlformats.org/drawingml/2006/compatibility" xmlns:p14="http://schemas.microsoft.com/office/powerpoint/2010/main" xmlns:p15="http://schemas.microsoft.com/office/powerpoint/2012/main" xmlns:ahyp="http://schemas.microsoft.com/office/drawing/2018/hyperlinkcolor">
+<p:sld xmlns:a="http://schemas.openxmlformats.org/drawingml/2006/main" xmlns:r="http://schemas.openxmlformats.org/officeDocument/2006/relationships" xmlns:p="http://schemas.openxmlformats.org/presentationml/2006/main">
   <p:cSld>
     <p:spTree>
       <p:nvGrpSpPr>
-        <p:cNvPr id="106" name="Shape 106"/>
+        <p:cNvPr id="1" name=""/>
         <p:cNvGrpSpPr/>
         <p:nvPr/>
       </p:nvGrpSpPr>
@@ -8321,83 +10166,1402 @@
       </p:grpSpPr>
       <p:sp>
         <p:nvSpPr>
-          <p:cNvPr id="107" name="Google Shape;107;p16"/>
-          <p:cNvSpPr txBox="1"/>
+          <p:cNvPr id="2" name="Title 1">
+            <a:extLst>
+              <a:ext uri="{FF2B5EF4-FFF2-40B4-BE49-F238E27FC236}">
+                <a16:creationId xmlns:a16="http://schemas.microsoft.com/office/drawing/2014/main" id="{8B4B8BE0-F891-DCBA-49A4-3D14EE10CA6E}"/>
+              </a:ext>
+            </a:extLst>
+          </p:cNvPr>
+          <p:cNvSpPr>
+            <a:spLocks noGrp="1"/>
+          </p:cNvSpPr>
           <p:nvPr>
             <p:ph type="title"/>
           </p:nvPr>
         </p:nvSpPr>
+        <p:spPr/>
+        <p:txBody>
+          <a:bodyPr>
+            <a:normAutofit fontScale="90000"/>
+          </a:bodyPr>
+          <a:lstStyle/>
+          <a:p>
+            <a:r>
+              <a:rPr lang="en-US" altLang="zh-CN" dirty="0"/>
+              <a:t>Workflow</a:t>
+            </a:r>
+            <a:r>
+              <a:rPr lang="zh-CN" altLang="en-US" dirty="0"/>
+              <a:t> </a:t>
+            </a:r>
+            <a:r>
+              <a:rPr lang="en-US" altLang="zh-CN" dirty="0"/>
+              <a:t>of</a:t>
+            </a:r>
+            <a:r>
+              <a:rPr lang="zh-CN" altLang="en-US" dirty="0"/>
+              <a:t> </a:t>
+            </a:r>
+            <a:r>
+              <a:rPr lang="en-US" altLang="zh-CN" dirty="0"/>
+              <a:t>the</a:t>
+            </a:r>
+            <a:r>
+              <a:rPr lang="zh-CN" altLang="en-US" dirty="0"/>
+              <a:t> </a:t>
+            </a:r>
+            <a:r>
+              <a:rPr lang="en-US" altLang="zh-CN" dirty="0"/>
+              <a:t>algorithm</a:t>
+            </a:r>
+            <a:endParaRPr lang="en-CN" dirty="0"/>
+          </a:p>
+        </p:txBody>
+      </p:sp>
+      <mc:AlternateContent xmlns:mc="http://schemas.openxmlformats.org/markup-compatibility/2006">
+        <mc:Choice xmlns:a14="http://schemas.microsoft.com/office/drawing/2010/main" Requires="a14">
+          <p:sp>
+            <p:nvSpPr>
+              <p:cNvPr id="3" name="Text Placeholder 2">
+                <a:extLst>
+                  <a:ext uri="{FF2B5EF4-FFF2-40B4-BE49-F238E27FC236}">
+                    <a16:creationId xmlns:a16="http://schemas.microsoft.com/office/drawing/2014/main" id="{A886543B-849E-BA72-3EAA-C61147E9F984}"/>
+                  </a:ext>
+                </a:extLst>
+              </p:cNvPr>
+              <p:cNvSpPr>
+                <a:spLocks noGrp="1"/>
+              </p:cNvSpPr>
+              <p:nvPr>
+                <p:ph type="body" idx="1"/>
+              </p:nvPr>
+            </p:nvSpPr>
+            <p:spPr>
+              <a:xfrm>
+                <a:off x="727650" y="1305668"/>
+                <a:ext cx="7688700" cy="3837832"/>
+              </a:xfrm>
+            </p:spPr>
+            <p:txBody>
+              <a:bodyPr>
+                <a:normAutofit/>
+              </a:bodyPr>
+              <a:lstStyle/>
+              <a:p>
+                <a:r>
+                  <a:rPr lang="en-US" altLang="zh-CN" dirty="0"/>
+                  <a:t>ACDF:</a:t>
+                </a:r>
+                <a:r>
+                  <a:rPr lang="zh-CN" altLang="en-US" dirty="0"/>
+                  <a:t> </a:t>
+                </a:r>
+                <a14:m>
+                  <m:oMath xmlns:m="http://schemas.openxmlformats.org/officeDocument/2006/math">
+                    <m:acc>
+                      <m:accPr>
+                        <m:chr m:val="̃"/>
+                        <m:ctrlPr>
+                          <a:rPr lang="en-US" altLang="zh-CN" b="0" i="1" smtClean="0">
+                            <a:latin typeface="Cambria Math" panose="02040503050406030204" pitchFamily="18" charset="0"/>
+                          </a:rPr>
+                        </m:ctrlPr>
+                      </m:accPr>
+                      <m:e>
+                        <m:r>
+                          <a:rPr lang="en-US" altLang="zh-CN" b="0" i="1" smtClean="0">
+                            <a:latin typeface="Cambria Math" panose="02040503050406030204" pitchFamily="18" charset="0"/>
+                          </a:rPr>
+                          <m:t>𝐶</m:t>
+                        </m:r>
+                      </m:e>
+                    </m:acc>
+                    <m:d>
+                      <m:dPr>
+                        <m:ctrlPr>
+                          <a:rPr lang="en-US" altLang="zh-CN" b="0" i="1" dirty="0" smtClean="0">
+                            <a:latin typeface="Cambria Math" panose="02040503050406030204" pitchFamily="18" charset="0"/>
+                          </a:rPr>
+                        </m:ctrlPr>
+                      </m:dPr>
+                      <m:e>
+                        <m:r>
+                          <a:rPr lang="en-US" altLang="zh-CN" b="0" i="1" dirty="0" smtClean="0">
+                            <a:latin typeface="Cambria Math" panose="02040503050406030204" pitchFamily="18" charset="0"/>
+                          </a:rPr>
+                          <m:t>𝑥</m:t>
+                        </m:r>
+                      </m:e>
+                    </m:d>
+                    <m:r>
+                      <a:rPr lang="en-US" altLang="zh-CN" b="0" i="1" dirty="0" smtClean="0">
+                        <a:latin typeface="Cambria Math" panose="02040503050406030204" pitchFamily="18" charset="0"/>
+                      </a:rPr>
+                      <m:t>=</m:t>
+                    </m:r>
+                    <m:nary>
+                      <m:naryPr>
+                        <m:chr m:val="∑"/>
+                        <m:supHide m:val="on"/>
+                        <m:ctrlPr>
+                          <a:rPr lang="en-US" altLang="zh-CN" b="0" i="1" dirty="0" smtClean="0">
+                            <a:latin typeface="Cambria Math" panose="02040503050406030204" pitchFamily="18" charset="0"/>
+                          </a:rPr>
+                        </m:ctrlPr>
+                      </m:naryPr>
+                      <m:sub>
+                        <m:d>
+                          <m:dPr>
+                            <m:begChr m:val="|"/>
+                            <m:endChr m:val="|"/>
+                            <m:ctrlPr>
+                              <a:rPr lang="en-US" altLang="zh-CN" b="0" i="1" dirty="0" smtClean="0">
+                                <a:latin typeface="Cambria Math" panose="02040503050406030204" pitchFamily="18" charset="0"/>
+                              </a:rPr>
+                            </m:ctrlPr>
+                          </m:dPr>
+                          <m:e>
+                            <m:r>
+                              <a:rPr lang="en-US" altLang="zh-CN" b="0" i="1" dirty="0" smtClean="0">
+                                <a:latin typeface="Cambria Math" panose="02040503050406030204" pitchFamily="18" charset="0"/>
+                              </a:rPr>
+                              <m:t>𝑗</m:t>
+                            </m:r>
+                          </m:e>
+                        </m:d>
+                        <m:r>
+                          <a:rPr lang="en-US" altLang="zh-CN" b="0" i="1" dirty="0" smtClean="0">
+                            <a:latin typeface="Cambria Math" panose="02040503050406030204" pitchFamily="18" charset="0"/>
+                          </a:rPr>
+                          <m:t>≤</m:t>
+                        </m:r>
+                        <m:r>
+                          <a:rPr lang="en-US" altLang="zh-CN" b="0" i="1" dirty="0" smtClean="0">
+                            <a:latin typeface="Cambria Math" panose="02040503050406030204" pitchFamily="18" charset="0"/>
+                          </a:rPr>
+                          <m:t>𝑑</m:t>
+                        </m:r>
+                      </m:sub>
+                      <m:sup/>
+                      <m:e>
+                        <m:sSub>
+                          <m:sSubPr>
+                            <m:ctrlPr>
+                              <a:rPr lang="en-US" altLang="zh-CN" b="0" i="1" dirty="0" smtClean="0">
+                                <a:solidFill>
+                                  <a:schemeClr val="tx1"/>
+                                </a:solidFill>
+                                <a:latin typeface="Cambria Math" panose="02040503050406030204" pitchFamily="18" charset="0"/>
+                              </a:rPr>
+                            </m:ctrlPr>
+                          </m:sSubPr>
+                          <m:e>
+                            <m:r>
+                              <a:rPr lang="en-US" altLang="zh-CN" b="0" i="1" dirty="0" smtClean="0">
+                                <a:solidFill>
+                                  <a:schemeClr val="tx1"/>
+                                </a:solidFill>
+                                <a:latin typeface="Cambria Math" panose="02040503050406030204" pitchFamily="18" charset="0"/>
+                              </a:rPr>
+                              <m:t>𝐹</m:t>
+                            </m:r>
+                          </m:e>
+                          <m:sub>
+                            <m:r>
+                              <a:rPr lang="en-US" altLang="zh-CN" b="0" i="1" dirty="0" smtClean="0">
+                                <a:solidFill>
+                                  <a:schemeClr val="tx1"/>
+                                </a:solidFill>
+                                <a:latin typeface="Cambria Math" panose="02040503050406030204" pitchFamily="18" charset="0"/>
+                              </a:rPr>
+                              <m:t>𝑗</m:t>
+                            </m:r>
+                          </m:sub>
+                        </m:sSub>
+                      </m:e>
+                    </m:nary>
+                    <m:sSup>
+                      <m:sSupPr>
+                        <m:ctrlPr>
+                          <a:rPr lang="en-US" altLang="zh-CN" b="0" i="1" dirty="0" smtClean="0">
+                            <a:latin typeface="Cambria Math" panose="02040503050406030204" pitchFamily="18" charset="0"/>
+                          </a:rPr>
+                        </m:ctrlPr>
+                      </m:sSupPr>
+                      <m:e>
+                        <m:r>
+                          <a:rPr lang="en-US" altLang="zh-CN" b="0" i="1" dirty="0" smtClean="0">
+                            <a:latin typeface="Cambria Math" panose="02040503050406030204" pitchFamily="18" charset="0"/>
+                          </a:rPr>
+                          <m:t>𝑒</m:t>
+                        </m:r>
+                      </m:e>
+                      <m:sup>
+                        <m:r>
+                          <a:rPr lang="en-US" altLang="zh-CN" b="0" i="1" dirty="0" smtClean="0">
+                            <a:latin typeface="Cambria Math" panose="02040503050406030204" pitchFamily="18" charset="0"/>
+                          </a:rPr>
+                          <m:t>𝑖𝑗𝑥</m:t>
+                        </m:r>
+                      </m:sup>
+                    </m:sSup>
+                    <m:r>
+                      <a:rPr lang="en-US" altLang="zh-CN" b="0" i="1" dirty="0" smtClean="0">
+                        <a:solidFill>
+                          <a:schemeClr val="accent3"/>
+                        </a:solidFill>
+                        <a:latin typeface="Cambria Math" panose="02040503050406030204" pitchFamily="18" charset="0"/>
+                      </a:rPr>
+                      <m:t>𝑇𝑟</m:t>
+                    </m:r>
+                    <m:d>
+                      <m:dPr>
+                        <m:begChr m:val="["/>
+                        <m:endChr m:val="]"/>
+                        <m:ctrlPr>
+                          <a:rPr lang="en-US" altLang="zh-CN" b="0" i="1" dirty="0" smtClean="0">
+                            <a:solidFill>
+                              <a:schemeClr val="accent3"/>
+                            </a:solidFill>
+                            <a:latin typeface="Cambria Math" panose="02040503050406030204" pitchFamily="18" charset="0"/>
+                          </a:rPr>
+                        </m:ctrlPr>
+                      </m:dPr>
+                      <m:e>
+                        <m:r>
+                          <a:rPr lang="en-US" altLang="zh-CN" b="0" i="1" dirty="0" smtClean="0">
+                            <a:solidFill>
+                              <a:schemeClr val="accent3"/>
+                            </a:solidFill>
+                            <a:latin typeface="Cambria Math" panose="02040503050406030204" pitchFamily="18" charset="0"/>
+                          </a:rPr>
+                          <m:t>𝜌</m:t>
+                        </m:r>
+                        <m:sSup>
+                          <m:sSupPr>
+                            <m:ctrlPr>
+                              <a:rPr lang="en-US" altLang="zh-CN" b="0" i="1" dirty="0" smtClean="0">
+                                <a:solidFill>
+                                  <a:schemeClr val="accent3"/>
+                                </a:solidFill>
+                                <a:latin typeface="Cambria Math" panose="02040503050406030204" pitchFamily="18" charset="0"/>
+                              </a:rPr>
+                            </m:ctrlPr>
+                          </m:sSupPr>
+                          <m:e>
+                            <m:r>
+                              <a:rPr lang="en-US" altLang="zh-CN" b="0" i="1" dirty="0" smtClean="0">
+                                <a:solidFill>
+                                  <a:schemeClr val="accent3"/>
+                                </a:solidFill>
+                                <a:latin typeface="Cambria Math" panose="02040503050406030204" pitchFamily="18" charset="0"/>
+                              </a:rPr>
+                              <m:t>𝑒</m:t>
+                            </m:r>
+                          </m:e>
+                          <m:sup>
+                            <m:r>
+                              <a:rPr lang="en-US" altLang="zh-CN" b="0" i="1" dirty="0" smtClean="0">
+                                <a:solidFill>
+                                  <a:schemeClr val="accent3"/>
+                                </a:solidFill>
+                                <a:latin typeface="Cambria Math" panose="02040503050406030204" pitchFamily="18" charset="0"/>
+                              </a:rPr>
+                              <m:t>−</m:t>
+                            </m:r>
+                            <m:r>
+                              <a:rPr lang="en-US" altLang="zh-CN" b="0" i="1" dirty="0" smtClean="0">
+                                <a:solidFill>
+                                  <a:schemeClr val="accent3"/>
+                                </a:solidFill>
+                                <a:latin typeface="Cambria Math" panose="02040503050406030204" pitchFamily="18" charset="0"/>
+                              </a:rPr>
+                              <m:t>𝑖𝑗</m:t>
+                            </m:r>
+                            <m:r>
+                              <a:rPr lang="en-US" altLang="zh-CN" b="0" i="1" dirty="0" smtClean="0">
+                                <a:solidFill>
+                                  <a:schemeClr val="accent3"/>
+                                </a:solidFill>
+                                <a:latin typeface="Cambria Math" panose="02040503050406030204" pitchFamily="18" charset="0"/>
+                              </a:rPr>
+                              <m:t>𝜏</m:t>
+                            </m:r>
+                            <m:r>
+                              <a:rPr lang="en-US" altLang="zh-CN" b="0" i="1" dirty="0" smtClean="0">
+                                <a:solidFill>
+                                  <a:schemeClr val="accent3"/>
+                                </a:solidFill>
+                                <a:latin typeface="Cambria Math" panose="02040503050406030204" pitchFamily="18" charset="0"/>
+                              </a:rPr>
+                              <m:t>𝐻</m:t>
+                            </m:r>
+                          </m:sup>
+                        </m:sSup>
+                      </m:e>
+                    </m:d>
+                  </m:oMath>
+                </a14:m>
+                <a:r>
+                  <a:rPr lang="zh-CN" altLang="en-US" dirty="0">
+                    <a:solidFill>
+                      <a:schemeClr val="accent3"/>
+                    </a:solidFill>
+                  </a:rPr>
+                  <a:t> </a:t>
+                </a:r>
+                <a:endParaRPr lang="en-US" altLang="zh-CN" dirty="0">
+                  <a:solidFill>
+                    <a:schemeClr val="accent3"/>
+                  </a:solidFill>
+                </a:endParaRPr>
+              </a:p>
+              <a:p>
+                <a14:m>
+                  <m:oMath xmlns:m="http://schemas.openxmlformats.org/officeDocument/2006/math">
+                    <m:sSub>
+                      <m:sSubPr>
+                        <m:ctrlPr>
+                          <a:rPr lang="en-US" altLang="zh-CN" b="0" i="1" dirty="0" smtClean="0">
+                            <a:solidFill>
+                              <a:schemeClr val="tx1"/>
+                            </a:solidFill>
+                            <a:latin typeface="Cambria Math" panose="02040503050406030204" pitchFamily="18" charset="0"/>
+                          </a:rPr>
+                        </m:ctrlPr>
+                      </m:sSubPr>
+                      <m:e>
+                        <m:r>
+                          <a:rPr lang="en-US" altLang="zh-CN" b="0" i="1" dirty="0" smtClean="0">
+                            <a:solidFill>
+                              <a:schemeClr val="tx1"/>
+                            </a:solidFill>
+                            <a:latin typeface="Cambria Math" panose="02040503050406030204" pitchFamily="18" charset="0"/>
+                          </a:rPr>
+                          <m:t>𝐹</m:t>
+                        </m:r>
+                      </m:e>
+                      <m:sub>
+                        <m:r>
+                          <a:rPr lang="en-US" altLang="zh-CN" b="0" i="1" dirty="0" smtClean="0">
+                            <a:solidFill>
+                              <a:schemeClr val="tx1"/>
+                            </a:solidFill>
+                            <a:latin typeface="Cambria Math" panose="02040503050406030204" pitchFamily="18" charset="0"/>
+                          </a:rPr>
+                          <m:t>𝑗</m:t>
+                        </m:r>
+                      </m:sub>
+                    </m:sSub>
+                  </m:oMath>
+                </a14:m>
+                <a:r>
+                  <a:rPr lang="zh-CN" altLang="en-US" dirty="0"/>
+                  <a:t> </a:t>
+                </a:r>
+                <a:r>
+                  <a:rPr lang="en-US" altLang="zh-CN" dirty="0"/>
+                  <a:t>is</a:t>
+                </a:r>
+                <a:r>
+                  <a:rPr lang="zh-CN" altLang="en-US" dirty="0"/>
+                  <a:t> </a:t>
+                </a:r>
+                <a:r>
+                  <a:rPr lang="en-US" altLang="zh-CN" dirty="0"/>
+                  <a:t>the</a:t>
+                </a:r>
+                <a:r>
+                  <a:rPr lang="zh-CN" altLang="en-US" dirty="0"/>
+                  <a:t> </a:t>
+                </a:r>
+                <a:r>
+                  <a:rPr lang="en-US" altLang="zh-CN" dirty="0"/>
+                  <a:t>Fourier</a:t>
+                </a:r>
+                <a:r>
+                  <a:rPr lang="zh-CN" altLang="en-US" dirty="0"/>
+                  <a:t> </a:t>
+                </a:r>
+                <a:r>
+                  <a:rPr lang="en-US" altLang="zh-CN" dirty="0"/>
+                  <a:t>coefficient</a:t>
+                </a:r>
+                <a:r>
+                  <a:rPr lang="zh-CN" altLang="en-US" dirty="0"/>
+                  <a:t> </a:t>
+                </a:r>
+                <a:r>
+                  <a:rPr lang="en-US" altLang="zh-CN" dirty="0"/>
+                  <a:t>of</a:t>
+                </a:r>
+                <a:r>
+                  <a:rPr lang="zh-CN" altLang="en-US" dirty="0"/>
+                  <a:t> </a:t>
+                </a:r>
+                <a:r>
+                  <a:rPr lang="en-US" altLang="zh-CN" dirty="0" err="1"/>
+                  <a:t>Hevenside</a:t>
+                </a:r>
+                <a:r>
+                  <a:rPr lang="zh-CN" altLang="en-US" dirty="0"/>
+                  <a:t> </a:t>
+                </a:r>
+                <a:r>
+                  <a:rPr lang="en-US" altLang="zh-CN" dirty="0"/>
+                  <a:t>step</a:t>
+                </a:r>
+                <a:r>
+                  <a:rPr lang="zh-CN" altLang="en-US" dirty="0"/>
+                  <a:t> </a:t>
+                </a:r>
+                <a:r>
+                  <a:rPr lang="en-US" altLang="zh-CN" dirty="0"/>
+                  <a:t>function</a:t>
+                </a:r>
+                <a:r>
+                  <a:rPr lang="zh-CN" altLang="en-US" dirty="0"/>
+                  <a:t> </a:t>
+                </a:r>
+                <a:r>
+                  <a:rPr lang="en-US" altLang="zh-CN" dirty="0"/>
+                  <a:t>and</a:t>
+                </a:r>
+                <a:r>
+                  <a:rPr lang="zh-CN" altLang="en-US" dirty="0"/>
+                  <a:t> </a:t>
+                </a:r>
+                <a:r>
+                  <a:rPr lang="en-US" altLang="zh-CN" dirty="0">
+                    <a:solidFill>
+                      <a:schemeClr val="tx1"/>
+                    </a:solidFill>
+                  </a:rPr>
+                  <a:t>can</a:t>
+                </a:r>
+                <a:r>
+                  <a:rPr lang="zh-CN" altLang="en-US" dirty="0">
+                    <a:solidFill>
+                      <a:schemeClr val="tx1"/>
+                    </a:solidFill>
+                  </a:rPr>
+                  <a:t> </a:t>
+                </a:r>
+                <a:r>
+                  <a:rPr lang="en-US" altLang="zh-CN" dirty="0">
+                    <a:solidFill>
+                      <a:schemeClr val="tx1"/>
+                    </a:solidFill>
+                  </a:rPr>
+                  <a:t>be</a:t>
+                </a:r>
+                <a:r>
+                  <a:rPr lang="zh-CN" altLang="en-US" dirty="0">
+                    <a:solidFill>
+                      <a:schemeClr val="tx1"/>
+                    </a:solidFill>
+                  </a:rPr>
+                  <a:t> </a:t>
+                </a:r>
+                <a:r>
+                  <a:rPr lang="en-US" altLang="zh-CN" dirty="0">
+                    <a:solidFill>
+                      <a:schemeClr val="tx1"/>
+                    </a:solidFill>
+                  </a:rPr>
+                  <a:t>calculated</a:t>
+                </a:r>
+                <a:r>
+                  <a:rPr lang="zh-CN" altLang="en-US" dirty="0">
+                    <a:solidFill>
+                      <a:schemeClr val="tx1"/>
+                    </a:solidFill>
+                  </a:rPr>
+                  <a:t> </a:t>
+                </a:r>
+                <a:r>
+                  <a:rPr lang="en-US" altLang="zh-CN" dirty="0">
+                    <a:solidFill>
+                      <a:schemeClr val="tx1"/>
+                    </a:solidFill>
+                  </a:rPr>
+                  <a:t>full</a:t>
+                </a:r>
+                <a:r>
+                  <a:rPr lang="zh-CN" altLang="en-US" dirty="0">
+                    <a:solidFill>
+                      <a:schemeClr val="tx1"/>
+                    </a:solidFill>
+                  </a:rPr>
+                  <a:t> </a:t>
+                </a:r>
+                <a:r>
+                  <a:rPr lang="en-US" altLang="zh-CN" dirty="0">
+                    <a:solidFill>
+                      <a:schemeClr val="tx1"/>
+                    </a:solidFill>
+                  </a:rPr>
+                  <a:t>classically</a:t>
+                </a:r>
+                <a:r>
+                  <a:rPr lang="en-US" altLang="zh-CN" dirty="0"/>
+                  <a:t>.</a:t>
+                </a:r>
+              </a:p>
+              <a:p>
+                <a:pPr lvl="1"/>
+                <a:r>
+                  <a:rPr lang="en-US" altLang="zh-CN" dirty="0"/>
+                  <a:t>If</a:t>
+                </a:r>
+                <a:r>
+                  <a:rPr lang="zh-CN" altLang="en-US" dirty="0"/>
+                  <a:t> </a:t>
+                </a:r>
+                <a:r>
+                  <a:rPr lang="en-US" altLang="zh-CN" dirty="0"/>
+                  <a:t>we</a:t>
+                </a:r>
+                <a:r>
+                  <a:rPr lang="zh-CN" altLang="en-US" dirty="0"/>
+                  <a:t> </a:t>
+                </a:r>
+                <a:r>
+                  <a:rPr lang="en-US" altLang="zh-CN" dirty="0"/>
+                  <a:t>need</a:t>
+                </a:r>
+                <a:r>
+                  <a:rPr lang="zh-CN" altLang="en-US" dirty="0"/>
+                  <a:t> </a:t>
+                </a:r>
+                <a:r>
+                  <a:rPr lang="en-US" altLang="zh-CN" dirty="0"/>
+                  <a:t>high</a:t>
+                </a:r>
+                <a:r>
+                  <a:rPr lang="zh-CN" altLang="en-US" dirty="0"/>
+                  <a:t> </a:t>
+                </a:r>
+                <a:r>
+                  <a:rPr lang="en-US" altLang="zh-CN" dirty="0"/>
+                  <a:t>precision,</a:t>
+                </a:r>
+                <a:r>
+                  <a:rPr lang="zh-CN" altLang="en-US" dirty="0"/>
+                  <a:t> </a:t>
+                </a:r>
+                <a:r>
+                  <a:rPr lang="en-US" altLang="zh-CN" dirty="0"/>
+                  <a:t>the</a:t>
+                </a:r>
+                <a:r>
+                  <a:rPr lang="zh-CN" altLang="en-US" dirty="0"/>
+                  <a:t> </a:t>
+                </a:r>
+                <a:r>
+                  <a:rPr lang="en-US" altLang="zh-CN" dirty="0"/>
+                  <a:t>classical</a:t>
+                </a:r>
+                <a:r>
+                  <a:rPr lang="zh-CN" altLang="en-US" dirty="0"/>
+                  <a:t> </a:t>
+                </a:r>
+                <a:r>
+                  <a:rPr lang="en-US" altLang="zh-CN" dirty="0"/>
+                  <a:t>routine</a:t>
+                </a:r>
+                <a:r>
+                  <a:rPr lang="zh-CN" altLang="en-US" dirty="0"/>
+                  <a:t> </a:t>
+                </a:r>
+                <a:r>
+                  <a:rPr lang="en-US" altLang="zh-CN" dirty="0"/>
+                  <a:t>does</a:t>
+                </a:r>
+                <a:r>
+                  <a:rPr lang="zh-CN" altLang="en-US" dirty="0"/>
+                  <a:t> </a:t>
+                </a:r>
+                <a:r>
+                  <a:rPr lang="en-US" altLang="zh-CN" dirty="0"/>
+                  <a:t>take</a:t>
+                </a:r>
+                <a:r>
+                  <a:rPr lang="zh-CN" altLang="en-US" dirty="0"/>
+                  <a:t> </a:t>
+                </a:r>
+                <a:r>
+                  <a:rPr lang="en-US" altLang="zh-CN" dirty="0"/>
+                  <a:t>a</a:t>
+                </a:r>
+                <a:r>
+                  <a:rPr lang="zh-CN" altLang="en-US" dirty="0"/>
+                  <a:t> </a:t>
+                </a:r>
+                <a:r>
+                  <a:rPr lang="en-US" altLang="zh-CN" dirty="0"/>
+                  <a:t>long</a:t>
+                </a:r>
+                <a:r>
+                  <a:rPr lang="zh-CN" altLang="en-US" dirty="0"/>
+                  <a:t> </a:t>
+                </a:r>
+                <a:r>
+                  <a:rPr lang="en-US" altLang="zh-CN" dirty="0"/>
+                  <a:t>time.</a:t>
+                </a:r>
+                <a:r>
+                  <a:rPr lang="zh-CN" altLang="en-US" dirty="0"/>
+                  <a:t> </a:t>
+                </a:r>
+                <a:r>
+                  <a:rPr lang="en-US" altLang="zh-CN" dirty="0"/>
+                  <a:t>(e.g.</a:t>
+                </a:r>
+                <a:r>
+                  <a:rPr lang="zh-CN" altLang="en-US" dirty="0"/>
+                  <a:t> </a:t>
+                </a:r>
+                <a:r>
+                  <a:rPr lang="en-US" altLang="zh-CN" dirty="0"/>
+                  <a:t>a</a:t>
+                </a:r>
+                <a:r>
+                  <a:rPr lang="zh-CN" altLang="en-US" dirty="0"/>
+                  <a:t> </a:t>
+                </a:r>
+                <a:r>
+                  <a:rPr lang="en-US" altLang="zh-CN" dirty="0"/>
+                  <a:t>few</a:t>
+                </a:r>
+                <a:r>
+                  <a:rPr lang="zh-CN" altLang="en-US" dirty="0"/>
+                  <a:t> </a:t>
+                </a:r>
+                <a:r>
+                  <a:rPr lang="en-US" altLang="zh-CN" dirty="0"/>
+                  <a:t>hours</a:t>
+                </a:r>
+                <a:r>
+                  <a:rPr lang="zh-CN" altLang="en-US" dirty="0"/>
+                  <a:t> </a:t>
+                </a:r>
+                <a:r>
+                  <a:rPr lang="en-US" altLang="zh-CN" dirty="0"/>
+                  <a:t>for</a:t>
+                </a:r>
+                <a:r>
+                  <a:rPr lang="zh-CN" altLang="en-US" dirty="0"/>
+                  <a:t> </a:t>
+                </a:r>
+                <a:r>
+                  <a:rPr lang="en-US" altLang="zh-CN" dirty="0"/>
+                  <a:t>d=20000)</a:t>
+                </a:r>
+              </a:p>
+              <a:p>
+                <a:endParaRPr lang="en-US" dirty="0"/>
+              </a:p>
+              <a:p>
+                <a14:m>
+                  <m:oMath xmlns:m="http://schemas.openxmlformats.org/officeDocument/2006/math">
+                    <m:r>
+                      <a:rPr lang="en-US" altLang="zh-CN" b="0" i="1" dirty="0" smtClean="0">
+                        <a:solidFill>
+                          <a:schemeClr val="accent3"/>
+                        </a:solidFill>
+                        <a:latin typeface="Cambria Math" panose="02040503050406030204" pitchFamily="18" charset="0"/>
+                      </a:rPr>
+                      <m:t>𝑇𝑟</m:t>
+                    </m:r>
+                    <m:d>
+                      <m:dPr>
+                        <m:begChr m:val="["/>
+                        <m:endChr m:val="]"/>
+                        <m:ctrlPr>
+                          <a:rPr lang="en-US" altLang="zh-CN" b="0" i="1" dirty="0" smtClean="0">
+                            <a:solidFill>
+                              <a:schemeClr val="accent3"/>
+                            </a:solidFill>
+                            <a:latin typeface="Cambria Math" panose="02040503050406030204" pitchFamily="18" charset="0"/>
+                          </a:rPr>
+                        </m:ctrlPr>
+                      </m:dPr>
+                      <m:e>
+                        <m:r>
+                          <a:rPr lang="en-US" altLang="zh-CN" b="0" i="1" dirty="0" smtClean="0">
+                            <a:solidFill>
+                              <a:schemeClr val="accent3"/>
+                            </a:solidFill>
+                            <a:latin typeface="Cambria Math" panose="02040503050406030204" pitchFamily="18" charset="0"/>
+                          </a:rPr>
+                          <m:t>𝜌</m:t>
+                        </m:r>
+                        <m:sSup>
+                          <m:sSupPr>
+                            <m:ctrlPr>
+                              <a:rPr lang="en-US" altLang="zh-CN" b="0" i="1" dirty="0" smtClean="0">
+                                <a:solidFill>
+                                  <a:schemeClr val="accent3"/>
+                                </a:solidFill>
+                                <a:latin typeface="Cambria Math" panose="02040503050406030204" pitchFamily="18" charset="0"/>
+                              </a:rPr>
+                            </m:ctrlPr>
+                          </m:sSupPr>
+                          <m:e>
+                            <m:r>
+                              <a:rPr lang="en-US" altLang="zh-CN" b="0" i="1" dirty="0" smtClean="0">
+                                <a:solidFill>
+                                  <a:schemeClr val="accent3"/>
+                                </a:solidFill>
+                                <a:latin typeface="Cambria Math" panose="02040503050406030204" pitchFamily="18" charset="0"/>
+                              </a:rPr>
+                              <m:t>𝑒</m:t>
+                            </m:r>
+                          </m:e>
+                          <m:sup>
+                            <m:r>
+                              <a:rPr lang="en-US" altLang="zh-CN" b="0" i="1" dirty="0" smtClean="0">
+                                <a:solidFill>
+                                  <a:schemeClr val="accent3"/>
+                                </a:solidFill>
+                                <a:latin typeface="Cambria Math" panose="02040503050406030204" pitchFamily="18" charset="0"/>
+                              </a:rPr>
+                              <m:t>−</m:t>
+                            </m:r>
+                            <m:r>
+                              <a:rPr lang="en-US" altLang="zh-CN" b="0" i="1" dirty="0" smtClean="0">
+                                <a:solidFill>
+                                  <a:schemeClr val="accent3"/>
+                                </a:solidFill>
+                                <a:latin typeface="Cambria Math" panose="02040503050406030204" pitchFamily="18" charset="0"/>
+                              </a:rPr>
+                              <m:t>𝑖𝑗</m:t>
+                            </m:r>
+                            <m:r>
+                              <a:rPr lang="en-US" altLang="zh-CN" b="0" i="1" dirty="0" smtClean="0">
+                                <a:solidFill>
+                                  <a:schemeClr val="accent3"/>
+                                </a:solidFill>
+                                <a:latin typeface="Cambria Math" panose="02040503050406030204" pitchFamily="18" charset="0"/>
+                              </a:rPr>
+                              <m:t>𝜏</m:t>
+                            </m:r>
+                            <m:r>
+                              <a:rPr lang="en-US" altLang="zh-CN" b="0" i="1" dirty="0" smtClean="0">
+                                <a:solidFill>
+                                  <a:schemeClr val="accent3"/>
+                                </a:solidFill>
+                                <a:latin typeface="Cambria Math" panose="02040503050406030204" pitchFamily="18" charset="0"/>
+                              </a:rPr>
+                              <m:t>𝐻</m:t>
+                            </m:r>
+                          </m:sup>
+                        </m:sSup>
+                      </m:e>
+                    </m:d>
+                  </m:oMath>
+                </a14:m>
+                <a:r>
+                  <a:rPr lang="zh-CN" altLang="en-US" dirty="0"/>
+                  <a:t> </a:t>
+                </a:r>
+                <a:r>
+                  <a:rPr lang="en-US" altLang="zh-CN" dirty="0"/>
+                  <a:t>can</a:t>
+                </a:r>
+                <a:r>
+                  <a:rPr lang="zh-CN" altLang="en-US" dirty="0"/>
+                  <a:t> </a:t>
+                </a:r>
+                <a:r>
+                  <a:rPr lang="en-US" altLang="zh-CN" dirty="0"/>
+                  <a:t>be</a:t>
+                </a:r>
+                <a:r>
+                  <a:rPr lang="zh-CN" altLang="en-US" dirty="0"/>
+                  <a:t> </a:t>
+                </a:r>
+                <a:r>
+                  <a:rPr lang="en-US" altLang="zh-CN" dirty="0"/>
+                  <a:t>evaluated</a:t>
+                </a:r>
+                <a:r>
+                  <a:rPr lang="zh-CN" altLang="en-US" dirty="0"/>
+                  <a:t> </a:t>
+                </a:r>
+                <a:r>
+                  <a:rPr lang="en-US" altLang="zh-CN" dirty="0"/>
+                  <a:t>in</a:t>
+                </a:r>
+                <a:r>
+                  <a:rPr lang="zh-CN" altLang="en-US" dirty="0"/>
+                  <a:t> </a:t>
+                </a:r>
+                <a:r>
+                  <a:rPr lang="en-US" altLang="zh-CN" dirty="0"/>
+                  <a:t>quantum</a:t>
+                </a:r>
+                <a:r>
+                  <a:rPr lang="zh-CN" altLang="en-US" dirty="0"/>
+                  <a:t> </a:t>
+                </a:r>
+                <a:r>
+                  <a:rPr lang="en-US" altLang="zh-CN" dirty="0"/>
+                  <a:t>computer</a:t>
+                </a:r>
+                <a:r>
+                  <a:rPr lang="zh-CN" altLang="en-US" dirty="0"/>
+                  <a:t> </a:t>
+                </a:r>
+                <a:r>
+                  <a:rPr lang="en-US" altLang="zh-CN" dirty="0"/>
+                  <a:t>using</a:t>
+                </a:r>
+                <a:r>
+                  <a:rPr lang="zh-CN" altLang="en-US" dirty="0"/>
+                  <a:t> </a:t>
+                </a:r>
+                <a:r>
+                  <a:rPr lang="en-US" altLang="zh-CN" dirty="0"/>
+                  <a:t>one/two</a:t>
+                </a:r>
+                <a:r>
+                  <a:rPr lang="zh-CN" altLang="en-US" dirty="0"/>
+                  <a:t> </a:t>
+                </a:r>
+                <a:r>
+                  <a:rPr lang="en-US" altLang="zh-CN" dirty="0"/>
+                  <a:t>ancilla</a:t>
+                </a:r>
+                <a:r>
+                  <a:rPr lang="zh-CN" altLang="en-US" dirty="0"/>
+                  <a:t> </a:t>
+                </a:r>
+                <a:r>
+                  <a:rPr lang="en-US" altLang="zh-CN" dirty="0"/>
+                  <a:t>qubits.</a:t>
+                </a:r>
+              </a:p>
+              <a:p>
+                <a:pPr lvl="1"/>
+                <a:endParaRPr lang="en-US" altLang="zh-CN" dirty="0"/>
+              </a:p>
+              <a:p>
+                <a:endParaRPr lang="en-US" altLang="zh-CN" dirty="0"/>
+              </a:p>
+              <a:p>
+                <a:endParaRPr lang="en-US" altLang="zh-CN" dirty="0"/>
+              </a:p>
+              <a:p>
+                <a:endParaRPr lang="en-US" altLang="zh-CN" dirty="0"/>
+              </a:p>
+              <a:p>
+                <a:endParaRPr lang="en-US" altLang="zh-CN" dirty="0"/>
+              </a:p>
+              <a:p>
+                <a:r>
+                  <a:rPr lang="en-US" altLang="zh-CN" dirty="0"/>
+                  <a:t>To</a:t>
+                </a:r>
+                <a:r>
+                  <a:rPr lang="zh-CN" altLang="en-US" dirty="0"/>
+                  <a:t> </a:t>
+                </a:r>
+                <a:r>
+                  <a:rPr lang="en-US" altLang="zh-CN" dirty="0"/>
+                  <a:t>save</a:t>
+                </a:r>
+                <a:r>
+                  <a:rPr lang="zh-CN" altLang="en-US" dirty="0"/>
+                  <a:t> </a:t>
+                </a:r>
+                <a:r>
+                  <a:rPr lang="en-US" altLang="zh-CN" dirty="0"/>
+                  <a:t>complexity</a:t>
+                </a:r>
+                <a:r>
+                  <a:rPr lang="zh-CN" altLang="en-US" dirty="0"/>
+                  <a:t> </a:t>
+                </a:r>
+                <a:r>
+                  <a:rPr lang="en-US" altLang="zh-CN" dirty="0"/>
+                  <a:t>of</a:t>
+                </a:r>
+                <a:r>
+                  <a:rPr lang="zh-CN" altLang="en-US" dirty="0"/>
+                  <a:t> </a:t>
+                </a:r>
+                <a:r>
+                  <a:rPr lang="en-US" altLang="zh-CN" dirty="0"/>
+                  <a:t>quantum</a:t>
+                </a:r>
+                <a:r>
+                  <a:rPr lang="zh-CN" altLang="en-US" dirty="0"/>
+                  <a:t> </a:t>
+                </a:r>
+                <a:r>
+                  <a:rPr lang="en-US" altLang="zh-CN" dirty="0"/>
+                  <a:t>query,</a:t>
+                </a:r>
+                <a:r>
+                  <a:rPr lang="zh-CN" altLang="en-US" dirty="0"/>
+                  <a:t> </a:t>
+                </a:r>
+                <a:r>
+                  <a:rPr lang="en-US" altLang="zh-CN" dirty="0"/>
+                  <a:t>we</a:t>
+                </a:r>
+                <a:r>
+                  <a:rPr lang="zh-CN" altLang="en-US" dirty="0"/>
+                  <a:t> </a:t>
+                </a:r>
+                <a:r>
+                  <a:rPr lang="en-US" altLang="zh-CN" dirty="0">
+                    <a:solidFill>
+                      <a:schemeClr val="tx1"/>
+                    </a:solidFill>
+                  </a:rPr>
+                  <a:t>randomly</a:t>
+                </a:r>
+                <a:r>
+                  <a:rPr lang="zh-CN" altLang="en-US" dirty="0">
+                    <a:solidFill>
+                      <a:schemeClr val="tx1"/>
+                    </a:solidFill>
+                  </a:rPr>
+                  <a:t> </a:t>
+                </a:r>
+                <a:r>
+                  <a:rPr lang="en-US" altLang="zh-CN" dirty="0">
+                    <a:solidFill>
+                      <a:schemeClr val="tx1"/>
+                    </a:solidFill>
+                  </a:rPr>
+                  <a:t>sample</a:t>
+                </a:r>
+                <a:r>
+                  <a:rPr lang="zh-CN" altLang="en-US" dirty="0">
+                    <a:solidFill>
+                      <a:schemeClr val="tx1"/>
+                    </a:solidFill>
+                  </a:rPr>
+                  <a:t> </a:t>
+                </a:r>
+                <a14:m>
+                  <m:oMath xmlns:m="http://schemas.openxmlformats.org/officeDocument/2006/math">
+                    <m:r>
+                      <a:rPr lang="en-US" altLang="zh-CN" b="0" i="1" smtClean="0">
+                        <a:latin typeface="Cambria Math" panose="02040503050406030204" pitchFamily="18" charset="0"/>
+                      </a:rPr>
+                      <m:t>𝑗</m:t>
+                    </m:r>
+                  </m:oMath>
+                </a14:m>
+                <a:r>
+                  <a:rPr lang="zh-CN" altLang="en-US" dirty="0"/>
+                  <a:t> </a:t>
+                </a:r>
+                <a:r>
+                  <a:rPr lang="en-US" altLang="zh-CN" dirty="0"/>
+                  <a:t>using</a:t>
+                </a:r>
+                <a:r>
+                  <a:rPr lang="zh-CN" altLang="en-US" dirty="0"/>
+                  <a:t> </a:t>
+                </a:r>
+                <a:r>
+                  <a:rPr lang="en-US" altLang="zh-CN" dirty="0"/>
+                  <a:t>the</a:t>
+                </a:r>
+                <a:r>
+                  <a:rPr lang="zh-CN" altLang="en-US" dirty="0"/>
+                  <a:t> </a:t>
+                </a:r>
+                <a:r>
+                  <a:rPr lang="en-US" altLang="zh-CN" dirty="0"/>
+                  <a:t>distribution</a:t>
+                </a:r>
+                <a:r>
+                  <a:rPr lang="zh-CN" altLang="en-US" dirty="0"/>
+                  <a:t> </a:t>
+                </a:r>
+                <a14:m>
+                  <m:oMath xmlns:m="http://schemas.openxmlformats.org/officeDocument/2006/math">
+                    <m:r>
+                      <a:rPr lang="en-US" altLang="zh-CN" b="0" i="1" smtClean="0">
+                        <a:latin typeface="Cambria Math" panose="02040503050406030204" pitchFamily="18" charset="0"/>
+                      </a:rPr>
+                      <m:t>𝐽</m:t>
+                    </m:r>
+                  </m:oMath>
+                </a14:m>
+                <a:r>
+                  <a:rPr lang="zh-CN" altLang="en-US" dirty="0"/>
+                  <a:t> </a:t>
+                </a:r>
+                <a:r>
+                  <a:rPr lang="en-US" altLang="zh-CN" dirty="0"/>
+                  <a:t>and</a:t>
+                </a:r>
+                <a:r>
+                  <a:rPr lang="zh-CN" altLang="en-US" dirty="0"/>
+                  <a:t> </a:t>
+                </a:r>
+                <a:r>
+                  <a:rPr lang="en-US" altLang="zh-CN" dirty="0"/>
+                  <a:t>sum</a:t>
+                </a:r>
+                <a:r>
+                  <a:rPr lang="zh-CN" altLang="en-US" dirty="0"/>
+                  <a:t> </a:t>
+                </a:r>
+                <a:r>
+                  <a:rPr lang="en-US" altLang="zh-CN" dirty="0"/>
+                  <a:t>up</a:t>
+                </a:r>
+                <a:r>
+                  <a:rPr lang="zh-CN" altLang="en-US" dirty="0"/>
+                  <a:t> </a:t>
+                </a:r>
+                <a:r>
+                  <a:rPr lang="en-US" altLang="zh-CN" dirty="0"/>
+                  <a:t>the</a:t>
+                </a:r>
+                <a:r>
+                  <a:rPr lang="zh-CN" altLang="en-US" dirty="0"/>
+                  <a:t> </a:t>
+                </a:r>
+                <a:r>
+                  <a:rPr lang="en-US" altLang="zh-CN" dirty="0"/>
+                  <a:t>sampled</a:t>
+                </a:r>
+                <a:r>
+                  <a:rPr lang="zh-CN" altLang="en-US" dirty="0"/>
+                  <a:t> </a:t>
+                </a:r>
+                <a:r>
+                  <a:rPr lang="en-US" altLang="zh-CN" dirty="0"/>
+                  <a:t>terms:</a:t>
+                </a:r>
+              </a:p>
+              <a:p>
+                <a:pPr marL="146050" indent="0">
+                  <a:buNone/>
+                </a:pPr>
+                <a14:m>
+                  <m:oMathPara xmlns:m="http://schemas.openxmlformats.org/officeDocument/2006/math">
+                    <m:oMathParaPr>
+                      <m:jc m:val="centerGroup"/>
+                    </m:oMathParaPr>
+                    <m:oMath xmlns:m="http://schemas.openxmlformats.org/officeDocument/2006/math">
+                      <m:r>
+                        <a:rPr lang="en-US" altLang="zh-CN" b="0" i="1" smtClean="0">
+                          <a:latin typeface="Cambria Math" panose="02040503050406030204" pitchFamily="18" charset="0"/>
+                        </a:rPr>
+                        <m:t>𝑃</m:t>
+                      </m:r>
+                      <m:d>
+                        <m:dPr>
+                          <m:ctrlPr>
+                            <a:rPr lang="en-US" altLang="zh-CN" b="0" i="1" smtClean="0">
+                              <a:latin typeface="Cambria Math" panose="02040503050406030204" pitchFamily="18" charset="0"/>
+                            </a:rPr>
+                          </m:ctrlPr>
+                        </m:dPr>
+                        <m:e>
+                          <m:r>
+                            <a:rPr lang="en-US" altLang="zh-CN" b="0" i="1" smtClean="0">
+                              <a:latin typeface="Cambria Math" panose="02040503050406030204" pitchFamily="18" charset="0"/>
+                            </a:rPr>
+                            <m:t>𝐽</m:t>
+                          </m:r>
+                          <m:r>
+                            <a:rPr lang="en-US" altLang="zh-CN" b="0" i="1" smtClean="0">
+                              <a:latin typeface="Cambria Math" panose="02040503050406030204" pitchFamily="18" charset="0"/>
+                            </a:rPr>
+                            <m:t>=</m:t>
+                          </m:r>
+                          <m:r>
+                            <a:rPr lang="en-US" altLang="zh-CN" b="0" i="1" smtClean="0">
+                              <a:latin typeface="Cambria Math" panose="02040503050406030204" pitchFamily="18" charset="0"/>
+                            </a:rPr>
+                            <m:t>𝑗</m:t>
+                          </m:r>
+                        </m:e>
+                      </m:d>
+                      <m:r>
+                        <a:rPr lang="en-US" altLang="zh-CN" b="0" i="1" smtClean="0">
+                          <a:latin typeface="Cambria Math" panose="02040503050406030204" pitchFamily="18" charset="0"/>
+                        </a:rPr>
+                        <m:t>∝</m:t>
+                      </m:r>
+                      <m:d>
+                        <m:dPr>
+                          <m:begChr m:val="|"/>
+                          <m:endChr m:val="|"/>
+                          <m:ctrlPr>
+                            <a:rPr lang="en-US" altLang="zh-CN" b="0" i="1" smtClean="0">
+                              <a:latin typeface="Cambria Math" panose="02040503050406030204" pitchFamily="18" charset="0"/>
+                            </a:rPr>
+                          </m:ctrlPr>
+                        </m:dPr>
+                        <m:e>
+                          <m:sSub>
+                            <m:sSubPr>
+                              <m:ctrlPr>
+                                <a:rPr lang="en-US" altLang="zh-CN" i="1">
+                                  <a:latin typeface="Cambria Math" panose="02040503050406030204" pitchFamily="18" charset="0"/>
+                                </a:rPr>
+                              </m:ctrlPr>
+                            </m:sSubPr>
+                            <m:e>
+                              <m:r>
+                                <a:rPr lang="en-US" altLang="zh-CN" i="1">
+                                  <a:latin typeface="Cambria Math" panose="02040503050406030204" pitchFamily="18" charset="0"/>
+                                </a:rPr>
+                                <m:t>𝐹</m:t>
+                              </m:r>
+                            </m:e>
+                            <m:sub>
+                              <m:r>
+                                <a:rPr lang="en-US" altLang="zh-CN" i="1">
+                                  <a:latin typeface="Cambria Math" panose="02040503050406030204" pitchFamily="18" charset="0"/>
+                                </a:rPr>
+                                <m:t>𝑗</m:t>
+                              </m:r>
+                            </m:sub>
+                          </m:sSub>
+                        </m:e>
+                      </m:d>
+                    </m:oMath>
+                  </m:oMathPara>
+                </a14:m>
+                <a:endParaRPr lang="en-US" altLang="zh-CN" dirty="0"/>
+              </a:p>
+              <a:p>
+                <a:endParaRPr lang="en-CN" dirty="0"/>
+              </a:p>
+            </p:txBody>
+          </p:sp>
+        </mc:Choice>
+        <mc:Fallback>
+          <p:sp>
+            <p:nvSpPr>
+              <p:cNvPr id="3" name="Text Placeholder 2">
+                <a:extLst>
+                  <a:ext uri="{FF2B5EF4-FFF2-40B4-BE49-F238E27FC236}">
+                    <a16:creationId xmlns:a16="http://schemas.microsoft.com/office/drawing/2014/main" id="{A886543B-849E-BA72-3EAA-C61147E9F984}"/>
+                  </a:ext>
+                </a:extLst>
+              </p:cNvPr>
+              <p:cNvSpPr>
+                <a:spLocks noGrp="1" noRot="1" noChangeAspect="1" noMove="1" noResize="1" noEditPoints="1" noAdjustHandles="1" noChangeArrowheads="1" noChangeShapeType="1" noTextEdit="1"/>
+              </p:cNvSpPr>
+              <p:nvPr>
+                <p:ph type="body" idx="1"/>
+              </p:nvPr>
+            </p:nvSpPr>
+            <p:spPr>
+              <a:xfrm>
+                <a:off x="727650" y="1305668"/>
+                <a:ext cx="7688700" cy="3837832"/>
+              </a:xfrm>
+              <a:blipFill>
+                <a:blip r:embed="rId2"/>
+                <a:stretch>
+                  <a:fillRect t="-5263"/>
+                </a:stretch>
+              </a:blipFill>
+            </p:spPr>
+            <p:txBody>
+              <a:bodyPr/>
+              <a:lstStyle/>
+              <a:p>
+                <a:r>
+                  <a:rPr lang="en-CN">
+                    <a:noFill/>
+                  </a:rPr>
+                  <a:t> </a:t>
+                </a:r>
+              </a:p>
+            </p:txBody>
+          </p:sp>
+        </mc:Fallback>
+      </mc:AlternateContent>
+      <p:pic>
+        <p:nvPicPr>
+          <p:cNvPr id="4" name="Picture 3">
+            <a:extLst>
+              <a:ext uri="{FF2B5EF4-FFF2-40B4-BE49-F238E27FC236}">
+                <a16:creationId xmlns:a16="http://schemas.microsoft.com/office/drawing/2014/main" id="{58948953-C742-5B18-0D65-CCCEAF9BA69F}"/>
+              </a:ext>
+            </a:extLst>
+          </p:cNvPr>
+          <p:cNvPicPr>
+            <a:picLocks noChangeAspect="1"/>
+          </p:cNvPicPr>
+          <p:nvPr/>
+        </p:nvPicPr>
+        <p:blipFill>
+          <a:blip r:embed="rId3"/>
+          <a:stretch>
+            <a:fillRect/>
+          </a:stretch>
+        </p:blipFill>
         <p:spPr>
           <a:xfrm>
-            <a:off x="729450" y="1318650"/>
-            <a:ext cx="7688700" cy="535200"/>
+            <a:off x="3164168" y="2571750"/>
+            <a:ext cx="2544109" cy="766465"/>
           </a:xfrm>
           <a:prstGeom prst="rect">
             <a:avLst/>
           </a:prstGeom>
         </p:spPr>
+      </p:pic>
+      <p:sp>
+        <p:nvSpPr>
+          <p:cNvPr id="5" name="TextBox 4">
+            <a:extLst>
+              <a:ext uri="{FF2B5EF4-FFF2-40B4-BE49-F238E27FC236}">
+                <a16:creationId xmlns:a16="http://schemas.microsoft.com/office/drawing/2014/main" id="{F9CDA559-AB84-2327-7210-119E8C8E97ED}"/>
+              </a:ext>
+            </a:extLst>
+          </p:cNvPr>
+          <p:cNvSpPr txBox="1"/>
+          <p:nvPr/>
+        </p:nvSpPr>
+        <p:spPr>
+          <a:xfrm>
+            <a:off x="5930680" y="2924709"/>
+            <a:ext cx="2996333" cy="215444"/>
+          </a:xfrm>
+          <a:prstGeom prst="rect">
+            <a:avLst/>
+          </a:prstGeom>
+          <a:noFill/>
+        </p:spPr>
         <p:txBody>
-          <a:bodyPr anchorCtr="0" anchor="t" bIns="91425" lIns="91425" spcFirstLastPara="1" rIns="91425" wrap="square" tIns="91425">
-            <a:normAutofit fontScale="90000"/>
+          <a:bodyPr wrap="none" rtlCol="0">
+            <a:spAutoFit/>
           </a:bodyPr>
           <a:lstStyle/>
           <a:p>
-            <a:pPr indent="0" lvl="0" marL="0" rtl="0" algn="l">
-              <a:spcBef>
-                <a:spcPts val="0"/>
-              </a:spcBef>
-              <a:spcAft>
-                <a:spcPts val="0"/>
-              </a:spcAft>
-              <a:buNone/>
-            </a:pPr>
-            <a:r>
-              <a:t/>
-            </a:r>
-            <a:endParaRPr/>
+            <a:r>
+              <a:rPr lang="en-US" altLang="zh-CN" sz="800" i="1" dirty="0"/>
+              <a:t>Another</a:t>
+            </a:r>
+            <a:r>
+              <a:rPr lang="zh-CN" altLang="en-US" sz="800" i="1" dirty="0"/>
+              <a:t> </a:t>
+            </a:r>
+            <a:r>
+              <a:rPr lang="en-US" altLang="zh-CN" sz="800" i="1" dirty="0"/>
+              <a:t>version</a:t>
+            </a:r>
+            <a:r>
+              <a:rPr lang="zh-CN" altLang="en-US" sz="800" i="1" dirty="0"/>
+              <a:t> </a:t>
+            </a:r>
+            <a:r>
+              <a:rPr lang="en-US" altLang="zh-CN" sz="800" i="1" dirty="0"/>
+              <a:t>using</a:t>
+            </a:r>
+            <a:r>
+              <a:rPr lang="zh-CN" altLang="en-US" sz="800" i="1" dirty="0"/>
+              <a:t> </a:t>
+            </a:r>
+            <a:r>
+              <a:rPr lang="en-US" altLang="zh-CN" sz="800" i="1" dirty="0"/>
+              <a:t>control-free</a:t>
+            </a:r>
+            <a:r>
+              <a:rPr lang="zh-CN" altLang="en-US" sz="800" i="1" dirty="0"/>
+              <a:t> </a:t>
+            </a:r>
+            <a:r>
+              <a:rPr lang="en-US" altLang="zh-CN" sz="800" i="1" dirty="0"/>
+              <a:t>evolution</a:t>
+            </a:r>
+            <a:r>
+              <a:rPr lang="zh-CN" altLang="en-US" sz="800" i="1" dirty="0"/>
+              <a:t> </a:t>
+            </a:r>
+            <a:r>
+              <a:rPr lang="en-US" altLang="zh-CN" sz="800" i="1" dirty="0"/>
+              <a:t>gates</a:t>
+            </a:r>
+            <a:r>
+              <a:rPr lang="zh-CN" altLang="en-US" sz="800" i="1" dirty="0"/>
+              <a:t> </a:t>
+            </a:r>
+            <a:r>
+              <a:rPr lang="en-US" altLang="zh-CN" sz="800" i="1" dirty="0"/>
+              <a:t>is</a:t>
+            </a:r>
+            <a:r>
+              <a:rPr lang="zh-CN" altLang="en-US" sz="800" i="1" dirty="0"/>
+              <a:t> </a:t>
+            </a:r>
+            <a:r>
+              <a:rPr lang="en-US" altLang="zh-CN" sz="800" i="1" dirty="0"/>
+              <a:t>available</a:t>
+            </a:r>
+            <a:endParaRPr lang="en-CN" sz="800" i="1" dirty="0"/>
           </a:p>
         </p:txBody>
       </p:sp>
       <p:sp>
         <p:nvSpPr>
-          <p:cNvPr id="108" name="Google Shape;108;p16"/>
+          <p:cNvPr id="6" name="TextBox 5">
+            <a:extLst>
+              <a:ext uri="{FF2B5EF4-FFF2-40B4-BE49-F238E27FC236}">
+                <a16:creationId xmlns:a16="http://schemas.microsoft.com/office/drawing/2014/main" id="{57B4E9AB-C3D1-0E0E-81E3-7DE91926CD9F}"/>
+              </a:ext>
+            </a:extLst>
+          </p:cNvPr>
           <p:cNvSpPr txBox="1"/>
-          <p:nvPr>
-            <p:ph idx="1" type="body"/>
-          </p:nvPr>
+          <p:nvPr/>
         </p:nvSpPr>
         <p:spPr>
           <a:xfrm>
-            <a:off x="729450" y="2078875"/>
-            <a:ext cx="7688700" cy="2261100"/>
+            <a:off x="3709148" y="3404435"/>
+            <a:ext cx="1156086" cy="261610"/>
           </a:xfrm>
           <a:prstGeom prst="rect">
             <a:avLst/>
           </a:prstGeom>
+          <a:noFill/>
         </p:spPr>
         <p:txBody>
-          <a:bodyPr anchorCtr="0" anchor="t" bIns="91425" lIns="91425" spcFirstLastPara="1" rIns="91425" wrap="square" tIns="91425">
-            <a:normAutofit/>
+          <a:bodyPr wrap="none" rtlCol="0">
+            <a:spAutoFit/>
           </a:bodyPr>
           <a:lstStyle/>
           <a:p>
-            <a:pPr indent="0" lvl="0" marL="0" rtl="0" algn="l">
-              <a:spcBef>
-                <a:spcPts val="0"/>
-              </a:spcBef>
-              <a:spcAft>
-                <a:spcPts val="1200"/>
-              </a:spcAft>
-              <a:buNone/>
-            </a:pPr>
-            <a:r>
-              <a:t/>
-            </a:r>
-            <a:endParaRPr/>
+            <a:r>
+              <a:rPr lang="en-US" altLang="zh-CN" sz="1100" i="1" dirty="0"/>
+              <a:t>Hadamard</a:t>
+            </a:r>
+            <a:r>
+              <a:rPr lang="zh-CN" altLang="en-US" sz="1100" i="1" dirty="0"/>
+              <a:t> </a:t>
+            </a:r>
+            <a:r>
+              <a:rPr lang="en-US" altLang="zh-CN" sz="1100" i="1" dirty="0"/>
+              <a:t>Test</a:t>
+            </a:r>
+            <a:endParaRPr lang="en-CN" sz="1100" i="1" dirty="0"/>
           </a:p>
         </p:txBody>
       </p:sp>
     </p:spTree>
+    <p:extLst>
+      <p:ext uri="{BB962C8B-B14F-4D97-AF65-F5344CB8AC3E}">
+        <p14:creationId xmlns:p14="http://schemas.microsoft.com/office/powerpoint/2010/main" val="2141021427"/>
+      </p:ext>
+    </p:extLst>
   </p:cSld>
   <p:clrMapOvr>
     <a:masterClrMapping/>
@@ -8406,11 +11570,11 @@
 </file>
 
 <file path=ppt/slides/slide5.xml><?xml version="1.0" encoding="utf-8"?>
-<p:sld xmlns:a="http://schemas.openxmlformats.org/drawingml/2006/main" xmlns:r="http://schemas.openxmlformats.org/officeDocument/2006/relationships" xmlns:mc="http://schemas.openxmlformats.org/markup-compatibility/2006" xmlns:mv="urn:schemas-microsoft-com:mac:vml" xmlns:p="http://schemas.openxmlformats.org/presentationml/2006/main" xmlns:c="http://schemas.openxmlformats.org/drawingml/2006/chart" xmlns:dgm="http://schemas.openxmlformats.org/drawingml/2006/diagram" xmlns:o="urn:schemas-microsoft-com:office:office" xmlns:v="urn:schemas-microsoft-com:vml" xmlns:pvml="urn:schemas-microsoft-com:office:powerpoint" xmlns:com="http://schemas.openxmlformats.org/drawingml/2006/compatibility" xmlns:p14="http://schemas.microsoft.com/office/powerpoint/2010/main" xmlns:p15="http://schemas.microsoft.com/office/powerpoint/2012/main" xmlns:ahyp="http://schemas.microsoft.com/office/drawing/2018/hyperlinkcolor">
+<p:sld xmlns:a="http://schemas.openxmlformats.org/drawingml/2006/main" xmlns:r="http://schemas.openxmlformats.org/officeDocument/2006/relationships" xmlns:p="http://schemas.openxmlformats.org/presentationml/2006/main">
   <p:cSld>
     <p:spTree>
       <p:nvGrpSpPr>
-        <p:cNvPr id="112" name="Shape 112"/>
+        <p:cNvPr id="1" name=""/>
         <p:cNvGrpSpPr/>
         <p:nvPr/>
       </p:nvGrpSpPr>
@@ -8424,143 +11588,579 @@
       </p:grpSpPr>
       <p:sp>
         <p:nvSpPr>
-          <p:cNvPr id="113" name="Google Shape;113;p17"/>
-          <p:cNvSpPr txBox="1"/>
+          <p:cNvPr id="2" name="Title 1">
+            <a:extLst>
+              <a:ext uri="{FF2B5EF4-FFF2-40B4-BE49-F238E27FC236}">
+                <a16:creationId xmlns:a16="http://schemas.microsoft.com/office/drawing/2014/main" id="{CBDB143F-F425-9D5D-E286-B151EA070AA7}"/>
+              </a:ext>
+            </a:extLst>
+          </p:cNvPr>
+          <p:cNvSpPr>
+            <a:spLocks noGrp="1"/>
+          </p:cNvSpPr>
           <p:nvPr>
             <p:ph type="title"/>
           </p:nvPr>
         </p:nvSpPr>
+        <p:spPr/>
+        <p:txBody>
+          <a:bodyPr>
+            <a:normAutofit fontScale="90000"/>
+          </a:bodyPr>
+          <a:lstStyle/>
+          <a:p>
+            <a:r>
+              <a:rPr lang="en-US" altLang="zh-CN" dirty="0"/>
+              <a:t>Result</a:t>
+            </a:r>
+            <a:r>
+              <a:rPr lang="zh-CN" altLang="en-US" dirty="0"/>
+              <a:t> </a:t>
+            </a:r>
+            <a:r>
+              <a:rPr lang="en-US" altLang="zh-CN" dirty="0"/>
+              <a:t>Replication</a:t>
+            </a:r>
+            <a:endParaRPr lang="en-CN" dirty="0"/>
+          </a:p>
+        </p:txBody>
+      </p:sp>
+      <p:sp>
+        <p:nvSpPr>
+          <p:cNvPr id="3" name="Text Placeholder 2">
+            <a:extLst>
+              <a:ext uri="{FF2B5EF4-FFF2-40B4-BE49-F238E27FC236}">
+                <a16:creationId xmlns:a16="http://schemas.microsoft.com/office/drawing/2014/main" id="{D712FBF2-5262-80FA-6381-AA670991900D}"/>
+              </a:ext>
+            </a:extLst>
+          </p:cNvPr>
+          <p:cNvSpPr>
+            <a:spLocks noGrp="1"/>
+          </p:cNvSpPr>
+          <p:nvPr>
+            <p:ph type="body" idx="1"/>
+          </p:nvPr>
+        </p:nvSpPr>
         <p:spPr>
           <a:xfrm>
-            <a:off x="0" y="0"/>
-            <a:ext cx="9555000" cy="535200"/>
+            <a:off x="727650" y="1305669"/>
+            <a:ext cx="7688700" cy="1266081"/>
+          </a:xfrm>
+        </p:spPr>
+        <p:txBody>
+          <a:bodyPr/>
+          <a:lstStyle/>
+          <a:p>
+            <a:r>
+              <a:rPr lang="en-US" altLang="zh-CN" dirty="0"/>
+              <a:t>Fermi-Hubbard</a:t>
+            </a:r>
+            <a:r>
+              <a:rPr lang="zh-CN" altLang="en-US" dirty="0"/>
+              <a:t> </a:t>
+            </a:r>
+            <a:r>
+              <a:rPr lang="en-US" altLang="zh-CN" dirty="0"/>
+              <a:t>model</a:t>
+            </a:r>
+            <a:r>
+              <a:rPr lang="zh-CN" altLang="en-US" dirty="0"/>
+              <a:t> </a:t>
+            </a:r>
+            <a:r>
+              <a:rPr lang="en-US" altLang="zh-CN" dirty="0"/>
+              <a:t>(half-fill)</a:t>
+            </a:r>
+          </a:p>
+          <a:p>
+            <a:endParaRPr lang="en-CN" dirty="0"/>
+          </a:p>
+        </p:txBody>
+      </p:sp>
+      <p:pic>
+        <p:nvPicPr>
+          <p:cNvPr id="4" name="Picture 3">
+            <a:extLst>
+              <a:ext uri="{FF2B5EF4-FFF2-40B4-BE49-F238E27FC236}">
+                <a16:creationId xmlns:a16="http://schemas.microsoft.com/office/drawing/2014/main" id="{F8E68E50-D683-C9D5-1299-AC80A40B9D04}"/>
+              </a:ext>
+            </a:extLst>
+          </p:cNvPr>
+          <p:cNvPicPr>
+            <a:picLocks noChangeAspect="1"/>
+          </p:cNvPicPr>
+          <p:nvPr/>
+        </p:nvPicPr>
+        <p:blipFill>
+          <a:blip r:embed="rId2"/>
+          <a:stretch>
+            <a:fillRect/>
+          </a:stretch>
+        </p:blipFill>
+        <p:spPr>
+          <a:xfrm>
+            <a:off x="5042647" y="880167"/>
+            <a:ext cx="3807504" cy="1271610"/>
           </a:xfrm>
           <a:prstGeom prst="rect">
             <a:avLst/>
           </a:prstGeom>
         </p:spPr>
+      </p:pic>
+      <p:sp>
+        <p:nvSpPr>
+          <p:cNvPr id="5" name="TextBox 4">
+            <a:extLst>
+              <a:ext uri="{FF2B5EF4-FFF2-40B4-BE49-F238E27FC236}">
+                <a16:creationId xmlns:a16="http://schemas.microsoft.com/office/drawing/2014/main" id="{2AC5846B-8C3E-AF3D-2F99-A5C344966A5F}"/>
+              </a:ext>
+            </a:extLst>
+          </p:cNvPr>
+          <p:cNvSpPr txBox="1"/>
+          <p:nvPr/>
+        </p:nvSpPr>
+        <p:spPr>
+          <a:xfrm>
+            <a:off x="4996711" y="631253"/>
+            <a:ext cx="4147289" cy="307777"/>
+          </a:xfrm>
+          <a:prstGeom prst="rect">
+            <a:avLst/>
+          </a:prstGeom>
+          <a:noFill/>
+        </p:spPr>
         <p:txBody>
-          <a:bodyPr anchorCtr="0" anchor="t" bIns="91425" lIns="91425" spcFirstLastPara="1" rIns="91425" wrap="square" tIns="91425">
-            <a:normAutofit fontScale="90000"/>
+          <a:bodyPr wrap="none" rtlCol="0">
+            <a:spAutoFit/>
           </a:bodyPr>
           <a:lstStyle/>
           <a:p>
-            <a:pPr indent="0" lvl="0" marL="0" rtl="0" algn="l">
-              <a:spcBef>
-                <a:spcPts val="0"/>
-              </a:spcBef>
-              <a:spcAft>
-                <a:spcPts val="0"/>
-              </a:spcAft>
-              <a:buNone/>
-            </a:pPr>
-            <a:r>
-              <a:rPr lang="en-GB"/>
-              <a:t>Searching G</a:t>
-            </a:r>
-            <a:r>
-              <a:rPr lang="en-GB"/>
-              <a:t>round</a:t>
-            </a:r>
-            <a:r>
-              <a:rPr lang="en-GB"/>
-              <a:t> State Energy</a:t>
-            </a:r>
-            <a:r>
-              <a:rPr lang="en-GB"/>
-              <a:t> with </a:t>
-            </a:r>
-            <a:r>
-              <a:rPr lang="en-GB"/>
-              <a:t>Hybrid NISQ Algorithm </a:t>
-            </a:r>
-            <a:endParaRPr/>
+            <a:r>
+              <a:rPr lang="en-US" altLang="zh-CN" dirty="0"/>
+              <a:t>Result</a:t>
+            </a:r>
+            <a:r>
+              <a:rPr lang="zh-CN" altLang="en-US" dirty="0"/>
+              <a:t> </a:t>
+            </a:r>
+            <a:r>
+              <a:rPr lang="en-US" altLang="zh-CN" dirty="0"/>
+              <a:t>in</a:t>
+            </a:r>
+            <a:r>
+              <a:rPr lang="zh-CN" altLang="en-US" dirty="0"/>
+              <a:t> </a:t>
+            </a:r>
+            <a:r>
+              <a:rPr lang="en-US" altLang="zh-CN" dirty="0"/>
+              <a:t>the</a:t>
+            </a:r>
+            <a:r>
+              <a:rPr lang="zh-CN" altLang="en-US" dirty="0"/>
+              <a:t> </a:t>
+            </a:r>
+            <a:r>
+              <a:rPr lang="en-US" altLang="zh-CN" dirty="0"/>
+              <a:t>paper</a:t>
+            </a:r>
+            <a:r>
+              <a:rPr lang="zh-CN" altLang="en-US" dirty="0"/>
+              <a:t> </a:t>
+            </a:r>
+            <a:r>
+              <a:rPr lang="en-US" altLang="zh-CN" dirty="0"/>
+              <a:t>(eight-site,</a:t>
+            </a:r>
+            <a:r>
+              <a:rPr lang="zh-CN" altLang="en-US" dirty="0"/>
+              <a:t> </a:t>
+            </a:r>
+            <a:r>
+              <a:rPr lang="en-US" altLang="zh-CN" dirty="0" err="1"/>
+              <a:t>total_shots</a:t>
+            </a:r>
+            <a:r>
+              <a:rPr lang="en-US" altLang="zh-CN" dirty="0"/>
+              <a:t>=3000):</a:t>
+            </a:r>
+            <a:r>
+              <a:rPr lang="zh-CN" altLang="en-US" dirty="0"/>
+              <a:t> </a:t>
+            </a:r>
+            <a:endParaRPr lang="en-CN" dirty="0"/>
           </a:p>
         </p:txBody>
       </p:sp>
       <p:sp>
         <p:nvSpPr>
-          <p:cNvPr id="114" name="Google Shape;114;p17"/>
+          <p:cNvPr id="9" name="TextBox 8">
+            <a:extLst>
+              <a:ext uri="{FF2B5EF4-FFF2-40B4-BE49-F238E27FC236}">
+                <a16:creationId xmlns:a16="http://schemas.microsoft.com/office/drawing/2014/main" id="{FB1771CA-3CF3-2CDD-F6EA-95539D7382E6}"/>
+              </a:ext>
+            </a:extLst>
+          </p:cNvPr>
           <p:cNvSpPr txBox="1"/>
-          <p:nvPr>
-            <p:ph idx="1" type="body"/>
-          </p:nvPr>
+          <p:nvPr/>
         </p:nvSpPr>
         <p:spPr>
           <a:xfrm>
-            <a:off x="727650" y="2058525"/>
-            <a:ext cx="7688700" cy="2261100"/>
+            <a:off x="334190" y="2938389"/>
+            <a:ext cx="2989921" cy="276999"/>
+          </a:xfrm>
+          <a:prstGeom prst="rect">
+            <a:avLst/>
+          </a:prstGeom>
+          <a:noFill/>
+        </p:spPr>
+        <p:txBody>
+          <a:bodyPr wrap="none" rtlCol="0">
+            <a:spAutoFit/>
+          </a:bodyPr>
+          <a:lstStyle/>
+          <a:p>
+            <a:r>
+              <a:rPr lang="en-US" altLang="zh-CN" sz="1200" dirty="0"/>
+              <a:t>Our</a:t>
+            </a:r>
+            <a:r>
+              <a:rPr lang="zh-CN" altLang="en-US" sz="1200" dirty="0"/>
+              <a:t> </a:t>
+            </a:r>
+            <a:r>
+              <a:rPr lang="en-US" altLang="zh-CN" sz="1200" dirty="0"/>
+              <a:t>result</a:t>
+            </a:r>
+            <a:r>
+              <a:rPr lang="zh-CN" altLang="en-US" sz="1200" dirty="0"/>
+              <a:t> </a:t>
+            </a:r>
+            <a:r>
+              <a:rPr lang="en-US" altLang="zh-CN" sz="1200" dirty="0"/>
+              <a:t>(four-site,</a:t>
+            </a:r>
+            <a:r>
+              <a:rPr lang="zh-CN" altLang="en-US" sz="1200" dirty="0"/>
+              <a:t> </a:t>
+            </a:r>
+            <a:r>
+              <a:rPr lang="en-US" altLang="zh-CN" sz="1200" dirty="0" err="1"/>
+              <a:t>total_shots</a:t>
+            </a:r>
+            <a:r>
+              <a:rPr lang="en-US" altLang="zh-CN" sz="1200" dirty="0"/>
+              <a:t>=10000):</a:t>
+            </a:r>
+            <a:r>
+              <a:rPr lang="zh-CN" altLang="en-US" sz="1200" dirty="0"/>
+              <a:t> </a:t>
+            </a:r>
+            <a:endParaRPr lang="en-CN" sz="1200" dirty="0"/>
+          </a:p>
+        </p:txBody>
+      </p:sp>
+      <p:pic>
+        <p:nvPicPr>
+          <p:cNvPr id="11" name="Picture 10">
+            <a:extLst>
+              <a:ext uri="{FF2B5EF4-FFF2-40B4-BE49-F238E27FC236}">
+                <a16:creationId xmlns:a16="http://schemas.microsoft.com/office/drawing/2014/main" id="{07DC5AD0-B7AB-1382-F587-375EBC9BBFB2}"/>
+              </a:ext>
+            </a:extLst>
+          </p:cNvPr>
+          <p:cNvPicPr>
+            <a:picLocks noChangeAspect="1"/>
+          </p:cNvPicPr>
+          <p:nvPr/>
+        </p:nvPicPr>
+        <p:blipFill>
+          <a:blip r:embed="rId3"/>
+          <a:stretch>
+            <a:fillRect/>
+          </a:stretch>
+        </p:blipFill>
+        <p:spPr>
+          <a:xfrm>
+            <a:off x="219890" y="3179508"/>
+            <a:ext cx="4210916" cy="1608849"/>
           </a:xfrm>
           <a:prstGeom prst="rect">
             <a:avLst/>
           </a:prstGeom>
         </p:spPr>
+      </p:pic>
+      <p:sp>
+        <p:nvSpPr>
+          <p:cNvPr id="12" name="TextBox 11">
+            <a:extLst>
+              <a:ext uri="{FF2B5EF4-FFF2-40B4-BE49-F238E27FC236}">
+                <a16:creationId xmlns:a16="http://schemas.microsoft.com/office/drawing/2014/main" id="{8EFDE4AF-69BA-E80F-A096-A0614420E4B0}"/>
+              </a:ext>
+            </a:extLst>
+          </p:cNvPr>
+          <p:cNvSpPr txBox="1"/>
+          <p:nvPr/>
+        </p:nvSpPr>
+        <p:spPr>
+          <a:xfrm>
+            <a:off x="371700" y="4730868"/>
+            <a:ext cx="3451586" cy="261610"/>
+          </a:xfrm>
+          <a:prstGeom prst="rect">
+            <a:avLst/>
+          </a:prstGeom>
+          <a:noFill/>
+        </p:spPr>
         <p:txBody>
-          <a:bodyPr anchorCtr="0" anchor="t" bIns="91425" lIns="91425" spcFirstLastPara="1" rIns="91425" wrap="square" tIns="91425">
-            <a:normAutofit/>
+          <a:bodyPr wrap="none" rtlCol="0">
+            <a:spAutoFit/>
           </a:bodyPr>
           <a:lstStyle/>
           <a:p>
-            <a:pPr indent="0" lvl="0" marL="0" rtl="0" algn="l">
-              <a:spcBef>
-                <a:spcPts val="0"/>
-              </a:spcBef>
-              <a:spcAft>
-                <a:spcPts val="0"/>
-              </a:spcAft>
-              <a:buNone/>
-            </a:pPr>
-            <a:r>
-              <a:rPr lang="en-GB" u="sng">
-                <a:solidFill>
-                  <a:schemeClr val="hlink"/>
-                </a:solidFill>
-                <a:hlinkClick r:id="rId3"/>
-              </a:rPr>
-              <a:t>PRX Quantum 3, 010318 (2022) - Heisenberg-Limited Ground-State Energy Estimation for Early Fault-Tolerant Quantum Computers</a:t>
-            </a:r>
-            <a:endParaRPr/>
+            <a:r>
+              <a:rPr lang="en-US" altLang="zh-CN" sz="1100" i="1" dirty="0"/>
+              <a:t>Value:</a:t>
+            </a:r>
+            <a:r>
+              <a:rPr lang="zh-CN" altLang="en-US" sz="1100" i="1" dirty="0"/>
+              <a:t> </a:t>
+            </a:r>
+            <a:r>
+              <a:rPr lang="en-US" altLang="zh-CN" sz="1100" i="1" dirty="0"/>
+              <a:t>-0.3308.</a:t>
+            </a:r>
+            <a:r>
+              <a:rPr lang="zh-CN" altLang="en-US" sz="1100" i="1" dirty="0"/>
+              <a:t> </a:t>
+            </a:r>
+            <a:r>
+              <a:rPr lang="en-US" altLang="zh-CN" sz="1100" i="1" dirty="0"/>
+              <a:t>True:</a:t>
+            </a:r>
+            <a:r>
+              <a:rPr lang="zh-CN" altLang="en-US" sz="1100" i="1" dirty="0"/>
+              <a:t> </a:t>
+            </a:r>
+            <a:r>
+              <a:rPr lang="en-US" altLang="zh-CN" sz="1100" i="1" dirty="0"/>
+              <a:t>-0.33135.</a:t>
+            </a:r>
+            <a:r>
+              <a:rPr lang="zh-CN" altLang="en-US" sz="1100" i="1" dirty="0"/>
+              <a:t> </a:t>
+            </a:r>
+            <a:r>
+              <a:rPr lang="en-US" altLang="zh-CN" sz="1100" i="1" dirty="0"/>
+              <a:t>Error:</a:t>
+            </a:r>
+            <a:r>
+              <a:rPr lang="zh-CN" altLang="en-US" sz="1100" i="1" dirty="0"/>
+              <a:t> </a:t>
+            </a:r>
+            <a:r>
+              <a:rPr lang="en-US" altLang="zh-CN" sz="1100" i="1" dirty="0"/>
+              <a:t>0.0005</a:t>
+            </a:r>
+            <a:r>
+              <a:rPr lang="zh-CN" altLang="en-US" sz="1100" i="1" dirty="0"/>
+              <a:t> </a:t>
+            </a:r>
+            <a:r>
+              <a:rPr lang="en-US" altLang="zh-CN" sz="1100" i="1" dirty="0"/>
+              <a:t>(0.1%)</a:t>
+            </a:r>
+            <a:endParaRPr lang="en-CN" sz="1100" i="1" dirty="0"/>
           </a:p>
+        </p:txBody>
+      </p:sp>
+      <p:pic>
+        <p:nvPicPr>
+          <p:cNvPr id="13" name="Picture 12">
+            <a:extLst>
+              <a:ext uri="{FF2B5EF4-FFF2-40B4-BE49-F238E27FC236}">
+                <a16:creationId xmlns:a16="http://schemas.microsoft.com/office/drawing/2014/main" id="{0AA450F4-EE0F-18BD-0A28-75E7039C3EB7}"/>
+              </a:ext>
+            </a:extLst>
+          </p:cNvPr>
+          <p:cNvPicPr>
+            <a:picLocks noChangeAspect="1"/>
+          </p:cNvPicPr>
+          <p:nvPr/>
+        </p:nvPicPr>
+        <p:blipFill>
+          <a:blip r:embed="rId4"/>
+          <a:stretch>
+            <a:fillRect/>
+          </a:stretch>
+        </p:blipFill>
+        <p:spPr>
+          <a:xfrm>
+            <a:off x="4545106" y="3179508"/>
+            <a:ext cx="4215600" cy="1629699"/>
+          </a:xfrm>
+          <a:prstGeom prst="rect">
+            <a:avLst/>
+          </a:prstGeom>
+        </p:spPr>
+      </p:pic>
+      <p:sp>
+        <p:nvSpPr>
+          <p:cNvPr id="14" name="TextBox 13">
+            <a:extLst>
+              <a:ext uri="{FF2B5EF4-FFF2-40B4-BE49-F238E27FC236}">
+                <a16:creationId xmlns:a16="http://schemas.microsoft.com/office/drawing/2014/main" id="{9E8613A2-F7D8-F2D1-EB61-034FA0974C5E}"/>
+              </a:ext>
+            </a:extLst>
+          </p:cNvPr>
+          <p:cNvSpPr txBox="1"/>
+          <p:nvPr/>
+        </p:nvSpPr>
+        <p:spPr>
+          <a:xfrm>
+            <a:off x="4572000" y="2922246"/>
+            <a:ext cx="2912977" cy="276999"/>
+          </a:xfrm>
+          <a:prstGeom prst="rect">
+            <a:avLst/>
+          </a:prstGeom>
+          <a:noFill/>
+        </p:spPr>
+        <p:txBody>
+          <a:bodyPr wrap="none" rtlCol="0">
+            <a:spAutoFit/>
+          </a:bodyPr>
+          <a:lstStyle/>
           <a:p>
-            <a:pPr indent="0" lvl="0" marL="0" rtl="0" algn="l">
-              <a:spcBef>
-                <a:spcPts val="1200"/>
-              </a:spcBef>
-              <a:spcAft>
-                <a:spcPts val="0"/>
-              </a:spcAft>
-              <a:buNone/>
-            </a:pPr>
-            <a:r>
-              <a:rPr lang="en-GB" u="sng">
-                <a:solidFill>
-                  <a:schemeClr val="hlink"/>
-                </a:solidFill>
-                <a:hlinkClick r:id="rId4"/>
-              </a:rPr>
-              <a:t>https://journals.aps.org/prl/abstract/10.1103/PhysRevLett.129.030503</a:t>
-            </a:r>
-            <a:endParaRPr/>
+            <a:r>
+              <a:rPr lang="en-US" altLang="zh-CN" sz="1200" dirty="0"/>
+              <a:t>Our</a:t>
+            </a:r>
+            <a:r>
+              <a:rPr lang="zh-CN" altLang="en-US" sz="1200" dirty="0"/>
+              <a:t> </a:t>
+            </a:r>
+            <a:r>
+              <a:rPr lang="en-US" altLang="zh-CN" sz="1200" dirty="0"/>
+              <a:t>result</a:t>
+            </a:r>
+            <a:r>
+              <a:rPr lang="zh-CN" altLang="en-US" sz="1200" dirty="0"/>
+              <a:t> </a:t>
+            </a:r>
+            <a:r>
+              <a:rPr lang="en-US" altLang="zh-CN" sz="1200" dirty="0"/>
+              <a:t>(six-site,</a:t>
+            </a:r>
+            <a:r>
+              <a:rPr lang="zh-CN" altLang="en-US" sz="1200" dirty="0"/>
+              <a:t> </a:t>
+            </a:r>
+            <a:r>
+              <a:rPr lang="en-US" altLang="zh-CN" sz="1200" dirty="0" err="1"/>
+              <a:t>total_shots</a:t>
+            </a:r>
+            <a:r>
+              <a:rPr lang="en-US" altLang="zh-CN" sz="1200" dirty="0"/>
+              <a:t>=10000):</a:t>
+            </a:r>
+            <a:r>
+              <a:rPr lang="zh-CN" altLang="en-US" sz="1200" dirty="0"/>
+              <a:t> </a:t>
+            </a:r>
+            <a:endParaRPr lang="en-CN" sz="1200" dirty="0"/>
           </a:p>
+        </p:txBody>
+      </p:sp>
+      <p:sp>
+        <p:nvSpPr>
+          <p:cNvPr id="15" name="TextBox 14">
+            <a:extLst>
+              <a:ext uri="{FF2B5EF4-FFF2-40B4-BE49-F238E27FC236}">
+                <a16:creationId xmlns:a16="http://schemas.microsoft.com/office/drawing/2014/main" id="{259C30D0-5657-43B9-BF6C-C116CEB6DFC9}"/>
+              </a:ext>
+            </a:extLst>
+          </p:cNvPr>
+          <p:cNvSpPr txBox="1"/>
+          <p:nvPr/>
+        </p:nvSpPr>
+        <p:spPr>
+          <a:xfrm>
+            <a:off x="4699412" y="4782838"/>
+            <a:ext cx="3256020" cy="261610"/>
+          </a:xfrm>
+          <a:prstGeom prst="rect">
+            <a:avLst/>
+          </a:prstGeom>
+          <a:noFill/>
+        </p:spPr>
+        <p:txBody>
+          <a:bodyPr wrap="none" rtlCol="0">
+            <a:spAutoFit/>
+          </a:bodyPr>
+          <a:lstStyle/>
           <a:p>
-            <a:pPr indent="0" lvl="0" marL="0" rtl="0" algn="l">
-              <a:spcBef>
-                <a:spcPts val="1200"/>
-              </a:spcBef>
-              <a:spcAft>
-                <a:spcPts val="1200"/>
-              </a:spcAft>
-              <a:buNone/>
-            </a:pPr>
-            <a:r>
-              <a:rPr lang="en-GB"/>
-              <a:t>https://doi.org/10.1103/PhysRevLett.127.270502</a:t>
-            </a:r>
-            <a:endParaRPr/>
+            <a:r>
+              <a:rPr lang="en-US" altLang="zh-CN" sz="1100" i="1" dirty="0"/>
+              <a:t>Value:</a:t>
+            </a:r>
+            <a:r>
+              <a:rPr lang="zh-CN" altLang="en-US" sz="1100" i="1" dirty="0"/>
+              <a:t> </a:t>
+            </a:r>
+            <a:r>
+              <a:rPr lang="en-US" altLang="zh-CN" sz="1100" i="1" dirty="0"/>
+              <a:t>-0.10093.</a:t>
+            </a:r>
+            <a:r>
+              <a:rPr lang="zh-CN" altLang="en-US" sz="1100" i="1" dirty="0"/>
+              <a:t> </a:t>
+            </a:r>
+            <a:r>
+              <a:rPr lang="en-US" altLang="zh-CN" sz="1100" i="1" dirty="0"/>
+              <a:t>True:</a:t>
+            </a:r>
+            <a:r>
+              <a:rPr lang="zh-CN" altLang="en-US" sz="1100" i="1" dirty="0"/>
+              <a:t> </a:t>
+            </a:r>
+            <a:r>
+              <a:rPr lang="en-US" altLang="zh-CN" sz="1100" i="1" dirty="0"/>
+              <a:t>-0.1005.</a:t>
+            </a:r>
+            <a:r>
+              <a:rPr lang="zh-CN" altLang="en-US" sz="1100" i="1" dirty="0"/>
+              <a:t> </a:t>
+            </a:r>
+            <a:r>
+              <a:rPr lang="en-US" altLang="zh-CN" sz="1100" i="1" dirty="0"/>
+              <a:t>Error:</a:t>
+            </a:r>
+            <a:r>
+              <a:rPr lang="zh-CN" altLang="en-US" sz="1100" i="1" dirty="0"/>
+              <a:t> </a:t>
+            </a:r>
+            <a:r>
+              <a:rPr lang="en-US" altLang="zh-CN" sz="1100" i="1" dirty="0"/>
+              <a:t>0.004</a:t>
+            </a:r>
+            <a:r>
+              <a:rPr lang="zh-CN" altLang="en-US" sz="1100" i="1" dirty="0"/>
+              <a:t> </a:t>
+            </a:r>
+            <a:r>
+              <a:rPr lang="en-US" altLang="zh-CN" sz="1100" i="1" dirty="0"/>
+              <a:t>(4%)</a:t>
+            </a:r>
+            <a:endParaRPr lang="en-CN" sz="1100" i="1" dirty="0"/>
           </a:p>
         </p:txBody>
       </p:sp>
     </p:spTree>
+    <p:extLst>
+      <p:ext uri="{BB962C8B-B14F-4D97-AF65-F5344CB8AC3E}">
+        <p14:creationId xmlns:p14="http://schemas.microsoft.com/office/powerpoint/2010/main" val="1702842037"/>
+      </p:ext>
+    </p:extLst>
   </p:cSld>
   <p:clrMapOvr>
     <a:masterClrMapping/>
@@ -8569,11 +12169,11 @@
 </file>
 
 <file path=ppt/slides/slide6.xml><?xml version="1.0" encoding="utf-8"?>
-<p:sld xmlns:a="http://schemas.openxmlformats.org/drawingml/2006/main" xmlns:r="http://schemas.openxmlformats.org/officeDocument/2006/relationships" xmlns:mc="http://schemas.openxmlformats.org/markup-compatibility/2006" xmlns:mv="urn:schemas-microsoft-com:mac:vml" xmlns:p="http://schemas.openxmlformats.org/presentationml/2006/main" xmlns:c="http://schemas.openxmlformats.org/drawingml/2006/chart" xmlns:dgm="http://schemas.openxmlformats.org/drawingml/2006/diagram" xmlns:o="urn:schemas-microsoft-com:office:office" xmlns:v="urn:schemas-microsoft-com:vml" xmlns:pvml="urn:schemas-microsoft-com:office:powerpoint" xmlns:com="http://schemas.openxmlformats.org/drawingml/2006/compatibility" xmlns:p14="http://schemas.microsoft.com/office/powerpoint/2010/main" xmlns:p15="http://schemas.microsoft.com/office/powerpoint/2012/main" xmlns:ahyp="http://schemas.microsoft.com/office/drawing/2018/hyperlinkcolor">
+<p:sld xmlns:a="http://schemas.openxmlformats.org/drawingml/2006/main" xmlns:r="http://schemas.openxmlformats.org/officeDocument/2006/relationships" xmlns:p="http://schemas.openxmlformats.org/presentationml/2006/main">
   <p:cSld>
     <p:spTree>
       <p:nvGrpSpPr>
-        <p:cNvPr id="118" name="Shape 118"/>
+        <p:cNvPr id="1" name=""/>
         <p:cNvGrpSpPr/>
         <p:nvPr/>
       </p:nvGrpSpPr>
@@ -8587,153 +12187,90 @@
       </p:grpSpPr>
       <p:sp>
         <p:nvSpPr>
-          <p:cNvPr id="119" name="Google Shape;119;p18"/>
-          <p:cNvSpPr txBox="1"/>
+          <p:cNvPr id="2" name="Title 1">
+            <a:extLst>
+              <a:ext uri="{FF2B5EF4-FFF2-40B4-BE49-F238E27FC236}">
+                <a16:creationId xmlns:a16="http://schemas.microsoft.com/office/drawing/2014/main" id="{CE05FA7A-94FB-CD72-78DF-A1C16EFFD5F6}"/>
+              </a:ext>
+            </a:extLst>
+          </p:cNvPr>
+          <p:cNvSpPr>
+            <a:spLocks noGrp="1"/>
+          </p:cNvSpPr>
           <p:nvPr>
             <p:ph type="title"/>
           </p:nvPr>
         </p:nvSpPr>
-        <p:spPr>
-          <a:xfrm>
-            <a:off x="0" y="0"/>
-            <a:ext cx="7688700" cy="535200"/>
-          </a:xfrm>
-          <a:prstGeom prst="rect">
-            <a:avLst/>
-          </a:prstGeom>
-        </p:spPr>
+        <p:spPr/>
         <p:txBody>
-          <a:bodyPr anchorCtr="0" anchor="t" bIns="91425" lIns="91425" spcFirstLastPara="1" rIns="91425" wrap="square" tIns="91425">
+          <a:bodyPr>
             <a:normAutofit fontScale="90000"/>
           </a:bodyPr>
           <a:lstStyle/>
           <a:p>
-            <a:pPr indent="0" lvl="0" marL="0" rtl="0" algn="l">
-              <a:spcBef>
-                <a:spcPts val="0"/>
-              </a:spcBef>
-              <a:spcAft>
-                <a:spcPts val="0"/>
-              </a:spcAft>
-              <a:buNone/>
-            </a:pPr>
-            <a:r>
-              <a:rPr lang="en-GB"/>
-              <a:t>0224	</a:t>
-            </a:r>
-            <a:endParaRPr/>
+            <a:r>
+              <a:rPr lang="en-US" altLang="zh-CN" dirty="0"/>
+              <a:t>Effect</a:t>
+            </a:r>
+            <a:r>
+              <a:rPr lang="zh-CN" altLang="en-US" dirty="0"/>
+              <a:t> </a:t>
+            </a:r>
+            <a:r>
+              <a:rPr lang="en-US" altLang="zh-CN" dirty="0"/>
+              <a:t>of</a:t>
+            </a:r>
+            <a:r>
+              <a:rPr lang="zh-CN" altLang="en-US" dirty="0"/>
+              <a:t> </a:t>
+            </a:r>
+            <a:r>
+              <a:rPr lang="en-US" altLang="zh-CN" dirty="0"/>
+              <a:t>statistic</a:t>
+            </a:r>
+            <a:r>
+              <a:rPr lang="zh-CN" altLang="en-US" dirty="0"/>
+              <a:t> </a:t>
+            </a:r>
+            <a:r>
+              <a:rPr lang="en-US" altLang="zh-CN" dirty="0"/>
+              <a:t>noise</a:t>
+            </a:r>
+            <a:endParaRPr lang="en-CN" dirty="0"/>
           </a:p>
         </p:txBody>
       </p:sp>
       <p:sp>
         <p:nvSpPr>
-          <p:cNvPr id="120" name="Google Shape;120;p18"/>
-          <p:cNvSpPr txBox="1"/>
+          <p:cNvPr id="3" name="Text Placeholder 2">
+            <a:extLst>
+              <a:ext uri="{FF2B5EF4-FFF2-40B4-BE49-F238E27FC236}">
+                <a16:creationId xmlns:a16="http://schemas.microsoft.com/office/drawing/2014/main" id="{C6976192-70A7-26B0-84DD-854260E8D422}"/>
+              </a:ext>
+            </a:extLst>
+          </p:cNvPr>
+          <p:cNvSpPr>
+            <a:spLocks noGrp="1"/>
+          </p:cNvSpPr>
           <p:nvPr>
-            <p:ph idx="1" type="body"/>
+            <p:ph type="body" idx="1"/>
           </p:nvPr>
         </p:nvSpPr>
-        <p:spPr>
-          <a:xfrm>
-            <a:off x="727650" y="1468975"/>
-            <a:ext cx="7688700" cy="2261100"/>
-          </a:xfrm>
-          <a:prstGeom prst="rect">
-            <a:avLst/>
-          </a:prstGeom>
-        </p:spPr>
+        <p:spPr/>
         <p:txBody>
-          <a:bodyPr anchorCtr="0" anchor="t" bIns="91425" lIns="91425" spcFirstLastPara="1" rIns="91425" wrap="square" tIns="91425">
-            <a:normAutofit/>
-          </a:bodyPr>
+          <a:bodyPr/>
           <a:lstStyle/>
           <a:p>
-            <a:pPr indent="-298450" lvl="1" marL="914400" rtl="0" algn="l">
-              <a:spcBef>
-                <a:spcPts val="0"/>
-              </a:spcBef>
-              <a:spcAft>
-                <a:spcPts val="0"/>
-              </a:spcAft>
-              <a:buSzPts val="1100"/>
-              <a:buChar char="-"/>
-            </a:pPr>
-            <a:r>
-              <a:rPr lang="en-GB" sz="1300"/>
-              <a:t>1. Good result on simulator:</a:t>
-            </a:r>
-            <a:endParaRPr sz="1300"/>
-          </a:p>
-          <a:p>
-            <a:pPr indent="-311150" lvl="2" marL="1371600" rtl="0" algn="l">
-              <a:spcBef>
-                <a:spcPts val="0"/>
-              </a:spcBef>
-              <a:spcAft>
-                <a:spcPts val="0"/>
-              </a:spcAft>
-              <a:buSzPts val="1300"/>
-              <a:buChar char="-"/>
-            </a:pPr>
-            <a:r>
-              <a:rPr lang="en-GB" sz="1300"/>
-              <a:t>Initial state symmetric</a:t>
-            </a:r>
-            <a:endParaRPr sz="1300"/>
-          </a:p>
-          <a:p>
-            <a:pPr indent="-298450" lvl="2" marL="1371600" rtl="0" algn="l">
-              <a:spcBef>
-                <a:spcPts val="0"/>
-              </a:spcBef>
-              <a:spcAft>
-                <a:spcPts val="0"/>
-              </a:spcAft>
-              <a:buSzPts val="1100"/>
-              <a:buChar char="-"/>
-            </a:pPr>
-            <a:r>
-              <a:rPr lang="en-GB"/>
-              <a:t>Coef of step function</a:t>
-            </a:r>
-            <a:endParaRPr/>
-          </a:p>
-          <a:p>
-            <a:pPr indent="-298450" lvl="2" marL="1371600" rtl="0" algn="l">
-              <a:spcBef>
-                <a:spcPts val="0"/>
-              </a:spcBef>
-              <a:spcAft>
-                <a:spcPts val="0"/>
-              </a:spcAft>
-              <a:buSzPts val="1100"/>
-              <a:buChar char="-"/>
-            </a:pPr>
-            <a:r>
-              <a:rPr lang="en-GB"/>
-              <a:t>Trotterization/Random compiling</a:t>
-            </a:r>
-            <a:endParaRPr/>
-          </a:p>
-          <a:p>
-            <a:pPr indent="-298450" lvl="1" marL="914400" rtl="0" algn="l">
-              <a:spcBef>
-                <a:spcPts val="0"/>
-              </a:spcBef>
-              <a:spcAft>
-                <a:spcPts val="0"/>
-              </a:spcAft>
-              <a:buSzPts val="1100"/>
-              <a:buChar char="-"/>
-            </a:pPr>
-            <a:r>
-              <a:t/>
-            </a:r>
-            <a:endParaRPr/>
+            <a:endParaRPr lang="en-CN" dirty="0"/>
           </a:p>
         </p:txBody>
       </p:sp>
     </p:spTree>
+    <p:extLst>
+      <p:ext uri="{BB962C8B-B14F-4D97-AF65-F5344CB8AC3E}">
+        <p14:creationId xmlns:p14="http://schemas.microsoft.com/office/powerpoint/2010/main" val="3365246599"/>
+      </p:ext>
+    </p:extLst>
   </p:cSld>
   <p:clrMapOvr>
     <a:masterClrMapping/>
@@ -8742,11 +12279,11 @@
 </file>
 
 <file path=ppt/slides/slide7.xml><?xml version="1.0" encoding="utf-8"?>
-<p:sld xmlns:a="http://schemas.openxmlformats.org/drawingml/2006/main" xmlns:r="http://schemas.openxmlformats.org/officeDocument/2006/relationships" xmlns:mc="http://schemas.openxmlformats.org/markup-compatibility/2006" xmlns:mv="urn:schemas-microsoft-com:mac:vml" xmlns:p="http://schemas.openxmlformats.org/presentationml/2006/main" xmlns:c="http://schemas.openxmlformats.org/drawingml/2006/chart" xmlns:dgm="http://schemas.openxmlformats.org/drawingml/2006/diagram" xmlns:o="urn:schemas-microsoft-com:office:office" xmlns:v="urn:schemas-microsoft-com:vml" xmlns:pvml="urn:schemas-microsoft-com:office:powerpoint" xmlns:com="http://schemas.openxmlformats.org/drawingml/2006/compatibility" xmlns:p14="http://schemas.microsoft.com/office/powerpoint/2010/main" xmlns:p15="http://schemas.microsoft.com/office/powerpoint/2012/main" xmlns:ahyp="http://schemas.microsoft.com/office/drawing/2018/hyperlinkcolor">
+<p:sld xmlns:a="http://schemas.openxmlformats.org/drawingml/2006/main" xmlns:r="http://schemas.openxmlformats.org/officeDocument/2006/relationships" xmlns:p="http://schemas.openxmlformats.org/presentationml/2006/main">
   <p:cSld>
     <p:spTree>
       <p:nvGrpSpPr>
-        <p:cNvPr id="124" name="Shape 124"/>
+        <p:cNvPr id="1" name=""/>
         <p:cNvGrpSpPr/>
         <p:nvPr/>
       </p:nvGrpSpPr>
@@ -8760,83 +12297,322 @@
       </p:grpSpPr>
       <p:sp>
         <p:nvSpPr>
-          <p:cNvPr id="125" name="Google Shape;125;p19"/>
-          <p:cNvSpPr txBox="1"/>
+          <p:cNvPr id="2" name="Title 1">
+            <a:extLst>
+              <a:ext uri="{FF2B5EF4-FFF2-40B4-BE49-F238E27FC236}">
+                <a16:creationId xmlns:a16="http://schemas.microsoft.com/office/drawing/2014/main" id="{03D0D8F2-1605-089F-0FA7-8977CEFBB09C}"/>
+              </a:ext>
+            </a:extLst>
+          </p:cNvPr>
+          <p:cNvSpPr>
+            <a:spLocks noGrp="1"/>
+          </p:cNvSpPr>
           <p:nvPr>
             <p:ph type="title"/>
           </p:nvPr>
         </p:nvSpPr>
-        <p:spPr>
-          <a:xfrm>
-            <a:off x="0" y="0"/>
-            <a:ext cx="7688700" cy="535200"/>
-          </a:xfrm>
-          <a:prstGeom prst="rect">
-            <a:avLst/>
-          </a:prstGeom>
-        </p:spPr>
+        <p:spPr/>
         <p:txBody>
-          <a:bodyPr anchorCtr="0" anchor="t" bIns="91425" lIns="91425" spcFirstLastPara="1" rIns="91425" wrap="square" tIns="91425">
+          <a:bodyPr>
             <a:normAutofit fontScale="90000"/>
           </a:bodyPr>
           <a:lstStyle/>
           <a:p>
-            <a:pPr indent="0" lvl="0" marL="0" rtl="0" algn="l">
-              <a:spcBef>
-                <a:spcPts val="0"/>
-              </a:spcBef>
-              <a:spcAft>
-                <a:spcPts val="0"/>
-              </a:spcAft>
-              <a:buNone/>
-            </a:pPr>
-            <a:r>
-              <a:t/>
-            </a:r>
-            <a:endParaRPr/>
+            <a:r>
+              <a:rPr lang="en-US" altLang="zh-CN" dirty="0" err="1"/>
+              <a:t>Trotterization</a:t>
+            </a:r>
+            <a:r>
+              <a:rPr lang="zh-CN" altLang="en-US" dirty="0"/>
+              <a:t> </a:t>
+            </a:r>
+            <a:r>
+              <a:rPr lang="en-US" altLang="zh-CN" dirty="0"/>
+              <a:t>or</a:t>
+            </a:r>
+            <a:r>
+              <a:rPr lang="zh-CN" altLang="en-US" dirty="0"/>
+              <a:t> </a:t>
+            </a:r>
+            <a:r>
+              <a:rPr lang="en-US" altLang="zh-CN" dirty="0"/>
+              <a:t>random</a:t>
+            </a:r>
+            <a:r>
+              <a:rPr lang="zh-CN" altLang="en-US" dirty="0"/>
+              <a:t> </a:t>
+            </a:r>
+            <a:r>
+              <a:rPr lang="en-US" altLang="zh-CN" dirty="0"/>
+              <a:t>compiling?</a:t>
+            </a:r>
+            <a:endParaRPr lang="en-CN" dirty="0"/>
           </a:p>
         </p:txBody>
       </p:sp>
       <p:sp>
         <p:nvSpPr>
-          <p:cNvPr id="126" name="Google Shape;126;p19"/>
-          <p:cNvSpPr txBox="1"/>
+          <p:cNvPr id="3" name="Text Placeholder 2">
+            <a:extLst>
+              <a:ext uri="{FF2B5EF4-FFF2-40B4-BE49-F238E27FC236}">
+                <a16:creationId xmlns:a16="http://schemas.microsoft.com/office/drawing/2014/main" id="{9140692A-3D9D-8922-F0CB-9D6256CA39E3}"/>
+              </a:ext>
+            </a:extLst>
+          </p:cNvPr>
+          <p:cNvSpPr>
+            <a:spLocks noGrp="1"/>
+          </p:cNvSpPr>
           <p:nvPr>
-            <p:ph idx="1" type="body"/>
+            <p:ph type="body" idx="1"/>
           </p:nvPr>
         </p:nvSpPr>
-        <p:spPr>
-          <a:xfrm>
-            <a:off x="729450" y="2078875"/>
-            <a:ext cx="7688700" cy="2261100"/>
-          </a:xfrm>
-          <a:prstGeom prst="rect">
-            <a:avLst/>
-          </a:prstGeom>
-        </p:spPr>
+        <p:spPr/>
         <p:txBody>
-          <a:bodyPr anchorCtr="0" anchor="t" bIns="91425" lIns="91425" spcFirstLastPara="1" rIns="91425" wrap="square" tIns="91425">
-            <a:normAutofit/>
-          </a:bodyPr>
+          <a:bodyPr/>
           <a:lstStyle/>
           <a:p>
-            <a:pPr indent="0" lvl="0" marL="0" rtl="0" algn="l">
-              <a:spcBef>
-                <a:spcPts val="0"/>
-              </a:spcBef>
-              <a:spcAft>
-                <a:spcPts val="1200"/>
-              </a:spcAft>
-              <a:buNone/>
-            </a:pPr>
-            <a:r>
-              <a:t/>
-            </a:r>
-            <a:endParaRPr/>
+            <a:endParaRPr lang="en-CN"/>
           </a:p>
         </p:txBody>
       </p:sp>
     </p:spTree>
+    <p:extLst>
+      <p:ext uri="{BB962C8B-B14F-4D97-AF65-F5344CB8AC3E}">
+        <p14:creationId xmlns:p14="http://schemas.microsoft.com/office/powerpoint/2010/main" val="2712325999"/>
+      </p:ext>
+    </p:extLst>
+  </p:cSld>
+  <p:clrMapOvr>
+    <a:masterClrMapping/>
+  </p:clrMapOvr>
+</p:sld>
+</file>
+
+<file path=ppt/slides/slide8.xml><?xml version="1.0" encoding="utf-8"?>
+<p:sld xmlns:a="http://schemas.openxmlformats.org/drawingml/2006/main" xmlns:r="http://schemas.openxmlformats.org/officeDocument/2006/relationships" xmlns:p="http://schemas.openxmlformats.org/presentationml/2006/main">
+  <p:cSld>
+    <p:spTree>
+      <p:nvGrpSpPr>
+        <p:cNvPr id="1" name=""/>
+        <p:cNvGrpSpPr/>
+        <p:nvPr/>
+      </p:nvGrpSpPr>
+      <p:grpSpPr>
+        <a:xfrm>
+          <a:off x="0" y="0"/>
+          <a:ext cx="0" cy="0"/>
+          <a:chOff x="0" y="0"/>
+          <a:chExt cx="0" cy="0"/>
+        </a:xfrm>
+      </p:grpSpPr>
+      <p:sp>
+        <p:nvSpPr>
+          <p:cNvPr id="2" name="Title 1">
+            <a:extLst>
+              <a:ext uri="{FF2B5EF4-FFF2-40B4-BE49-F238E27FC236}">
+                <a16:creationId xmlns:a16="http://schemas.microsoft.com/office/drawing/2014/main" id="{83348165-1318-1030-6250-B0EF7A61E94D}"/>
+              </a:ext>
+            </a:extLst>
+          </p:cNvPr>
+          <p:cNvSpPr>
+            <a:spLocks noGrp="1"/>
+          </p:cNvSpPr>
+          <p:nvPr>
+            <p:ph type="title"/>
+          </p:nvPr>
+        </p:nvSpPr>
+        <p:spPr/>
+        <p:txBody>
+          <a:bodyPr>
+            <a:normAutofit fontScale="90000"/>
+          </a:bodyPr>
+          <a:lstStyle/>
+          <a:p>
+            <a:r>
+              <a:rPr lang="en-US" altLang="zh-CN" dirty="0"/>
+              <a:t>Error</a:t>
+            </a:r>
+            <a:r>
+              <a:rPr lang="zh-CN" altLang="en-US" dirty="0"/>
+              <a:t> </a:t>
+            </a:r>
+            <a:r>
+              <a:rPr lang="en-US" altLang="zh-CN" dirty="0"/>
+              <a:t>mitigation</a:t>
+            </a:r>
+            <a:r>
+              <a:rPr lang="zh-CN" altLang="en-US" dirty="0"/>
+              <a:t> </a:t>
+            </a:r>
+            <a:r>
+              <a:rPr lang="en-US" altLang="zh-CN" dirty="0"/>
+              <a:t>on</a:t>
+            </a:r>
+            <a:r>
+              <a:rPr lang="zh-CN" altLang="en-US" dirty="0"/>
+              <a:t> </a:t>
+            </a:r>
+            <a:r>
+              <a:rPr lang="en-US" altLang="zh-CN" dirty="0"/>
+              <a:t>a</a:t>
+            </a:r>
+            <a:r>
+              <a:rPr lang="zh-CN" altLang="en-US" dirty="0"/>
+              <a:t> </a:t>
+            </a:r>
+            <a:r>
+              <a:rPr lang="en-US" altLang="zh-CN" dirty="0" err="1"/>
+              <a:t>FakeSimulator</a:t>
+            </a:r>
+            <a:endParaRPr lang="en-CN" dirty="0"/>
+          </a:p>
+        </p:txBody>
+      </p:sp>
+      <p:sp>
+        <p:nvSpPr>
+          <p:cNvPr id="3" name="Text Placeholder 2">
+            <a:extLst>
+              <a:ext uri="{FF2B5EF4-FFF2-40B4-BE49-F238E27FC236}">
+                <a16:creationId xmlns:a16="http://schemas.microsoft.com/office/drawing/2014/main" id="{7CE42EC5-596A-E535-75A3-0B551EFAFFC3}"/>
+              </a:ext>
+            </a:extLst>
+          </p:cNvPr>
+          <p:cNvSpPr>
+            <a:spLocks noGrp="1"/>
+          </p:cNvSpPr>
+          <p:nvPr>
+            <p:ph type="body" idx="1"/>
+          </p:nvPr>
+        </p:nvSpPr>
+        <p:spPr/>
+        <p:txBody>
+          <a:bodyPr/>
+          <a:lstStyle/>
+          <a:p>
+            <a:endParaRPr lang="en-CN"/>
+          </a:p>
+        </p:txBody>
+      </p:sp>
+    </p:spTree>
+    <p:extLst>
+      <p:ext uri="{BB962C8B-B14F-4D97-AF65-F5344CB8AC3E}">
+        <p14:creationId xmlns:p14="http://schemas.microsoft.com/office/powerpoint/2010/main" val="898891090"/>
+      </p:ext>
+    </p:extLst>
+  </p:cSld>
+  <p:clrMapOvr>
+    <a:masterClrMapping/>
+  </p:clrMapOvr>
+</p:sld>
+</file>
+
+<file path=ppt/slides/slide9.xml><?xml version="1.0" encoding="utf-8"?>
+<p:sld xmlns:a="http://schemas.openxmlformats.org/drawingml/2006/main" xmlns:r="http://schemas.openxmlformats.org/officeDocument/2006/relationships" xmlns:p="http://schemas.openxmlformats.org/presentationml/2006/main">
+  <p:cSld>
+    <p:spTree>
+      <p:nvGrpSpPr>
+        <p:cNvPr id="1" name=""/>
+        <p:cNvGrpSpPr/>
+        <p:nvPr/>
+      </p:nvGrpSpPr>
+      <p:grpSpPr>
+        <a:xfrm>
+          <a:off x="0" y="0"/>
+          <a:ext cx="0" cy="0"/>
+          <a:chOff x="0" y="0"/>
+          <a:chExt cx="0" cy="0"/>
+        </a:xfrm>
+      </p:grpSpPr>
+      <p:sp>
+        <p:nvSpPr>
+          <p:cNvPr id="2" name="Title 1">
+            <a:extLst>
+              <a:ext uri="{FF2B5EF4-FFF2-40B4-BE49-F238E27FC236}">
+                <a16:creationId xmlns:a16="http://schemas.microsoft.com/office/drawing/2014/main" id="{39D8A0E1-4136-C821-B5F0-35D2E763BF8A}"/>
+              </a:ext>
+            </a:extLst>
+          </p:cNvPr>
+          <p:cNvSpPr>
+            <a:spLocks noGrp="1"/>
+          </p:cNvSpPr>
+          <p:nvPr>
+            <p:ph type="title"/>
+          </p:nvPr>
+        </p:nvSpPr>
+        <p:spPr/>
+        <p:txBody>
+          <a:bodyPr>
+            <a:normAutofit fontScale="90000"/>
+          </a:bodyPr>
+          <a:lstStyle/>
+          <a:p>
+            <a:r>
+              <a:rPr lang="en-US" altLang="zh-CN" dirty="0"/>
+              <a:t>A</a:t>
+            </a:r>
+            <a:r>
+              <a:rPr lang="zh-CN" altLang="en-US" dirty="0"/>
+              <a:t> </a:t>
+            </a:r>
+            <a:r>
+              <a:rPr lang="en-US" altLang="zh-CN" dirty="0"/>
+              <a:t>try</a:t>
+            </a:r>
+            <a:r>
+              <a:rPr lang="zh-CN" altLang="en-US" dirty="0"/>
+              <a:t> </a:t>
+            </a:r>
+            <a:r>
+              <a:rPr lang="en-US" altLang="zh-CN" dirty="0"/>
+              <a:t>on</a:t>
+            </a:r>
+            <a:r>
+              <a:rPr lang="zh-CN" altLang="en-US" dirty="0"/>
+              <a:t> </a:t>
+            </a:r>
+            <a:r>
+              <a:rPr lang="en-US" altLang="zh-CN" i="1" dirty="0" err="1"/>
+              <a:t>ibm_guadalupe</a:t>
+            </a:r>
+            <a:r>
+              <a:rPr lang="en-US" altLang="zh-CN" dirty="0"/>
+              <a:t>(16-qubit)</a:t>
+            </a:r>
+            <a:endParaRPr lang="en-CN" dirty="0"/>
+          </a:p>
+        </p:txBody>
+      </p:sp>
+      <p:sp>
+        <p:nvSpPr>
+          <p:cNvPr id="3" name="Text Placeholder 2">
+            <a:extLst>
+              <a:ext uri="{FF2B5EF4-FFF2-40B4-BE49-F238E27FC236}">
+                <a16:creationId xmlns:a16="http://schemas.microsoft.com/office/drawing/2014/main" id="{C143376C-40CE-8AF9-A198-E9EA8F613DAD}"/>
+              </a:ext>
+            </a:extLst>
+          </p:cNvPr>
+          <p:cNvSpPr>
+            <a:spLocks noGrp="1"/>
+          </p:cNvSpPr>
+          <p:nvPr>
+            <p:ph type="body" idx="1"/>
+          </p:nvPr>
+        </p:nvSpPr>
+        <p:spPr/>
+        <p:txBody>
+          <a:bodyPr/>
+          <a:lstStyle/>
+          <a:p>
+            <a:endParaRPr lang="en-CN"/>
+          </a:p>
+        </p:txBody>
+      </p:sp>
+    </p:spTree>
+    <p:extLst>
+      <p:ext uri="{BB962C8B-B14F-4D97-AF65-F5344CB8AC3E}">
+        <p14:creationId xmlns:p14="http://schemas.microsoft.com/office/powerpoint/2010/main" val="1328616443"/>
+      </p:ext>
+    </p:extLst>
   </p:cSld>
   <p:clrMapOvr>
     <a:masterClrMapping/>
@@ -8845,7 +12621,7 @@
 </file>
 
 <file path=ppt/theme/theme1.xml><?xml version="1.0" encoding="utf-8"?>
-<a:theme xmlns:a="http://schemas.openxmlformats.org/drawingml/2006/main" xmlns:r="http://schemas.openxmlformats.org/officeDocument/2006/relationships" name="Streamline">
+<a:theme xmlns:a="http://schemas.openxmlformats.org/drawingml/2006/main" name="Streamline">
   <a:themeElements>
     <a:clrScheme name="Streamline">
       <a:dk1>
@@ -9120,11 +12896,13 @@
       </a:bgFillStyleLst>
     </a:fmtScheme>
   </a:themeElements>
+  <a:objectDefaults/>
+  <a:extraClrSchemeLst/>
 </a:theme>
 </file>
 
 <file path=ppt/theme/theme2.xml><?xml version="1.0" encoding="utf-8"?>
-<a:theme xmlns:a="http://schemas.openxmlformats.org/drawingml/2006/main" xmlns:r="http://schemas.openxmlformats.org/officeDocument/2006/relationships">
+<a:theme xmlns:a="http://schemas.openxmlformats.org/drawingml/2006/main">
   <a:themeElements>
     <a:clrScheme name="Default">
       <a:dk1>
@@ -9399,5 +13177,7 @@
       </a:bgFillStyleLst>
     </a:fmtScheme>
   </a:themeElements>
+  <a:objectDefaults/>
+  <a:extraClrSchemeLst/>
 </a:theme>
 </file>
--- a/QHack-SunnyDelft.pptx
+++ b/QHack-SunnyDelft.pptx
@@ -7788,7 +7788,7 @@
           <a:bodyPr/>
           <a:lstStyle/>
           <a:p>
-            <a:endParaRPr lang="en-CN"/>
+            <a:endParaRPr lang="en-CN" dirty="0"/>
           </a:p>
         </p:txBody>
       </p:sp>
@@ -12265,6 +12265,36 @@
           </a:p>
         </p:txBody>
       </p:sp>
+      <p:pic>
+        <p:nvPicPr>
+          <p:cNvPr id="6" name="Picture 5">
+            <a:extLst>
+              <a:ext uri="{FF2B5EF4-FFF2-40B4-BE49-F238E27FC236}">
+                <a16:creationId xmlns:a16="http://schemas.microsoft.com/office/drawing/2014/main" id="{2CD96AA7-7546-E09E-358F-021AFEEE6177}"/>
+              </a:ext>
+            </a:extLst>
+          </p:cNvPr>
+          <p:cNvPicPr>
+            <a:picLocks noChangeAspect="1"/>
+          </p:cNvPicPr>
+          <p:nvPr/>
+        </p:nvPicPr>
+        <p:blipFill>
+          <a:blip r:embed="rId2"/>
+          <a:stretch>
+            <a:fillRect/>
+          </a:stretch>
+        </p:blipFill>
+        <p:spPr>
+          <a:xfrm>
+            <a:off x="1535580" y="2560214"/>
+            <a:ext cx="5248462" cy="2013109"/>
+          </a:xfrm>
+          <a:prstGeom prst="rect">
+            <a:avLst/>
+          </a:prstGeom>
+        </p:spPr>
+      </p:pic>
     </p:spTree>
     <p:extLst>
       <p:ext uri="{BB962C8B-B14F-4D97-AF65-F5344CB8AC3E}">
@@ -12371,10 +12401,180 @@
           <a:bodyPr/>
           <a:lstStyle/>
           <a:p>
-            <a:endParaRPr lang="en-CN"/>
+            <a:r>
+              <a:rPr lang="en-US" altLang="zh-CN" dirty="0"/>
+              <a:t>Insufficient</a:t>
+            </a:r>
+            <a:r>
+              <a:rPr lang="zh-CN" altLang="en-US" dirty="0"/>
+              <a:t> </a:t>
+            </a:r>
+            <a:r>
+              <a:rPr lang="en-US" altLang="zh-CN" dirty="0" err="1"/>
+              <a:t>trotterization</a:t>
+            </a:r>
+            <a:r>
+              <a:rPr lang="zh-CN" altLang="en-US" dirty="0"/>
+              <a:t> </a:t>
+            </a:r>
+            <a:r>
+              <a:rPr lang="en-US" altLang="zh-CN" dirty="0"/>
+              <a:t>step</a:t>
+            </a:r>
+            <a:r>
+              <a:rPr lang="zh-CN" altLang="en-US" dirty="0"/>
+              <a:t> </a:t>
+            </a:r>
+            <a:r>
+              <a:rPr lang="en-US" altLang="zh-CN" dirty="0"/>
+              <a:t>will</a:t>
+            </a:r>
+            <a:r>
+              <a:rPr lang="zh-CN" altLang="en-US" dirty="0"/>
+              <a:t> </a:t>
+            </a:r>
+            <a:r>
+              <a:rPr lang="en-US" altLang="zh-CN" dirty="0"/>
+              <a:t>lead</a:t>
+            </a:r>
+            <a:r>
+              <a:rPr lang="zh-CN" altLang="en-US" dirty="0"/>
+              <a:t> </a:t>
+            </a:r>
+            <a:r>
+              <a:rPr lang="en-US" altLang="zh-CN" dirty="0"/>
+              <a:t>to</a:t>
+            </a:r>
+            <a:r>
+              <a:rPr lang="zh-CN" altLang="en-US" dirty="0"/>
+              <a:t> </a:t>
+            </a:r>
+            <a:r>
+              <a:rPr lang="en-US" altLang="zh-CN" dirty="0"/>
+              <a:t>a</a:t>
+            </a:r>
+            <a:r>
+              <a:rPr lang="zh-CN" altLang="en-US" dirty="0"/>
+              <a:t> </a:t>
+            </a:r>
+            <a:r>
+              <a:rPr lang="en-US" altLang="zh-CN" dirty="0"/>
+              <a:t>flat</a:t>
+            </a:r>
+            <a:r>
+              <a:rPr lang="zh-CN" altLang="en-US" dirty="0"/>
+              <a:t> </a:t>
+            </a:r>
+            <a:r>
+              <a:rPr lang="en-US" altLang="zh-CN" dirty="0"/>
+              <a:t>ACDF,</a:t>
+            </a:r>
+            <a:r>
+              <a:rPr lang="zh-CN" altLang="en-US" dirty="0"/>
+              <a:t> </a:t>
+            </a:r>
+            <a:r>
+              <a:rPr lang="en-US" altLang="zh-CN" dirty="0"/>
+              <a:t>which</a:t>
+            </a:r>
+            <a:r>
+              <a:rPr lang="zh-CN" altLang="en-US" dirty="0"/>
+              <a:t> </a:t>
+            </a:r>
+            <a:r>
+              <a:rPr lang="en-US" altLang="zh-CN" dirty="0"/>
+              <a:t>is</a:t>
+            </a:r>
+            <a:r>
+              <a:rPr lang="zh-CN" altLang="en-US" dirty="0"/>
+              <a:t> </a:t>
+            </a:r>
+            <a:r>
+              <a:rPr lang="en-US" altLang="zh-CN" dirty="0"/>
+              <a:t>not</a:t>
+            </a:r>
+            <a:r>
+              <a:rPr lang="zh-CN" altLang="en-US" dirty="0"/>
+              <a:t> </a:t>
+            </a:r>
+            <a:r>
+              <a:rPr lang="en-US" altLang="zh-CN" dirty="0"/>
+              <a:t>easy</a:t>
+            </a:r>
+            <a:r>
+              <a:rPr lang="zh-CN" altLang="en-US" dirty="0"/>
+              <a:t> </a:t>
+            </a:r>
+            <a:r>
+              <a:rPr lang="en-US" altLang="zh-CN" dirty="0"/>
+              <a:t>to</a:t>
+            </a:r>
+            <a:r>
+              <a:rPr lang="zh-CN" altLang="en-US" dirty="0"/>
+              <a:t> </a:t>
+            </a:r>
+            <a:r>
+              <a:rPr lang="en-US" altLang="zh-CN" dirty="0"/>
+              <a:t>recognize</a:t>
+            </a:r>
+            <a:r>
+              <a:rPr lang="zh-CN" altLang="en-US" dirty="0"/>
+              <a:t> </a:t>
+            </a:r>
+            <a:r>
+              <a:rPr lang="en-US" altLang="zh-CN" dirty="0"/>
+              <a:t>the</a:t>
+            </a:r>
+            <a:r>
+              <a:rPr lang="zh-CN" altLang="en-US" dirty="0"/>
+              <a:t> </a:t>
+            </a:r>
+            <a:r>
+              <a:rPr lang="en-US" altLang="zh-CN" dirty="0"/>
+              <a:t>jump(ground</a:t>
+            </a:r>
+            <a:r>
+              <a:rPr lang="zh-CN" altLang="en-US" dirty="0"/>
+              <a:t> </a:t>
+            </a:r>
+            <a:r>
+              <a:rPr lang="en-US" altLang="zh-CN" dirty="0"/>
+              <a:t>state).</a:t>
+            </a:r>
+            <a:endParaRPr lang="en-CN" dirty="0"/>
           </a:p>
         </p:txBody>
       </p:sp>
+      <p:pic>
+        <p:nvPicPr>
+          <p:cNvPr id="4" name="Picture 3">
+            <a:extLst>
+              <a:ext uri="{FF2B5EF4-FFF2-40B4-BE49-F238E27FC236}">
+                <a16:creationId xmlns:a16="http://schemas.microsoft.com/office/drawing/2014/main" id="{955DF9A0-92DE-5B86-7005-95A2A33512E8}"/>
+              </a:ext>
+            </a:extLst>
+          </p:cNvPr>
+          <p:cNvPicPr>
+            <a:picLocks noChangeAspect="1"/>
+          </p:cNvPicPr>
+          <p:nvPr/>
+        </p:nvPicPr>
+        <p:blipFill>
+          <a:blip r:embed="rId2"/>
+          <a:stretch>
+            <a:fillRect/>
+          </a:stretch>
+        </p:blipFill>
+        <p:spPr>
+          <a:xfrm>
+            <a:off x="1327150" y="2571750"/>
+            <a:ext cx="6489700" cy="2260600"/>
+          </a:xfrm>
+          <a:prstGeom prst="rect">
+            <a:avLst/>
+          </a:prstGeom>
+        </p:spPr>
+      </p:pic>
     </p:spTree>
     <p:extLst>
       <p:ext uri="{BB962C8B-B14F-4D97-AF65-F5344CB8AC3E}">
@@ -12489,7 +12689,43 @@
           <a:bodyPr/>
           <a:lstStyle/>
           <a:p>
-            <a:endParaRPr lang="en-CN"/>
+            <a:r>
+              <a:rPr lang="en-US" altLang="zh-CN" dirty="0"/>
+              <a:t>Random</a:t>
+            </a:r>
+            <a:r>
+              <a:rPr lang="zh-CN" altLang="en-US" dirty="0"/>
+              <a:t> </a:t>
+            </a:r>
+            <a:r>
+              <a:rPr lang="en-US" altLang="zh-CN" dirty="0"/>
+              <a:t>compiling</a:t>
+            </a:r>
+            <a:r>
+              <a:rPr lang="zh-CN" altLang="en-US" dirty="0"/>
+              <a:t> </a:t>
+            </a:r>
+            <a:r>
+              <a:rPr lang="en-US" altLang="zh-CN" dirty="0"/>
+              <a:t>and</a:t>
+            </a:r>
+            <a:r>
+              <a:rPr lang="zh-CN" altLang="en-US" dirty="0"/>
+              <a:t> </a:t>
+            </a:r>
+            <a:r>
+              <a:rPr lang="en-US" altLang="zh-CN" dirty="0"/>
+              <a:t>Error</a:t>
+            </a:r>
+            <a:r>
+              <a:rPr lang="zh-CN" altLang="en-US" dirty="0"/>
+              <a:t> </a:t>
+            </a:r>
+            <a:r>
+              <a:rPr lang="en-US" altLang="zh-CN" dirty="0"/>
+              <a:t>extrapolation.</a:t>
+            </a:r>
+            <a:endParaRPr lang="en-CN" dirty="0"/>
           </a:p>
         </p:txBody>
       </p:sp>
@@ -12603,7 +12839,7 @@
           <a:bodyPr/>
           <a:lstStyle/>
           <a:p>
-            <a:endParaRPr lang="en-CN"/>
+            <a:endParaRPr lang="en-CN" dirty="0"/>
           </a:p>
         </p:txBody>
       </p:sp>

--- a/QHack-SunnyDelft.pptx
+++ b/QHack-SunnyDelft.pptx
@@ -5,7 +5,7 @@
     <p:sldMasterId id="2147483659" r:id="rId1"/>
   </p:sldMasterIdLst>
   <p:notesMasterIdLst>
-    <p:notesMasterId r:id="rId14"/>
+    <p:notesMasterId r:id="rId16"/>
   </p:notesMasterIdLst>
   <p:sldIdLst>
     <p:sldId id="256" r:id="rId2"/>
@@ -14,33 +14,35 @@
     <p:sldId id="263" r:id="rId5"/>
     <p:sldId id="264" r:id="rId6"/>
     <p:sldId id="269" r:id="rId7"/>
-    <p:sldId id="265" r:id="rId8"/>
-    <p:sldId id="266" r:id="rId9"/>
-    <p:sldId id="267" r:id="rId10"/>
-    <p:sldId id="268" r:id="rId11"/>
-    <p:sldId id="261" r:id="rId12"/>
-    <p:sldId id="262" r:id="rId13"/>
+    <p:sldId id="276" r:id="rId8"/>
+    <p:sldId id="265" r:id="rId9"/>
+    <p:sldId id="274" r:id="rId10"/>
+    <p:sldId id="271" r:id="rId11"/>
+    <p:sldId id="275" r:id="rId12"/>
+    <p:sldId id="267" r:id="rId13"/>
+    <p:sldId id="268" r:id="rId14"/>
+    <p:sldId id="262" r:id="rId15"/>
   </p:sldIdLst>
   <p:sldSz cx="9144000" cy="5143500" type="screen16x9"/>
   <p:notesSz cx="6858000" cy="9144000"/>
   <p:embeddedFontLst>
     <p:embeddedFont>
       <p:font typeface="Cambria Math" panose="02040503050406030204" pitchFamily="18" charset="0"/>
-      <p:regular r:id="rId15"/>
+      <p:regular r:id="rId17"/>
     </p:embeddedFont>
     <p:embeddedFont>
       <p:font typeface="Lato" panose="020F0502020204030203" pitchFamily="34" charset="0"/>
-      <p:regular r:id="rId16"/>
-      <p:bold r:id="rId17"/>
-      <p:italic r:id="rId18"/>
-      <p:boldItalic r:id="rId19"/>
+      <p:regular r:id="rId18"/>
+      <p:bold r:id="rId19"/>
+      <p:italic r:id="rId20"/>
+      <p:boldItalic r:id="rId21"/>
     </p:embeddedFont>
     <p:embeddedFont>
       <p:font typeface="Raleway" pitchFamily="2" charset="77"/>
-      <p:regular r:id="rId20"/>
-      <p:bold r:id="rId21"/>
-      <p:italic r:id="rId22"/>
-      <p:boldItalic r:id="rId23"/>
+      <p:regular r:id="rId22"/>
+      <p:bold r:id="rId23"/>
+      <p:italic r:id="rId24"/>
+      <p:boldItalic r:id="rId25"/>
     </p:embeddedFont>
   </p:embeddedFontLst>
   <p:defaultTextStyle>
@@ -1045,110 +1047,6 @@
 </file>
 
 <file path=ppt/notesSlides/notesSlide4.xml><?xml version="1.0" encoding="utf-8"?>
-<p:notes xmlns:a="http://schemas.openxmlformats.org/drawingml/2006/main" xmlns:r="http://schemas.openxmlformats.org/officeDocument/2006/relationships" xmlns:p="http://schemas.openxmlformats.org/presentationml/2006/main" showMasterSp="0" showMasterPhAnim="0">
-  <p:cSld>
-    <p:spTree>
-      <p:nvGrpSpPr>
-        <p:cNvPr id="1" name="Shape 115"/>
-        <p:cNvGrpSpPr/>
-        <p:nvPr/>
-      </p:nvGrpSpPr>
-      <p:grpSpPr>
-        <a:xfrm>
-          <a:off x="0" y="0"/>
-          <a:ext cx="0" cy="0"/>
-          <a:chOff x="0" y="0"/>
-          <a:chExt cx="0" cy="0"/>
-        </a:xfrm>
-      </p:grpSpPr>
-      <p:sp>
-        <p:nvSpPr>
-          <p:cNvPr id="116" name="Google Shape;116;g2100d7d433a_1_17:notes"/>
-          <p:cNvSpPr>
-            <a:spLocks noGrp="1" noRot="1" noChangeAspect="1"/>
-          </p:cNvSpPr>
-          <p:nvPr>
-            <p:ph type="sldImg" idx="2"/>
-          </p:nvPr>
-        </p:nvSpPr>
-        <p:spPr>
-          <a:xfrm>
-            <a:off x="381000" y="685800"/>
-            <a:ext cx="6096000" cy="3429000"/>
-          </a:xfrm>
-          <a:custGeom>
-            <a:avLst/>
-            <a:gdLst/>
-            <a:ahLst/>
-            <a:cxnLst/>
-            <a:rect l="l" t="t" r="r" b="b"/>
-            <a:pathLst>
-              <a:path w="120000" h="120000" extrusionOk="0">
-                <a:moveTo>
-                  <a:pt x="0" y="0"/>
-                </a:moveTo>
-                <a:lnTo>
-                  <a:pt x="120000" y="0"/>
-                </a:lnTo>
-                <a:lnTo>
-                  <a:pt x="120000" y="120000"/>
-                </a:lnTo>
-                <a:lnTo>
-                  <a:pt x="0" y="120000"/>
-                </a:lnTo>
-                <a:close/>
-              </a:path>
-            </a:pathLst>
-          </a:custGeom>
-        </p:spPr>
-      </p:sp>
-      <p:sp>
-        <p:nvSpPr>
-          <p:cNvPr id="117" name="Google Shape;117;g2100d7d433a_1_17:notes"/>
-          <p:cNvSpPr txBox="1">
-            <a:spLocks noGrp="1"/>
-          </p:cNvSpPr>
-          <p:nvPr>
-            <p:ph type="body" idx="1"/>
-          </p:nvPr>
-        </p:nvSpPr>
-        <p:spPr>
-          <a:xfrm>
-            <a:off x="685800" y="4343400"/>
-            <a:ext cx="5486400" cy="4114800"/>
-          </a:xfrm>
-          <a:prstGeom prst="rect">
-            <a:avLst/>
-          </a:prstGeom>
-        </p:spPr>
-        <p:txBody>
-          <a:bodyPr spcFirstLastPara="1" wrap="square" lIns="91425" tIns="91425" rIns="91425" bIns="91425" anchor="t" anchorCtr="0">
-            <a:noAutofit/>
-          </a:bodyPr>
-          <a:lstStyle/>
-          <a:p>
-            <a:pPr marL="0" lvl="0" indent="0" algn="l" rtl="0">
-              <a:spcBef>
-                <a:spcPts val="0"/>
-              </a:spcBef>
-              <a:spcAft>
-                <a:spcPts val="0"/>
-              </a:spcAft>
-              <a:buNone/>
-            </a:pPr>
-            <a:endParaRPr/>
-          </a:p>
-        </p:txBody>
-      </p:sp>
-    </p:spTree>
-  </p:cSld>
-  <p:clrMapOvr>
-    <a:masterClrMapping/>
-  </p:clrMapOvr>
-</p:notes>
-</file>
-
-<file path=ppt/notesSlides/notesSlide5.xml><?xml version="1.0" encoding="utf-8"?>
 <p:notes xmlns:a="http://schemas.openxmlformats.org/drawingml/2006/main" xmlns:r="http://schemas.openxmlformats.org/officeDocument/2006/relationships" xmlns:p="http://schemas.openxmlformats.org/presentationml/2006/main" showMasterSp="0" showMasterPhAnim="0">
   <p:cSld>
     <p:spTree>
@@ -7742,6 +7640,1226 @@
       </p:grpSpPr>
       <p:sp>
         <p:nvSpPr>
+          <p:cNvPr id="12" name="Title 1">
+            <a:extLst>
+              <a:ext uri="{FF2B5EF4-FFF2-40B4-BE49-F238E27FC236}">
+                <a16:creationId xmlns:a16="http://schemas.microsoft.com/office/drawing/2014/main" id="{BA7C6FF6-3DD8-47A5-08E8-AE27EB08F0B7}"/>
+              </a:ext>
+            </a:extLst>
+          </p:cNvPr>
+          <p:cNvSpPr>
+            <a:spLocks noGrp="1"/>
+          </p:cNvSpPr>
+          <p:nvPr>
+            <p:ph type="title"/>
+          </p:nvPr>
+        </p:nvSpPr>
+        <p:spPr>
+          <a:xfrm>
+            <a:off x="0" y="0"/>
+            <a:ext cx="7688700" cy="535200"/>
+          </a:xfrm>
+        </p:spPr>
+        <p:txBody>
+          <a:bodyPr>
+            <a:normAutofit fontScale="90000"/>
+          </a:bodyPr>
+          <a:lstStyle/>
+          <a:p>
+            <a:r>
+              <a:rPr lang="en-US" altLang="zh-CN" dirty="0"/>
+              <a:t>Noisy</a:t>
+            </a:r>
+            <a:r>
+              <a:rPr lang="zh-CN" altLang="en-US" dirty="0"/>
+              <a:t> </a:t>
+            </a:r>
+            <a:r>
+              <a:rPr lang="en-US" altLang="zh-CN" dirty="0"/>
+              <a:t>simulation</a:t>
+            </a:r>
+            <a:r>
+              <a:rPr lang="zh-CN" altLang="en-US" dirty="0"/>
+              <a:t> </a:t>
+            </a:r>
+            <a:r>
+              <a:rPr lang="en-US" altLang="zh-CN" dirty="0"/>
+              <a:t>result</a:t>
+            </a:r>
+            <a:r>
+              <a:rPr lang="zh-CN" altLang="en-US" dirty="0"/>
+              <a:t> </a:t>
+            </a:r>
+            <a:r>
+              <a:rPr lang="en-US" altLang="zh-CN" dirty="0"/>
+              <a:t>(</a:t>
+            </a:r>
+            <a:r>
+              <a:rPr lang="en-US" altLang="zh-CN" dirty="0" err="1"/>
+              <a:t>N_sites</a:t>
+            </a:r>
+            <a:r>
+              <a:rPr lang="zh-CN" altLang="en-US" dirty="0"/>
+              <a:t> </a:t>
+            </a:r>
+            <a:r>
+              <a:rPr lang="en-US" altLang="zh-CN" dirty="0"/>
+              <a:t>=</a:t>
+            </a:r>
+            <a:r>
+              <a:rPr lang="zh-CN" altLang="en-US" dirty="0"/>
+              <a:t> </a:t>
+            </a:r>
+            <a:r>
+              <a:rPr lang="en-US" altLang="zh-CN" dirty="0"/>
+              <a:t>4)</a:t>
+            </a:r>
+            <a:endParaRPr lang="en-CN" dirty="0"/>
+          </a:p>
+        </p:txBody>
+      </p:sp>
+      <p:pic>
+        <p:nvPicPr>
+          <p:cNvPr id="1026" name="Picture 2">
+            <a:extLst>
+              <a:ext uri="{FF2B5EF4-FFF2-40B4-BE49-F238E27FC236}">
+                <a16:creationId xmlns:a16="http://schemas.microsoft.com/office/drawing/2014/main" id="{7CA8D22B-680A-CE7C-FEAD-F879C4B9F6C0}"/>
+              </a:ext>
+            </a:extLst>
+          </p:cNvPr>
+          <p:cNvPicPr>
+            <a:picLocks noChangeAspect="1" noChangeArrowheads="1"/>
+          </p:cNvPicPr>
+          <p:nvPr/>
+        </p:nvPicPr>
+        <p:blipFill>
+          <a:blip r:embed="rId2">
+            <a:extLst>
+              <a:ext uri="{28A0092B-C50C-407E-A947-70E740481C1C}">
+                <a14:useLocalDpi xmlns:a14="http://schemas.microsoft.com/office/drawing/2010/main" val="0"/>
+              </a:ext>
+            </a:extLst>
+          </a:blip>
+          <a:srcRect/>
+          <a:stretch>
+            <a:fillRect/>
+          </a:stretch>
+        </p:blipFill>
+        <p:spPr bwMode="auto">
+          <a:xfrm>
+            <a:off x="560659" y="1527724"/>
+            <a:ext cx="2816618" cy="2088052"/>
+          </a:xfrm>
+          <a:prstGeom prst="rect">
+            <a:avLst/>
+          </a:prstGeom>
+          <a:noFill/>
+          <a:extLst>
+            <a:ext uri="{909E8E84-426E-40DD-AFC4-6F175D3DCCD1}">
+              <a14:hiddenFill xmlns:a14="http://schemas.microsoft.com/office/drawing/2010/main">
+                <a:solidFill>
+                  <a:srgbClr val="FFFFFF"/>
+                </a:solidFill>
+              </a14:hiddenFill>
+            </a:ext>
+          </a:extLst>
+        </p:spPr>
+      </p:pic>
+      <p:sp>
+        <p:nvSpPr>
+          <p:cNvPr id="10" name="TextBox 14">
+            <a:extLst>
+              <a:ext uri="{FF2B5EF4-FFF2-40B4-BE49-F238E27FC236}">
+                <a16:creationId xmlns:a16="http://schemas.microsoft.com/office/drawing/2014/main" id="{4B7053B7-8B0E-3083-E1D0-E57DF7D0CDAC}"/>
+              </a:ext>
+            </a:extLst>
+          </p:cNvPr>
+          <p:cNvSpPr txBox="1"/>
+          <p:nvPr/>
+        </p:nvSpPr>
+        <p:spPr>
+          <a:xfrm>
+            <a:off x="792405" y="3615776"/>
+            <a:ext cx="2531472" cy="261610"/>
+          </a:xfrm>
+          <a:prstGeom prst="rect">
+            <a:avLst/>
+          </a:prstGeom>
+          <a:noFill/>
+        </p:spPr>
+        <p:txBody>
+          <a:bodyPr wrap="square" rtlCol="0">
+            <a:spAutoFit/>
+          </a:bodyPr>
+          <a:lstStyle/>
+          <a:p>
+            <a:pPr algn="ctr"/>
+            <a:r>
+              <a:rPr lang="en-US" altLang="zh-CN" sz="1100" i="1" dirty="0" err="1"/>
+              <a:t>N_sites</a:t>
+            </a:r>
+            <a:r>
+              <a:rPr lang="en-US" altLang="zh-CN" sz="1100" i="1" dirty="0"/>
+              <a:t>=4, CNOT gate error = 0.0002, </a:t>
+            </a:r>
+            <a:endParaRPr lang="en-CN" sz="1100" i="1" dirty="0"/>
+          </a:p>
+        </p:txBody>
+      </p:sp>
+      <p:sp>
+        <p:nvSpPr>
+          <p:cNvPr id="11" name="TextBox 14">
+            <a:extLst>
+              <a:ext uri="{FF2B5EF4-FFF2-40B4-BE49-F238E27FC236}">
+                <a16:creationId xmlns:a16="http://schemas.microsoft.com/office/drawing/2014/main" id="{4C9762D2-A6EF-708C-0DB4-E01FB26E2E6B}"/>
+              </a:ext>
+            </a:extLst>
+          </p:cNvPr>
+          <p:cNvSpPr txBox="1"/>
+          <p:nvPr/>
+        </p:nvSpPr>
+        <p:spPr>
+          <a:xfrm>
+            <a:off x="6859047" y="1416682"/>
+            <a:ext cx="1795684" cy="600164"/>
+          </a:xfrm>
+          <a:prstGeom prst="rect">
+            <a:avLst/>
+          </a:prstGeom>
+          <a:noFill/>
+        </p:spPr>
+        <p:txBody>
+          <a:bodyPr wrap="none" rtlCol="0">
+            <a:spAutoFit/>
+          </a:bodyPr>
+          <a:lstStyle/>
+          <a:p>
+            <a:r>
+              <a:rPr lang="en-US" altLang="zh-CN" sz="1100" i="1" dirty="0"/>
+              <a:t>Polynomial Curve Fitting:</a:t>
+            </a:r>
+          </a:p>
+          <a:p>
+            <a:r>
+              <a:rPr lang="en-US" sz="1100" i="1" dirty="0"/>
+              <a:t>Mitigated Value=-0.33139</a:t>
+            </a:r>
+          </a:p>
+          <a:p>
+            <a:r>
+              <a:rPr lang="en-US" sz="1100" i="1" dirty="0"/>
+              <a:t>Standard Value=-0.33135</a:t>
+            </a:r>
+            <a:endParaRPr lang="en-CN" sz="1100" i="1" dirty="0"/>
+          </a:p>
+        </p:txBody>
+      </p:sp>
+      <p:sp>
+        <p:nvSpPr>
+          <p:cNvPr id="17" name="TextBox 14">
+            <a:extLst>
+              <a:ext uri="{FF2B5EF4-FFF2-40B4-BE49-F238E27FC236}">
+                <a16:creationId xmlns:a16="http://schemas.microsoft.com/office/drawing/2014/main" id="{0393FC0B-DEAD-2E5E-9869-7A688D60E8A8}"/>
+              </a:ext>
+            </a:extLst>
+          </p:cNvPr>
+          <p:cNvSpPr txBox="1"/>
+          <p:nvPr/>
+        </p:nvSpPr>
+        <p:spPr>
+          <a:xfrm>
+            <a:off x="6859047" y="3397882"/>
+            <a:ext cx="1800493" cy="600164"/>
+          </a:xfrm>
+          <a:prstGeom prst="rect">
+            <a:avLst/>
+          </a:prstGeom>
+          <a:noFill/>
+        </p:spPr>
+        <p:txBody>
+          <a:bodyPr wrap="none" rtlCol="0">
+            <a:spAutoFit/>
+          </a:bodyPr>
+          <a:lstStyle/>
+          <a:p>
+            <a:r>
+              <a:rPr lang="en-US" altLang="zh-CN" sz="1100" i="1" dirty="0"/>
+              <a:t>Exponential Curve Fitting:</a:t>
+            </a:r>
+          </a:p>
+          <a:p>
+            <a:r>
+              <a:rPr lang="en-US" sz="1100" i="1" dirty="0"/>
+              <a:t>Mitigated Value=-0.33191</a:t>
+            </a:r>
+          </a:p>
+          <a:p>
+            <a:r>
+              <a:rPr lang="en-US" sz="1100" i="1" dirty="0"/>
+              <a:t>Standard Value=-0.33135</a:t>
+            </a:r>
+            <a:endParaRPr lang="en-CN" sz="1100" i="1" dirty="0"/>
+          </a:p>
+        </p:txBody>
+      </p:sp>
+      <p:pic>
+        <p:nvPicPr>
+          <p:cNvPr id="2054" name="Picture 6">
+            <a:extLst>
+              <a:ext uri="{FF2B5EF4-FFF2-40B4-BE49-F238E27FC236}">
+                <a16:creationId xmlns:a16="http://schemas.microsoft.com/office/drawing/2014/main" id="{09D1E201-0DA3-5326-733B-FEA16014EF0C}"/>
+              </a:ext>
+            </a:extLst>
+          </p:cNvPr>
+          <p:cNvPicPr>
+            <a:picLocks noChangeAspect="1" noChangeArrowheads="1"/>
+          </p:cNvPicPr>
+          <p:nvPr/>
+        </p:nvPicPr>
+        <p:blipFill>
+          <a:blip r:embed="rId3">
+            <a:extLst>
+              <a:ext uri="{28A0092B-C50C-407E-A947-70E740481C1C}">
+                <a14:useLocalDpi xmlns:a14="http://schemas.microsoft.com/office/drawing/2010/main" val="0"/>
+              </a:ext>
+            </a:extLst>
+          </a:blip>
+          <a:srcRect/>
+          <a:stretch>
+            <a:fillRect/>
+          </a:stretch>
+        </p:blipFill>
+        <p:spPr bwMode="auto">
+          <a:xfrm>
+            <a:off x="3656894" y="687486"/>
+            <a:ext cx="3013784" cy="2058556"/>
+          </a:xfrm>
+          <a:prstGeom prst="rect">
+            <a:avLst/>
+          </a:prstGeom>
+          <a:noFill/>
+          <a:extLst>
+            <a:ext uri="{909E8E84-426E-40DD-AFC4-6F175D3DCCD1}">
+              <a14:hiddenFill xmlns:a14="http://schemas.microsoft.com/office/drawing/2010/main">
+                <a:solidFill>
+                  <a:srgbClr val="FFFFFF"/>
+                </a:solidFill>
+              </a14:hiddenFill>
+            </a:ext>
+          </a:extLst>
+        </p:spPr>
+      </p:pic>
+      <p:pic>
+        <p:nvPicPr>
+          <p:cNvPr id="2056" name="Picture 8">
+            <a:extLst>
+              <a:ext uri="{FF2B5EF4-FFF2-40B4-BE49-F238E27FC236}">
+                <a16:creationId xmlns:a16="http://schemas.microsoft.com/office/drawing/2014/main" id="{3F0910DF-0525-1F6C-750A-36A3AEEB178A}"/>
+              </a:ext>
+            </a:extLst>
+          </p:cNvPr>
+          <p:cNvPicPr>
+            <a:picLocks noChangeAspect="1" noChangeArrowheads="1"/>
+          </p:cNvPicPr>
+          <p:nvPr/>
+        </p:nvPicPr>
+        <p:blipFill>
+          <a:blip r:embed="rId4">
+            <a:extLst>
+              <a:ext uri="{28A0092B-C50C-407E-A947-70E740481C1C}">
+                <a14:useLocalDpi xmlns:a14="http://schemas.microsoft.com/office/drawing/2010/main" val="0"/>
+              </a:ext>
+            </a:extLst>
+          </a:blip>
+          <a:srcRect/>
+          <a:stretch>
+            <a:fillRect/>
+          </a:stretch>
+        </p:blipFill>
+        <p:spPr bwMode="auto">
+          <a:xfrm>
+            <a:off x="3668701" y="2746042"/>
+            <a:ext cx="2990170" cy="2042426"/>
+          </a:xfrm>
+          <a:prstGeom prst="rect">
+            <a:avLst/>
+          </a:prstGeom>
+          <a:noFill/>
+          <a:extLst>
+            <a:ext uri="{909E8E84-426E-40DD-AFC4-6F175D3DCCD1}">
+              <a14:hiddenFill xmlns:a14="http://schemas.microsoft.com/office/drawing/2010/main">
+                <a:solidFill>
+                  <a:srgbClr val="FFFFFF"/>
+                </a:solidFill>
+              </a14:hiddenFill>
+            </a:ext>
+          </a:extLst>
+        </p:spPr>
+      </p:pic>
+      <p:sp>
+        <p:nvSpPr>
+          <p:cNvPr id="3" name="TextBox 2">
+            <a:extLst>
+              <a:ext uri="{FF2B5EF4-FFF2-40B4-BE49-F238E27FC236}">
+                <a16:creationId xmlns:a16="http://schemas.microsoft.com/office/drawing/2014/main" id="{B57E82C0-A6ED-D258-35C9-BF9B88903C96}"/>
+              </a:ext>
+            </a:extLst>
+          </p:cNvPr>
+          <p:cNvSpPr txBox="1"/>
+          <p:nvPr/>
+        </p:nvSpPr>
+        <p:spPr>
+          <a:xfrm>
+            <a:off x="792405" y="4788468"/>
+            <a:ext cx="4616688" cy="307777"/>
+          </a:xfrm>
+          <a:prstGeom prst="rect">
+            <a:avLst/>
+          </a:prstGeom>
+          <a:noFill/>
+        </p:spPr>
+        <p:txBody>
+          <a:bodyPr wrap="square">
+            <a:spAutoFit/>
+          </a:bodyPr>
+          <a:lstStyle/>
+          <a:p>
+            <a:r>
+              <a:rPr lang="en-US" altLang="zh-CN" sz="1400" b="1" dirty="0"/>
+              <a:t>Polynomial</a:t>
+            </a:r>
+            <a:r>
+              <a:rPr lang="zh-CN" altLang="en-US" sz="1400" b="1" dirty="0"/>
+              <a:t> </a:t>
+            </a:r>
+            <a:r>
+              <a:rPr lang="en-US" altLang="zh-CN" sz="1400" b="1" dirty="0"/>
+              <a:t>Extrapolation</a:t>
+            </a:r>
+            <a:r>
+              <a:rPr lang="zh-CN" altLang="en-US" sz="1400" b="1" dirty="0"/>
+              <a:t> </a:t>
+            </a:r>
+            <a:r>
+              <a:rPr lang="en-US" altLang="zh-CN" sz="1400" b="1" dirty="0"/>
+              <a:t>works</a:t>
+            </a:r>
+            <a:r>
+              <a:rPr lang="zh-CN" altLang="en-US" sz="1400" b="1" dirty="0"/>
+              <a:t> </a:t>
+            </a:r>
+            <a:r>
+              <a:rPr lang="en-US" altLang="zh-CN" sz="1400" b="1" dirty="0"/>
+              <a:t>better.</a:t>
+            </a:r>
+            <a:endParaRPr lang="en-CN" b="1" dirty="0"/>
+          </a:p>
+        </p:txBody>
+      </p:sp>
+    </p:spTree>
+    <p:extLst>
+      <p:ext uri="{BB962C8B-B14F-4D97-AF65-F5344CB8AC3E}">
+        <p14:creationId xmlns:p14="http://schemas.microsoft.com/office/powerpoint/2010/main" val="2194688830"/>
+      </p:ext>
+    </p:extLst>
+  </p:cSld>
+  <p:clrMapOvr>
+    <a:masterClrMapping/>
+  </p:clrMapOvr>
+</p:sld>
+</file>
+
+<file path=ppt/slides/slide11.xml><?xml version="1.0" encoding="utf-8"?>
+<p:sld xmlns:a="http://schemas.openxmlformats.org/drawingml/2006/main" xmlns:r="http://schemas.openxmlformats.org/officeDocument/2006/relationships" xmlns:p="http://schemas.openxmlformats.org/presentationml/2006/main">
+  <p:cSld>
+    <p:spTree>
+      <p:nvGrpSpPr>
+        <p:cNvPr id="1" name=""/>
+        <p:cNvGrpSpPr/>
+        <p:nvPr/>
+      </p:nvGrpSpPr>
+      <p:grpSpPr>
+        <a:xfrm>
+          <a:off x="0" y="0"/>
+          <a:ext cx="0" cy="0"/>
+          <a:chOff x="0" y="0"/>
+          <a:chExt cx="0" cy="0"/>
+        </a:xfrm>
+      </p:grpSpPr>
+      <p:sp>
+        <p:nvSpPr>
+          <p:cNvPr id="12" name="Title 1">
+            <a:extLst>
+              <a:ext uri="{FF2B5EF4-FFF2-40B4-BE49-F238E27FC236}">
+                <a16:creationId xmlns:a16="http://schemas.microsoft.com/office/drawing/2014/main" id="{BA7C6FF6-3DD8-47A5-08E8-AE27EB08F0B7}"/>
+              </a:ext>
+            </a:extLst>
+          </p:cNvPr>
+          <p:cNvSpPr>
+            <a:spLocks noGrp="1"/>
+          </p:cNvSpPr>
+          <p:nvPr>
+            <p:ph type="title"/>
+          </p:nvPr>
+        </p:nvSpPr>
+        <p:spPr>
+          <a:xfrm>
+            <a:off x="0" y="0"/>
+            <a:ext cx="7688700" cy="535200"/>
+          </a:xfrm>
+        </p:spPr>
+        <p:txBody>
+          <a:bodyPr>
+            <a:normAutofit fontScale="90000"/>
+          </a:bodyPr>
+          <a:lstStyle/>
+          <a:p>
+            <a:r>
+              <a:rPr lang="en-US" altLang="zh-CN" dirty="0"/>
+              <a:t>Noisy</a:t>
+            </a:r>
+            <a:r>
+              <a:rPr lang="zh-CN" altLang="en-US" dirty="0"/>
+              <a:t> </a:t>
+            </a:r>
+            <a:r>
+              <a:rPr lang="en-US" altLang="zh-CN" dirty="0"/>
+              <a:t>simulation</a:t>
+            </a:r>
+            <a:r>
+              <a:rPr lang="zh-CN" altLang="en-US" dirty="0"/>
+              <a:t> </a:t>
+            </a:r>
+            <a:r>
+              <a:rPr lang="en-US" altLang="zh-CN" dirty="0"/>
+              <a:t>result</a:t>
+            </a:r>
+            <a:r>
+              <a:rPr lang="zh-CN" altLang="en-US" dirty="0"/>
+              <a:t> </a:t>
+            </a:r>
+            <a:r>
+              <a:rPr lang="en-US" altLang="zh-CN" dirty="0"/>
+              <a:t>(</a:t>
+            </a:r>
+            <a:r>
+              <a:rPr lang="en-US" altLang="zh-CN" dirty="0" err="1"/>
+              <a:t>N_sites</a:t>
+            </a:r>
+            <a:r>
+              <a:rPr lang="zh-CN" altLang="en-US" dirty="0"/>
+              <a:t> </a:t>
+            </a:r>
+            <a:r>
+              <a:rPr lang="en-US" altLang="zh-CN" dirty="0"/>
+              <a:t>=</a:t>
+            </a:r>
+            <a:r>
+              <a:rPr lang="zh-CN" altLang="en-US" dirty="0"/>
+              <a:t> </a:t>
+            </a:r>
+            <a:r>
+              <a:rPr lang="en-US" altLang="zh-CN" dirty="0"/>
+              <a:t>6)</a:t>
+            </a:r>
+            <a:endParaRPr lang="en-CN" dirty="0"/>
+          </a:p>
+        </p:txBody>
+      </p:sp>
+      <p:sp>
+        <p:nvSpPr>
+          <p:cNvPr id="10" name="TextBox 14">
+            <a:extLst>
+              <a:ext uri="{FF2B5EF4-FFF2-40B4-BE49-F238E27FC236}">
+                <a16:creationId xmlns:a16="http://schemas.microsoft.com/office/drawing/2014/main" id="{4B7053B7-8B0E-3083-E1D0-E57DF7D0CDAC}"/>
+              </a:ext>
+            </a:extLst>
+          </p:cNvPr>
+          <p:cNvSpPr txBox="1"/>
+          <p:nvPr/>
+        </p:nvSpPr>
+        <p:spPr>
+          <a:xfrm>
+            <a:off x="792405" y="3615776"/>
+            <a:ext cx="2531472" cy="261610"/>
+          </a:xfrm>
+          <a:prstGeom prst="rect">
+            <a:avLst/>
+          </a:prstGeom>
+          <a:noFill/>
+        </p:spPr>
+        <p:txBody>
+          <a:bodyPr wrap="square" rtlCol="0">
+            <a:spAutoFit/>
+          </a:bodyPr>
+          <a:lstStyle/>
+          <a:p>
+            <a:pPr algn="ctr"/>
+            <a:r>
+              <a:rPr lang="en-US" altLang="zh-CN" sz="1100" i="1" dirty="0" err="1"/>
+              <a:t>N_sites</a:t>
+            </a:r>
+            <a:r>
+              <a:rPr lang="en-US" altLang="zh-CN" sz="1100" i="1" dirty="0"/>
+              <a:t>=6, CNOT gate error = 0.0002, </a:t>
+            </a:r>
+            <a:endParaRPr lang="en-CN" sz="1100" i="1" dirty="0"/>
+          </a:p>
+        </p:txBody>
+      </p:sp>
+      <p:sp>
+        <p:nvSpPr>
+          <p:cNvPr id="11" name="TextBox 14">
+            <a:extLst>
+              <a:ext uri="{FF2B5EF4-FFF2-40B4-BE49-F238E27FC236}">
+                <a16:creationId xmlns:a16="http://schemas.microsoft.com/office/drawing/2014/main" id="{4C9762D2-A6EF-708C-0DB4-E01FB26E2E6B}"/>
+              </a:ext>
+            </a:extLst>
+          </p:cNvPr>
+          <p:cNvSpPr txBox="1"/>
+          <p:nvPr/>
+        </p:nvSpPr>
+        <p:spPr>
+          <a:xfrm>
+            <a:off x="6838207" y="1416682"/>
+            <a:ext cx="1842171" cy="600164"/>
+          </a:xfrm>
+          <a:prstGeom prst="rect">
+            <a:avLst/>
+          </a:prstGeom>
+          <a:noFill/>
+        </p:spPr>
+        <p:txBody>
+          <a:bodyPr wrap="none" rtlCol="0">
+            <a:spAutoFit/>
+          </a:bodyPr>
+          <a:lstStyle/>
+          <a:p>
+            <a:r>
+              <a:rPr lang="en-US" altLang="zh-CN" sz="1100" i="1" dirty="0"/>
+              <a:t>Polynomial Curve Fitting:</a:t>
+            </a:r>
+          </a:p>
+          <a:p>
+            <a:r>
+              <a:rPr lang="en-US" sz="1100" i="1" dirty="0"/>
+              <a:t>Mitigated Value=-0.09983</a:t>
+            </a:r>
+          </a:p>
+          <a:p>
+            <a:r>
+              <a:rPr lang="en-US" sz="1100" i="1" dirty="0"/>
+              <a:t>Standard Value=-0.10093</a:t>
+            </a:r>
+            <a:endParaRPr lang="en-CN" sz="1100" i="1" dirty="0"/>
+          </a:p>
+        </p:txBody>
+      </p:sp>
+      <p:sp>
+        <p:nvSpPr>
+          <p:cNvPr id="17" name="TextBox 14">
+            <a:extLst>
+              <a:ext uri="{FF2B5EF4-FFF2-40B4-BE49-F238E27FC236}">
+                <a16:creationId xmlns:a16="http://schemas.microsoft.com/office/drawing/2014/main" id="{0393FC0B-DEAD-2E5E-9869-7A688D60E8A8}"/>
+              </a:ext>
+            </a:extLst>
+          </p:cNvPr>
+          <p:cNvSpPr txBox="1"/>
+          <p:nvPr/>
+        </p:nvSpPr>
+        <p:spPr>
+          <a:xfrm>
+            <a:off x="6859047" y="3397882"/>
+            <a:ext cx="1800493" cy="600164"/>
+          </a:xfrm>
+          <a:prstGeom prst="rect">
+            <a:avLst/>
+          </a:prstGeom>
+          <a:noFill/>
+        </p:spPr>
+        <p:txBody>
+          <a:bodyPr wrap="none" rtlCol="0">
+            <a:spAutoFit/>
+          </a:bodyPr>
+          <a:lstStyle/>
+          <a:p>
+            <a:r>
+              <a:rPr lang="en-US" altLang="zh-CN" sz="1100" i="1" dirty="0"/>
+              <a:t>Exponential Curve Fitting:</a:t>
+            </a:r>
+          </a:p>
+          <a:p>
+            <a:r>
+              <a:rPr lang="en-US" sz="1100" i="1" dirty="0"/>
+              <a:t>Mitigated Value=-0.09954</a:t>
+            </a:r>
+          </a:p>
+          <a:p>
+            <a:r>
+              <a:rPr lang="en-US" sz="1100" i="1" dirty="0"/>
+              <a:t>Standard Value=</a:t>
+            </a:r>
+            <a:r>
+              <a:rPr lang="en-US" altLang="zh-CN" sz="1100" i="1" dirty="0"/>
+              <a:t>-0.10093</a:t>
+            </a:r>
+            <a:endParaRPr lang="en-CN" sz="1100" i="1" dirty="0"/>
+          </a:p>
+        </p:txBody>
+      </p:sp>
+      <p:pic>
+        <p:nvPicPr>
+          <p:cNvPr id="2050" name="Picture 2">
+            <a:extLst>
+              <a:ext uri="{FF2B5EF4-FFF2-40B4-BE49-F238E27FC236}">
+                <a16:creationId xmlns:a16="http://schemas.microsoft.com/office/drawing/2014/main" id="{C7A8C03D-BFF1-E878-92D2-1DF0D2C53B9D}"/>
+              </a:ext>
+            </a:extLst>
+          </p:cNvPr>
+          <p:cNvPicPr>
+            <a:picLocks noChangeAspect="1" noChangeArrowheads="1"/>
+          </p:cNvPicPr>
+          <p:nvPr/>
+        </p:nvPicPr>
+        <p:blipFill>
+          <a:blip r:embed="rId2">
+            <a:extLst>
+              <a:ext uri="{28A0092B-C50C-407E-A947-70E740481C1C}">
+                <a14:useLocalDpi xmlns:a14="http://schemas.microsoft.com/office/drawing/2010/main" val="0"/>
+              </a:ext>
+            </a:extLst>
+          </a:blip>
+          <a:srcRect/>
+          <a:stretch>
+            <a:fillRect/>
+          </a:stretch>
+        </p:blipFill>
+        <p:spPr bwMode="auto">
+          <a:xfrm>
+            <a:off x="615059" y="1552644"/>
+            <a:ext cx="2749386" cy="2038212"/>
+          </a:xfrm>
+          <a:prstGeom prst="rect">
+            <a:avLst/>
+          </a:prstGeom>
+          <a:noFill/>
+          <a:extLst>
+            <a:ext uri="{909E8E84-426E-40DD-AFC4-6F175D3DCCD1}">
+              <a14:hiddenFill xmlns:a14="http://schemas.microsoft.com/office/drawing/2010/main">
+                <a:solidFill>
+                  <a:srgbClr val="FFFFFF"/>
+                </a:solidFill>
+              </a14:hiddenFill>
+            </a:ext>
+          </a:extLst>
+        </p:spPr>
+      </p:pic>
+      <p:pic>
+        <p:nvPicPr>
+          <p:cNvPr id="1034" name="Picture 10">
+            <a:extLst>
+              <a:ext uri="{FF2B5EF4-FFF2-40B4-BE49-F238E27FC236}">
+                <a16:creationId xmlns:a16="http://schemas.microsoft.com/office/drawing/2014/main" id="{C21FBA07-F51E-4F6E-0838-C4AE5FE128ED}"/>
+              </a:ext>
+            </a:extLst>
+          </p:cNvPr>
+          <p:cNvPicPr>
+            <a:picLocks noChangeAspect="1" noChangeArrowheads="1"/>
+          </p:cNvPicPr>
+          <p:nvPr/>
+        </p:nvPicPr>
+        <p:blipFill>
+          <a:blip r:embed="rId3">
+            <a:extLst>
+              <a:ext uri="{28A0092B-C50C-407E-A947-70E740481C1C}">
+                <a14:useLocalDpi xmlns:a14="http://schemas.microsoft.com/office/drawing/2010/main" val="0"/>
+              </a:ext>
+            </a:extLst>
+          </a:blip>
+          <a:srcRect/>
+          <a:stretch>
+            <a:fillRect/>
+          </a:stretch>
+        </p:blipFill>
+        <p:spPr bwMode="auto">
+          <a:xfrm>
+            <a:off x="3638393" y="670305"/>
+            <a:ext cx="3064092" cy="2092918"/>
+          </a:xfrm>
+          <a:prstGeom prst="rect">
+            <a:avLst/>
+          </a:prstGeom>
+          <a:noFill/>
+          <a:extLst>
+            <a:ext uri="{909E8E84-426E-40DD-AFC4-6F175D3DCCD1}">
+              <a14:hiddenFill xmlns:a14="http://schemas.microsoft.com/office/drawing/2010/main">
+                <a:solidFill>
+                  <a:srgbClr val="FFFFFF"/>
+                </a:solidFill>
+              </a14:hiddenFill>
+            </a:ext>
+          </a:extLst>
+        </p:spPr>
+      </p:pic>
+      <p:pic>
+        <p:nvPicPr>
+          <p:cNvPr id="1036" name="Picture 12">
+            <a:extLst>
+              <a:ext uri="{FF2B5EF4-FFF2-40B4-BE49-F238E27FC236}">
+                <a16:creationId xmlns:a16="http://schemas.microsoft.com/office/drawing/2014/main" id="{86E93E9A-4277-165E-45E4-1FC79A5FD35A}"/>
+              </a:ext>
+            </a:extLst>
+          </p:cNvPr>
+          <p:cNvPicPr>
+            <a:picLocks noChangeAspect="1" noChangeArrowheads="1"/>
+          </p:cNvPicPr>
+          <p:nvPr/>
+        </p:nvPicPr>
+        <p:blipFill>
+          <a:blip r:embed="rId4">
+            <a:extLst>
+              <a:ext uri="{28A0092B-C50C-407E-A947-70E740481C1C}">
+                <a14:useLocalDpi xmlns:a14="http://schemas.microsoft.com/office/drawing/2010/main" val="0"/>
+              </a:ext>
+            </a:extLst>
+          </a:blip>
+          <a:srcRect/>
+          <a:stretch>
+            <a:fillRect/>
+          </a:stretch>
+        </p:blipFill>
+        <p:spPr bwMode="auto">
+          <a:xfrm>
+            <a:off x="3638393" y="2763223"/>
+            <a:ext cx="3064092" cy="2092920"/>
+          </a:xfrm>
+          <a:prstGeom prst="rect">
+            <a:avLst/>
+          </a:prstGeom>
+          <a:noFill/>
+          <a:extLst>
+            <a:ext uri="{909E8E84-426E-40DD-AFC4-6F175D3DCCD1}">
+              <a14:hiddenFill xmlns:a14="http://schemas.microsoft.com/office/drawing/2010/main">
+                <a:solidFill>
+                  <a:srgbClr val="FFFFFF"/>
+                </a:solidFill>
+              </a14:hiddenFill>
+            </a:ext>
+          </a:extLst>
+        </p:spPr>
+      </p:pic>
+      <p:sp>
+        <p:nvSpPr>
+          <p:cNvPr id="2" name="TextBox 1">
+            <a:extLst>
+              <a:ext uri="{FF2B5EF4-FFF2-40B4-BE49-F238E27FC236}">
+                <a16:creationId xmlns:a16="http://schemas.microsoft.com/office/drawing/2014/main" id="{DCDFF7ED-8F88-040A-EA54-C49370126EA6}"/>
+              </a:ext>
+            </a:extLst>
+          </p:cNvPr>
+          <p:cNvSpPr txBox="1"/>
+          <p:nvPr/>
+        </p:nvSpPr>
+        <p:spPr>
+          <a:xfrm>
+            <a:off x="792405" y="4788468"/>
+            <a:ext cx="4616688" cy="307777"/>
+          </a:xfrm>
+          <a:prstGeom prst="rect">
+            <a:avLst/>
+          </a:prstGeom>
+          <a:noFill/>
+        </p:spPr>
+        <p:txBody>
+          <a:bodyPr wrap="square">
+            <a:spAutoFit/>
+          </a:bodyPr>
+          <a:lstStyle/>
+          <a:p>
+            <a:r>
+              <a:rPr lang="en-US" altLang="zh-CN" sz="1400" b="1" dirty="0"/>
+              <a:t>Polynomial</a:t>
+            </a:r>
+            <a:r>
+              <a:rPr lang="zh-CN" altLang="en-US" sz="1400" b="1" dirty="0"/>
+              <a:t> </a:t>
+            </a:r>
+            <a:r>
+              <a:rPr lang="en-US" altLang="zh-CN" sz="1400" b="1" dirty="0"/>
+              <a:t>Extrapolation</a:t>
+            </a:r>
+            <a:r>
+              <a:rPr lang="zh-CN" altLang="en-US" sz="1400" b="1" dirty="0"/>
+              <a:t> </a:t>
+            </a:r>
+            <a:r>
+              <a:rPr lang="en-US" altLang="zh-CN" sz="1400" b="1" dirty="0"/>
+              <a:t>works</a:t>
+            </a:r>
+            <a:r>
+              <a:rPr lang="zh-CN" altLang="en-US" sz="1400" b="1" dirty="0"/>
+              <a:t> </a:t>
+            </a:r>
+            <a:r>
+              <a:rPr lang="en-US" altLang="zh-CN" sz="1400" b="1" dirty="0"/>
+              <a:t>better.</a:t>
+            </a:r>
+            <a:endParaRPr lang="en-CN" b="1" dirty="0"/>
+          </a:p>
+        </p:txBody>
+      </p:sp>
+    </p:spTree>
+    <p:extLst>
+      <p:ext uri="{BB962C8B-B14F-4D97-AF65-F5344CB8AC3E}">
+        <p14:creationId xmlns:p14="http://schemas.microsoft.com/office/powerpoint/2010/main" val="1151539319"/>
+      </p:ext>
+    </p:extLst>
+  </p:cSld>
+  <p:clrMapOvr>
+    <a:masterClrMapping/>
+  </p:clrMapOvr>
+</p:sld>
+</file>
+
+<file path=ppt/slides/slide12.xml><?xml version="1.0" encoding="utf-8"?>
+<p:sld xmlns:a="http://schemas.openxmlformats.org/drawingml/2006/main" xmlns:r="http://schemas.openxmlformats.org/officeDocument/2006/relationships" xmlns:p="http://schemas.openxmlformats.org/presentationml/2006/main">
+  <p:cSld>
+    <p:spTree>
+      <p:nvGrpSpPr>
+        <p:cNvPr id="1" name=""/>
+        <p:cNvGrpSpPr/>
+        <p:nvPr/>
+      </p:nvGrpSpPr>
+      <p:grpSpPr>
+        <a:xfrm>
+          <a:off x="0" y="0"/>
+          <a:ext cx="0" cy="0"/>
+          <a:chOff x="0" y="0"/>
+          <a:chExt cx="0" cy="0"/>
+        </a:xfrm>
+      </p:grpSpPr>
+      <p:sp>
+        <p:nvSpPr>
+          <p:cNvPr id="2" name="Title 1">
+            <a:extLst>
+              <a:ext uri="{FF2B5EF4-FFF2-40B4-BE49-F238E27FC236}">
+                <a16:creationId xmlns:a16="http://schemas.microsoft.com/office/drawing/2014/main" id="{39D8A0E1-4136-C821-B5F0-35D2E763BF8A}"/>
+              </a:ext>
+            </a:extLst>
+          </p:cNvPr>
+          <p:cNvSpPr>
+            <a:spLocks noGrp="1"/>
+          </p:cNvSpPr>
+          <p:nvPr>
+            <p:ph type="title"/>
+          </p:nvPr>
+        </p:nvSpPr>
+        <p:spPr/>
+        <p:txBody>
+          <a:bodyPr>
+            <a:normAutofit fontScale="90000"/>
+          </a:bodyPr>
+          <a:lstStyle/>
+          <a:p>
+            <a:r>
+              <a:rPr lang="en-US" altLang="zh-CN" dirty="0"/>
+              <a:t>A</a:t>
+            </a:r>
+            <a:r>
+              <a:rPr lang="zh-CN" altLang="en-US" dirty="0"/>
+              <a:t> </a:t>
+            </a:r>
+            <a:r>
+              <a:rPr lang="en-US" altLang="zh-CN" dirty="0"/>
+              <a:t>try</a:t>
+            </a:r>
+            <a:r>
+              <a:rPr lang="zh-CN" altLang="en-US" dirty="0"/>
+              <a:t> </a:t>
+            </a:r>
+            <a:r>
+              <a:rPr lang="en-US" altLang="zh-CN" dirty="0"/>
+              <a:t>on</a:t>
+            </a:r>
+            <a:r>
+              <a:rPr lang="zh-CN" altLang="en-US" dirty="0"/>
+              <a:t> </a:t>
+            </a:r>
+            <a:r>
+              <a:rPr lang="en-US" altLang="zh-CN" i="1" dirty="0" err="1"/>
+              <a:t>ibm_guadalupe</a:t>
+            </a:r>
+            <a:r>
+              <a:rPr lang="en-US" altLang="zh-CN" dirty="0"/>
+              <a:t>(16-qubit)</a:t>
+            </a:r>
+            <a:endParaRPr lang="en-CN" dirty="0"/>
+          </a:p>
+        </p:txBody>
+      </p:sp>
+      <p:sp>
+        <p:nvSpPr>
+          <p:cNvPr id="3" name="Text Placeholder 2">
+            <a:extLst>
+              <a:ext uri="{FF2B5EF4-FFF2-40B4-BE49-F238E27FC236}">
+                <a16:creationId xmlns:a16="http://schemas.microsoft.com/office/drawing/2014/main" id="{C143376C-40CE-8AF9-A198-E9EA8F613DAD}"/>
+              </a:ext>
+            </a:extLst>
+          </p:cNvPr>
+          <p:cNvSpPr>
+            <a:spLocks noGrp="1"/>
+          </p:cNvSpPr>
+          <p:nvPr>
+            <p:ph type="body" idx="1"/>
+          </p:nvPr>
+        </p:nvSpPr>
+        <p:spPr/>
+        <p:txBody>
+          <a:bodyPr/>
+          <a:lstStyle/>
+          <a:p>
+            <a:r>
+              <a:rPr lang="en-US" altLang="zh-CN" dirty="0"/>
+              <a:t>Thanks</a:t>
+            </a:r>
+            <a:r>
+              <a:rPr lang="zh-CN" altLang="en-US" dirty="0"/>
+              <a:t> </a:t>
+            </a:r>
+            <a:r>
+              <a:rPr lang="en-US" altLang="zh-CN" dirty="0"/>
+              <a:t>to</a:t>
+            </a:r>
+            <a:r>
+              <a:rPr lang="zh-CN" altLang="en-US" dirty="0"/>
+              <a:t> </a:t>
+            </a:r>
+            <a:r>
+              <a:rPr lang="en-US" altLang="zh-CN" dirty="0"/>
+              <a:t>the</a:t>
+            </a:r>
+            <a:r>
+              <a:rPr lang="zh-CN" altLang="en-US" dirty="0"/>
+              <a:t> </a:t>
+            </a:r>
+            <a:r>
+              <a:rPr lang="en-US" altLang="zh-CN" dirty="0"/>
+              <a:t>Power-up,</a:t>
+            </a:r>
+            <a:r>
+              <a:rPr lang="zh-CN" altLang="en-US" dirty="0"/>
+              <a:t> </a:t>
+            </a:r>
+            <a:r>
+              <a:rPr lang="en-US" altLang="zh-CN" dirty="0"/>
+              <a:t>we</a:t>
+            </a:r>
+            <a:r>
+              <a:rPr lang="zh-CN" altLang="en-US" dirty="0"/>
+              <a:t> </a:t>
+            </a:r>
+            <a:r>
+              <a:rPr lang="en-US" altLang="zh-CN" dirty="0"/>
+              <a:t>have</a:t>
+            </a:r>
+            <a:r>
+              <a:rPr lang="zh-CN" altLang="en-US" dirty="0"/>
+              <a:t> </a:t>
+            </a:r>
+            <a:r>
+              <a:rPr lang="en-US" altLang="zh-CN" dirty="0"/>
+              <a:t>the</a:t>
+            </a:r>
+            <a:r>
+              <a:rPr lang="zh-CN" altLang="en-US" dirty="0"/>
+              <a:t> </a:t>
+            </a:r>
+            <a:r>
+              <a:rPr lang="en-US" altLang="zh-CN" dirty="0"/>
+              <a:t>chance</a:t>
+            </a:r>
+            <a:r>
+              <a:rPr lang="zh-CN" altLang="en-US" dirty="0"/>
+              <a:t> </a:t>
+            </a:r>
+            <a:r>
+              <a:rPr lang="en-US" altLang="zh-CN" dirty="0"/>
+              <a:t>to</a:t>
+            </a:r>
+            <a:r>
+              <a:rPr lang="zh-CN" altLang="en-US" dirty="0"/>
+              <a:t> </a:t>
+            </a:r>
+            <a:r>
+              <a:rPr lang="en-US" altLang="zh-CN" dirty="0"/>
+              <a:t>access</a:t>
+            </a:r>
+            <a:r>
+              <a:rPr lang="zh-CN" altLang="en-US" dirty="0"/>
+              <a:t> </a:t>
+            </a:r>
+            <a:r>
+              <a:rPr lang="en-US" altLang="zh-CN" dirty="0"/>
+              <a:t>the</a:t>
+            </a:r>
+            <a:r>
+              <a:rPr lang="zh-CN" altLang="en-US" dirty="0"/>
+              <a:t> </a:t>
+            </a:r>
+            <a:r>
+              <a:rPr lang="en-US" altLang="zh-CN" i="1" dirty="0" err="1"/>
+              <a:t>ibm_Guadalupe</a:t>
+            </a:r>
+            <a:r>
+              <a:rPr lang="en-US" altLang="zh-CN" i="1" dirty="0"/>
+              <a:t>.</a:t>
+            </a:r>
+          </a:p>
+          <a:p>
+            <a:r>
+              <a:rPr lang="en-US" altLang="zh-CN" dirty="0"/>
+              <a:t>However,</a:t>
+            </a:r>
+            <a:r>
+              <a:rPr lang="zh-CN" altLang="en-US" dirty="0"/>
+              <a:t> </a:t>
+            </a:r>
+            <a:r>
+              <a:rPr lang="en-US" altLang="zh-CN" dirty="0"/>
+              <a:t>the</a:t>
+            </a:r>
+            <a:r>
+              <a:rPr lang="zh-CN" altLang="en-US" dirty="0"/>
+              <a:t> </a:t>
+            </a:r>
+            <a:r>
+              <a:rPr lang="en-US" altLang="zh-CN" dirty="0"/>
+              <a:t>circuit</a:t>
+            </a:r>
+            <a:r>
+              <a:rPr lang="zh-CN" altLang="en-US" dirty="0"/>
+              <a:t> </a:t>
+            </a:r>
+            <a:r>
+              <a:rPr lang="en-US" altLang="zh-CN" dirty="0"/>
+              <a:t>execution</a:t>
+            </a:r>
+            <a:r>
+              <a:rPr lang="zh-CN" altLang="en-US" dirty="0"/>
+              <a:t> </a:t>
+            </a:r>
+            <a:r>
+              <a:rPr lang="en-US" altLang="zh-CN" dirty="0"/>
+              <a:t>suffered</a:t>
+            </a:r>
+            <a:r>
+              <a:rPr lang="zh-CN" altLang="en-US" dirty="0"/>
+              <a:t> </a:t>
+            </a:r>
+            <a:r>
+              <a:rPr lang="en-US" altLang="zh-CN" dirty="0"/>
+              <a:t>from</a:t>
+            </a:r>
+            <a:r>
+              <a:rPr lang="zh-CN" altLang="en-US" dirty="0"/>
+              <a:t> </a:t>
+            </a:r>
+            <a:r>
+              <a:rPr lang="en-US" altLang="zh-CN" dirty="0"/>
+              <a:t>the</a:t>
+            </a:r>
+            <a:r>
+              <a:rPr lang="zh-CN" altLang="en-US" dirty="0"/>
+              <a:t> </a:t>
+            </a:r>
+            <a:r>
+              <a:rPr lang="en-US" altLang="zh-CN" dirty="0"/>
+              <a:t>depolarizing</a:t>
+            </a:r>
+            <a:r>
+              <a:rPr lang="zh-CN" altLang="en-US" dirty="0"/>
+              <a:t> </a:t>
+            </a:r>
+            <a:r>
+              <a:rPr lang="en-US" altLang="zh-CN" dirty="0"/>
+              <a:t>noise</a:t>
+            </a:r>
+            <a:r>
+              <a:rPr lang="zh-CN" altLang="en-US" dirty="0"/>
+              <a:t> </a:t>
+            </a:r>
+            <a:r>
+              <a:rPr lang="en-US" altLang="zh-CN" dirty="0"/>
+              <a:t>greatly,</a:t>
+            </a:r>
+            <a:r>
+              <a:rPr lang="zh-CN" altLang="en-US" dirty="0"/>
+              <a:t> </a:t>
+            </a:r>
+            <a:r>
+              <a:rPr lang="en-US" altLang="zh-CN" dirty="0"/>
+              <a:t>and</a:t>
+            </a:r>
+            <a:r>
+              <a:rPr lang="zh-CN" altLang="en-US" dirty="0"/>
+              <a:t> </a:t>
+            </a:r>
+            <a:r>
+              <a:rPr lang="en-US" altLang="zh-CN" dirty="0"/>
+              <a:t>extrapolation</a:t>
+            </a:r>
+            <a:r>
+              <a:rPr lang="zh-CN" altLang="en-US" dirty="0"/>
+              <a:t> </a:t>
+            </a:r>
+            <a:r>
+              <a:rPr lang="en-US" altLang="zh-CN" dirty="0"/>
+              <a:t>doesn’t</a:t>
+            </a:r>
+            <a:r>
+              <a:rPr lang="zh-CN" altLang="en-US" dirty="0"/>
+              <a:t> </a:t>
+            </a:r>
+            <a:r>
+              <a:rPr lang="en-US" altLang="zh-CN" dirty="0"/>
+              <a:t>help.</a:t>
+            </a:r>
+            <a:endParaRPr lang="en-CN" dirty="0"/>
+          </a:p>
+        </p:txBody>
+      </p:sp>
+    </p:spTree>
+    <p:extLst>
+      <p:ext uri="{BB962C8B-B14F-4D97-AF65-F5344CB8AC3E}">
+        <p14:creationId xmlns:p14="http://schemas.microsoft.com/office/powerpoint/2010/main" val="1328616443"/>
+      </p:ext>
+    </p:extLst>
+  </p:cSld>
+  <p:clrMapOvr>
+    <a:masterClrMapping/>
+  </p:clrMapOvr>
+</p:sld>
+</file>
+
+<file path=ppt/slides/slide13.xml><?xml version="1.0" encoding="utf-8"?>
+<p:sld xmlns:a="http://schemas.openxmlformats.org/drawingml/2006/main" xmlns:r="http://schemas.openxmlformats.org/officeDocument/2006/relationships" xmlns:p="http://schemas.openxmlformats.org/presentationml/2006/main">
+  <p:cSld>
+    <p:spTree>
+      <p:nvGrpSpPr>
+        <p:cNvPr id="1" name=""/>
+        <p:cNvGrpSpPr/>
+        <p:nvPr/>
+      </p:nvGrpSpPr>
+      <p:grpSpPr>
+        <a:xfrm>
+          <a:off x="0" y="0"/>
+          <a:ext cx="0" cy="0"/>
+          <a:chOff x="0" y="0"/>
+          <a:chExt cx="0" cy="0"/>
+        </a:xfrm>
+      </p:grpSpPr>
+      <p:sp>
+        <p:nvSpPr>
           <p:cNvPr id="2" name="Title 1">
             <a:extLst>
               <a:ext uri="{FF2B5EF4-FFF2-40B4-BE49-F238E27FC236}">
@@ -7763,6 +8881,18 @@
           </a:bodyPr>
           <a:lstStyle/>
           <a:p>
+            <a:r>
+              <a:rPr lang="en-US" altLang="zh-CN" dirty="0"/>
+              <a:t>Project</a:t>
+            </a:r>
+            <a:r>
+              <a:rPr lang="zh-CN" altLang="en-US" dirty="0"/>
+              <a:t> </a:t>
+            </a:r>
+            <a:r>
+              <a:rPr lang="en-US" altLang="zh-CN" dirty="0"/>
+              <a:t>Summary</a:t>
+            </a:r>
             <a:endParaRPr lang="en-CN" dirty="0"/>
           </a:p>
         </p:txBody>
@@ -7788,7 +8918,335 @@
           <a:bodyPr/>
           <a:lstStyle/>
           <a:p>
-            <a:endParaRPr lang="en-CN" dirty="0"/>
+            <a:r>
+              <a:rPr lang="en-US" altLang="zh-CN" dirty="0"/>
+              <a:t>We</a:t>
+            </a:r>
+            <a:r>
+              <a:rPr lang="zh-CN" altLang="en-US" dirty="0"/>
+              <a:t> </a:t>
+            </a:r>
+            <a:r>
+              <a:rPr lang="en-US" altLang="zh-CN" dirty="0"/>
+              <a:t>successfully</a:t>
+            </a:r>
+            <a:r>
+              <a:rPr lang="zh-CN" altLang="en-US" dirty="0"/>
+              <a:t> </a:t>
+            </a:r>
+            <a:r>
+              <a:rPr lang="en-US" altLang="zh-CN" dirty="0"/>
+              <a:t>implemented</a:t>
+            </a:r>
+            <a:r>
+              <a:rPr lang="zh-CN" altLang="en-US" dirty="0"/>
+              <a:t> </a:t>
+            </a:r>
+            <a:r>
+              <a:rPr lang="en-US" altLang="zh-CN" dirty="0"/>
+              <a:t>the</a:t>
+            </a:r>
+            <a:r>
+              <a:rPr lang="zh-CN" altLang="en-US" dirty="0"/>
+              <a:t> </a:t>
+            </a:r>
+            <a:r>
+              <a:rPr lang="en-US" altLang="zh-CN" dirty="0"/>
+              <a:t>Algorithm</a:t>
+            </a:r>
+            <a:r>
+              <a:rPr lang="zh-CN" altLang="en-US" dirty="0"/>
+              <a:t> </a:t>
+            </a:r>
+            <a:r>
+              <a:rPr lang="en-US" altLang="zh-CN" dirty="0"/>
+              <a:t>in</a:t>
+            </a:r>
+            <a:r>
+              <a:rPr lang="zh-CN" altLang="en-US" dirty="0"/>
+              <a:t> </a:t>
+            </a:r>
+            <a:r>
+              <a:rPr lang="en-US" altLang="zh-CN" dirty="0"/>
+              <a:t>[</a:t>
+            </a:r>
+            <a:r>
+              <a:rPr lang="en-GB" sz="1000" dirty="0"/>
+              <a:t>PRXQuantum.3.010318</a:t>
+            </a:r>
+            <a:r>
+              <a:rPr lang="en-US" altLang="zh-CN" dirty="0"/>
+              <a:t>]</a:t>
+            </a:r>
+            <a:r>
+              <a:rPr lang="zh-CN" altLang="en-US" dirty="0"/>
+              <a:t> </a:t>
+            </a:r>
+            <a:r>
+              <a:rPr lang="en-US" altLang="zh-CN" dirty="0"/>
+              <a:t>and</a:t>
+            </a:r>
+            <a:r>
+              <a:rPr lang="zh-CN" altLang="en-US" dirty="0"/>
+              <a:t> </a:t>
+            </a:r>
+            <a:r>
+              <a:rPr lang="en-US" altLang="zh-CN" dirty="0"/>
+              <a:t>replicated</a:t>
+            </a:r>
+            <a:r>
+              <a:rPr lang="zh-CN" altLang="en-US" dirty="0"/>
+              <a:t> </a:t>
+            </a:r>
+            <a:r>
+              <a:rPr lang="en-US" altLang="zh-CN" dirty="0"/>
+              <a:t>the</a:t>
+            </a:r>
+            <a:r>
+              <a:rPr lang="zh-CN" altLang="en-US" dirty="0"/>
+              <a:t> </a:t>
+            </a:r>
+            <a:r>
+              <a:rPr lang="en-US" altLang="zh-CN" dirty="0"/>
+              <a:t>result</a:t>
+            </a:r>
+            <a:r>
+              <a:rPr lang="zh-CN" altLang="en-US" dirty="0"/>
+              <a:t> </a:t>
+            </a:r>
+            <a:r>
+              <a:rPr lang="en-US" altLang="zh-CN" dirty="0"/>
+              <a:t>presented</a:t>
+            </a:r>
+            <a:r>
+              <a:rPr lang="zh-CN" altLang="en-US" dirty="0"/>
+              <a:t> </a:t>
+            </a:r>
+            <a:r>
+              <a:rPr lang="en-US" altLang="zh-CN" dirty="0"/>
+              <a:t>in</a:t>
+            </a:r>
+            <a:r>
+              <a:rPr lang="zh-CN" altLang="en-US" dirty="0"/>
+              <a:t> </a:t>
+            </a:r>
+            <a:r>
+              <a:rPr lang="en-US" altLang="zh-CN" dirty="0"/>
+              <a:t>the</a:t>
+            </a:r>
+            <a:r>
+              <a:rPr lang="zh-CN" altLang="en-US" dirty="0"/>
+              <a:t> </a:t>
+            </a:r>
+            <a:r>
+              <a:rPr lang="en-US" altLang="zh-CN" dirty="0"/>
+              <a:t>original</a:t>
+            </a:r>
+            <a:r>
+              <a:rPr lang="zh-CN" altLang="en-US" dirty="0"/>
+              <a:t> </a:t>
+            </a:r>
+            <a:r>
+              <a:rPr lang="en-US" altLang="zh-CN" dirty="0"/>
+              <a:t>paper.</a:t>
+            </a:r>
+            <a:endParaRPr lang="en-CN" altLang="zh-CN" dirty="0"/>
+          </a:p>
+          <a:p>
+            <a:r>
+              <a:rPr lang="en-US" altLang="zh-CN" dirty="0"/>
+              <a:t>Besides,</a:t>
+            </a:r>
+            <a:r>
+              <a:rPr lang="zh-CN" altLang="en-US" dirty="0"/>
+              <a:t> </a:t>
+            </a:r>
+            <a:r>
+              <a:rPr lang="en-US" altLang="zh-CN" dirty="0"/>
+              <a:t>we</a:t>
+            </a:r>
+            <a:r>
+              <a:rPr lang="zh-CN" altLang="en-US" dirty="0"/>
+              <a:t> </a:t>
+            </a:r>
+            <a:r>
+              <a:rPr lang="en-US" altLang="zh-CN" dirty="0"/>
+              <a:t>moved</a:t>
+            </a:r>
+            <a:r>
+              <a:rPr lang="zh-CN" altLang="en-US" dirty="0"/>
+              <a:t> </a:t>
+            </a:r>
+            <a:r>
+              <a:rPr lang="en-US" altLang="zh-CN" dirty="0"/>
+              <a:t>further:</a:t>
+            </a:r>
+          </a:p>
+          <a:p>
+            <a:pPr lvl="1"/>
+            <a:r>
+              <a:rPr lang="en-US" altLang="zh-CN" dirty="0"/>
+              <a:t>We</a:t>
+            </a:r>
+            <a:r>
+              <a:rPr lang="zh-CN" altLang="en-US" dirty="0"/>
+              <a:t> </a:t>
+            </a:r>
+            <a:r>
+              <a:rPr lang="en-US" altLang="zh-CN" dirty="0"/>
+              <a:t>considered</a:t>
+            </a:r>
+            <a:r>
+              <a:rPr lang="zh-CN" altLang="en-US" dirty="0"/>
+              <a:t> </a:t>
+            </a:r>
+            <a:r>
+              <a:rPr lang="en-US" altLang="zh-CN" dirty="0" err="1"/>
+              <a:t>Trotterization</a:t>
+            </a:r>
+            <a:r>
+              <a:rPr lang="zh-CN" altLang="en-US" dirty="0"/>
+              <a:t> </a:t>
+            </a:r>
+            <a:r>
+              <a:rPr lang="en-US" altLang="zh-CN" dirty="0"/>
+              <a:t>and</a:t>
+            </a:r>
+            <a:r>
+              <a:rPr lang="zh-CN" altLang="en-US" dirty="0"/>
+              <a:t> </a:t>
+            </a:r>
+            <a:r>
+              <a:rPr lang="en-US" altLang="zh-CN" dirty="0"/>
+              <a:t>Random</a:t>
+            </a:r>
+            <a:r>
+              <a:rPr lang="zh-CN" altLang="en-US" dirty="0"/>
+              <a:t> </a:t>
+            </a:r>
+            <a:r>
+              <a:rPr lang="en-US" altLang="zh-CN" dirty="0"/>
+              <a:t>Compiling</a:t>
+            </a:r>
+            <a:r>
+              <a:rPr lang="zh-CN" altLang="en-US" dirty="0"/>
+              <a:t> </a:t>
+            </a:r>
+            <a:r>
+              <a:rPr lang="en-US" altLang="zh-CN" dirty="0"/>
+              <a:t>for</a:t>
+            </a:r>
+            <a:r>
+              <a:rPr lang="zh-CN" altLang="en-US" dirty="0"/>
+              <a:t> </a:t>
+            </a:r>
+            <a:r>
+              <a:rPr lang="en-US" altLang="zh-CN" dirty="0"/>
+              <a:t>the</a:t>
+            </a:r>
+            <a:r>
+              <a:rPr lang="zh-CN" altLang="en-US" dirty="0"/>
+              <a:t> </a:t>
+            </a:r>
+            <a:r>
+              <a:rPr lang="en-US" altLang="zh-CN" dirty="0"/>
+              <a:t>evolution</a:t>
+            </a:r>
+            <a:r>
+              <a:rPr lang="zh-CN" altLang="en-US" dirty="0"/>
+              <a:t> </a:t>
+            </a:r>
+            <a:r>
+              <a:rPr lang="en-US" altLang="zh-CN" dirty="0"/>
+              <a:t>operator,</a:t>
+            </a:r>
+            <a:r>
+              <a:rPr lang="zh-CN" altLang="en-US" dirty="0"/>
+              <a:t> </a:t>
+            </a:r>
+            <a:r>
+              <a:rPr lang="en-US" altLang="zh-CN" dirty="0"/>
+              <a:t>which</a:t>
+            </a:r>
+            <a:r>
+              <a:rPr lang="zh-CN" altLang="en-US" dirty="0"/>
+              <a:t> </a:t>
+            </a:r>
+            <a:r>
+              <a:rPr lang="en-US" altLang="zh-CN" dirty="0"/>
+              <a:t>is</a:t>
+            </a:r>
+            <a:r>
+              <a:rPr lang="zh-CN" altLang="en-US" dirty="0"/>
+              <a:t> </a:t>
+            </a:r>
+            <a:r>
+              <a:rPr lang="en-US" altLang="zh-CN" dirty="0"/>
+              <a:t>not</a:t>
+            </a:r>
+            <a:r>
+              <a:rPr lang="zh-CN" altLang="en-US" dirty="0"/>
+              <a:t> </a:t>
+            </a:r>
+            <a:r>
+              <a:rPr lang="en-US" altLang="zh-CN" dirty="0"/>
+              <a:t>considered</a:t>
+            </a:r>
+            <a:r>
+              <a:rPr lang="zh-CN" altLang="en-US" dirty="0"/>
+              <a:t> </a:t>
+            </a:r>
+            <a:r>
+              <a:rPr lang="en-US" altLang="zh-CN" dirty="0"/>
+              <a:t>in</a:t>
+            </a:r>
+            <a:r>
+              <a:rPr lang="zh-CN" altLang="en-US" dirty="0"/>
+              <a:t> </a:t>
+            </a:r>
+            <a:r>
+              <a:rPr lang="en-US" altLang="zh-CN" dirty="0"/>
+              <a:t>the</a:t>
+            </a:r>
+            <a:r>
+              <a:rPr lang="zh-CN" altLang="en-US" dirty="0"/>
+              <a:t> </a:t>
+            </a:r>
+            <a:r>
+              <a:rPr lang="en-US" altLang="zh-CN" dirty="0"/>
+              <a:t>original</a:t>
+            </a:r>
+            <a:r>
+              <a:rPr lang="zh-CN" altLang="en-US" dirty="0"/>
+              <a:t> </a:t>
+            </a:r>
+            <a:r>
+              <a:rPr lang="en-US" altLang="zh-CN" dirty="0"/>
+              <a:t>paper.</a:t>
+            </a:r>
+          </a:p>
+          <a:p>
+            <a:pPr lvl="1"/>
+            <a:r>
+              <a:rPr lang="en-US" altLang="zh-CN" dirty="0"/>
+              <a:t>We</a:t>
+            </a:r>
+            <a:r>
+              <a:rPr lang="zh-CN" altLang="en-US" dirty="0"/>
+              <a:t> </a:t>
+            </a:r>
+            <a:r>
+              <a:rPr lang="en-US" altLang="zh-CN" dirty="0"/>
+              <a:t>did</a:t>
+            </a:r>
+            <a:r>
+              <a:rPr lang="zh-CN" altLang="en-US" dirty="0"/>
+              <a:t> </a:t>
+            </a:r>
+            <a:r>
+              <a:rPr lang="en-US" altLang="zh-CN" dirty="0"/>
+              <a:t>simulation</a:t>
+            </a:r>
           </a:p>
         </p:txBody>
       </p:sp>
@@ -7805,181 +9263,7 @@
 </p:sld>
 </file>
 
-<file path=ppt/slides/slide11.xml><?xml version="1.0" encoding="utf-8"?>
-<p:sld xmlns:a="http://schemas.openxmlformats.org/drawingml/2006/main" xmlns:r="http://schemas.openxmlformats.org/officeDocument/2006/relationships" xmlns:p="http://schemas.openxmlformats.org/presentationml/2006/main">
-  <p:cSld>
-    <p:spTree>
-      <p:nvGrpSpPr>
-        <p:cNvPr id="1" name="Shape 118"/>
-        <p:cNvGrpSpPr/>
-        <p:nvPr/>
-      </p:nvGrpSpPr>
-      <p:grpSpPr>
-        <a:xfrm>
-          <a:off x="0" y="0"/>
-          <a:ext cx="0" cy="0"/>
-          <a:chOff x="0" y="0"/>
-          <a:chExt cx="0" cy="0"/>
-        </a:xfrm>
-      </p:grpSpPr>
-      <p:sp>
-        <p:nvSpPr>
-          <p:cNvPr id="119" name="Google Shape;119;p18"/>
-          <p:cNvSpPr txBox="1">
-            <a:spLocks noGrp="1"/>
-          </p:cNvSpPr>
-          <p:nvPr>
-            <p:ph type="title"/>
-          </p:nvPr>
-        </p:nvSpPr>
-        <p:spPr>
-          <a:xfrm>
-            <a:off x="0" y="0"/>
-            <a:ext cx="7688700" cy="535200"/>
-          </a:xfrm>
-          <a:prstGeom prst="rect">
-            <a:avLst/>
-          </a:prstGeom>
-        </p:spPr>
-        <p:txBody>
-          <a:bodyPr spcFirstLastPara="1" wrap="square" lIns="91425" tIns="91425" rIns="91425" bIns="91425" anchor="t" anchorCtr="0">
-            <a:normAutofit fontScale="90000"/>
-          </a:bodyPr>
-          <a:lstStyle/>
-          <a:p>
-            <a:pPr marL="0" lvl="0" indent="0" algn="l" rtl="0">
-              <a:spcBef>
-                <a:spcPts val="0"/>
-              </a:spcBef>
-              <a:spcAft>
-                <a:spcPts val="0"/>
-              </a:spcAft>
-              <a:buNone/>
-            </a:pPr>
-            <a:r>
-              <a:rPr lang="en-GB"/>
-              <a:t>0224	</a:t>
-            </a:r>
-            <a:endParaRPr/>
-          </a:p>
-        </p:txBody>
-      </p:sp>
-      <p:sp>
-        <p:nvSpPr>
-          <p:cNvPr id="120" name="Google Shape;120;p18"/>
-          <p:cNvSpPr txBox="1">
-            <a:spLocks noGrp="1"/>
-          </p:cNvSpPr>
-          <p:nvPr>
-            <p:ph type="body" idx="1"/>
-          </p:nvPr>
-        </p:nvSpPr>
-        <p:spPr>
-          <a:xfrm>
-            <a:off x="727650" y="1468975"/>
-            <a:ext cx="7688700" cy="2261100"/>
-          </a:xfrm>
-          <a:prstGeom prst="rect">
-            <a:avLst/>
-          </a:prstGeom>
-        </p:spPr>
-        <p:txBody>
-          <a:bodyPr spcFirstLastPara="1" wrap="square" lIns="91425" tIns="91425" rIns="91425" bIns="91425" anchor="t" anchorCtr="0">
-            <a:normAutofit/>
-          </a:bodyPr>
-          <a:lstStyle/>
-          <a:p>
-            <a:pPr marL="914400" lvl="1" indent="-298450" algn="l" rtl="0">
-              <a:spcBef>
-                <a:spcPts val="0"/>
-              </a:spcBef>
-              <a:spcAft>
-                <a:spcPts val="0"/>
-              </a:spcAft>
-              <a:buSzPts val="1100"/>
-              <a:buChar char="-"/>
-            </a:pPr>
-            <a:r>
-              <a:rPr lang="en-GB" sz="1300"/>
-              <a:t>1. Good result on simulator:</a:t>
-            </a:r>
-            <a:endParaRPr sz="1300"/>
-          </a:p>
-          <a:p>
-            <a:pPr marL="1371600" lvl="2" indent="-311150" algn="l" rtl="0">
-              <a:spcBef>
-                <a:spcPts val="0"/>
-              </a:spcBef>
-              <a:spcAft>
-                <a:spcPts val="0"/>
-              </a:spcAft>
-              <a:buSzPts val="1300"/>
-              <a:buChar char="-"/>
-            </a:pPr>
-            <a:r>
-              <a:rPr lang="en-GB" sz="1300"/>
-              <a:t>Initial state symmetric</a:t>
-            </a:r>
-            <a:endParaRPr sz="1300"/>
-          </a:p>
-          <a:p>
-            <a:pPr marL="1371600" lvl="2" indent="-298450" algn="l" rtl="0">
-              <a:spcBef>
-                <a:spcPts val="0"/>
-              </a:spcBef>
-              <a:spcAft>
-                <a:spcPts val="0"/>
-              </a:spcAft>
-              <a:buSzPts val="1100"/>
-              <a:buChar char="-"/>
-            </a:pPr>
-            <a:r>
-              <a:rPr lang="en-GB"/>
-              <a:t>Coef of step function</a:t>
-            </a:r>
-            <a:endParaRPr/>
-          </a:p>
-          <a:p>
-            <a:pPr marL="1371600" lvl="2" indent="-298450" algn="l" rtl="0">
-              <a:spcBef>
-                <a:spcPts val="0"/>
-              </a:spcBef>
-              <a:spcAft>
-                <a:spcPts val="0"/>
-              </a:spcAft>
-              <a:buSzPts val="1100"/>
-              <a:buChar char="-"/>
-            </a:pPr>
-            <a:r>
-              <a:rPr lang="en-GB"/>
-              <a:t>Trotterization/Random compiling</a:t>
-            </a:r>
-            <a:endParaRPr/>
-          </a:p>
-          <a:p>
-            <a:pPr marL="914400" lvl="1" indent="-298450" algn="l" rtl="0">
-              <a:spcBef>
-                <a:spcPts val="0"/>
-              </a:spcBef>
-              <a:spcAft>
-                <a:spcPts val="0"/>
-              </a:spcAft>
-              <a:buSzPts val="1100"/>
-              <a:buChar char="-"/>
-            </a:pPr>
-            <a:endParaRPr/>
-          </a:p>
-        </p:txBody>
-      </p:sp>
-    </p:spTree>
-  </p:cSld>
-  <p:clrMapOvr>
-    <a:masterClrMapping/>
-  </p:clrMapOvr>
-</p:sld>
-</file>
-
-<file path=ppt/slides/slide12.xml><?xml version="1.0" encoding="utf-8"?>
+<file path=ppt/slides/slide14.xml><?xml version="1.0" encoding="utf-8"?>
 <p:sld xmlns:a="http://schemas.openxmlformats.org/drawingml/2006/main" xmlns:r="http://schemas.openxmlformats.org/officeDocument/2006/relationships" xmlns:p="http://schemas.openxmlformats.org/presentationml/2006/main">
   <p:cSld>
     <p:spTree>
@@ -8420,8 +9704,8 @@
           </a:p>
         </p:txBody>
       </p:sp>
-      <mc:AlternateContent xmlns:mc="http://schemas.openxmlformats.org/markup-compatibility/2006">
-        <mc:Choice xmlns:a14="http://schemas.microsoft.com/office/drawing/2010/main" Requires="a14">
+      <mc:AlternateContent xmlns:mc="http://schemas.openxmlformats.org/markup-compatibility/2006" xmlns:a14="http://schemas.microsoft.com/office/drawing/2010/main">
+        <mc:Choice Requires="a14">
           <p:sp>
             <p:nvSpPr>
               <p:cNvPr id="100" name="Google Shape;100;p15"/>
@@ -9328,7 +10612,7 @@
             </p:txBody>
           </p:sp>
         </mc:Choice>
-        <mc:Fallback>
+        <mc:Fallback xmlns="">
           <p:sp>
             <p:nvSpPr>
               <p:cNvPr id="100" name="Google Shape;100;p15"/>
@@ -9404,15 +10688,31 @@
               <a:buNone/>
             </a:pPr>
             <a:r>
-              <a:rPr lang="en-GB" sz="700"/>
-              <a:t>https://journals.aps.org/prxquantum/abstract/10.1103/PRXQuantum.3.010318</a:t>
-            </a:r>
-            <a:endParaRPr sz="700"/>
+              <a:rPr lang="en-GB" sz="700" dirty="0"/>
+              <a:t>https://</a:t>
+            </a:r>
+            <a:r>
+              <a:rPr lang="en-GB" sz="700" dirty="0" err="1"/>
+              <a:t>journals.aps.org</a:t>
+            </a:r>
+            <a:r>
+              <a:rPr lang="en-GB" sz="700" dirty="0"/>
+              <a:t>/</a:t>
+            </a:r>
+            <a:r>
+              <a:rPr lang="en-GB" sz="700" dirty="0" err="1"/>
+              <a:t>prxquantum</a:t>
+            </a:r>
+            <a:r>
+              <a:rPr lang="en-GB" sz="700" dirty="0"/>
+              <a:t>/abstract/10.1103/PRXQuantum.3.010318</a:t>
+            </a:r>
+            <a:endParaRPr sz="700" dirty="0"/>
           </a:p>
         </p:txBody>
       </p:sp>
-      <mc:AlternateContent xmlns:mc="http://schemas.openxmlformats.org/markup-compatibility/2006">
-        <mc:Choice xmlns:a14="http://schemas.microsoft.com/office/drawing/2010/main" Requires="a14">
+      <mc:AlternateContent xmlns:mc="http://schemas.openxmlformats.org/markup-compatibility/2006" xmlns:a14="http://schemas.microsoft.com/office/drawing/2010/main">
+        <mc:Choice Requires="a14">
           <p:sp>
             <p:nvSpPr>
               <p:cNvPr id="3" name="TextBox 2">
@@ -9441,7 +10741,6 @@
               </a:bodyPr>
               <a:lstStyle/>
               <a:p>
-                <a:pPr/>
                 <a14:m>
                   <m:oMath xmlns:m="http://schemas.openxmlformats.org/officeDocument/2006/math">
                     <m:r>
@@ -9554,7 +10853,7 @@
             </p:txBody>
           </p:sp>
         </mc:Choice>
-        <mc:Fallback>
+        <mc:Fallback xmlns="">
           <p:sp>
             <p:nvSpPr>
               <p:cNvPr id="3" name="TextBox 2">
@@ -9599,8 +10898,8 @@
           </p:sp>
         </mc:Fallback>
       </mc:AlternateContent>
-      <mc:AlternateContent xmlns:mc="http://schemas.openxmlformats.org/markup-compatibility/2006">
-        <mc:Choice xmlns:a14="http://schemas.microsoft.com/office/drawing/2010/main" Requires="a14">
+      <mc:AlternateContent xmlns:mc="http://schemas.openxmlformats.org/markup-compatibility/2006" xmlns:a14="http://schemas.microsoft.com/office/drawing/2010/main">
+        <mc:Choice Requires="a14">
           <p:sp>
             <p:nvSpPr>
               <p:cNvPr id="4" name="TextBox 3">
@@ -9629,7 +10928,6 @@
               </a:bodyPr>
               <a:lstStyle/>
               <a:p>
-                <a:pPr/>
                 <a14:m>
                   <m:oMath xmlns:m="http://schemas.openxmlformats.org/officeDocument/2006/math">
                     <m:r>
@@ -9920,7 +11218,7 @@
             </p:txBody>
           </p:sp>
         </mc:Choice>
-        <mc:Fallback>
+        <mc:Fallback xmlns="">
           <p:sp>
             <p:nvSpPr>
               <p:cNvPr id="4" name="TextBox 3">
@@ -9965,8 +11263,8 @@
           </p:sp>
         </mc:Fallback>
       </mc:AlternateContent>
-      <mc:AlternateContent xmlns:mc="http://schemas.openxmlformats.org/markup-compatibility/2006">
-        <mc:Choice xmlns:a14="http://schemas.microsoft.com/office/drawing/2010/main" Requires="a14">
+      <mc:AlternateContent xmlns:mc="http://schemas.openxmlformats.org/markup-compatibility/2006" xmlns:a14="http://schemas.microsoft.com/office/drawing/2010/main">
+        <mc:Choice Requires="a14">
           <p:sp>
             <p:nvSpPr>
               <p:cNvPr id="7" name="TextBox 6">
@@ -10094,7 +11392,7 @@
             </p:txBody>
           </p:sp>
         </mc:Choice>
-        <mc:Fallback>
+        <mc:Fallback xmlns="">
           <p:sp>
             <p:nvSpPr>
               <p:cNvPr id="7" name="TextBox 6">
@@ -10219,8 +11517,8 @@
           </a:p>
         </p:txBody>
       </p:sp>
-      <mc:AlternateContent xmlns:mc="http://schemas.openxmlformats.org/markup-compatibility/2006">
-        <mc:Choice xmlns:a14="http://schemas.microsoft.com/office/drawing/2010/main" Requires="a14">
+      <mc:AlternateContent xmlns:mc="http://schemas.openxmlformats.org/markup-compatibility/2006" xmlns:a14="http://schemas.microsoft.com/office/drawing/2010/main">
+        <mc:Choice Requires="a14">
           <p:sp>
             <p:nvSpPr>
               <p:cNvPr id="3" name="Text Placeholder 2">
@@ -11346,7 +12644,7 @@
             </p:txBody>
           </p:sp>
         </mc:Choice>
-        <mc:Fallback>
+        <mc:Fallback xmlns="">
           <p:sp>
             <p:nvSpPr>
               <p:cNvPr id="3" name="Text Placeholder 2">
@@ -11435,7 +12733,7 @@
         <p:spPr>
           <a:xfrm>
             <a:off x="5930680" y="2924709"/>
-            <a:ext cx="2996333" cy="215444"/>
+            <a:ext cx="3185487" cy="215444"/>
           </a:xfrm>
           <a:prstGeom prst="rect">
             <a:avLst/>
@@ -11499,6 +12797,14 @@
             <a:r>
               <a:rPr lang="en-US" altLang="zh-CN" sz="800" i="1" dirty="0"/>
               <a:t>is</a:t>
+            </a:r>
+            <a:r>
+              <a:rPr lang="zh-CN" altLang="en-US" sz="800" i="1" dirty="0"/>
+              <a:t> </a:t>
+            </a:r>
+            <a:r>
+              <a:rPr lang="en-US" altLang="zh-CN" sz="800" i="1" dirty="0"/>
+              <a:t>also</a:t>
             </a:r>
             <a:r>
               <a:rPr lang="zh-CN" altLang="en-US" sz="800" i="1" dirty="0"/>
@@ -11553,6 +12859,41 @@
               <a:t>Test</a:t>
             </a:r>
             <a:endParaRPr lang="en-CN" sz="1100" i="1" dirty="0"/>
+          </a:p>
+        </p:txBody>
+      </p:sp>
+      <p:sp>
+        <p:nvSpPr>
+          <p:cNvPr id="7" name="TextBox 6">
+            <a:extLst>
+              <a:ext uri="{FF2B5EF4-FFF2-40B4-BE49-F238E27FC236}">
+                <a16:creationId xmlns:a16="http://schemas.microsoft.com/office/drawing/2014/main" id="{84667192-DE72-1E98-BC3E-F8B26AC28CF0}"/>
+              </a:ext>
+            </a:extLst>
+          </p:cNvPr>
+          <p:cNvSpPr txBox="1"/>
+          <p:nvPr/>
+        </p:nvSpPr>
+        <p:spPr>
+          <a:xfrm>
+            <a:off x="405636" y="4792006"/>
+            <a:ext cx="4459598" cy="261610"/>
+          </a:xfrm>
+          <a:prstGeom prst="rect">
+            <a:avLst/>
+          </a:prstGeom>
+          <a:noFill/>
+        </p:spPr>
+        <p:txBody>
+          <a:bodyPr wrap="square" rtlCol="0">
+            <a:spAutoFit/>
+          </a:bodyPr>
+          <a:lstStyle/>
+          <a:p>
+            <a:r>
+              <a:rPr lang="en-CN" sz="1100" i="1" dirty="0"/>
+              <a:t>For more detail, please refer to HA-noiseless-qiskit.ipynb</a:t>
+            </a:r>
           </a:p>
         </p:txBody>
       </p:sp>
@@ -11621,6 +12962,30 @@
               <a:rPr lang="en-US" altLang="zh-CN" dirty="0"/>
               <a:t>Replication</a:t>
             </a:r>
+            <a:r>
+              <a:rPr lang="zh-CN" altLang="en-US" dirty="0"/>
+              <a:t> </a:t>
+            </a:r>
+            <a:r>
+              <a:rPr lang="en-US" altLang="zh-CN" dirty="0"/>
+              <a:t>–</a:t>
+            </a:r>
+            <a:r>
+              <a:rPr lang="zh-CN" altLang="en-US" dirty="0"/>
+              <a:t> </a:t>
+            </a:r>
+            <a:r>
+              <a:rPr lang="en-US" altLang="zh-CN" dirty="0"/>
+              <a:t>Noiseless</a:t>
+            </a:r>
+            <a:r>
+              <a:rPr lang="zh-CN" altLang="en-US" dirty="0"/>
+              <a:t> </a:t>
+            </a:r>
+            <a:r>
+              <a:rPr lang="en-US" altLang="zh-CN" dirty="0"/>
+              <a:t>simulator</a:t>
+            </a:r>
             <a:endParaRPr lang="en-CN" dirty="0"/>
           </a:p>
         </p:txBody>
@@ -11721,8 +13086,8 @@
         </p:nvSpPr>
         <p:spPr>
           <a:xfrm>
-            <a:off x="4996711" y="631253"/>
-            <a:ext cx="4147289" cy="307777"/>
+            <a:off x="4101354" y="631253"/>
+            <a:ext cx="5161991" cy="307777"/>
           </a:xfrm>
           <a:prstGeom prst="rect">
             <a:avLst/>
@@ -11770,6 +13135,22 @@
             <a:r>
               <a:rPr lang="en-US" altLang="zh-CN" dirty="0"/>
               <a:t>(eight-site,</a:t>
+            </a:r>
+            <a:r>
+              <a:rPr lang="zh-CN" altLang="en-US" dirty="0"/>
+              <a:t> </a:t>
+            </a:r>
+            <a:r>
+              <a:rPr lang="en-US" altLang="zh-CN" dirty="0"/>
+              <a:t>ideal</a:t>
+            </a:r>
+            <a:r>
+              <a:rPr lang="zh-CN" altLang="en-US" dirty="0"/>
+              <a:t> </a:t>
+            </a:r>
+            <a:r>
+              <a:rPr lang="en-US" altLang="zh-CN" dirty="0"/>
+              <a:t>unitary,</a:t>
             </a:r>
             <a:r>
               <a:rPr lang="zh-CN" altLang="en-US" dirty="0"/>
@@ -11806,7 +13187,7 @@
         <p:spPr>
           <a:xfrm>
             <a:off x="334190" y="2938389"/>
-            <a:ext cx="2989921" cy="276999"/>
+            <a:ext cx="4019049" cy="276999"/>
           </a:xfrm>
           <a:prstGeom prst="rect">
             <a:avLst/>
@@ -11838,6 +13219,18 @@
             <a:r>
               <a:rPr lang="en-US" altLang="zh-CN" sz="1200" dirty="0"/>
               <a:t>(four-site,</a:t>
+            </a:r>
+            <a:r>
+              <a:rPr lang="zh-CN" altLang="en-US" sz="1200" dirty="0"/>
+              <a:t> </a:t>
+            </a:r>
+            <a:r>
+              <a:rPr lang="en-US" altLang="zh-CN" sz="1200" dirty="0" err="1"/>
+              <a:t>trot_step</a:t>
+            </a:r>
+            <a:r>
+              <a:rPr lang="en-US" altLang="zh-CN" sz="1200" dirty="0"/>
+              <a:t>=100,</a:t>
             </a:r>
             <a:r>
               <a:rPr lang="zh-CN" altLang="en-US" sz="1200" dirty="0"/>
@@ -11904,7 +13297,7 @@
         <p:spPr>
           <a:xfrm>
             <a:off x="371700" y="4730868"/>
-            <a:ext cx="3451586" cy="261610"/>
+            <a:ext cx="3876382" cy="261610"/>
           </a:xfrm>
           <a:prstGeom prst="rect">
             <a:avLst/>
@@ -11919,7 +13312,7 @@
           <a:p>
             <a:r>
               <a:rPr lang="en-US" altLang="zh-CN" sz="1100" i="1" dirty="0"/>
-              <a:t>Value:</a:t>
+              <a:t>ACDF Value:</a:t>
             </a:r>
             <a:r>
               <a:rPr lang="zh-CN" altLang="en-US" sz="1100" i="1" dirty="0"/>
@@ -12018,7 +13411,7 @@
         <p:spPr>
           <a:xfrm>
             <a:off x="4572000" y="2922246"/>
-            <a:ext cx="2912977" cy="276999"/>
+            <a:ext cx="3942105" cy="276999"/>
           </a:xfrm>
           <a:prstGeom prst="rect">
             <a:avLst/>
@@ -12050,6 +13443,18 @@
             <a:r>
               <a:rPr lang="en-US" altLang="zh-CN" sz="1200" dirty="0"/>
               <a:t>(six-site,</a:t>
+            </a:r>
+            <a:r>
+              <a:rPr lang="zh-CN" altLang="en-US" sz="1200" dirty="0"/>
+              <a:t> </a:t>
+            </a:r>
+            <a:r>
+              <a:rPr lang="en-US" altLang="zh-CN" sz="1200" dirty="0" err="1"/>
+              <a:t>trot_step</a:t>
+            </a:r>
+            <a:r>
+              <a:rPr lang="en-US" altLang="zh-CN" sz="1200" dirty="0"/>
+              <a:t>=100,</a:t>
             </a:r>
             <a:r>
               <a:rPr lang="zh-CN" altLang="en-US" sz="1200" dirty="0"/>
@@ -12086,7 +13491,7 @@
         <p:spPr>
           <a:xfrm>
             <a:off x="4699412" y="4782838"/>
-            <a:ext cx="3256020" cy="261610"/>
+            <a:ext cx="3680816" cy="261610"/>
           </a:xfrm>
           <a:prstGeom prst="rect">
             <a:avLst/>
@@ -12101,7 +13506,7 @@
           <a:p>
             <a:r>
               <a:rPr lang="en-US" altLang="zh-CN" sz="1100" i="1" dirty="0"/>
-              <a:t>Value:</a:t>
+              <a:t>ACDF Value:</a:t>
             </a:r>
             <a:r>
               <a:rPr lang="zh-CN" altLang="en-US" sz="1100" i="1" dirty="0"/>
@@ -12109,7 +13514,7 @@
             </a:r>
             <a:r>
               <a:rPr lang="en-US" altLang="zh-CN" sz="1100" i="1" dirty="0"/>
-              <a:t>-0.10093.</a:t>
+              <a:t>-0.1005.</a:t>
             </a:r>
             <a:r>
               <a:rPr lang="zh-CN" altLang="en-US" sz="1100" i="1" dirty="0"/>
@@ -12125,7 +13530,7 @@
             </a:r>
             <a:r>
               <a:rPr lang="en-US" altLang="zh-CN" sz="1100" i="1" dirty="0"/>
-              <a:t>-0.1005.</a:t>
+              <a:t>-0.10093.</a:t>
             </a:r>
             <a:r>
               <a:rPr lang="zh-CN" altLang="en-US" sz="1100" i="1" dirty="0"/>
@@ -12256,21 +13661,138 @@
             <p:ph type="body" idx="1"/>
           </p:nvPr>
         </p:nvSpPr>
-        <p:spPr/>
+        <p:spPr>
+          <a:xfrm>
+            <a:off x="5654029" y="1127830"/>
+            <a:ext cx="2823078" cy="2261100"/>
+          </a:xfrm>
+        </p:spPr>
         <p:txBody>
           <a:bodyPr/>
           <a:lstStyle/>
           <a:p>
-            <a:endParaRPr lang="en-CN" dirty="0"/>
+            <a:r>
+              <a:rPr lang="en-CN" dirty="0"/>
+              <a:t>Statistic noise only affects the variance of the ground state energy. It doesn’t affect the mean.</a:t>
+            </a:r>
+          </a:p>
+          <a:p>
+            <a:r>
+              <a:rPr lang="en-CN" dirty="0"/>
+              <a:t>We can evalute ACDF for multiple repititions(with a relatively small total shots) and take average of it.</a:t>
+            </a:r>
           </a:p>
         </p:txBody>
       </p:sp>
+      <p:grpSp>
+        <p:nvGrpSpPr>
+          <p:cNvPr id="5" name="Group 4">
+            <a:extLst>
+              <a:ext uri="{FF2B5EF4-FFF2-40B4-BE49-F238E27FC236}">
+                <a16:creationId xmlns:a16="http://schemas.microsoft.com/office/drawing/2014/main" id="{28FF750D-F5A9-1796-7182-2DBA44AEE598}"/>
+              </a:ext>
+            </a:extLst>
+          </p:cNvPr>
+          <p:cNvGrpSpPr/>
+          <p:nvPr/>
+        </p:nvGrpSpPr>
+        <p:grpSpPr>
+          <a:xfrm>
+            <a:off x="158059" y="568511"/>
+            <a:ext cx="5248462" cy="2245743"/>
+            <a:chOff x="3167888" y="1493821"/>
+            <a:chExt cx="5248462" cy="2245743"/>
+          </a:xfrm>
+        </p:grpSpPr>
+        <p:pic>
+          <p:nvPicPr>
+            <p:cNvPr id="6" name="Picture 5">
+              <a:extLst>
+                <a:ext uri="{FF2B5EF4-FFF2-40B4-BE49-F238E27FC236}">
+                  <a16:creationId xmlns:a16="http://schemas.microsoft.com/office/drawing/2014/main" id="{2CD96AA7-7546-E09E-358F-021AFEEE6177}"/>
+                </a:ext>
+              </a:extLst>
+            </p:cNvPr>
+            <p:cNvPicPr>
+              <a:picLocks noChangeAspect="1"/>
+            </p:cNvPicPr>
+            <p:nvPr/>
+          </p:nvPicPr>
+          <p:blipFill>
+            <a:blip r:embed="rId2"/>
+            <a:stretch>
+              <a:fillRect/>
+            </a:stretch>
+          </p:blipFill>
+          <p:spPr>
+            <a:xfrm>
+              <a:off x="3167888" y="1726455"/>
+              <a:ext cx="5248462" cy="2013109"/>
+            </a:xfrm>
+            <a:prstGeom prst="rect">
+              <a:avLst/>
+            </a:prstGeom>
+          </p:spPr>
+        </p:pic>
+        <p:sp>
+          <p:nvSpPr>
+            <p:cNvPr id="4" name="TextBox 3">
+              <a:extLst>
+                <a:ext uri="{FF2B5EF4-FFF2-40B4-BE49-F238E27FC236}">
+                  <a16:creationId xmlns:a16="http://schemas.microsoft.com/office/drawing/2014/main" id="{5ACC15E0-D1F5-BEFF-DD4E-B178F355E9D2}"/>
+                </a:ext>
+              </a:extLst>
+            </p:cNvPr>
+            <p:cNvSpPr txBox="1"/>
+            <p:nvPr/>
+          </p:nvSpPr>
+          <p:spPr>
+            <a:xfrm>
+              <a:off x="3286408" y="1493821"/>
+              <a:ext cx="1441420" cy="307777"/>
+            </a:xfrm>
+            <a:prstGeom prst="rect">
+              <a:avLst/>
+            </a:prstGeom>
+            <a:noFill/>
+          </p:spPr>
+          <p:txBody>
+            <a:bodyPr wrap="none" rtlCol="0">
+              <a:spAutoFit/>
+            </a:bodyPr>
+            <a:lstStyle/>
+            <a:p>
+              <a:r>
+                <a:rPr lang="en-US" altLang="zh-CN" dirty="0" err="1"/>
+                <a:t>Trot_step</a:t>
+              </a:r>
+              <a:r>
+                <a:rPr lang="zh-CN" altLang="en-US" dirty="0"/>
+                <a:t> </a:t>
+              </a:r>
+              <a:r>
+                <a:rPr lang="en-US" altLang="zh-CN" dirty="0"/>
+                <a:t>=</a:t>
+              </a:r>
+              <a:r>
+                <a:rPr lang="zh-CN" altLang="en-US" dirty="0"/>
+                <a:t> </a:t>
+              </a:r>
+              <a:r>
+                <a:rPr lang="en-US" altLang="zh-CN" dirty="0"/>
+                <a:t>100</a:t>
+              </a:r>
+              <a:endParaRPr lang="en-CN" dirty="0"/>
+            </a:p>
+          </p:txBody>
+        </p:sp>
+      </p:grpSp>
       <p:pic>
         <p:nvPicPr>
-          <p:cNvPr id="6" name="Picture 5">
+          <p:cNvPr id="8" name="Picture 7">
             <a:extLst>
               <a:ext uri="{FF2B5EF4-FFF2-40B4-BE49-F238E27FC236}">
-                <a16:creationId xmlns:a16="http://schemas.microsoft.com/office/drawing/2014/main" id="{2CD96AA7-7546-E09E-358F-021AFEEE6177}"/>
+                <a16:creationId xmlns:a16="http://schemas.microsoft.com/office/drawing/2014/main" id="{0DFD5C94-8B60-948B-9D3D-DA4A7BF1122C}"/>
               </a:ext>
             </a:extLst>
           </p:cNvPr>
@@ -12280,21 +13802,81 @@
           <p:nvPr/>
         </p:nvPicPr>
         <p:blipFill>
-          <a:blip r:embed="rId2"/>
+          <a:blip r:embed="rId3"/>
           <a:stretch>
             <a:fillRect/>
           </a:stretch>
         </p:blipFill>
         <p:spPr>
           <a:xfrm>
-            <a:off x="1535580" y="2560214"/>
-            <a:ext cx="5248462" cy="2013109"/>
+            <a:off x="158059" y="3046888"/>
+            <a:ext cx="5248462" cy="1928217"/>
           </a:xfrm>
           <a:prstGeom prst="rect">
             <a:avLst/>
           </a:prstGeom>
         </p:spPr>
       </p:pic>
+      <p:sp>
+        <p:nvSpPr>
+          <p:cNvPr id="9" name="TextBox 8">
+            <a:extLst>
+              <a:ext uri="{FF2B5EF4-FFF2-40B4-BE49-F238E27FC236}">
+                <a16:creationId xmlns:a16="http://schemas.microsoft.com/office/drawing/2014/main" id="{57677863-A3CB-ED96-603C-C167D8A09C33}"/>
+              </a:ext>
+            </a:extLst>
+          </p:cNvPr>
+          <p:cNvSpPr txBox="1"/>
+          <p:nvPr/>
+        </p:nvSpPr>
+        <p:spPr>
+          <a:xfrm>
+            <a:off x="227472" y="2816285"/>
+            <a:ext cx="3376245" cy="307777"/>
+          </a:xfrm>
+          <a:prstGeom prst="rect">
+            <a:avLst/>
+          </a:prstGeom>
+          <a:noFill/>
+        </p:spPr>
+        <p:txBody>
+          <a:bodyPr wrap="none" rtlCol="0">
+            <a:spAutoFit/>
+          </a:bodyPr>
+          <a:lstStyle/>
+          <a:p>
+            <a:r>
+              <a:rPr lang="en-US" altLang="zh-CN" dirty="0" err="1"/>
+              <a:t>Trot_step</a:t>
+            </a:r>
+            <a:r>
+              <a:rPr lang="zh-CN" altLang="en-US" dirty="0"/>
+              <a:t> </a:t>
+            </a:r>
+            <a:r>
+              <a:rPr lang="en-US" altLang="zh-CN" dirty="0"/>
+              <a:t>=</a:t>
+            </a:r>
+            <a:r>
+              <a:rPr lang="zh-CN" altLang="en-US" dirty="0"/>
+              <a:t> </a:t>
+            </a:r>
+            <a:r>
+              <a:rPr lang="en-US" altLang="zh-CN" dirty="0"/>
+              <a:t>10, </a:t>
+            </a:r>
+            <a:r>
+              <a:rPr lang="en-US" altLang="zh-CN" dirty="0" err="1"/>
+              <a:t>N_sites</a:t>
+            </a:r>
+            <a:r>
+              <a:rPr lang="en-US" altLang="zh-CN" dirty="0"/>
+              <a:t>=4, 10 repetition.</a:t>
+            </a:r>
+            <a:endParaRPr lang="en-CN" dirty="0"/>
+          </a:p>
+        </p:txBody>
+      </p:sp>
     </p:spTree>
     <p:extLst>
       <p:ext uri="{BB962C8B-B14F-4D97-AF65-F5344CB8AC3E}">
@@ -12309,6 +13891,505 @@
 </file>
 
 <file path=ppt/slides/slide7.xml><?xml version="1.0" encoding="utf-8"?>
+<p:sld xmlns:a="http://schemas.openxmlformats.org/drawingml/2006/main" xmlns:r="http://schemas.openxmlformats.org/officeDocument/2006/relationships" xmlns:p="http://schemas.openxmlformats.org/presentationml/2006/main">
+  <p:cSld>
+    <p:spTree>
+      <p:nvGrpSpPr>
+        <p:cNvPr id="1" name=""/>
+        <p:cNvGrpSpPr/>
+        <p:nvPr/>
+      </p:nvGrpSpPr>
+      <p:grpSpPr>
+        <a:xfrm>
+          <a:off x="0" y="0"/>
+          <a:ext cx="0" cy="0"/>
+          <a:chOff x="0" y="0"/>
+          <a:chExt cx="0" cy="0"/>
+        </a:xfrm>
+      </p:grpSpPr>
+      <p:sp>
+        <p:nvSpPr>
+          <p:cNvPr id="2" name="Title 1">
+            <a:extLst>
+              <a:ext uri="{FF2B5EF4-FFF2-40B4-BE49-F238E27FC236}">
+                <a16:creationId xmlns:a16="http://schemas.microsoft.com/office/drawing/2014/main" id="{EFBE726F-72BA-55C4-7972-00C8A1EC8043}"/>
+              </a:ext>
+            </a:extLst>
+          </p:cNvPr>
+          <p:cNvSpPr>
+            <a:spLocks noGrp="1"/>
+          </p:cNvSpPr>
+          <p:nvPr>
+            <p:ph type="title"/>
+          </p:nvPr>
+        </p:nvSpPr>
+        <p:spPr/>
+        <p:txBody>
+          <a:bodyPr>
+            <a:normAutofit fontScale="90000"/>
+          </a:bodyPr>
+          <a:lstStyle/>
+          <a:p>
+            <a:r>
+              <a:rPr lang="en-US" altLang="zh-CN" dirty="0" err="1"/>
+              <a:t>Trotterization</a:t>
+            </a:r>
+            <a:r>
+              <a:rPr lang="zh-CN" altLang="en-US" dirty="0"/>
+              <a:t> </a:t>
+            </a:r>
+            <a:r>
+              <a:rPr lang="en-US" altLang="zh-CN" dirty="0"/>
+              <a:t>or</a:t>
+            </a:r>
+            <a:r>
+              <a:rPr lang="zh-CN" altLang="en-US" dirty="0"/>
+              <a:t> </a:t>
+            </a:r>
+            <a:r>
+              <a:rPr lang="en-US" altLang="zh-CN" dirty="0"/>
+              <a:t>random</a:t>
+            </a:r>
+            <a:r>
+              <a:rPr lang="zh-CN" altLang="en-US" dirty="0"/>
+              <a:t> </a:t>
+            </a:r>
+            <a:r>
+              <a:rPr lang="en-US" altLang="zh-CN" dirty="0"/>
+              <a:t>compiling?</a:t>
+            </a:r>
+            <a:endParaRPr lang="en-CN" dirty="0"/>
+          </a:p>
+        </p:txBody>
+      </p:sp>
+      <mc:AlternateContent xmlns:mc="http://schemas.openxmlformats.org/markup-compatibility/2006">
+        <mc:Choice xmlns:a14="http://schemas.microsoft.com/office/drawing/2010/main" Requires="a14">
+          <p:sp>
+            <p:nvSpPr>
+              <p:cNvPr id="3" name="Text Placeholder 2">
+                <a:extLst>
+                  <a:ext uri="{FF2B5EF4-FFF2-40B4-BE49-F238E27FC236}">
+                    <a16:creationId xmlns:a16="http://schemas.microsoft.com/office/drawing/2014/main" id="{17CC293F-DE8F-E2DA-F9DA-06AEC9F2B7F9}"/>
+                  </a:ext>
+                </a:extLst>
+              </p:cNvPr>
+              <p:cNvSpPr>
+                <a:spLocks noGrp="1"/>
+              </p:cNvSpPr>
+              <p:nvPr>
+                <p:ph type="body" idx="1"/>
+              </p:nvPr>
+            </p:nvSpPr>
+            <p:spPr>
+              <a:xfrm>
+                <a:off x="425141" y="2235070"/>
+                <a:ext cx="4511243" cy="2261100"/>
+              </a:xfrm>
+            </p:spPr>
+            <p:txBody>
+              <a:bodyPr/>
+              <a:lstStyle/>
+              <a:p>
+                <a:r>
+                  <a:rPr lang="en-CN" dirty="0"/>
+                  <a:t>We need </a:t>
+                </a:r>
+                <a:r>
+                  <a:rPr lang="en-US" altLang="zh-CN" dirty="0"/>
+                  <a:t>the</a:t>
+                </a:r>
+                <a:r>
+                  <a:rPr lang="en-CN" dirty="0"/>
+                  <a:t> evolution gate </a:t>
+                </a:r>
+                <a14:m>
+                  <m:oMath xmlns:m="http://schemas.openxmlformats.org/officeDocument/2006/math">
+                    <m:sSup>
+                      <m:sSupPr>
+                        <m:ctrlPr>
+                          <a:rPr lang="en-US" b="0" i="1" smtClean="0">
+                            <a:latin typeface="Cambria Math" panose="02040503050406030204" pitchFamily="18" charset="0"/>
+                          </a:rPr>
+                        </m:ctrlPr>
+                      </m:sSupPr>
+                      <m:e>
+                        <m:r>
+                          <a:rPr lang="en-US" b="0" i="1" smtClean="0">
+                            <a:latin typeface="Cambria Math" panose="02040503050406030204" pitchFamily="18" charset="0"/>
+                          </a:rPr>
+                          <m:t>𝑒</m:t>
+                        </m:r>
+                      </m:e>
+                      <m:sup>
+                        <m:r>
+                          <a:rPr lang="en-US" b="0" i="1" smtClean="0">
+                            <a:latin typeface="Cambria Math" panose="02040503050406030204" pitchFamily="18" charset="0"/>
+                          </a:rPr>
+                          <m:t>−</m:t>
+                        </m:r>
+                        <m:r>
+                          <a:rPr lang="en-US" b="0" i="1" smtClean="0">
+                            <a:latin typeface="Cambria Math" panose="02040503050406030204" pitchFamily="18" charset="0"/>
+                          </a:rPr>
+                          <m:t>𝑖𝑗</m:t>
+                        </m:r>
+                        <m:r>
+                          <a:rPr lang="en-US" b="0" i="1" smtClean="0">
+                            <a:latin typeface="Cambria Math" panose="02040503050406030204" pitchFamily="18" charset="0"/>
+                          </a:rPr>
+                          <m:t>𝜏</m:t>
+                        </m:r>
+                        <m:r>
+                          <a:rPr lang="en-US" b="0" i="1" smtClean="0">
+                            <a:latin typeface="Cambria Math" panose="02040503050406030204" pitchFamily="18" charset="0"/>
+                          </a:rPr>
+                          <m:t>𝐻</m:t>
+                        </m:r>
+                      </m:sup>
+                    </m:sSup>
+                  </m:oMath>
+                </a14:m>
+                <a:r>
+                  <a:rPr lang="zh-CN" altLang="en-US" dirty="0"/>
+                  <a:t> </a:t>
+                </a:r>
+                <a:r>
+                  <a:rPr lang="en-US" altLang="zh-CN" dirty="0"/>
+                  <a:t>in</a:t>
+                </a:r>
+                <a:r>
+                  <a:rPr lang="zh-CN" altLang="en-US" dirty="0"/>
+                  <a:t> </a:t>
+                </a:r>
+                <a:r>
+                  <a:rPr lang="en-US" altLang="zh-CN" dirty="0"/>
+                  <a:t>our</a:t>
+                </a:r>
+                <a:r>
+                  <a:rPr lang="zh-CN" altLang="en-US" dirty="0"/>
+                  <a:t> </a:t>
+                </a:r>
+                <a:r>
+                  <a:rPr lang="en-US" altLang="zh-CN" dirty="0"/>
+                  <a:t>circuit.</a:t>
+                </a:r>
+              </a:p>
+              <a:p>
+                <a:r>
+                  <a:rPr lang="en-US" altLang="zh-CN" dirty="0"/>
+                  <a:t>We</a:t>
+                </a:r>
+                <a:r>
+                  <a:rPr lang="zh-CN" altLang="en-US" dirty="0"/>
+                  <a:t> </a:t>
+                </a:r>
+                <a:r>
+                  <a:rPr lang="en-US" altLang="zh-CN" dirty="0"/>
+                  <a:t>can</a:t>
+                </a:r>
+                <a:r>
+                  <a:rPr lang="zh-CN" altLang="en-US" dirty="0"/>
+                  <a:t> </a:t>
+                </a:r>
+                <a:r>
+                  <a:rPr lang="en-US" altLang="zh-CN" dirty="0"/>
+                  <a:t>do</a:t>
+                </a:r>
+                <a:r>
+                  <a:rPr lang="zh-CN" altLang="en-US" dirty="0"/>
+                  <a:t> </a:t>
+                </a:r>
+                <a:r>
+                  <a:rPr lang="en-US" altLang="zh-CN" dirty="0" err="1"/>
+                  <a:t>trotterization</a:t>
+                </a:r>
+                <a:r>
+                  <a:rPr lang="zh-CN" altLang="en-US" dirty="0"/>
+                  <a:t> </a:t>
+                </a:r>
+                <a:r>
+                  <a:rPr lang="en-US" altLang="zh-CN" dirty="0"/>
+                  <a:t>of</a:t>
+                </a:r>
+                <a:r>
+                  <a:rPr lang="zh-CN" altLang="en-US" dirty="0"/>
+                  <a:t> </a:t>
+                </a:r>
+                <a:r>
+                  <a:rPr lang="en-US" altLang="zh-CN" dirty="0"/>
+                  <a:t>course,</a:t>
+                </a:r>
+                <a:r>
+                  <a:rPr lang="zh-CN" altLang="en-US" dirty="0"/>
+                  <a:t> </a:t>
+                </a:r>
+                <a:r>
+                  <a:rPr lang="en-US" altLang="zh-CN" dirty="0"/>
+                  <a:t>but</a:t>
+                </a:r>
+                <a:r>
+                  <a:rPr lang="zh-CN" altLang="en-US" dirty="0"/>
+                  <a:t> </a:t>
+                </a:r>
+                <a:r>
+                  <a:rPr lang="en-US" altLang="zh-CN" dirty="0"/>
+                  <a:t>how</a:t>
+                </a:r>
+                <a:r>
+                  <a:rPr lang="zh-CN" altLang="en-US" dirty="0"/>
+                  <a:t> </a:t>
+                </a:r>
+                <a:r>
+                  <a:rPr lang="en-US" altLang="zh-CN" dirty="0"/>
+                  <a:t>about</a:t>
+                </a:r>
+                <a:r>
+                  <a:rPr lang="zh-CN" altLang="en-US" dirty="0"/>
+                  <a:t> </a:t>
+                </a:r>
+                <a:r>
+                  <a:rPr lang="en-US" altLang="zh-CN" dirty="0"/>
+                  <a:t>random</a:t>
+                </a:r>
+                <a:r>
+                  <a:rPr lang="zh-CN" altLang="en-US" dirty="0"/>
+                  <a:t> </a:t>
+                </a:r>
+                <a:r>
+                  <a:rPr lang="en-US" altLang="zh-CN" dirty="0"/>
+                  <a:t>compiling(QDRIFT)?</a:t>
+                </a:r>
+              </a:p>
+              <a:p>
+                <a:r>
+                  <a:rPr lang="en-US" altLang="zh-CN" b="1" dirty="0"/>
+                  <a:t>Conclusion:</a:t>
+                </a:r>
+                <a:r>
+                  <a:rPr lang="zh-CN" altLang="en-US" b="1" dirty="0"/>
+                  <a:t> </a:t>
+                </a:r>
+                <a:r>
+                  <a:rPr lang="en-US" altLang="zh-CN" b="1" dirty="0"/>
+                  <a:t>For</a:t>
+                </a:r>
+                <a:r>
+                  <a:rPr lang="zh-CN" altLang="en-US" b="1" dirty="0"/>
+                  <a:t> </a:t>
+                </a:r>
+                <a:r>
+                  <a:rPr lang="en-US" altLang="zh-CN" b="1" dirty="0"/>
+                  <a:t>the</a:t>
+                </a:r>
+                <a:r>
+                  <a:rPr lang="zh-CN" altLang="en-US" b="1" dirty="0"/>
+                  <a:t> </a:t>
+                </a:r>
+                <a:r>
+                  <a:rPr lang="en-US" altLang="zh-CN" b="1" dirty="0"/>
+                  <a:t>Fermi-Hubbard</a:t>
+                </a:r>
+                <a:r>
+                  <a:rPr lang="zh-CN" altLang="en-US" b="1" dirty="0"/>
+                  <a:t> </a:t>
+                </a:r>
+                <a:r>
+                  <a:rPr lang="en-US" altLang="zh-CN" b="1" dirty="0"/>
+                  <a:t>model,</a:t>
+                </a:r>
+                <a:r>
+                  <a:rPr lang="zh-CN" altLang="en-US" b="1" dirty="0"/>
+                  <a:t> </a:t>
+                </a:r>
+                <a:r>
+                  <a:rPr lang="en-US" altLang="zh-CN" b="1" dirty="0"/>
+                  <a:t>there</a:t>
+                </a:r>
+                <a:r>
+                  <a:rPr lang="zh-CN" altLang="en-US" b="1" dirty="0"/>
+                  <a:t> </a:t>
+                </a:r>
+                <a:r>
+                  <a:rPr lang="en-US" altLang="zh-CN" b="1" dirty="0"/>
+                  <a:t>is</a:t>
+                </a:r>
+                <a:r>
+                  <a:rPr lang="zh-CN" altLang="en-US" b="1" dirty="0"/>
+                  <a:t> </a:t>
+                </a:r>
+                <a:r>
+                  <a:rPr lang="en-US" altLang="zh-CN" b="1" dirty="0"/>
+                  <a:t>no</a:t>
+                </a:r>
+                <a:r>
+                  <a:rPr lang="zh-CN" altLang="en-US" b="1" dirty="0"/>
+                  <a:t> </a:t>
+                </a:r>
+                <a:r>
+                  <a:rPr lang="en-US" altLang="zh-CN" b="1" dirty="0"/>
+                  <a:t>need</a:t>
+                </a:r>
+                <a:r>
+                  <a:rPr lang="zh-CN" altLang="en-US" b="1" dirty="0"/>
+                  <a:t> </a:t>
+                </a:r>
+                <a:r>
+                  <a:rPr lang="en-US" altLang="zh-CN" b="1" dirty="0"/>
+                  <a:t>for</a:t>
+                </a:r>
+                <a:r>
+                  <a:rPr lang="zh-CN" altLang="en-US" b="1" dirty="0"/>
+                  <a:t> </a:t>
+                </a:r>
+                <a:r>
+                  <a:rPr lang="en-US" altLang="zh-CN" b="1" dirty="0"/>
+                  <a:t>QDRIFT.</a:t>
+                </a:r>
+                <a:endParaRPr lang="en-CN" b="1" dirty="0"/>
+              </a:p>
+            </p:txBody>
+          </p:sp>
+        </mc:Choice>
+        <mc:Fallback>
+          <p:sp>
+            <p:nvSpPr>
+              <p:cNvPr id="3" name="Text Placeholder 2">
+                <a:extLst>
+                  <a:ext uri="{FF2B5EF4-FFF2-40B4-BE49-F238E27FC236}">
+                    <a16:creationId xmlns:a16="http://schemas.microsoft.com/office/drawing/2014/main" id="{17CC293F-DE8F-E2DA-F9DA-06AEC9F2B7F9}"/>
+                  </a:ext>
+                </a:extLst>
+              </p:cNvPr>
+              <p:cNvSpPr>
+                <a:spLocks noGrp="1" noRot="1" noChangeAspect="1" noMove="1" noResize="1" noEditPoints="1" noAdjustHandles="1" noChangeArrowheads="1" noChangeShapeType="1" noTextEdit="1"/>
+              </p:cNvSpPr>
+              <p:nvPr>
+                <p:ph type="body" idx="1"/>
+              </p:nvPr>
+            </p:nvSpPr>
+            <p:spPr>
+              <a:xfrm>
+                <a:off x="425141" y="2235070"/>
+                <a:ext cx="4511243" cy="2261100"/>
+              </a:xfrm>
+              <a:blipFill>
+                <a:blip r:embed="rId2"/>
+                <a:stretch>
+                  <a:fillRect/>
+                </a:stretch>
+              </a:blipFill>
+            </p:spPr>
+            <p:txBody>
+              <a:bodyPr/>
+              <a:lstStyle/>
+              <a:p>
+                <a:r>
+                  <a:rPr lang="en-CN">
+                    <a:noFill/>
+                  </a:rPr>
+                  <a:t> </a:t>
+                </a:r>
+              </a:p>
+            </p:txBody>
+          </p:sp>
+        </mc:Fallback>
+      </mc:AlternateContent>
+      <p:pic>
+        <p:nvPicPr>
+          <p:cNvPr id="4" name="Picture 3">
+            <a:extLst>
+              <a:ext uri="{FF2B5EF4-FFF2-40B4-BE49-F238E27FC236}">
+                <a16:creationId xmlns:a16="http://schemas.microsoft.com/office/drawing/2014/main" id="{01454E32-3E57-EF3A-0D24-C155E18EA109}"/>
+              </a:ext>
+            </a:extLst>
+          </p:cNvPr>
+          <p:cNvPicPr>
+            <a:picLocks noChangeAspect="1"/>
+          </p:cNvPicPr>
+          <p:nvPr/>
+        </p:nvPicPr>
+        <p:blipFill>
+          <a:blip r:embed="rId3"/>
+          <a:stretch>
+            <a:fillRect/>
+          </a:stretch>
+        </p:blipFill>
+        <p:spPr>
+          <a:xfrm>
+            <a:off x="5610154" y="1759431"/>
+            <a:ext cx="3382592" cy="2534277"/>
+          </a:xfrm>
+          <a:prstGeom prst="rect">
+            <a:avLst/>
+          </a:prstGeom>
+        </p:spPr>
+      </p:pic>
+      <p:sp>
+        <p:nvSpPr>
+          <p:cNvPr id="5" name="TextBox 4">
+            <a:extLst>
+              <a:ext uri="{FF2B5EF4-FFF2-40B4-BE49-F238E27FC236}">
+                <a16:creationId xmlns:a16="http://schemas.microsoft.com/office/drawing/2014/main" id="{6F7C8434-04EE-D581-C7E0-E71D734BC2BA}"/>
+              </a:ext>
+            </a:extLst>
+          </p:cNvPr>
+          <p:cNvSpPr txBox="1"/>
+          <p:nvPr/>
+        </p:nvSpPr>
+        <p:spPr>
+          <a:xfrm>
+            <a:off x="6820188" y="4342282"/>
+            <a:ext cx="1085554" cy="307777"/>
+          </a:xfrm>
+          <a:prstGeom prst="rect">
+            <a:avLst/>
+          </a:prstGeom>
+          <a:noFill/>
+        </p:spPr>
+        <p:txBody>
+          <a:bodyPr wrap="none" rtlCol="0">
+            <a:spAutoFit/>
+          </a:bodyPr>
+          <a:lstStyle/>
+          <a:p>
+            <a:r>
+              <a:rPr lang="en-US" altLang="zh-CN" dirty="0" err="1"/>
+              <a:t>N_sites</a:t>
+            </a:r>
+            <a:r>
+              <a:rPr lang="zh-CN" altLang="en-US" dirty="0"/>
+              <a:t> </a:t>
+            </a:r>
+            <a:r>
+              <a:rPr lang="en-US" altLang="zh-CN" dirty="0"/>
+              <a:t>=</a:t>
+            </a:r>
+            <a:r>
+              <a:rPr lang="zh-CN" altLang="en-US" dirty="0"/>
+              <a:t> </a:t>
+            </a:r>
+            <a:r>
+              <a:rPr lang="en-US" altLang="zh-CN" dirty="0"/>
+              <a:t>4</a:t>
+            </a:r>
+            <a:endParaRPr lang="en-CN" dirty="0"/>
+          </a:p>
+        </p:txBody>
+      </p:sp>
+    </p:spTree>
+    <p:extLst>
+      <p:ext uri="{BB962C8B-B14F-4D97-AF65-F5344CB8AC3E}">
+        <p14:creationId xmlns:p14="http://schemas.microsoft.com/office/powerpoint/2010/main" val="540798656"/>
+      </p:ext>
+    </p:extLst>
+  </p:cSld>
+  <p:clrMapOvr>
+    <a:masterClrMapping/>
+  </p:clrMapOvr>
+</p:sld>
+</file>
+
+<file path=ppt/slides/slide8.xml><?xml version="1.0" encoding="utf-8"?>
 <p:sld xmlns:a="http://schemas.openxmlformats.org/drawingml/2006/main" xmlns:r="http://schemas.openxmlformats.org/officeDocument/2006/relationships" xmlns:p="http://schemas.openxmlformats.org/presentationml/2006/main">
   <p:cSld>
     <p:spTree>
@@ -12349,6 +14430,22 @@
           <a:lstStyle/>
           <a:p>
             <a:r>
+              <a:rPr lang="en-US" altLang="zh-CN" dirty="0"/>
+              <a:t>Effect</a:t>
+            </a:r>
+            <a:r>
+              <a:rPr lang="zh-CN" altLang="en-US" dirty="0"/>
+              <a:t> </a:t>
+            </a:r>
+            <a:r>
+              <a:rPr lang="en-US" altLang="zh-CN" dirty="0"/>
+              <a:t>of</a:t>
+            </a:r>
+            <a:r>
+              <a:rPr lang="zh-CN" altLang="en-US" dirty="0"/>
+              <a:t> </a:t>
+            </a:r>
+            <a:r>
               <a:rPr lang="en-US" altLang="zh-CN" dirty="0" err="1"/>
               <a:t>Trotterization</a:t>
             </a:r>
@@ -12357,24 +14454,8 @@
               <a:t> </a:t>
             </a:r>
             <a:r>
-              <a:rPr lang="en-US" altLang="zh-CN" dirty="0"/>
-              <a:t>or</a:t>
-            </a:r>
-            <a:r>
-              <a:rPr lang="zh-CN" altLang="en-US" dirty="0"/>
-              <a:t> </a:t>
-            </a:r>
-            <a:r>
-              <a:rPr lang="en-US" altLang="zh-CN" dirty="0"/>
-              <a:t>random</a:t>
-            </a:r>
-            <a:r>
-              <a:rPr lang="zh-CN" altLang="en-US" dirty="0"/>
-              <a:t> </a:t>
-            </a:r>
-            <a:r>
-              <a:rPr lang="en-US" altLang="zh-CN" dirty="0"/>
-              <a:t>compiling?</a:t>
+              <a:rPr lang="en-CN" altLang="zh-CN" dirty="0"/>
+              <a:t>step</a:t>
             </a:r>
             <a:endParaRPr lang="en-CN" dirty="0"/>
           </a:p>
@@ -12547,10 +14628,10 @@
       </p:sp>
       <p:pic>
         <p:nvPicPr>
-          <p:cNvPr id="4" name="Picture 3">
+          <p:cNvPr id="5" name="Picture 4">
             <a:extLst>
               <a:ext uri="{FF2B5EF4-FFF2-40B4-BE49-F238E27FC236}">
-                <a16:creationId xmlns:a16="http://schemas.microsoft.com/office/drawing/2014/main" id="{955DF9A0-92DE-5B86-7005-95A2A33512E8}"/>
+                <a16:creationId xmlns:a16="http://schemas.microsoft.com/office/drawing/2014/main" id="{AEBA8C85-57A7-AC83-48F3-EEF4A624C225}"/>
               </a:ext>
             </a:extLst>
           </p:cNvPr>
@@ -12567,8 +14648,8 @@
         </p:blipFill>
         <p:spPr>
           <a:xfrm>
-            <a:off x="1327150" y="2571750"/>
-            <a:ext cx="6489700" cy="2260600"/>
+            <a:off x="1174845" y="2379319"/>
+            <a:ext cx="6464300" cy="2374900"/>
           </a:xfrm>
           <a:prstGeom prst="rect">
             <a:avLst/>
@@ -12588,7 +14669,7 @@
 </p:sld>
 </file>
 
-<file path=ppt/slides/slide8.xml><?xml version="1.0" encoding="utf-8"?>
+<file path=ppt/slides/slide9.xml><?xml version="1.0" encoding="utf-8"?>
 <p:sld xmlns:a="http://schemas.openxmlformats.org/drawingml/2006/main" xmlns:r="http://schemas.openxmlformats.org/officeDocument/2006/relationships" xmlns:p="http://schemas.openxmlformats.org/presentationml/2006/main">
   <p:cSld>
     <p:spTree>
@@ -12630,7 +14711,7 @@
           <a:p>
             <a:r>
               <a:rPr lang="en-US" altLang="zh-CN" dirty="0"/>
-              <a:t>Error</a:t>
+              <a:t>Noisy</a:t>
             </a:r>
             <a:r>
               <a:rPr lang="zh-CN" altLang="en-US" dirty="0"/>
@@ -12638,215 +14719,670 @@
             </a:r>
             <a:r>
               <a:rPr lang="en-US" altLang="zh-CN" dirty="0"/>
-              <a:t>mitigation</a:t>
-            </a:r>
-            <a:r>
-              <a:rPr lang="zh-CN" altLang="en-US" dirty="0"/>
-              <a:t> </a:t>
-            </a:r>
-            <a:r>
-              <a:rPr lang="en-US" altLang="zh-CN" dirty="0"/>
-              <a:t>on</a:t>
-            </a:r>
-            <a:r>
-              <a:rPr lang="zh-CN" altLang="en-US" dirty="0"/>
-              <a:t> </a:t>
-            </a:r>
-            <a:r>
-              <a:rPr lang="en-US" altLang="zh-CN" dirty="0"/>
-              <a:t>a</a:t>
-            </a:r>
-            <a:r>
-              <a:rPr lang="zh-CN" altLang="en-US" dirty="0"/>
-              <a:t> </a:t>
-            </a:r>
-            <a:r>
-              <a:rPr lang="en-US" altLang="zh-CN" dirty="0" err="1"/>
-              <a:t>FakeSimulator</a:t>
+              <a:t>simulation</a:t>
             </a:r>
             <a:endParaRPr lang="en-CN" dirty="0"/>
           </a:p>
         </p:txBody>
       </p:sp>
-      <p:sp>
-        <p:nvSpPr>
-          <p:cNvPr id="3" name="Text Placeholder 2">
+      <mc:AlternateContent xmlns:mc="http://schemas.openxmlformats.org/markup-compatibility/2006">
+        <mc:Choice xmlns:a14="http://schemas.microsoft.com/office/drawing/2010/main" Requires="a14">
+          <p:sp>
+            <p:nvSpPr>
+              <p:cNvPr id="3" name="Text Placeholder 2">
+                <a:extLst>
+                  <a:ext uri="{FF2B5EF4-FFF2-40B4-BE49-F238E27FC236}">
+                    <a16:creationId xmlns:a16="http://schemas.microsoft.com/office/drawing/2014/main" id="{7CE42EC5-596A-E535-75A3-0B551EFAFFC3}"/>
+                  </a:ext>
+                </a:extLst>
+              </p:cNvPr>
+              <p:cNvSpPr>
+                <a:spLocks noGrp="1"/>
+              </p:cNvSpPr>
+              <p:nvPr>
+                <p:ph type="body" idx="1"/>
+              </p:nvPr>
+            </p:nvSpPr>
+            <p:spPr>
+              <a:xfrm>
+                <a:off x="500769" y="1218722"/>
+                <a:ext cx="4398330" cy="3135702"/>
+              </a:xfrm>
+            </p:spPr>
+            <p:txBody>
+              <a:bodyPr>
+                <a:normAutofit fontScale="85000" lnSpcReduction="20000"/>
+              </a:bodyPr>
+              <a:lstStyle/>
+              <a:p>
+                <a:pPr marL="146050" indent="0">
+                  <a:buNone/>
+                </a:pPr>
+                <a:r>
+                  <a:rPr lang="en-US" altLang="zh-CN" dirty="0"/>
+                  <a:t>We</a:t>
+                </a:r>
+                <a:r>
+                  <a:rPr lang="zh-CN" altLang="en-US" dirty="0"/>
+                  <a:t> </a:t>
+                </a:r>
+                <a:r>
+                  <a:rPr lang="en-US" altLang="zh-CN" dirty="0"/>
+                  <a:t>considered</a:t>
+                </a:r>
+                <a:r>
+                  <a:rPr lang="zh-CN" altLang="en-US" dirty="0"/>
+                  <a:t> </a:t>
+                </a:r>
+                <a:r>
+                  <a:rPr lang="en-US" altLang="zh-CN" dirty="0"/>
+                  <a:t>noisy</a:t>
+                </a:r>
+                <a:r>
+                  <a:rPr lang="zh-CN" altLang="en-US" dirty="0"/>
+                  <a:t> </a:t>
+                </a:r>
+                <a:r>
+                  <a:rPr lang="en-US" altLang="zh-CN" dirty="0"/>
+                  <a:t>simulator</a:t>
+                </a:r>
+                <a:r>
+                  <a:rPr lang="zh-CN" altLang="en-US" dirty="0"/>
+                  <a:t> </a:t>
+                </a:r>
+                <a:r>
+                  <a:rPr lang="en-US" altLang="zh-CN" dirty="0"/>
+                  <a:t>with</a:t>
+                </a:r>
+                <a:r>
+                  <a:rPr lang="zh-CN" altLang="en-US" dirty="0"/>
+                  <a:t> </a:t>
+                </a:r>
+                <a:r>
+                  <a:rPr lang="en-US" altLang="zh-CN" dirty="0"/>
+                  <a:t>depolarizing</a:t>
+                </a:r>
+                <a:r>
+                  <a:rPr lang="zh-CN" altLang="en-US" dirty="0"/>
+                  <a:t> </a:t>
+                </a:r>
+                <a:r>
+                  <a:rPr lang="en-US" altLang="zh-CN" dirty="0"/>
+                  <a:t>noise</a:t>
+                </a:r>
+                <a:r>
+                  <a:rPr lang="zh-CN" altLang="en-US" dirty="0"/>
+                  <a:t> </a:t>
+                </a:r>
+                <a:r>
+                  <a:rPr lang="en-US" altLang="zh-CN" dirty="0"/>
+                  <a:t>acted</a:t>
+                </a:r>
+                <a:r>
+                  <a:rPr lang="zh-CN" altLang="en-US" dirty="0"/>
+                  <a:t> </a:t>
+                </a:r>
+                <a:r>
+                  <a:rPr lang="en-US" altLang="zh-CN" dirty="0"/>
+                  <a:t>on</a:t>
+                </a:r>
+                <a:r>
+                  <a:rPr lang="zh-CN" altLang="en-US" dirty="0"/>
+                  <a:t> </a:t>
+                </a:r>
+                <a:r>
+                  <a:rPr lang="en-US" altLang="zh-CN" dirty="0"/>
+                  <a:t>two-qubit</a:t>
+                </a:r>
+                <a:r>
+                  <a:rPr lang="zh-CN" altLang="en-US" dirty="0"/>
+                  <a:t> </a:t>
+                </a:r>
+                <a:r>
+                  <a:rPr lang="en-US" altLang="zh-CN" dirty="0"/>
+                  <a:t>gates.</a:t>
+                </a:r>
+                <a:endParaRPr lang="en-CN" dirty="0"/>
+              </a:p>
+              <a:p>
+                <a:pPr marL="146050" indent="0">
+                  <a:buNone/>
+                </a:pPr>
+                <a:endParaRPr lang="en-US" dirty="0"/>
+              </a:p>
+              <a:p>
+                <a:pPr marL="146050" indent="0">
+                  <a:buNone/>
+                </a:pPr>
+                <a:r>
+                  <a:rPr lang="en-US" dirty="0"/>
+                  <a:t>Two error mitigation techniques are introduced:</a:t>
+                </a:r>
+              </a:p>
+              <a:p>
+                <a:pPr marL="488950" indent="-342900">
+                  <a:buFont typeface="+mj-lt"/>
+                  <a:buAutoNum type="arabicPeriod"/>
+                </a:pPr>
+                <a:r>
+                  <a:rPr lang="en-US" b="1" dirty="0"/>
+                  <a:t>Error Extrapolation:</a:t>
+                </a:r>
+              </a:p>
+              <a:p>
+                <a:pPr>
+                  <a:buFont typeface="Wingdings" panose="05000000000000000000" pitchFamily="2" charset="2"/>
+                  <a:buChar char="Ø"/>
+                </a:pPr>
+                <a:r>
+                  <a:rPr lang="en-US" dirty="0"/>
+                  <a:t>CNOT errors are dominant.</a:t>
+                </a:r>
+              </a:p>
+              <a:p>
+                <a:pPr>
+                  <a:buFont typeface="Wingdings" panose="05000000000000000000" pitchFamily="2" charset="2"/>
+                  <a:buChar char="Ø"/>
+                </a:pPr>
+                <a:r>
+                  <a:rPr lang="en-US" dirty="0"/>
+                  <a:t>Expand number of CNOTs in the original circuits from </a:t>
+                </a:r>
+                <a14:m>
+                  <m:oMath xmlns:m="http://schemas.openxmlformats.org/officeDocument/2006/math">
+                    <m:r>
+                      <a:rPr lang="en-US" b="0" i="1" smtClean="0">
+                        <a:latin typeface="Cambria Math" panose="02040503050406030204" pitchFamily="18" charset="0"/>
+                      </a:rPr>
+                      <m:t>𝑛</m:t>
+                    </m:r>
+                  </m:oMath>
+                </a14:m>
+                <a:r>
+                  <a:rPr lang="en-US" dirty="0"/>
+                  <a:t> to </a:t>
+                </a:r>
+                <a14:m>
+                  <m:oMath xmlns:m="http://schemas.openxmlformats.org/officeDocument/2006/math">
+                    <m:r>
+                      <a:rPr lang="en-US" b="0" i="1" smtClean="0">
+                        <a:latin typeface="Cambria Math" panose="02040503050406030204" pitchFamily="18" charset="0"/>
+                      </a:rPr>
+                      <m:t>2</m:t>
+                    </m:r>
+                    <m:r>
+                      <a:rPr lang="en-US" b="0" i="1" smtClean="0">
+                        <a:latin typeface="Cambria Math" panose="02040503050406030204" pitchFamily="18" charset="0"/>
+                      </a:rPr>
+                      <m:t>𝑛</m:t>
+                    </m:r>
+                    <m:r>
+                      <a:rPr lang="en-US" b="0" i="1" smtClean="0">
+                        <a:latin typeface="Cambria Math" panose="02040503050406030204" pitchFamily="18" charset="0"/>
+                      </a:rPr>
+                      <m:t>+1</m:t>
+                    </m:r>
+                  </m:oMath>
+                </a14:m>
+                <a:r>
+                  <a:rPr lang="zh-CN" altLang="en-US" dirty="0"/>
+                  <a:t> </a:t>
+                </a:r>
+                <a:r>
+                  <a:rPr lang="en-US" altLang="zh-CN" dirty="0"/>
+                  <a:t>and</a:t>
+                </a:r>
+                <a:r>
+                  <a:rPr lang="zh-CN" altLang="en-US" dirty="0"/>
+                  <a:t> </a:t>
+                </a:r>
+                <a:r>
+                  <a:rPr lang="en-US" altLang="zh-CN" dirty="0"/>
+                  <a:t>execute</a:t>
+                </a:r>
+                <a:r>
+                  <a:rPr lang="zh-CN" altLang="en-US" dirty="0"/>
+                  <a:t> </a:t>
+                </a:r>
+                <a:r>
+                  <a:rPr lang="en-US" altLang="zh-CN" dirty="0"/>
+                  <a:t>them</a:t>
+                </a:r>
+                <a:r>
+                  <a:rPr lang="en-US" dirty="0"/>
+                  <a:t>. (</a:t>
+                </a:r>
+                <a14:m>
+                  <m:oMath xmlns:m="http://schemas.openxmlformats.org/officeDocument/2006/math">
+                    <m:r>
+                      <a:rPr lang="en-US" b="0" i="1" smtClean="0">
+                        <a:latin typeface="Cambria Math" panose="02040503050406030204" pitchFamily="18" charset="0"/>
+                      </a:rPr>
+                      <m:t>𝑛</m:t>
+                    </m:r>
+                    <m:r>
+                      <a:rPr lang="en-US" b="0" i="1" smtClean="0">
+                        <a:latin typeface="Cambria Math" panose="02040503050406030204" pitchFamily="18" charset="0"/>
+                      </a:rPr>
+                      <m:t>=0, 1, 2, …</m:t>
+                    </m:r>
+                  </m:oMath>
+                </a14:m>
+                <a:r>
+                  <a:rPr lang="en-US" dirty="0"/>
+                  <a:t>)</a:t>
+                </a:r>
+              </a:p>
+              <a:p>
+                <a:pPr>
+                  <a:buFont typeface="Wingdings" panose="05000000000000000000" pitchFamily="2" charset="2"/>
+                  <a:buChar char="Ø"/>
+                </a:pPr>
+                <a:r>
+                  <a:rPr lang="en-US" dirty="0"/>
+                  <a:t>Plot the data and do the curve fitting in order to derive the estimated </a:t>
+                </a:r>
+                <a:r>
+                  <a:rPr lang="en-US" i="1" dirty="0"/>
+                  <a:t>zero-error</a:t>
+                </a:r>
+                <a:r>
+                  <a:rPr lang="en-US" dirty="0"/>
+                  <a:t> data. </a:t>
+                </a:r>
+              </a:p>
+              <a:p>
+                <a:pPr>
+                  <a:buFont typeface="Wingdings" panose="05000000000000000000" pitchFamily="2" charset="2"/>
+                  <a:buChar char="Ø"/>
+                </a:pPr>
+                <a:endParaRPr lang="en-US" dirty="0"/>
+              </a:p>
+              <a:p>
+                <a:pPr marL="146050" indent="0">
+                  <a:buNone/>
+                </a:pPr>
+                <a:r>
+                  <a:rPr lang="en-US" b="1" dirty="0"/>
+                  <a:t>2.     Randomized </a:t>
+                </a:r>
+                <a:r>
+                  <a:rPr lang="en-US" altLang="zh-CN" b="1" dirty="0"/>
+                  <a:t>compiling</a:t>
+                </a:r>
+                <a:r>
+                  <a:rPr lang="en-US" b="1" dirty="0"/>
+                  <a:t>:</a:t>
+                </a:r>
+              </a:p>
+              <a:p>
+                <a:pPr>
+                  <a:buFont typeface="Wingdings" panose="05000000000000000000" pitchFamily="2" charset="2"/>
+                  <a:buChar char="Ø"/>
+                </a:pPr>
+                <a:r>
+                  <a:rPr lang="en-US" dirty="0"/>
+                  <a:t>Convert the coherent errors into incoherent errors in order to fit well in depolarizing error models.</a:t>
+                </a:r>
+              </a:p>
+              <a:p>
+                <a:pPr>
+                  <a:buFont typeface="Wingdings" panose="05000000000000000000" pitchFamily="2" charset="2"/>
+                  <a:buChar char="Ø"/>
+                </a:pPr>
+                <a:r>
+                  <a:rPr lang="en-US" dirty="0"/>
+                  <a:t>Add corresponding </a:t>
+                </a:r>
+                <a14:m>
+                  <m:oMath xmlns:m="http://schemas.openxmlformats.org/officeDocument/2006/math">
+                    <m:r>
+                      <a:rPr lang="en-US" b="0" i="1" smtClean="0">
+                        <a:latin typeface="Cambria Math" panose="02040503050406030204" pitchFamily="18" charset="0"/>
+                      </a:rPr>
+                      <m:t>𝑃</m:t>
+                    </m:r>
+                    <m:r>
+                      <a:rPr lang="en-US" b="0" i="1" smtClean="0">
+                        <a:latin typeface="Cambria Math" panose="02040503050406030204" pitchFamily="18" charset="0"/>
+                      </a:rPr>
+                      <m:t>, </m:t>
+                    </m:r>
+                    <m:r>
+                      <a:rPr lang="en-US" b="0" i="1" smtClean="0">
+                        <a:latin typeface="Cambria Math" panose="02040503050406030204" pitchFamily="18" charset="0"/>
+                      </a:rPr>
+                      <m:t>𝑄</m:t>
+                    </m:r>
+                    <m:r>
+                      <a:rPr lang="en-US" b="0" i="1" smtClean="0">
+                        <a:latin typeface="Cambria Math" panose="02040503050406030204" pitchFamily="18" charset="0"/>
+                      </a:rPr>
+                      <m:t>, </m:t>
+                    </m:r>
+                    <m:r>
+                      <a:rPr lang="en-US" b="0" i="1" smtClean="0">
+                        <a:latin typeface="Cambria Math" panose="02040503050406030204" pitchFamily="18" charset="0"/>
+                      </a:rPr>
+                      <m:t>𝑅</m:t>
+                    </m:r>
+                    <m:r>
+                      <a:rPr lang="en-US" b="0" i="1" smtClean="0">
+                        <a:latin typeface="Cambria Math" panose="02040503050406030204" pitchFamily="18" charset="0"/>
+                      </a:rPr>
+                      <m:t>, </m:t>
+                    </m:r>
+                    <m:r>
+                      <a:rPr lang="en-US" b="0" i="1" smtClean="0">
+                        <a:latin typeface="Cambria Math" panose="02040503050406030204" pitchFamily="18" charset="0"/>
+                      </a:rPr>
+                      <m:t>𝑆</m:t>
+                    </m:r>
+                  </m:oMath>
+                </a14:m>
+                <a:r>
+                  <a:rPr lang="en-US" dirty="0"/>
+                  <a:t> gate around CNOTs. </a:t>
+                </a:r>
+              </a:p>
+              <a:p>
+                <a:pPr>
+                  <a:buFont typeface="Wingdings" panose="05000000000000000000" pitchFamily="2" charset="2"/>
+                  <a:buChar char="Ø"/>
+                </a:pPr>
+                <a:r>
+                  <a:rPr lang="en-US" dirty="0"/>
+                  <a:t>Ideally, all possible </a:t>
+                </a:r>
+                <a14:m>
+                  <m:oMath xmlns:m="http://schemas.openxmlformats.org/officeDocument/2006/math">
+                    <m:r>
+                      <a:rPr lang="en-US" altLang="zh-CN" b="0" i="1" smtClean="0">
+                        <a:latin typeface="Cambria Math" panose="02040503050406030204" pitchFamily="18" charset="0"/>
+                      </a:rPr>
+                      <m:t>𝑃</m:t>
+                    </m:r>
+                    <m:r>
+                      <a:rPr lang="en-US" altLang="zh-CN" b="0" i="1" smtClean="0">
+                        <a:latin typeface="Cambria Math" panose="02040503050406030204" pitchFamily="18" charset="0"/>
+                      </a:rPr>
+                      <m:t>, </m:t>
+                    </m:r>
+                    <m:r>
+                      <a:rPr lang="en-US" altLang="zh-CN" b="0" i="1" smtClean="0">
+                        <a:latin typeface="Cambria Math" panose="02040503050406030204" pitchFamily="18" charset="0"/>
+                      </a:rPr>
+                      <m:t>𝑄</m:t>
+                    </m:r>
+                    <m:r>
+                      <a:rPr lang="en-US" altLang="zh-CN" b="0" i="1" smtClean="0">
+                        <a:latin typeface="Cambria Math" panose="02040503050406030204" pitchFamily="18" charset="0"/>
+                      </a:rPr>
+                      <m:t>, </m:t>
+                    </m:r>
+                    <m:r>
+                      <a:rPr lang="en-US" altLang="zh-CN" b="0" i="1" smtClean="0">
+                        <a:latin typeface="Cambria Math" panose="02040503050406030204" pitchFamily="18" charset="0"/>
+                      </a:rPr>
+                      <m:t>𝑅</m:t>
+                    </m:r>
+                    <m:r>
+                      <a:rPr lang="en-US" altLang="zh-CN" b="0" i="1" smtClean="0">
+                        <a:latin typeface="Cambria Math" panose="02040503050406030204" pitchFamily="18" charset="0"/>
+                      </a:rPr>
+                      <m:t>, </m:t>
+                    </m:r>
+                    <m:r>
+                      <a:rPr lang="en-US" altLang="zh-CN" b="0" i="1" smtClean="0">
+                        <a:latin typeface="Cambria Math" panose="02040503050406030204" pitchFamily="18" charset="0"/>
+                      </a:rPr>
+                      <m:t>𝑆</m:t>
+                    </m:r>
+                  </m:oMath>
+                </a14:m>
+                <a:r>
+                  <a:rPr lang="en-US" dirty="0"/>
+                  <a:t> assignment will make no changes on CNOTs.</a:t>
+                </a:r>
+              </a:p>
+              <a:p>
+                <a:pPr>
+                  <a:buFont typeface="Wingdings" panose="05000000000000000000" pitchFamily="2" charset="2"/>
+                  <a:buChar char="Ø"/>
+                </a:pPr>
+                <a:endParaRPr lang="en-US" dirty="0"/>
+              </a:p>
+            </p:txBody>
+          </p:sp>
+        </mc:Choice>
+        <mc:Fallback>
+          <p:sp>
+            <p:nvSpPr>
+              <p:cNvPr id="3" name="Text Placeholder 2">
+                <a:extLst>
+                  <a:ext uri="{FF2B5EF4-FFF2-40B4-BE49-F238E27FC236}">
+                    <a16:creationId xmlns:a16="http://schemas.microsoft.com/office/drawing/2014/main" id="{7CE42EC5-596A-E535-75A3-0B551EFAFFC3}"/>
+                  </a:ext>
+                </a:extLst>
+              </p:cNvPr>
+              <p:cNvSpPr>
+                <a:spLocks noGrp="1" noRot="1" noChangeAspect="1" noMove="1" noResize="1" noEditPoints="1" noAdjustHandles="1" noChangeArrowheads="1" noChangeShapeType="1" noTextEdit="1"/>
+              </p:cNvSpPr>
+              <p:nvPr>
+                <p:ph type="body" idx="1"/>
+              </p:nvPr>
+            </p:nvSpPr>
+            <p:spPr>
+              <a:xfrm>
+                <a:off x="500769" y="1218722"/>
+                <a:ext cx="4398330" cy="3135702"/>
+              </a:xfrm>
+              <a:blipFill>
+                <a:blip r:embed="rId2"/>
+                <a:stretch>
+                  <a:fillRect r="-576"/>
+                </a:stretch>
+              </a:blipFill>
+            </p:spPr>
+            <p:txBody>
+              <a:bodyPr/>
+              <a:lstStyle/>
+              <a:p>
+                <a:r>
+                  <a:rPr lang="en-CN">
+                    <a:noFill/>
+                  </a:rPr>
+                  <a:t> </a:t>
+                </a:r>
+              </a:p>
+            </p:txBody>
+          </p:sp>
+        </mc:Fallback>
+      </mc:AlternateContent>
+      <p:pic>
+        <p:nvPicPr>
+          <p:cNvPr id="4" name="图片 3">
             <a:extLst>
               <a:ext uri="{FF2B5EF4-FFF2-40B4-BE49-F238E27FC236}">
-                <a16:creationId xmlns:a16="http://schemas.microsoft.com/office/drawing/2014/main" id="{7CE42EC5-596A-E535-75A3-0B551EFAFFC3}"/>
+                <a16:creationId xmlns:a16="http://schemas.microsoft.com/office/drawing/2014/main" id="{448D438C-EB7F-F57B-6B11-AAE0CC0AEBF0}"/>
               </a:ext>
             </a:extLst>
           </p:cNvPr>
-          <p:cNvSpPr>
-            <a:spLocks noGrp="1"/>
-          </p:cNvSpPr>
-          <p:nvPr>
-            <p:ph type="body" idx="1"/>
-          </p:nvPr>
-        </p:nvSpPr>
-        <p:spPr/>
-        <p:txBody>
-          <a:bodyPr/>
-          <a:lstStyle/>
-          <a:p>
-            <a:r>
-              <a:rPr lang="en-US" altLang="zh-CN" dirty="0"/>
-              <a:t>Random</a:t>
-            </a:r>
-            <a:r>
-              <a:rPr lang="zh-CN" altLang="en-US" dirty="0"/>
-              <a:t> </a:t>
-            </a:r>
-            <a:r>
-              <a:rPr lang="en-US" altLang="zh-CN" dirty="0"/>
-              <a:t>compiling</a:t>
-            </a:r>
-            <a:r>
-              <a:rPr lang="zh-CN" altLang="en-US" dirty="0"/>
-              <a:t> </a:t>
-            </a:r>
-            <a:r>
-              <a:rPr lang="en-US" altLang="zh-CN" dirty="0"/>
-              <a:t>and</a:t>
-            </a:r>
-            <a:r>
-              <a:rPr lang="zh-CN" altLang="en-US" dirty="0"/>
-              <a:t> </a:t>
-            </a:r>
-            <a:r>
-              <a:rPr lang="en-US" altLang="zh-CN" dirty="0"/>
-              <a:t>Error</a:t>
-            </a:r>
-            <a:r>
-              <a:rPr lang="zh-CN" altLang="en-US" dirty="0"/>
-              <a:t> </a:t>
-            </a:r>
-            <a:r>
-              <a:rPr lang="en-US" altLang="zh-CN" dirty="0"/>
-              <a:t>extrapolation.</a:t>
-            </a:r>
-            <a:endParaRPr lang="en-CN" dirty="0"/>
-          </a:p>
-        </p:txBody>
-      </p:sp>
+          <p:cNvPicPr>
+            <a:picLocks noChangeAspect="1"/>
+          </p:cNvPicPr>
+          <p:nvPr/>
+        </p:nvPicPr>
+        <p:blipFill>
+          <a:blip r:embed="rId3"/>
+          <a:stretch>
+            <a:fillRect/>
+          </a:stretch>
+        </p:blipFill>
+        <p:spPr>
+          <a:xfrm>
+            <a:off x="5631549" y="1265520"/>
+            <a:ext cx="2462787" cy="1261220"/>
+          </a:xfrm>
+          <a:prstGeom prst="rect">
+            <a:avLst/>
+          </a:prstGeom>
+        </p:spPr>
+      </p:pic>
+      <p:pic>
+        <p:nvPicPr>
+          <p:cNvPr id="5" name="图片 4">
+            <a:extLst>
+              <a:ext uri="{FF2B5EF4-FFF2-40B4-BE49-F238E27FC236}">
+                <a16:creationId xmlns:a16="http://schemas.microsoft.com/office/drawing/2014/main" id="{396E8D6F-4D60-732B-A723-1748288685FD}"/>
+              </a:ext>
+            </a:extLst>
+          </p:cNvPr>
+          <p:cNvPicPr>
+            <a:picLocks noChangeAspect="1"/>
+          </p:cNvPicPr>
+          <p:nvPr/>
+        </p:nvPicPr>
+        <p:blipFill>
+          <a:blip r:embed="rId4"/>
+          <a:stretch>
+            <a:fillRect/>
+          </a:stretch>
+        </p:blipFill>
+        <p:spPr>
+          <a:xfrm>
+            <a:off x="5225913" y="535200"/>
+            <a:ext cx="3764394" cy="683522"/>
+          </a:xfrm>
+          <a:prstGeom prst="rect">
+            <a:avLst/>
+          </a:prstGeom>
+        </p:spPr>
+      </p:pic>
+      <p:pic>
+        <p:nvPicPr>
+          <p:cNvPr id="6" name="图片 7">
+            <a:extLst>
+              <a:ext uri="{FF2B5EF4-FFF2-40B4-BE49-F238E27FC236}">
+                <a16:creationId xmlns:a16="http://schemas.microsoft.com/office/drawing/2014/main" id="{704F7571-0845-6D62-D1B3-7C1C854A4E73}"/>
+              </a:ext>
+            </a:extLst>
+          </p:cNvPr>
+          <p:cNvPicPr>
+            <a:picLocks noChangeAspect="1"/>
+          </p:cNvPicPr>
+          <p:nvPr/>
+        </p:nvPicPr>
+        <p:blipFill>
+          <a:blip r:embed="rId5"/>
+          <a:stretch>
+            <a:fillRect/>
+          </a:stretch>
+        </p:blipFill>
+        <p:spPr>
+          <a:xfrm>
+            <a:off x="5903766" y="2737397"/>
+            <a:ext cx="1743318" cy="790685"/>
+          </a:xfrm>
+          <a:prstGeom prst="rect">
+            <a:avLst/>
+          </a:prstGeom>
+        </p:spPr>
+      </p:pic>
+      <p:pic>
+        <p:nvPicPr>
+          <p:cNvPr id="7" name="图片 12">
+            <a:extLst>
+              <a:ext uri="{FF2B5EF4-FFF2-40B4-BE49-F238E27FC236}">
+                <a16:creationId xmlns:a16="http://schemas.microsoft.com/office/drawing/2014/main" id="{6B4A6CD6-AD81-A1BA-9720-0941B36910AF}"/>
+              </a:ext>
+            </a:extLst>
+          </p:cNvPr>
+          <p:cNvPicPr>
+            <a:picLocks noChangeAspect="1"/>
+          </p:cNvPicPr>
+          <p:nvPr/>
+        </p:nvPicPr>
+        <p:blipFill>
+          <a:blip r:embed="rId6"/>
+          <a:stretch>
+            <a:fillRect/>
+          </a:stretch>
+        </p:blipFill>
+        <p:spPr>
+          <a:xfrm>
+            <a:off x="5861484" y="3562612"/>
+            <a:ext cx="2113593" cy="630736"/>
+          </a:xfrm>
+          <a:prstGeom prst="rect">
+            <a:avLst/>
+          </a:prstGeom>
+        </p:spPr>
+      </p:pic>
+      <p:pic>
+        <p:nvPicPr>
+          <p:cNvPr id="8" name="图片 5">
+            <a:extLst>
+              <a:ext uri="{FF2B5EF4-FFF2-40B4-BE49-F238E27FC236}">
+                <a16:creationId xmlns:a16="http://schemas.microsoft.com/office/drawing/2014/main" id="{ACE2FF32-165A-117F-5B10-381CB19755AC}"/>
+              </a:ext>
+            </a:extLst>
+          </p:cNvPr>
+          <p:cNvPicPr>
+            <a:picLocks noChangeAspect="1"/>
+          </p:cNvPicPr>
+          <p:nvPr/>
+        </p:nvPicPr>
+        <p:blipFill>
+          <a:blip r:embed="rId7"/>
+          <a:stretch>
+            <a:fillRect/>
+          </a:stretch>
+        </p:blipFill>
+        <p:spPr>
+          <a:xfrm>
+            <a:off x="1891078" y="4403652"/>
+            <a:ext cx="2870014" cy="433492"/>
+          </a:xfrm>
+          <a:prstGeom prst="rect">
+            <a:avLst/>
+          </a:prstGeom>
+        </p:spPr>
+      </p:pic>
+      <p:pic>
+        <p:nvPicPr>
+          <p:cNvPr id="9" name="图片 6">
+            <a:extLst>
+              <a:ext uri="{FF2B5EF4-FFF2-40B4-BE49-F238E27FC236}">
+                <a16:creationId xmlns:a16="http://schemas.microsoft.com/office/drawing/2014/main" id="{B2DC830D-163D-1FF3-40E4-A0FF662D0C2A}"/>
+              </a:ext>
+            </a:extLst>
+          </p:cNvPr>
+          <p:cNvPicPr>
+            <a:picLocks noChangeAspect="1"/>
+          </p:cNvPicPr>
+          <p:nvPr/>
+        </p:nvPicPr>
+        <p:blipFill>
+          <a:blip r:embed="rId8"/>
+          <a:stretch>
+            <a:fillRect/>
+          </a:stretch>
+        </p:blipFill>
+        <p:spPr>
+          <a:xfrm>
+            <a:off x="5210970" y="4438970"/>
+            <a:ext cx="2883366" cy="418198"/>
+          </a:xfrm>
+          <a:prstGeom prst="rect">
+            <a:avLst/>
+          </a:prstGeom>
+        </p:spPr>
+      </p:pic>
     </p:spTree>
     <p:extLst>
       <p:ext uri="{BB962C8B-B14F-4D97-AF65-F5344CB8AC3E}">
-        <p14:creationId xmlns:p14="http://schemas.microsoft.com/office/powerpoint/2010/main" val="898891090"/>
-      </p:ext>
-    </p:extLst>
-  </p:cSld>
-  <p:clrMapOvr>
-    <a:masterClrMapping/>
-  </p:clrMapOvr>
-</p:sld>
-</file>
-
-<file path=ppt/slides/slide9.xml><?xml version="1.0" encoding="utf-8"?>
-<p:sld xmlns:a="http://schemas.openxmlformats.org/drawingml/2006/main" xmlns:r="http://schemas.openxmlformats.org/officeDocument/2006/relationships" xmlns:p="http://schemas.openxmlformats.org/presentationml/2006/main">
-  <p:cSld>
-    <p:spTree>
-      <p:nvGrpSpPr>
-        <p:cNvPr id="1" name=""/>
-        <p:cNvGrpSpPr/>
-        <p:nvPr/>
-      </p:nvGrpSpPr>
-      <p:grpSpPr>
-        <a:xfrm>
-          <a:off x="0" y="0"/>
-          <a:ext cx="0" cy="0"/>
-          <a:chOff x="0" y="0"/>
-          <a:chExt cx="0" cy="0"/>
-        </a:xfrm>
-      </p:grpSpPr>
-      <p:sp>
-        <p:nvSpPr>
-          <p:cNvPr id="2" name="Title 1">
-            <a:extLst>
-              <a:ext uri="{FF2B5EF4-FFF2-40B4-BE49-F238E27FC236}">
-                <a16:creationId xmlns:a16="http://schemas.microsoft.com/office/drawing/2014/main" id="{39D8A0E1-4136-C821-B5F0-35D2E763BF8A}"/>
-              </a:ext>
-            </a:extLst>
-          </p:cNvPr>
-          <p:cNvSpPr>
-            <a:spLocks noGrp="1"/>
-          </p:cNvSpPr>
-          <p:nvPr>
-            <p:ph type="title"/>
-          </p:nvPr>
-        </p:nvSpPr>
-        <p:spPr/>
-        <p:txBody>
-          <a:bodyPr>
-            <a:normAutofit fontScale="90000"/>
-          </a:bodyPr>
-          <a:lstStyle/>
-          <a:p>
-            <a:r>
-              <a:rPr lang="en-US" altLang="zh-CN" dirty="0"/>
-              <a:t>A</a:t>
-            </a:r>
-            <a:r>
-              <a:rPr lang="zh-CN" altLang="en-US" dirty="0"/>
-              <a:t> </a:t>
-            </a:r>
-            <a:r>
-              <a:rPr lang="en-US" altLang="zh-CN" dirty="0"/>
-              <a:t>try</a:t>
-            </a:r>
-            <a:r>
-              <a:rPr lang="zh-CN" altLang="en-US" dirty="0"/>
-              <a:t> </a:t>
-            </a:r>
-            <a:r>
-              <a:rPr lang="en-US" altLang="zh-CN" dirty="0"/>
-              <a:t>on</a:t>
-            </a:r>
-            <a:r>
-              <a:rPr lang="zh-CN" altLang="en-US" dirty="0"/>
-              <a:t> </a:t>
-            </a:r>
-            <a:r>
-              <a:rPr lang="en-US" altLang="zh-CN" i="1" dirty="0" err="1"/>
-              <a:t>ibm_guadalupe</a:t>
-            </a:r>
-            <a:r>
-              <a:rPr lang="en-US" altLang="zh-CN" dirty="0"/>
-              <a:t>(16-qubit)</a:t>
-            </a:r>
-            <a:endParaRPr lang="en-CN" dirty="0"/>
-          </a:p>
-        </p:txBody>
-      </p:sp>
-      <p:sp>
-        <p:nvSpPr>
-          <p:cNvPr id="3" name="Text Placeholder 2">
-            <a:extLst>
-              <a:ext uri="{FF2B5EF4-FFF2-40B4-BE49-F238E27FC236}">
-                <a16:creationId xmlns:a16="http://schemas.microsoft.com/office/drawing/2014/main" id="{C143376C-40CE-8AF9-A198-E9EA8F613DAD}"/>
-              </a:ext>
-            </a:extLst>
-          </p:cNvPr>
-          <p:cNvSpPr>
-            <a:spLocks noGrp="1"/>
-          </p:cNvSpPr>
-          <p:nvPr>
-            <p:ph type="body" idx="1"/>
-          </p:nvPr>
-        </p:nvSpPr>
-        <p:spPr/>
-        <p:txBody>
-          <a:bodyPr/>
-          <a:lstStyle/>
-          <a:p>
-            <a:endParaRPr lang="en-CN" dirty="0"/>
-          </a:p>
-        </p:txBody>
-      </p:sp>
-    </p:spTree>
-    <p:extLst>
-      <p:ext uri="{BB962C8B-B14F-4D97-AF65-F5344CB8AC3E}">
-        <p14:creationId xmlns:p14="http://schemas.microsoft.com/office/powerpoint/2010/main" val="1328616443"/>
+        <p14:creationId xmlns:p14="http://schemas.microsoft.com/office/powerpoint/2010/main" val="159538168"/>
       </p:ext>
     </p:extLst>
   </p:cSld>

--- a/QHack-SunnyDelft.pptx
+++ b/QHack-SunnyDelft.pptx
@@ -8708,7 +8708,7 @@
             </a:r>
             <a:r>
               <a:rPr lang="en-US" altLang="zh-CN" i="1" dirty="0" err="1"/>
-              <a:t>ibm_Guadalupe</a:t>
+              <a:t>ibm_guadalupe</a:t>
             </a:r>
             <a:r>
               <a:rPr lang="en-US" altLang="zh-CN" i="1" dirty="0"/>
@@ -8828,6 +8828,36 @@
           </a:p>
         </p:txBody>
       </p:sp>
+      <p:pic>
+        <p:nvPicPr>
+          <p:cNvPr id="4" name="Picture 3">
+            <a:extLst>
+              <a:ext uri="{FF2B5EF4-FFF2-40B4-BE49-F238E27FC236}">
+                <a16:creationId xmlns:a16="http://schemas.microsoft.com/office/drawing/2014/main" id="{98591FF1-CF6D-DE3E-1397-05E52177C6A7}"/>
+              </a:ext>
+            </a:extLst>
+          </p:cNvPr>
+          <p:cNvPicPr>
+            <a:picLocks noChangeAspect="1"/>
+          </p:cNvPicPr>
+          <p:nvPr/>
+        </p:nvPicPr>
+        <p:blipFill>
+          <a:blip r:embed="rId2"/>
+          <a:stretch>
+            <a:fillRect/>
+          </a:stretch>
+        </p:blipFill>
+        <p:spPr>
+          <a:xfrm>
+            <a:off x="2893452" y="2571750"/>
+            <a:ext cx="3019210" cy="2399885"/>
+          </a:xfrm>
+          <a:prstGeom prst="rect">
+            <a:avLst/>
+          </a:prstGeom>
+        </p:spPr>
+      </p:pic>
     </p:spTree>
     <p:extLst>
       <p:ext uri="{BB962C8B-B14F-4D97-AF65-F5344CB8AC3E}">
@@ -8913,7 +8943,12 @@
             <p:ph type="body" idx="1"/>
           </p:nvPr>
         </p:nvSpPr>
-        <p:spPr/>
+        <p:spPr>
+          <a:xfrm>
+            <a:off x="727650" y="1305669"/>
+            <a:ext cx="7688700" cy="3341958"/>
+          </a:xfrm>
+        </p:spPr>
         <p:txBody>
           <a:bodyPr/>
           <a:lstStyle/>
@@ -8984,7 +9019,23 @@
             </a:r>
             <a:r>
               <a:rPr lang="en-US" altLang="zh-CN" dirty="0"/>
-              <a:t>and</a:t>
+              <a:t>with </a:t>
+            </a:r>
+            <a:r>
+              <a:rPr lang="en-US" altLang="zh-CN" dirty="0" err="1"/>
+              <a:t>Qiskit</a:t>
+            </a:r>
+            <a:r>
+              <a:rPr lang="en-US" altLang="zh-CN" dirty="0"/>
+              <a:t> and AWS-</a:t>
+            </a:r>
+            <a:r>
+              <a:rPr lang="en-US" altLang="zh-CN" dirty="0" err="1"/>
+              <a:t>Braket</a:t>
+            </a:r>
+            <a:r>
+              <a:rPr lang="en-US" altLang="zh-CN" dirty="0"/>
+              <a:t> and</a:t>
             </a:r>
             <a:r>
               <a:rPr lang="zh-CN" altLang="en-US" dirty="0"/>
@@ -9094,13 +9145,45 @@
             </a:r>
             <a:r>
               <a:rPr lang="en-US" altLang="zh-CN" dirty="0"/>
-              <a:t>considered</a:t>
+              <a:t>compared </a:t>
+            </a:r>
+            <a:r>
+              <a:rPr lang="en-US" altLang="zh-CN" dirty="0" err="1"/>
+              <a:t>QDrift</a:t>
+            </a:r>
+            <a:r>
+              <a:rPr lang="en-US" altLang="zh-CN" dirty="0"/>
+              <a:t> with </a:t>
+            </a:r>
+            <a:r>
+              <a:rPr lang="en-US" altLang="zh-CN" dirty="0" err="1"/>
+              <a:t>Trotterization</a:t>
+            </a:r>
+            <a:r>
+              <a:rPr lang="en-US" altLang="zh-CN" dirty="0"/>
+              <a:t> and considered</a:t>
             </a:r>
             <a:r>
               <a:rPr lang="zh-CN" altLang="en-US" dirty="0"/>
               <a:t> </a:t>
             </a:r>
             <a:r>
+              <a:rPr lang="en-US" altLang="zh-CN" dirty="0"/>
+              <a:t>effect</a:t>
+            </a:r>
+            <a:r>
+              <a:rPr lang="zh-CN" altLang="en-US" dirty="0"/>
+              <a:t> </a:t>
+            </a:r>
+            <a:r>
+              <a:rPr lang="en-US" altLang="zh-CN" dirty="0"/>
+              <a:t>of</a:t>
+            </a:r>
+            <a:r>
+              <a:rPr lang="zh-CN" altLang="en-US" dirty="0"/>
+              <a:t> </a:t>
+            </a:r>
+            <a:r>
               <a:rPr lang="en-US" altLang="zh-CN" dirty="0" err="1"/>
               <a:t>Trotterization</a:t>
             </a:r>
@@ -9110,7 +9193,7 @@
             </a:r>
             <a:r>
               <a:rPr lang="en-US" altLang="zh-CN" dirty="0"/>
-              <a:t>and</a:t>
+              <a:t>for</a:t>
             </a:r>
             <a:r>
               <a:rPr lang="zh-CN" altLang="en-US" dirty="0"/>
@@ -9118,7 +9201,7 @@
             </a:r>
             <a:r>
               <a:rPr lang="en-US" altLang="zh-CN" dirty="0"/>
-              <a:t>Random</a:t>
+              <a:t>the</a:t>
             </a:r>
             <a:r>
               <a:rPr lang="zh-CN" altLang="en-US" dirty="0"/>
@@ -9126,7 +9209,7 @@
             </a:r>
             <a:r>
               <a:rPr lang="en-US" altLang="zh-CN" dirty="0"/>
-              <a:t>Compiling</a:t>
+              <a:t>evolution</a:t>
             </a:r>
             <a:r>
               <a:rPr lang="zh-CN" altLang="en-US" dirty="0"/>
@@ -9134,7 +9217,7 @@
             </a:r>
             <a:r>
               <a:rPr lang="en-US" altLang="zh-CN" dirty="0"/>
-              <a:t>for</a:t>
+              <a:t>operator,</a:t>
             </a:r>
             <a:r>
               <a:rPr lang="zh-CN" altLang="en-US" dirty="0"/>
@@ -9142,7 +9225,7 @@
             </a:r>
             <a:r>
               <a:rPr lang="en-US" altLang="zh-CN" dirty="0"/>
-              <a:t>the</a:t>
+              <a:t>which</a:t>
             </a:r>
             <a:r>
               <a:rPr lang="zh-CN" altLang="en-US" dirty="0"/>
@@ -9150,7 +9233,7 @@
             </a:r>
             <a:r>
               <a:rPr lang="en-US" altLang="zh-CN" dirty="0"/>
-              <a:t>evolution</a:t>
+              <a:t>is</a:t>
             </a:r>
             <a:r>
               <a:rPr lang="zh-CN" altLang="en-US" dirty="0"/>
@@ -9158,7 +9241,7 @@
             </a:r>
             <a:r>
               <a:rPr lang="en-US" altLang="zh-CN" dirty="0"/>
-              <a:t>operator,</a:t>
+              <a:t>not</a:t>
             </a:r>
             <a:r>
               <a:rPr lang="zh-CN" altLang="en-US" dirty="0"/>
@@ -9166,31 +9249,7 @@
             </a:r>
             <a:r>
               <a:rPr lang="en-US" altLang="zh-CN" dirty="0"/>
-              <a:t>which</a:t>
-            </a:r>
-            <a:r>
-              <a:rPr lang="zh-CN" altLang="en-US" dirty="0"/>
-              <a:t> </a:t>
-            </a:r>
-            <a:r>
-              <a:rPr lang="en-US" altLang="zh-CN" dirty="0"/>
-              <a:t>is</a:t>
-            </a:r>
-            <a:r>
-              <a:rPr lang="zh-CN" altLang="en-US" dirty="0"/>
-              <a:t> </a:t>
-            </a:r>
-            <a:r>
-              <a:rPr lang="en-US" altLang="zh-CN" dirty="0"/>
-              <a:t>not</a:t>
-            </a:r>
-            <a:r>
-              <a:rPr lang="zh-CN" altLang="en-US" dirty="0"/>
-              <a:t> </a:t>
-            </a:r>
-            <a:r>
-              <a:rPr lang="en-US" altLang="zh-CN" dirty="0"/>
-              <a:t>considered</a:t>
+              <a:t>involved</a:t>
             </a:r>
             <a:r>
               <a:rPr lang="zh-CN" altLang="en-US" dirty="0"/>
@@ -9245,7 +9304,46 @@
             </a:r>
             <a:r>
               <a:rPr lang="en-US" altLang="zh-CN" dirty="0"/>
-              <a:t>simulation</a:t>
+              <a:t>simulation in a noisy environment and applied error mitigation on our result.</a:t>
+            </a:r>
+          </a:p>
+          <a:p>
+            <a:pPr lvl="1"/>
+            <a:r>
+              <a:rPr lang="en-US" altLang="zh-CN" dirty="0"/>
+              <a:t>We try to execute our algorithm on the real backend, but the result is not satisfying due to the scale of real noise.</a:t>
+            </a:r>
+          </a:p>
+          <a:p>
+            <a:r>
+              <a:rPr lang="en-US" altLang="zh-CN" dirty="0"/>
+              <a:t>Future plan:</a:t>
+            </a:r>
+          </a:p>
+          <a:p>
+            <a:pPr lvl="1"/>
+            <a:r>
+              <a:rPr lang="en-US" altLang="zh-CN" dirty="0"/>
+              <a:t>We will increase noise scale in simulator and try more error mitigation methods, e.g. noise-estimation circuit[PRL 127, 270502].</a:t>
+            </a:r>
+          </a:p>
+          <a:p>
+            <a:pPr lvl="1"/>
+            <a:r>
+              <a:rPr lang="en-US" altLang="zh-CN" dirty="0"/>
+              <a:t>We will optimize our circuit submitted to real backends, and aim to produce useful results for </a:t>
+            </a:r>
+            <a:r>
+              <a:rPr lang="en-US" altLang="zh-CN"/>
+              <a:t>small-size Hamiltonians. </a:t>
+            </a:r>
+            <a:endParaRPr lang="en-US" altLang="zh-CN" dirty="0"/>
+          </a:p>
+          <a:p>
+            <a:pPr lvl="1"/>
+            <a:r>
+              <a:rPr lang="en-US" altLang="zh-CN" dirty="0"/>
+              <a:t>We will move from Fermi-Hubbard model to molecular Hamiltonians and compare this method with VQE quantitively.</a:t>
             </a:r>
           </a:p>
         </p:txBody>
@@ -9704,8 +9802,8 @@
           </a:p>
         </p:txBody>
       </p:sp>
-      <mc:AlternateContent xmlns:mc="http://schemas.openxmlformats.org/markup-compatibility/2006" xmlns:a14="http://schemas.microsoft.com/office/drawing/2010/main">
-        <mc:Choice Requires="a14">
+      <mc:AlternateContent xmlns:mc="http://schemas.openxmlformats.org/markup-compatibility/2006">
+        <mc:Choice xmlns:a14="http://schemas.microsoft.com/office/drawing/2010/main" Requires="a14">
           <p:sp>
             <p:nvSpPr>
               <p:cNvPr id="100" name="Google Shape;100;p15"/>
@@ -10253,91 +10351,91 @@
                   <a:t> </a:t>
                 </a:r>
                 <a:r>
-                  <a:rPr lang="en-US" altLang="zh-CN" dirty="0"/>
+                  <a:rPr lang="en-US" altLang="zh-CN" b="1" dirty="0"/>
                   <a:t>It’s</a:t>
                 </a:r>
                 <a:r>
-                  <a:rPr lang="zh-CN" altLang="en-US" dirty="0"/>
-                  <a:t> </a:t>
-                </a:r>
-                <a:r>
-                  <a:rPr lang="en-US" altLang="zh-CN" dirty="0"/>
+                  <a:rPr lang="zh-CN" altLang="en-US" b="1" dirty="0"/>
+                  <a:t> </a:t>
+                </a:r>
+                <a:r>
+                  <a:rPr lang="en-US" altLang="zh-CN" b="1" dirty="0"/>
                   <a:t>where</a:t>
                 </a:r>
                 <a:r>
-                  <a:rPr lang="zh-CN" altLang="en-US" dirty="0"/>
-                  <a:t> </a:t>
-                </a:r>
-                <a:r>
-                  <a:rPr lang="en-US" altLang="zh-CN" dirty="0"/>
+                  <a:rPr lang="zh-CN" altLang="en-US" b="1" dirty="0"/>
+                  <a:t> </a:t>
+                </a:r>
+                <a:r>
+                  <a:rPr lang="en-US" altLang="zh-CN" b="1" dirty="0"/>
                   <a:t>the</a:t>
                 </a:r>
                 <a:r>
-                  <a:rPr lang="zh-CN" altLang="en-US" dirty="0"/>
-                  <a:t> </a:t>
-                </a:r>
-                <a:r>
-                  <a:rPr lang="en-US" altLang="zh-CN" dirty="0"/>
+                  <a:rPr lang="zh-CN" altLang="en-US" b="1" dirty="0"/>
+                  <a:t> </a:t>
+                </a:r>
+                <a:r>
+                  <a:rPr lang="en-US" altLang="zh-CN" b="1" dirty="0"/>
                   <a:t>CDF</a:t>
                 </a:r>
                 <a:r>
-                  <a:rPr lang="zh-CN" altLang="en-US" dirty="0"/>
-                  <a:t> </a:t>
-                </a:r>
-                <a:r>
-                  <a:rPr lang="en-US" altLang="zh-CN" dirty="0"/>
+                  <a:rPr lang="zh-CN" altLang="en-US" b="1" dirty="0"/>
+                  <a:t> </a:t>
+                </a:r>
+                <a:r>
+                  <a:rPr lang="en-US" altLang="zh-CN" b="1" dirty="0"/>
                   <a:t>jump</a:t>
                 </a:r>
                 <a:r>
-                  <a:rPr lang="zh-CN" altLang="en-US" dirty="0"/>
-                  <a:t> </a:t>
-                </a:r>
-                <a:r>
-                  <a:rPr lang="en-US" altLang="zh-CN" dirty="0"/>
+                  <a:rPr lang="zh-CN" altLang="en-US" b="1" dirty="0"/>
+                  <a:t> </a:t>
+                </a:r>
+                <a:r>
+                  <a:rPr lang="en-US" altLang="zh-CN" b="1" dirty="0"/>
                   <a:t>from</a:t>
                 </a:r>
                 <a:r>
-                  <a:rPr lang="zh-CN" altLang="en-US" dirty="0"/>
-                  <a:t> </a:t>
-                </a:r>
-                <a:r>
-                  <a:rPr lang="en-US" altLang="zh-CN" dirty="0"/>
+                  <a:rPr lang="zh-CN" altLang="en-US" b="1" dirty="0"/>
+                  <a:t> </a:t>
+                </a:r>
+                <a:r>
+                  <a:rPr lang="en-US" altLang="zh-CN" b="1" dirty="0"/>
                   <a:t>zero</a:t>
                 </a:r>
                 <a:r>
-                  <a:rPr lang="zh-CN" altLang="en-US" dirty="0"/>
-                  <a:t> </a:t>
-                </a:r>
-                <a:r>
-                  <a:rPr lang="en-US" altLang="zh-CN" dirty="0"/>
+                  <a:rPr lang="zh-CN" altLang="en-US" b="1" dirty="0"/>
+                  <a:t> </a:t>
+                </a:r>
+                <a:r>
+                  <a:rPr lang="en-US" altLang="zh-CN" b="1" dirty="0"/>
                   <a:t>to</a:t>
                 </a:r>
                 <a:r>
-                  <a:rPr lang="zh-CN" altLang="en-US" dirty="0"/>
-                  <a:t> </a:t>
-                </a:r>
-                <a:r>
-                  <a:rPr lang="en-US" altLang="zh-CN" dirty="0"/>
+                  <a:rPr lang="zh-CN" altLang="en-US" b="1" dirty="0"/>
+                  <a:t> </a:t>
+                </a:r>
+                <a:r>
+                  <a:rPr lang="en-US" altLang="zh-CN" b="1" dirty="0"/>
                   <a:t>a</a:t>
                 </a:r>
                 <a:r>
-                  <a:rPr lang="zh-CN" altLang="en-US" dirty="0"/>
-                  <a:t> </a:t>
-                </a:r>
-                <a:r>
-                  <a:rPr lang="en-US" altLang="zh-CN" dirty="0"/>
+                  <a:rPr lang="zh-CN" altLang="en-US" b="1" dirty="0"/>
+                  <a:t> </a:t>
+                </a:r>
+                <a:r>
+                  <a:rPr lang="en-US" altLang="zh-CN" b="1" dirty="0"/>
                   <a:t>non-zero</a:t>
                 </a:r>
                 <a:r>
-                  <a:rPr lang="zh-CN" altLang="en-US" dirty="0"/>
-                  <a:t> </a:t>
-                </a:r>
-                <a:r>
-                  <a:rPr lang="en-US" altLang="zh-CN" dirty="0"/>
+                  <a:rPr lang="zh-CN" altLang="en-US" b="1" dirty="0"/>
+                  <a:t> </a:t>
+                </a:r>
+                <a:r>
+                  <a:rPr lang="en-US" altLang="zh-CN" b="1" dirty="0"/>
                   <a:t>value!</a:t>
                 </a:r>
                 <a:r>
-                  <a:rPr lang="zh-CN" altLang="en-US" dirty="0"/>
+                  <a:rPr lang="zh-CN" altLang="en-US" b="1" dirty="0"/>
                   <a:t> </a:t>
                 </a:r>
                 <a:r>
@@ -10612,7 +10710,7 @@
             </p:txBody>
           </p:sp>
         </mc:Choice>
-        <mc:Fallback xmlns="">
+        <mc:Fallback>
           <p:sp>
             <p:nvSpPr>
               <p:cNvPr id="100" name="Google Shape;100;p15"/>
@@ -13982,8 +14080,8 @@
             </p:nvSpPr>
             <p:spPr>
               <a:xfrm>
-                <a:off x="425141" y="2235070"/>
-                <a:ext cx="4511243" cy="2261100"/>
+                <a:off x="404515" y="1355045"/>
+                <a:ext cx="6896935" cy="2261100"/>
               </a:xfrm>
             </p:spPr>
             <p:txBody>
@@ -14163,14 +14261,6 @@
               <a:p>
                 <a:r>
                   <a:rPr lang="en-US" altLang="zh-CN" b="1" dirty="0"/>
-                  <a:t>Conclusion:</a:t>
-                </a:r>
-                <a:r>
-                  <a:rPr lang="zh-CN" altLang="en-US" b="1" dirty="0"/>
-                  <a:t> </a:t>
-                </a:r>
-                <a:r>
-                  <a:rPr lang="en-US" altLang="zh-CN" b="1" dirty="0"/>
                   <a:t>For</a:t>
                 </a:r>
                 <a:r>
@@ -14269,8 +14359,8 @@
             </p:nvSpPr>
             <p:spPr>
               <a:xfrm>
-                <a:off x="425141" y="2235070"/>
-                <a:ext cx="4511243" cy="2261100"/>
+                <a:off x="404515" y="1355045"/>
+                <a:ext cx="6896935" cy="2261100"/>
               </a:xfrm>
               <a:blipFill>
                 <a:blip r:embed="rId2"/>
@@ -14316,7 +14406,7 @@
         </p:blipFill>
         <p:spPr>
           <a:xfrm>
-            <a:off x="5610154" y="1759431"/>
+            <a:off x="2777576" y="2571750"/>
             <a:ext cx="3382592" cy="2534277"/>
           </a:xfrm>
           <a:prstGeom prst="rect">
@@ -14338,7 +14428,7 @@
         </p:nvSpPr>
         <p:spPr>
           <a:xfrm>
-            <a:off x="6820188" y="4342282"/>
+            <a:off x="1491917" y="3684999"/>
             <a:ext cx="1085554" cy="307777"/>
           </a:xfrm>
           <a:prstGeom prst="rect">

--- a/QHack-SunnyDelft.pptx
+++ b/QHack-SunnyDelft.pptx
@@ -9331,13 +9331,8 @@
             <a:pPr lvl="1"/>
             <a:r>
               <a:rPr lang="en-US" altLang="zh-CN" dirty="0"/>
-              <a:t>We will optimize our circuit submitted to real backends, and aim to produce useful results for </a:t>
-            </a:r>
-            <a:r>
-              <a:rPr lang="en-US" altLang="zh-CN"/>
-              <a:t>small-size Hamiltonians. </a:t>
-            </a:r>
-            <a:endParaRPr lang="en-US" altLang="zh-CN" dirty="0"/>
+              <a:t>We will optimize our circuit submitted to real backends, and aim to produce useful results for small-size Hamiltonians. </a:t>
+            </a:r>
           </a:p>
           <a:p>
             <a:pPr lvl="1"/>
@@ -11615,8 +11610,8 @@
           </a:p>
         </p:txBody>
       </p:sp>
-      <mc:AlternateContent xmlns:mc="http://schemas.openxmlformats.org/markup-compatibility/2006" xmlns:a14="http://schemas.microsoft.com/office/drawing/2010/main">
-        <mc:Choice Requires="a14">
+      <mc:AlternateContent xmlns:mc="http://schemas.openxmlformats.org/markup-compatibility/2006">
+        <mc:Choice xmlns:a14="http://schemas.microsoft.com/office/drawing/2010/main" Requires="a14">
           <p:sp>
             <p:nvSpPr>
               <p:cNvPr id="3" name="Text Placeholder 2">
@@ -12742,7 +12737,7 @@
             </p:txBody>
           </p:sp>
         </mc:Choice>
-        <mc:Fallback xmlns="">
+        <mc:Fallback>
           <p:sp>
             <p:nvSpPr>
               <p:cNvPr id="3" name="Text Placeholder 2">
@@ -13107,7 +13102,7 @@
         <p:spPr>
           <a:xfrm>
             <a:off x="727650" y="1305669"/>
-            <a:ext cx="7688700" cy="1266081"/>
+            <a:ext cx="4314997" cy="1266081"/>
           </a:xfrm>
         </p:spPr>
         <p:txBody>
@@ -13136,6 +13131,14 @@
             </a:r>
           </a:p>
           <a:p>
+            <a:r>
+              <a:rPr lang="en-CN" dirty="0"/>
+              <a:t>Ground energy </a:t>
+            </a:r>
+            <a:r>
+              <a:rPr lang="en-US" dirty="0"/>
+              <a:t>is where the ACDF jumped to half value of the CDF.</a:t>
+            </a:r>
             <a:endParaRPr lang="en-CN" dirty="0"/>
           </a:p>
         </p:txBody>

--- a/QHack-SunnyDelft.pptx
+++ b/QHack-SunnyDelft.pptx
@@ -5,7 +5,7 @@
     <p:sldMasterId id="2147483659" r:id="rId1"/>
   </p:sldMasterIdLst>
   <p:notesMasterIdLst>
-    <p:notesMasterId r:id="rId16"/>
+    <p:notesMasterId r:id="rId15"/>
   </p:notesMasterIdLst>
   <p:sldIdLst>
     <p:sldId id="256" r:id="rId2"/>
@@ -21,28 +21,27 @@
     <p:sldId id="275" r:id="rId12"/>
     <p:sldId id="267" r:id="rId13"/>
     <p:sldId id="268" r:id="rId14"/>
-    <p:sldId id="262" r:id="rId15"/>
   </p:sldIdLst>
   <p:sldSz cx="9144000" cy="5143500" type="screen16x9"/>
   <p:notesSz cx="6858000" cy="9144000"/>
   <p:embeddedFontLst>
     <p:embeddedFont>
       <p:font typeface="Cambria Math" panose="02040503050406030204" pitchFamily="18" charset="0"/>
-      <p:regular r:id="rId17"/>
+      <p:regular r:id="rId16"/>
     </p:embeddedFont>
     <p:embeddedFont>
       <p:font typeface="Lato" panose="020F0502020204030203" pitchFamily="34" charset="0"/>
-      <p:regular r:id="rId18"/>
-      <p:bold r:id="rId19"/>
-      <p:italic r:id="rId20"/>
-      <p:boldItalic r:id="rId21"/>
+      <p:regular r:id="rId17"/>
+      <p:bold r:id="rId18"/>
+      <p:italic r:id="rId19"/>
+      <p:boldItalic r:id="rId20"/>
     </p:embeddedFont>
     <p:embeddedFont>
       <p:font typeface="Raleway" pitchFamily="2" charset="77"/>
-      <p:regular r:id="rId22"/>
-      <p:bold r:id="rId23"/>
-      <p:italic r:id="rId24"/>
-      <p:boldItalic r:id="rId25"/>
+      <p:regular r:id="rId21"/>
+      <p:bold r:id="rId22"/>
+      <p:italic r:id="rId23"/>
+      <p:boldItalic r:id="rId24"/>
     </p:embeddedFont>
   </p:embeddedFontLst>
   <p:defaultTextStyle>
@@ -1003,110 +1002,6 @@
       <p:sp>
         <p:nvSpPr>
           <p:cNvPr id="96" name="Google Shape;96;g2119a22abb9_0_5:notes"/>
-          <p:cNvSpPr txBox="1">
-            <a:spLocks noGrp="1"/>
-          </p:cNvSpPr>
-          <p:nvPr>
-            <p:ph type="body" idx="1"/>
-          </p:nvPr>
-        </p:nvSpPr>
-        <p:spPr>
-          <a:xfrm>
-            <a:off x="685800" y="4343400"/>
-            <a:ext cx="5486400" cy="4114800"/>
-          </a:xfrm>
-          <a:prstGeom prst="rect">
-            <a:avLst/>
-          </a:prstGeom>
-        </p:spPr>
-        <p:txBody>
-          <a:bodyPr spcFirstLastPara="1" wrap="square" lIns="91425" tIns="91425" rIns="91425" bIns="91425" anchor="t" anchorCtr="0">
-            <a:noAutofit/>
-          </a:bodyPr>
-          <a:lstStyle/>
-          <a:p>
-            <a:pPr marL="0" lvl="0" indent="0" algn="l" rtl="0">
-              <a:spcBef>
-                <a:spcPts val="0"/>
-              </a:spcBef>
-              <a:spcAft>
-                <a:spcPts val="0"/>
-              </a:spcAft>
-              <a:buNone/>
-            </a:pPr>
-            <a:endParaRPr/>
-          </a:p>
-        </p:txBody>
-      </p:sp>
-    </p:spTree>
-  </p:cSld>
-  <p:clrMapOvr>
-    <a:masterClrMapping/>
-  </p:clrMapOvr>
-</p:notes>
-</file>
-
-<file path=ppt/notesSlides/notesSlide4.xml><?xml version="1.0" encoding="utf-8"?>
-<p:notes xmlns:a="http://schemas.openxmlformats.org/drawingml/2006/main" xmlns:r="http://schemas.openxmlformats.org/officeDocument/2006/relationships" xmlns:p="http://schemas.openxmlformats.org/presentationml/2006/main" showMasterSp="0" showMasterPhAnim="0">
-  <p:cSld>
-    <p:spTree>
-      <p:nvGrpSpPr>
-        <p:cNvPr id="1" name="Shape 121"/>
-        <p:cNvGrpSpPr/>
-        <p:nvPr/>
-      </p:nvGrpSpPr>
-      <p:grpSpPr>
-        <a:xfrm>
-          <a:off x="0" y="0"/>
-          <a:ext cx="0" cy="0"/>
-          <a:chOff x="0" y="0"/>
-          <a:chExt cx="0" cy="0"/>
-        </a:xfrm>
-      </p:grpSpPr>
-      <p:sp>
-        <p:nvSpPr>
-          <p:cNvPr id="122" name="Google Shape;122;g2100d7d433a_1_27:notes"/>
-          <p:cNvSpPr>
-            <a:spLocks noGrp="1" noRot="1" noChangeAspect="1"/>
-          </p:cNvSpPr>
-          <p:nvPr>
-            <p:ph type="sldImg" idx="2"/>
-          </p:nvPr>
-        </p:nvSpPr>
-        <p:spPr>
-          <a:xfrm>
-            <a:off x="381000" y="685800"/>
-            <a:ext cx="6096000" cy="3429000"/>
-          </a:xfrm>
-          <a:custGeom>
-            <a:avLst/>
-            <a:gdLst/>
-            <a:ahLst/>
-            <a:cxnLst/>
-            <a:rect l="l" t="t" r="r" b="b"/>
-            <a:pathLst>
-              <a:path w="120000" h="120000" extrusionOk="0">
-                <a:moveTo>
-                  <a:pt x="0" y="0"/>
-                </a:moveTo>
-                <a:lnTo>
-                  <a:pt x="120000" y="0"/>
-                </a:lnTo>
-                <a:lnTo>
-                  <a:pt x="120000" y="120000"/>
-                </a:lnTo>
-                <a:lnTo>
-                  <a:pt x="0" y="120000"/>
-                </a:lnTo>
-                <a:close/>
-              </a:path>
-            </a:pathLst>
-          </a:custGeom>
-        </p:spPr>
-      </p:sp>
-      <p:sp>
-        <p:nvSpPr>
-          <p:cNvPr id="123" name="Google Shape;123;g2100d7d433a_1_27:notes"/>
           <p:cNvSpPr txBox="1">
             <a:spLocks noGrp="1"/>
           </p:cNvSpPr>
@@ -8850,7 +8745,7 @@
         </p:blipFill>
         <p:spPr>
           <a:xfrm>
-            <a:off x="2893452" y="2571750"/>
+            <a:off x="2879701" y="2436219"/>
             <a:ext cx="3019210" cy="2399885"/>
           </a:xfrm>
           <a:prstGeom prst="rect">
@@ -9331,7 +9226,7 @@
             <a:pPr lvl="1"/>
             <a:r>
               <a:rPr lang="en-US" altLang="zh-CN" dirty="0"/>
-              <a:t>We will optimize our circuit submitted to real backends, and aim to produce useful results for small-size Hamiltonians. </a:t>
+              <a:t>We will optimize our circuit submitted to real backends and aim to produce useful results for small-size Hamiltonians. </a:t>
             </a:r>
           </a:p>
           <a:p>
@@ -9349,107 +9244,6 @@
         <p14:creationId xmlns:p14="http://schemas.microsoft.com/office/powerpoint/2010/main" val="2223694785"/>
       </p:ext>
     </p:extLst>
-  </p:cSld>
-  <p:clrMapOvr>
-    <a:masterClrMapping/>
-  </p:clrMapOvr>
-</p:sld>
-</file>
-
-<file path=ppt/slides/slide14.xml><?xml version="1.0" encoding="utf-8"?>
-<p:sld xmlns:a="http://schemas.openxmlformats.org/drawingml/2006/main" xmlns:r="http://schemas.openxmlformats.org/officeDocument/2006/relationships" xmlns:p="http://schemas.openxmlformats.org/presentationml/2006/main">
-  <p:cSld>
-    <p:spTree>
-      <p:nvGrpSpPr>
-        <p:cNvPr id="1" name="Shape 124"/>
-        <p:cNvGrpSpPr/>
-        <p:nvPr/>
-      </p:nvGrpSpPr>
-      <p:grpSpPr>
-        <a:xfrm>
-          <a:off x="0" y="0"/>
-          <a:ext cx="0" cy="0"/>
-          <a:chOff x="0" y="0"/>
-          <a:chExt cx="0" cy="0"/>
-        </a:xfrm>
-      </p:grpSpPr>
-      <p:sp>
-        <p:nvSpPr>
-          <p:cNvPr id="125" name="Google Shape;125;p19"/>
-          <p:cNvSpPr txBox="1">
-            <a:spLocks noGrp="1"/>
-          </p:cNvSpPr>
-          <p:nvPr>
-            <p:ph type="title"/>
-          </p:nvPr>
-        </p:nvSpPr>
-        <p:spPr>
-          <a:xfrm>
-            <a:off x="0" y="0"/>
-            <a:ext cx="7688700" cy="535200"/>
-          </a:xfrm>
-          <a:prstGeom prst="rect">
-            <a:avLst/>
-          </a:prstGeom>
-        </p:spPr>
-        <p:txBody>
-          <a:bodyPr spcFirstLastPara="1" wrap="square" lIns="91425" tIns="91425" rIns="91425" bIns="91425" anchor="t" anchorCtr="0">
-            <a:normAutofit fontScale="90000"/>
-          </a:bodyPr>
-          <a:lstStyle/>
-          <a:p>
-            <a:pPr marL="0" lvl="0" indent="0" algn="l" rtl="0">
-              <a:spcBef>
-                <a:spcPts val="0"/>
-              </a:spcBef>
-              <a:spcAft>
-                <a:spcPts val="0"/>
-              </a:spcAft>
-              <a:buNone/>
-            </a:pPr>
-            <a:endParaRPr/>
-          </a:p>
-        </p:txBody>
-      </p:sp>
-      <p:sp>
-        <p:nvSpPr>
-          <p:cNvPr id="126" name="Google Shape;126;p19"/>
-          <p:cNvSpPr txBox="1">
-            <a:spLocks noGrp="1"/>
-          </p:cNvSpPr>
-          <p:nvPr>
-            <p:ph type="body" idx="1"/>
-          </p:nvPr>
-        </p:nvSpPr>
-        <p:spPr>
-          <a:xfrm>
-            <a:off x="729450" y="2078875"/>
-            <a:ext cx="7688700" cy="2261100"/>
-          </a:xfrm>
-          <a:prstGeom prst="rect">
-            <a:avLst/>
-          </a:prstGeom>
-        </p:spPr>
-        <p:txBody>
-          <a:bodyPr spcFirstLastPara="1" wrap="square" lIns="91425" tIns="91425" rIns="91425" bIns="91425" anchor="t" anchorCtr="0">
-            <a:normAutofit/>
-          </a:bodyPr>
-          <a:lstStyle/>
-          <a:p>
-            <a:pPr marL="0" lvl="0" indent="0" algn="l" rtl="0">
-              <a:spcBef>
-                <a:spcPts val="0"/>
-              </a:spcBef>
-              <a:spcAft>
-                <a:spcPts val="1200"/>
-              </a:spcAft>
-              <a:buNone/>
-            </a:pPr>
-            <a:endParaRPr/>
-          </a:p>
-        </p:txBody>
-      </p:sp>
-    </p:spTree>
   </p:cSld>
   <p:clrMapOvr>
     <a:masterClrMapping/>
@@ -9509,10 +9303,10 @@
               <a:buNone/>
             </a:pPr>
             <a:r>
-              <a:rPr lang="en-GB"/>
+              <a:rPr lang="en-GB" dirty="0"/>
               <a:t>Background - How to find ground state energy?</a:t>
             </a:r>
-            <a:endParaRPr/>
+            <a:endParaRPr dirty="0"/>
           </a:p>
         </p:txBody>
       </p:sp>
@@ -9551,14 +9345,14 @@
               <a:buNone/>
             </a:pPr>
             <a:r>
-              <a:rPr lang="en-GB" sz="1400" b="1" i="1"/>
+              <a:rPr lang="en-GB" sz="1400" b="1" i="1" dirty="0"/>
               <a:t>Problem</a:t>
             </a:r>
             <a:r>
-              <a:rPr lang="en-GB" sz="1400"/>
+              <a:rPr lang="en-GB" sz="1400" dirty="0"/>
               <a:t>: Given a Hamiltonian(matrix), How to find its ground state energy(minimum eigenvalue)?</a:t>
             </a:r>
-            <a:endParaRPr sz="1400"/>
+            <a:endParaRPr sz="1400" dirty="0"/>
           </a:p>
           <a:p>
             <a:pPr marL="0" lvl="0" indent="0" algn="l" rtl="0">
@@ -9571,30 +9365,30 @@
               <a:buNone/>
             </a:pPr>
             <a:r>
-              <a:rPr lang="en-GB" sz="1400" b="1" i="1"/>
+              <a:rPr lang="en-GB" sz="1400" b="1" i="1" dirty="0"/>
               <a:t>Classical Solution</a:t>
             </a:r>
             <a:r>
-              <a:rPr lang="en-GB" sz="1400"/>
+              <a:rPr lang="en-GB" sz="1400" dirty="0"/>
               <a:t>: Let’s rely on </a:t>
             </a:r>
             <a:r>
-              <a:rPr lang="en-GB" sz="1400" i="1"/>
+              <a:rPr lang="en-GB" sz="1400" i="1" dirty="0" err="1"/>
               <a:t>numpy.linalg.eig</a:t>
             </a:r>
             <a:r>
-              <a:rPr lang="en-GB" sz="1400"/>
+              <a:rPr lang="en-GB" sz="1400" dirty="0"/>
               <a:t>! </a:t>
             </a:r>
             <a:r>
-              <a:rPr lang="en-GB" sz="1400">
+              <a:rPr lang="en-GB" sz="1400" dirty="0">
                 <a:solidFill>
                   <a:schemeClr val="accent3"/>
                 </a:solidFill>
               </a:rPr>
               <a:t>But time complexity is O(n^3), so you won’t do it easily for large matrix :(.</a:t>
             </a:r>
-            <a:endParaRPr sz="1400">
+            <a:endParaRPr sz="1400" dirty="0">
               <a:solidFill>
                 <a:schemeClr val="accent3"/>
               </a:solidFill>
@@ -9611,30 +9405,30 @@
               <a:buNone/>
             </a:pPr>
             <a:r>
-              <a:rPr lang="en-GB" sz="1400" b="1" i="1"/>
+              <a:rPr lang="en-GB" sz="1400" b="1" i="1" dirty="0"/>
               <a:t>Quantum Solution</a:t>
             </a:r>
             <a:r>
-              <a:rPr lang="en-GB" sz="1400"/>
+              <a:rPr lang="en-GB" sz="1400" dirty="0"/>
               <a:t>: Let’s use the powerful </a:t>
             </a:r>
             <a:r>
-              <a:rPr lang="en-GB" sz="1400" i="1"/>
+              <a:rPr lang="en-GB" sz="1400" i="1" dirty="0"/>
               <a:t>Quantum Phase Estimation(QPE)</a:t>
             </a:r>
             <a:r>
-              <a:rPr lang="en-GB" sz="1400"/>
+              <a:rPr lang="en-GB" sz="1400" dirty="0"/>
               <a:t>! </a:t>
             </a:r>
             <a:r>
-              <a:rPr lang="en-GB" sz="1400">
+              <a:rPr lang="en-GB" sz="1400" dirty="0">
                 <a:solidFill>
                   <a:schemeClr val="accent3"/>
                 </a:solidFill>
               </a:rPr>
               <a:t>But currently we don’t have fault-tolerant quantum computers, and the inevitable noise restricts the power of QPE :(.</a:t>
             </a:r>
-            <a:endParaRPr sz="1400">
+            <a:endParaRPr sz="1400" dirty="0">
               <a:solidFill>
                 <a:schemeClr val="accent3"/>
               </a:solidFill>
@@ -9651,22 +9445,30 @@
               <a:buNone/>
             </a:pPr>
             <a:r>
-              <a:rPr lang="en-GB" sz="1400" b="1" i="1"/>
+              <a:rPr lang="en-GB" sz="1400" b="1" i="1" dirty="0"/>
               <a:t>NISQ Solution A</a:t>
             </a:r>
             <a:r>
-              <a:rPr lang="en-GB" sz="1400"/>
-              <a:t>: Let’s try the useful Variational Quantum Eigensolver(VQE)! </a:t>
-            </a:r>
-            <a:r>
-              <a:rPr lang="en-GB" sz="1400">
+              <a:rPr lang="en-GB" sz="1400" dirty="0"/>
+              <a:t>: Let’s try the useful Variational Quantum </a:t>
+            </a:r>
+            <a:r>
+              <a:rPr lang="en-GB" sz="1400" dirty="0" err="1"/>
+              <a:t>Eigensolver</a:t>
+            </a:r>
+            <a:r>
+              <a:rPr lang="en-GB" sz="1400" dirty="0"/>
+              <a:t>(VQE)! </a:t>
+            </a:r>
+            <a:r>
+              <a:rPr lang="en-GB" sz="1400" dirty="0">
                 <a:solidFill>
                   <a:schemeClr val="accent3"/>
                 </a:solidFill>
               </a:rPr>
               <a:t>However, there is no performance guarantee for VQE because of its variational nature, and you don’t know when the algorithm will fail  :(.</a:t>
             </a:r>
-            <a:endParaRPr sz="1400">
+            <a:endParaRPr sz="1400" dirty="0">
               <a:solidFill>
                 <a:schemeClr val="accent3"/>
               </a:solidFill>
@@ -9682,7 +9484,7 @@
               </a:spcAft>
               <a:buNone/>
             </a:pPr>
-            <a:endParaRPr sz="1400"/>
+            <a:endParaRPr sz="1400" dirty="0"/>
           </a:p>
           <a:p>
             <a:pPr marL="0" lvl="0" indent="0" algn="ctr" rtl="0">
@@ -9695,10 +9497,10 @@
               <a:buNone/>
             </a:pPr>
             <a:r>
-              <a:rPr lang="en-GB" sz="1400" b="1"/>
+              <a:rPr lang="en-GB" sz="1400" b="1" dirty="0"/>
               <a:t>Do we have any solution B?</a:t>
             </a:r>
-            <a:endParaRPr sz="1400" b="1"/>
+            <a:endParaRPr sz="1400" b="1" dirty="0"/>
           </a:p>
         </p:txBody>
       </p:sp>
@@ -11992,8 +11794,8 @@
                   <a:t> </a:t>
                 </a:r>
                 <a:r>
-                  <a:rPr lang="en-US" altLang="zh-CN" dirty="0" err="1"/>
-                  <a:t>Hevenside</a:t>
+                  <a:rPr lang="en-US" altLang="zh-CN" dirty="0"/>
+                  <a:t>Heaviside</a:t>
                 </a:r>
                 <a:r>
                   <a:rPr lang="zh-CN" altLang="en-US" dirty="0"/>
@@ -13799,7 +13601,7 @@
         </p:nvGrpSpPr>
         <p:grpSpPr>
           <a:xfrm>
-            <a:off x="158059" y="568511"/>
+            <a:off x="158059" y="521129"/>
             <a:ext cx="5248462" cy="2245743"/>
             <a:chOff x="3167888" y="1493821"/>
             <a:chExt cx="5248462" cy="2245743"/>
@@ -13933,7 +13735,7 @@
         <p:spPr>
           <a:xfrm>
             <a:off x="227472" y="2816285"/>
-            <a:ext cx="3376245" cy="307777"/>
+            <a:ext cx="3466013" cy="307777"/>
           </a:xfrm>
           <a:prstGeom prst="rect">
             <a:avLst/>
@@ -13972,7 +13774,7 @@
             </a:r>
             <a:r>
               <a:rPr lang="en-US" altLang="zh-CN" dirty="0"/>
-              <a:t>=4, 10 repetition.</a:t>
+              <a:t>=4, 10 repetitions.</a:t>
             </a:r>
             <a:endParaRPr lang="en-CN" dirty="0"/>
           </a:p>
@@ -14409,7 +14211,7 @@
         </p:blipFill>
         <p:spPr>
           <a:xfrm>
-            <a:off x="2777576" y="2571750"/>
+            <a:off x="2770701" y="2506119"/>
             <a:ext cx="3382592" cy="2534277"/>
           </a:xfrm>
           <a:prstGeom prst="rect">
@@ -14431,7 +14233,7 @@
         </p:nvSpPr>
         <p:spPr>
           <a:xfrm>
-            <a:off x="1491917" y="3684999"/>
+            <a:off x="2770701" y="4886507"/>
             <a:ext cx="1085554" cy="307777"/>
           </a:xfrm>
           <a:prstGeom prst="rect">
@@ -14749,6 +14551,82 @@
           </a:prstGeom>
         </p:spPr>
       </p:pic>
+      <p:sp>
+        <p:nvSpPr>
+          <p:cNvPr id="6" name="TextBox 5">
+            <a:extLst>
+              <a:ext uri="{FF2B5EF4-FFF2-40B4-BE49-F238E27FC236}">
+                <a16:creationId xmlns:a16="http://schemas.microsoft.com/office/drawing/2014/main" id="{17B3D7A0-F089-4ADF-B0A2-AF4ABE35B43C}"/>
+              </a:ext>
+            </a:extLst>
+          </p:cNvPr>
+          <p:cNvSpPr txBox="1"/>
+          <p:nvPr/>
+        </p:nvSpPr>
+        <p:spPr>
+          <a:xfrm>
+            <a:off x="1416288" y="2028180"/>
+            <a:ext cx="4406995" cy="307777"/>
+          </a:xfrm>
+          <a:prstGeom prst="rect">
+            <a:avLst/>
+          </a:prstGeom>
+          <a:noFill/>
+        </p:spPr>
+        <p:txBody>
+          <a:bodyPr wrap="square" rtlCol="0">
+            <a:spAutoFit/>
+          </a:bodyPr>
+          <a:lstStyle/>
+          <a:p>
+            <a:r>
+              <a:rPr lang="en-US" altLang="zh-CN" dirty="0" err="1"/>
+              <a:t>N_sites</a:t>
+            </a:r>
+            <a:r>
+              <a:rPr lang="zh-CN" altLang="en-US" dirty="0"/>
+              <a:t> </a:t>
+            </a:r>
+            <a:r>
+              <a:rPr lang="en-US" altLang="zh-CN" dirty="0"/>
+              <a:t>=</a:t>
+            </a:r>
+            <a:r>
+              <a:rPr lang="zh-CN" altLang="en-US" dirty="0"/>
+              <a:t> </a:t>
+            </a:r>
+            <a:r>
+              <a:rPr lang="en-US" altLang="zh-CN" dirty="0"/>
+              <a:t>4,</a:t>
+            </a:r>
+            <a:r>
+              <a:rPr lang="zh-CN" altLang="en-US" dirty="0"/>
+              <a:t> </a:t>
+            </a:r>
+            <a:r>
+              <a:rPr lang="en-US" altLang="zh-CN" dirty="0" err="1"/>
+              <a:t>Repititions</a:t>
+            </a:r>
+            <a:r>
+              <a:rPr lang="zh-CN" altLang="en-US" dirty="0"/>
+              <a:t> </a:t>
+            </a:r>
+            <a:r>
+              <a:rPr lang="en-US" altLang="zh-CN" dirty="0"/>
+              <a:t>=</a:t>
+            </a:r>
+            <a:r>
+              <a:rPr lang="zh-CN" altLang="en-US" dirty="0"/>
+              <a:t> </a:t>
+            </a:r>
+            <a:r>
+              <a:rPr lang="en-US" altLang="zh-CN" dirty="0"/>
+              <a:t>10</a:t>
+            </a:r>
+            <a:endParaRPr lang="en-CN" dirty="0"/>
+          </a:p>
+        </p:txBody>
+      </p:sp>
     </p:spTree>
     <p:extLst>
       <p:ext uri="{BB962C8B-B14F-4D97-AF65-F5344CB8AC3E}">

--- a/QHack-SunnyDelft.pptx
+++ b/QHack-SunnyDelft.pptx
@@ -7409,20 +7409,17 @@
           </a:bodyPr>
           <a:lstStyle/>
           <a:p>
-            <a:pPr marL="0" lvl="0" indent="0" algn="l" rtl="0">
-              <a:spcBef>
-                <a:spcPts val="0"/>
-              </a:spcBef>
-              <a:spcAft>
-                <a:spcPts val="0"/>
-              </a:spcAft>
-              <a:buNone/>
-            </a:pPr>
-            <a:r>
-              <a:rPr lang="en-GB" sz="3500" dirty="0"/>
-              <a:t>Searching ground state energy with Hybrid NISQ Algorithm</a:t>
-            </a:r>
-            <a:endParaRPr sz="3500" dirty="0"/>
+            <a:pPr algn="l"/>
+            <a:r>
+              <a:rPr lang="en-US" sz="3600" b="1" i="0" dirty="0">
+                <a:solidFill>
+                  <a:srgbClr val="0E1116"/>
+                </a:solidFill>
+                <a:effectLst/>
+                <a:latin typeface="-apple-system"/>
+              </a:rPr>
+              <a:t>Searching for ground state energy with Heisenberg-limit NISQ algorithm</a:t>
+            </a:r>
           </a:p>
         </p:txBody>
       </p:sp>
@@ -7461,10 +7458,14 @@
               <a:buNone/>
             </a:pPr>
             <a:r>
-              <a:rPr lang="en-GB" b="1"/>
-              <a:t>Team SunnyDelft</a:t>
-            </a:r>
-            <a:endParaRPr b="1"/>
+              <a:rPr lang="en-GB" b="1" dirty="0"/>
+              <a:t>Team </a:t>
+            </a:r>
+            <a:r>
+              <a:rPr lang="en-GB" b="1" dirty="0" err="1"/>
+              <a:t>SunnyDelft</a:t>
+            </a:r>
+            <a:endParaRPr b="1" dirty="0"/>
           </a:p>
           <a:p>
             <a:pPr marL="0" lvl="0" indent="0" algn="l" rtl="0">
@@ -7476,7 +7477,7 @@
               </a:spcAft>
               <a:buNone/>
             </a:pPr>
-            <a:endParaRPr/>
+            <a:endParaRPr dirty="0"/>
           </a:p>
           <a:p>
             <a:pPr marL="0" lvl="0" indent="0" algn="l" rtl="0">
@@ -7489,10 +7490,18 @@
               <a:buNone/>
             </a:pPr>
             <a:r>
-              <a:rPr lang="en-GB" i="1"/>
-              <a:t>as a project for QHack 2023 Open Hackathon</a:t>
-            </a:r>
-            <a:endParaRPr i="1"/>
+              <a:rPr lang="en-GB" i="1" dirty="0"/>
+              <a:t>as a project for </a:t>
+            </a:r>
+            <a:r>
+              <a:rPr lang="en-GB" i="1" dirty="0" err="1"/>
+              <a:t>QHack</a:t>
+            </a:r>
+            <a:r>
+              <a:rPr lang="en-GB" i="1" dirty="0"/>
+              <a:t> 2023 Open Hackathon</a:t>
+            </a:r>
+            <a:endParaRPr i="1" dirty="0"/>
           </a:p>
           <a:p>
             <a:pPr marL="0" lvl="0" indent="0" algn="l" rtl="0">
@@ -7504,7 +7513,7 @@
               </a:spcAft>
               <a:buNone/>
             </a:pPr>
-            <a:endParaRPr/>
+            <a:endParaRPr dirty="0"/>
           </a:p>
         </p:txBody>
       </p:sp>
@@ -9599,8 +9608,8 @@
           </a:p>
         </p:txBody>
       </p:sp>
-      <mc:AlternateContent xmlns:mc="http://schemas.openxmlformats.org/markup-compatibility/2006">
-        <mc:Choice xmlns:a14="http://schemas.microsoft.com/office/drawing/2010/main" Requires="a14">
+      <mc:AlternateContent xmlns:mc="http://schemas.openxmlformats.org/markup-compatibility/2006" xmlns:a14="http://schemas.microsoft.com/office/drawing/2010/main">
+        <mc:Choice Requires="a14">
           <p:sp>
             <p:nvSpPr>
               <p:cNvPr id="100" name="Google Shape;100;p15"/>
@@ -10507,7 +10516,7 @@
             </p:txBody>
           </p:sp>
         </mc:Choice>
-        <mc:Fallback>
+        <mc:Fallback xmlns="">
           <p:sp>
             <p:nvSpPr>
               <p:cNvPr id="100" name="Google Shape;100;p15"/>
@@ -11412,8 +11421,8 @@
           </a:p>
         </p:txBody>
       </p:sp>
-      <mc:AlternateContent xmlns:mc="http://schemas.openxmlformats.org/markup-compatibility/2006">
-        <mc:Choice xmlns:a14="http://schemas.microsoft.com/office/drawing/2010/main" Requires="a14">
+      <mc:AlternateContent xmlns:mc="http://schemas.openxmlformats.org/markup-compatibility/2006" xmlns:a14="http://schemas.microsoft.com/office/drawing/2010/main">
+        <mc:Choice Requires="a14">
           <p:sp>
             <p:nvSpPr>
               <p:cNvPr id="3" name="Text Placeholder 2">
@@ -12539,7 +12548,7 @@
             </p:txBody>
           </p:sp>
         </mc:Choice>
-        <mc:Fallback>
+        <mc:Fallback xmlns="">
           <p:sp>
             <p:nvSpPr>
               <p:cNvPr id="3" name="Text Placeholder 2">
@@ -13865,8 +13874,8 @@
           </a:p>
         </p:txBody>
       </p:sp>
-      <mc:AlternateContent xmlns:mc="http://schemas.openxmlformats.org/markup-compatibility/2006">
-        <mc:Choice xmlns:a14="http://schemas.microsoft.com/office/drawing/2010/main" Requires="a14">
+      <mc:AlternateContent xmlns:mc="http://schemas.openxmlformats.org/markup-compatibility/2006" xmlns:a14="http://schemas.microsoft.com/office/drawing/2010/main">
+        <mc:Choice Requires="a14">
           <p:sp>
             <p:nvSpPr>
               <p:cNvPr id="3" name="Text Placeholder 2">
@@ -14145,7 +14154,7 @@
             </p:txBody>
           </p:sp>
         </mc:Choice>
-        <mc:Fallback>
+        <mc:Fallback xmlns="">
           <p:sp>
             <p:nvSpPr>
               <p:cNvPr id="3" name="Text Placeholder 2">
@@ -14696,8 +14705,8 @@
           </a:p>
         </p:txBody>
       </p:sp>
-      <mc:AlternateContent xmlns:mc="http://schemas.openxmlformats.org/markup-compatibility/2006">
-        <mc:Choice xmlns:a14="http://schemas.microsoft.com/office/drawing/2010/main" Requires="a14">
+      <mc:AlternateContent xmlns:mc="http://schemas.openxmlformats.org/markup-compatibility/2006" xmlns:a14="http://schemas.microsoft.com/office/drawing/2010/main">
+        <mc:Choice Requires="a14">
           <p:sp>
             <p:nvSpPr>
               <p:cNvPr id="3" name="Text Placeholder 2">
@@ -15126,7 +15135,7 @@
             </p:txBody>
           </p:sp>
         </mc:Choice>
-        <mc:Fallback>
+        <mc:Fallback xmlns="">
           <p:sp>
             <p:nvSpPr>
               <p:cNvPr id="3" name="Text Placeholder 2">

--- a/QHack-SunnyDelft.pptx
+++ b/QHack-SunnyDelft.pptx
@@ -9601,10 +9601,26 @@
               <a:buNone/>
             </a:pPr>
             <a:r>
-              <a:rPr lang="en-GB"/>
-              <a:t>Hybrid NISQ Algorithm with Heisenberg-limit</a:t>
-            </a:r>
-            <a:endParaRPr/>
+              <a:rPr lang="en-US" altLang="zh-CN" dirty="0"/>
+              <a:t>Statistic</a:t>
+            </a:r>
+            <a:r>
+              <a:rPr lang="zh-CN" altLang="en-US" dirty="0"/>
+              <a:t> </a:t>
+            </a:r>
+            <a:r>
+              <a:rPr lang="en-US" altLang="zh-CN" dirty="0"/>
+              <a:t>Phase</a:t>
+            </a:r>
+            <a:r>
+              <a:rPr lang="zh-CN" altLang="en-US" dirty="0"/>
+              <a:t> </a:t>
+            </a:r>
+            <a:r>
+              <a:rPr lang="en-US" altLang="zh-CN" dirty="0"/>
+              <a:t>Estimation</a:t>
+            </a:r>
+            <a:endParaRPr dirty="0"/>
           </a:p>
         </p:txBody>
       </p:sp>
@@ -11407,7 +11423,7 @@
             </a:r>
             <a:r>
               <a:rPr lang="en-US" altLang="zh-CN" dirty="0"/>
-              <a:t>the</a:t>
+              <a:t>Statistic</a:t>
             </a:r>
             <a:r>
               <a:rPr lang="zh-CN" altLang="en-US" dirty="0"/>
@@ -11415,7 +11431,15 @@
             </a:r>
             <a:r>
               <a:rPr lang="en-US" altLang="zh-CN" dirty="0"/>
-              <a:t>algorithm</a:t>
+              <a:t>Phase</a:t>
+            </a:r>
+            <a:r>
+              <a:rPr lang="zh-CN" altLang="en-US" dirty="0"/>
+              <a:t> </a:t>
+            </a:r>
+            <a:r>
+              <a:rPr lang="en-US" altLang="zh-CN" dirty="0"/>
+              <a:t>Estimation</a:t>
             </a:r>
             <a:endParaRPr lang="en-CN" dirty="0"/>
           </a:p>
